--- a/misc/Life Buddy Web App.pptx
+++ b/misc/Life Buddy Web App.pptx
@@ -11,6 +11,7 @@
     <p:sldId id="259" r:id="rId5"/>
     <p:sldId id="260" r:id="rId6"/>
     <p:sldId id="261" r:id="rId7"/>
+    <p:sldId id="262" r:id="rId8"/>
   </p:sldIdLst>
   <p:sldSz cx="12192000" cy="6858000"/>
   <p:notesSz cx="6858000" cy="9144000"/>
@@ -109,13 +110,18 @@
       </a:defRPr>
     </a:lvl9pPr>
   </p:defaultTextStyle>
+  <p:extLst>
+    <p:ext uri="{EFAFB233-063F-42B5-8137-9DF3F51BA10A}">
+      <p15:sldGuideLst xmlns:p15="http://schemas.microsoft.com/office/powerpoint/2012/main"/>
+    </p:ext>
+  </p:extLst>
 </p:presentation>
 </file>
 
 <file path=ppt/revisionInfo.xml><?xml version="1.0" encoding="utf-8"?>
 <p1510:revInfo xmlns:a="http://schemas.openxmlformats.org/drawingml/2006/main" xmlns:r="http://schemas.openxmlformats.org/officeDocument/2006/relationships" xmlns:p1510="http://schemas.microsoft.com/office/powerpoint/2015/10/main">
   <p1510:revLst>
-    <p1510:client id="{E396DAB5-DBA8-4C3B-B27B-31FB2DF75A1E}" v="5" dt="2021-07-10T12:27:49.022"/>
+    <p1510:client id="{E396DAB5-DBA8-4C3B-B27B-31FB2DF75A1E}" v="8" dt="2021-08-01T09:16:20.224"/>
   </p1510:revLst>
 </p1510:revInfo>
 </file>
@@ -125,7 +131,7 @@
   <pc:docChgLst>
     <pc:chgData name="Nick Rodriguez" userId="60df6d5feed7ac60" providerId="LiveId" clId="{E396DAB5-DBA8-4C3B-B27B-31FB2DF75A1E}"/>
     <pc:docChg chg="undo custSel addSld modSld">
-      <pc:chgData name="Nick Rodriguez" userId="60df6d5feed7ac60" providerId="LiveId" clId="{E396DAB5-DBA8-4C3B-B27B-31FB2DF75A1E}" dt="2021-07-10T12:29:11.728" v="2524" actId="6549"/>
+      <pc:chgData name="Nick Rodriguez" userId="60df6d5feed7ac60" providerId="LiveId" clId="{E396DAB5-DBA8-4C3B-B27B-31FB2DF75A1E}" dt="2021-08-01T09:33:36.812" v="2949" actId="14100"/>
       <pc:docMkLst>
         <pc:docMk/>
       </pc:docMkLst>
@@ -239,8 +245,8 @@
           </ac:spMkLst>
         </pc:spChg>
       </pc:sldChg>
-      <pc:sldChg chg="addSp modSp new mod">
-        <pc:chgData name="Nick Rodriguez" userId="60df6d5feed7ac60" providerId="LiveId" clId="{E396DAB5-DBA8-4C3B-B27B-31FB2DF75A1E}" dt="2021-07-10T12:29:11.728" v="2524" actId="6549"/>
+      <pc:sldChg chg="addSp modSp new mod setBg">
+        <pc:chgData name="Nick Rodriguez" userId="60df6d5feed7ac60" providerId="LiveId" clId="{E396DAB5-DBA8-4C3B-B27B-31FB2DF75A1E}" dt="2021-08-01T09:16:01.095" v="2678"/>
         <pc:sldMkLst>
           <pc:docMk/>
           <pc:sldMk cId="34843305" sldId="261"/>
@@ -254,7 +260,7 @@
           </ac:spMkLst>
         </pc:spChg>
         <pc:spChg chg="mod">
-          <ac:chgData name="Nick Rodriguez" userId="60df6d5feed7ac60" providerId="LiveId" clId="{E396DAB5-DBA8-4C3B-B27B-31FB2DF75A1E}" dt="2021-07-10T12:26:34.098" v="2229" actId="27636"/>
+          <ac:chgData name="Nick Rodriguez" userId="60df6d5feed7ac60" providerId="LiveId" clId="{E396DAB5-DBA8-4C3B-B27B-31FB2DF75A1E}" dt="2021-08-01T08:15:08.029" v="2677" actId="20577"/>
           <ac:spMkLst>
             <pc:docMk/>
             <pc:sldMk cId="34843305" sldId="261"/>
@@ -275,6 +281,29 @@
             <pc:docMk/>
             <pc:sldMk cId="34843305" sldId="261"/>
             <ac:spMk id="5" creationId="{E2302978-4299-4BE6-87E5-0A396DEBDAD0}"/>
+          </ac:spMkLst>
+        </pc:spChg>
+      </pc:sldChg>
+      <pc:sldChg chg="modSp add mod setBg">
+        <pc:chgData name="Nick Rodriguez" userId="60df6d5feed7ac60" providerId="LiveId" clId="{E396DAB5-DBA8-4C3B-B27B-31FB2DF75A1E}" dt="2021-08-01T09:33:36.812" v="2949" actId="14100"/>
+        <pc:sldMkLst>
+          <pc:docMk/>
+          <pc:sldMk cId="182378689" sldId="262"/>
+        </pc:sldMkLst>
+        <pc:spChg chg="mod">
+          <ac:chgData name="Nick Rodriguez" userId="60df6d5feed7ac60" providerId="LiveId" clId="{E396DAB5-DBA8-4C3B-B27B-31FB2DF75A1E}" dt="2021-08-01T09:20:36.072" v="2946" actId="404"/>
+          <ac:spMkLst>
+            <pc:docMk/>
+            <pc:sldMk cId="182378689" sldId="262"/>
+            <ac:spMk id="2" creationId="{E2F8D61A-151A-41D4-ACD1-C7ACE57DA0FE}"/>
+          </ac:spMkLst>
+        </pc:spChg>
+        <pc:spChg chg="mod">
+          <ac:chgData name="Nick Rodriguez" userId="60df6d5feed7ac60" providerId="LiveId" clId="{E396DAB5-DBA8-4C3B-B27B-31FB2DF75A1E}" dt="2021-08-01T09:33:36.812" v="2949" actId="14100"/>
+          <ac:spMkLst>
+            <pc:docMk/>
+            <pc:sldMk cId="182378689" sldId="262"/>
+            <ac:spMk id="3" creationId="{471E5327-8ED1-4525-8025-0617F94784D2}"/>
           </ac:spMkLst>
         </pc:spChg>
       </pc:sldChg>
@@ -430,7 +459,7 @@
           <a:p>
             <a:fld id="{D57D165D-784C-428F-B501-6E9E9CABBFA2}" type="datetimeFigureOut">
               <a:rPr lang="en-US" smtClean="0"/>
-              <a:t>7/10/2021</a:t>
+              <a:t>8/1/2021</a:t>
             </a:fld>
             <a:endParaRPr lang="en-US"/>
           </a:p>
@@ -628,7 +657,7 @@
           <a:p>
             <a:fld id="{D57D165D-784C-428F-B501-6E9E9CABBFA2}" type="datetimeFigureOut">
               <a:rPr lang="en-US" smtClean="0"/>
-              <a:t>7/10/2021</a:t>
+              <a:t>8/1/2021</a:t>
             </a:fld>
             <a:endParaRPr lang="en-US"/>
           </a:p>
@@ -836,7 +865,7 @@
           <a:p>
             <a:fld id="{D57D165D-784C-428F-B501-6E9E9CABBFA2}" type="datetimeFigureOut">
               <a:rPr lang="en-US" smtClean="0"/>
-              <a:t>7/10/2021</a:t>
+              <a:t>8/1/2021</a:t>
             </a:fld>
             <a:endParaRPr lang="en-US"/>
           </a:p>
@@ -1034,7 +1063,7 @@
           <a:p>
             <a:fld id="{D57D165D-784C-428F-B501-6E9E9CABBFA2}" type="datetimeFigureOut">
               <a:rPr lang="en-US" smtClean="0"/>
-              <a:t>7/10/2021</a:t>
+              <a:t>8/1/2021</a:t>
             </a:fld>
             <a:endParaRPr lang="en-US"/>
           </a:p>
@@ -1309,7 +1338,7 @@
           <a:p>
             <a:fld id="{D57D165D-784C-428F-B501-6E9E9CABBFA2}" type="datetimeFigureOut">
               <a:rPr lang="en-US" smtClean="0"/>
-              <a:t>7/10/2021</a:t>
+              <a:t>8/1/2021</a:t>
             </a:fld>
             <a:endParaRPr lang="en-US"/>
           </a:p>
@@ -1574,7 +1603,7 @@
           <a:p>
             <a:fld id="{D57D165D-784C-428F-B501-6E9E9CABBFA2}" type="datetimeFigureOut">
               <a:rPr lang="en-US" smtClean="0"/>
-              <a:t>7/10/2021</a:t>
+              <a:t>8/1/2021</a:t>
             </a:fld>
             <a:endParaRPr lang="en-US"/>
           </a:p>
@@ -1986,7 +2015,7 @@
           <a:p>
             <a:fld id="{D57D165D-784C-428F-B501-6E9E9CABBFA2}" type="datetimeFigureOut">
               <a:rPr lang="en-US" smtClean="0"/>
-              <a:t>7/10/2021</a:t>
+              <a:t>8/1/2021</a:t>
             </a:fld>
             <a:endParaRPr lang="en-US"/>
           </a:p>
@@ -2127,7 +2156,7 @@
           <a:p>
             <a:fld id="{D57D165D-784C-428F-B501-6E9E9CABBFA2}" type="datetimeFigureOut">
               <a:rPr lang="en-US" smtClean="0"/>
-              <a:t>7/10/2021</a:t>
+              <a:t>8/1/2021</a:t>
             </a:fld>
             <a:endParaRPr lang="en-US"/>
           </a:p>
@@ -2240,7 +2269,7 @@
           <a:p>
             <a:fld id="{D57D165D-784C-428F-B501-6E9E9CABBFA2}" type="datetimeFigureOut">
               <a:rPr lang="en-US" smtClean="0"/>
-              <a:t>7/10/2021</a:t>
+              <a:t>8/1/2021</a:t>
             </a:fld>
             <a:endParaRPr lang="en-US"/>
           </a:p>
@@ -2551,7 +2580,7 @@
           <a:p>
             <a:fld id="{D57D165D-784C-428F-B501-6E9E9CABBFA2}" type="datetimeFigureOut">
               <a:rPr lang="en-US" smtClean="0"/>
-              <a:t>7/10/2021</a:t>
+              <a:t>8/1/2021</a:t>
             </a:fld>
             <a:endParaRPr lang="en-US"/>
           </a:p>
@@ -2839,7 +2868,7 @@
           <a:p>
             <a:fld id="{D57D165D-784C-428F-B501-6E9E9CABBFA2}" type="datetimeFigureOut">
               <a:rPr lang="en-US" smtClean="0"/>
-              <a:t>7/10/2021</a:t>
+              <a:t>8/1/2021</a:t>
             </a:fld>
             <a:endParaRPr lang="en-US"/>
           </a:p>
@@ -3080,7 +3109,7 @@
           <a:p>
             <a:fld id="{D57D165D-784C-428F-B501-6E9E9CABBFA2}" type="datetimeFigureOut">
               <a:rPr lang="en-US" smtClean="0"/>
-              <a:t>7/10/2021</a:t>
+              <a:t>8/1/2021</a:t>
             </a:fld>
             <a:endParaRPr lang="en-US"/>
           </a:p>
@@ -5086,6 +5115,16 @@
 <file path=ppt/slides/slide6.xml><?xml version="1.0" encoding="utf-8"?>
 <p:sld xmlns:a="http://schemas.openxmlformats.org/drawingml/2006/main" xmlns:r="http://schemas.openxmlformats.org/officeDocument/2006/relationships" xmlns:p="http://schemas.openxmlformats.org/presentationml/2006/main">
   <p:cSld>
+    <p:bg>
+      <p:bgPr>
+        <a:solidFill>
+          <a:schemeClr val="bg1">
+            <a:lumMod val="95000"/>
+          </a:schemeClr>
+        </a:solidFill>
+        <a:effectLst/>
+      </p:bgPr>
+    </p:bg>
     <p:spTree>
       <p:nvGrpSpPr>
         <p:cNvPr id="1" name=""/>
@@ -5322,21 +5361,48 @@
             <a:pPr lvl="1"/>
             <a:r>
               <a:rPr lang="en-US" sz="900" dirty="0"/>
-              <a:t>Var type (mood, weight, heart rate (instance), activity, etc.,) – LB standardized</a:t>
+              <a:t>Var activity (walking, running, empty is okay for something like mood)</a:t>
             </a:r>
           </a:p>
           <a:p>
             <a:pPr lvl="1"/>
             <a:r>
+              <a:rPr lang="en-US" sz="900" dirty="0" err="1"/>
+              <a:t>var_type</a:t>
+            </a:r>
+            <a:r>
               <a:rPr lang="en-US" sz="900" dirty="0"/>
-              <a:t>Date, hour, min, sec</a:t>
+              <a:t>(mood, weight, heart rate (instance), etc.,) – LB standardized</a:t>
             </a:r>
           </a:p>
           <a:p>
             <a:pPr lvl="1"/>
             <a:r>
+              <a:rPr lang="en-US" sz="900" dirty="0" err="1"/>
+              <a:t>var_datetime_utc</a:t>
+            </a:r>
+            <a:r>
               <a:rPr lang="en-US" sz="900" dirty="0"/>
-              <a:t>Variable [object]</a:t>
+              <a:t> (Date, hour, min, sec converted to </a:t>
+            </a:r>
+            <a:r>
+              <a:rPr lang="en-US" sz="900" dirty="0" err="1"/>
+              <a:t>utc</a:t>
+            </a:r>
+            <a:r>
+              <a:rPr lang="en-US" sz="900" dirty="0"/>
+              <a:t>)</a:t>
+            </a:r>
+          </a:p>
+          <a:p>
+            <a:pPr lvl="1"/>
+            <a:r>
+              <a:rPr lang="en-US" sz="900" dirty="0" err="1"/>
+              <a:t>Var_value</a:t>
+            </a:r>
+            <a:r>
+              <a:rPr lang="en-US" sz="900" dirty="0"/>
+              <a:t> [measurement]</a:t>
             </a:r>
           </a:p>
           <a:p>
@@ -5743,6 +5809,491 @@
     <p:extLst>
       <p:ext uri="{BB962C8B-B14F-4D97-AF65-F5344CB8AC3E}">
         <p14:creationId xmlns:p14="http://schemas.microsoft.com/office/powerpoint/2010/main" val="34843305"/>
+      </p:ext>
+    </p:extLst>
+  </p:cSld>
+  <p:clrMapOvr>
+    <a:masterClrMapping/>
+  </p:clrMapOvr>
+</p:sld>
+</file>
+
+<file path=ppt/slides/slide7.xml><?xml version="1.0" encoding="utf-8"?>
+<p:sld xmlns:a="http://schemas.openxmlformats.org/drawingml/2006/main" xmlns:r="http://schemas.openxmlformats.org/officeDocument/2006/relationships" xmlns:p="http://schemas.openxmlformats.org/presentationml/2006/main">
+  <p:cSld>
+    <p:spTree>
+      <p:nvGrpSpPr>
+        <p:cNvPr id="1" name=""/>
+        <p:cNvGrpSpPr/>
+        <p:nvPr/>
+      </p:nvGrpSpPr>
+      <p:grpSpPr>
+        <a:xfrm>
+          <a:off x="0" y="0"/>
+          <a:ext cx="0" cy="0"/>
+          <a:chOff x="0" y="0"/>
+          <a:chExt cx="0" cy="0"/>
+        </a:xfrm>
+      </p:grpSpPr>
+      <p:sp>
+        <p:nvSpPr>
+          <p:cNvPr id="2" name="Title 1">
+            <a:extLst>
+              <a:ext uri="{FF2B5EF4-FFF2-40B4-BE49-F238E27FC236}">
+                <a16:creationId xmlns:a16="http://schemas.microsoft.com/office/drawing/2014/main" id="{E2F8D61A-151A-41D4-ACD1-C7ACE57DA0FE}"/>
+              </a:ext>
+            </a:extLst>
+          </p:cNvPr>
+          <p:cNvSpPr>
+            <a:spLocks noGrp="1"/>
+          </p:cNvSpPr>
+          <p:nvPr>
+            <p:ph type="title"/>
+          </p:nvPr>
+        </p:nvSpPr>
+        <p:spPr/>
+        <p:txBody>
+          <a:bodyPr/>
+          <a:lstStyle/>
+          <a:p>
+            <a:r>
+              <a:rPr lang="en-US" dirty="0"/>
+              <a:t>Database v2 </a:t>
+            </a:r>
+            <a:r>
+              <a:rPr lang="en-US" sz="2400" dirty="0"/>
+              <a:t>(8/1/2021)</a:t>
+            </a:r>
+            <a:endParaRPr lang="en-US" dirty="0"/>
+          </a:p>
+        </p:txBody>
+      </p:sp>
+      <p:sp>
+        <p:nvSpPr>
+          <p:cNvPr id="3" name="Content Placeholder 2">
+            <a:extLst>
+              <a:ext uri="{FF2B5EF4-FFF2-40B4-BE49-F238E27FC236}">
+                <a16:creationId xmlns:a16="http://schemas.microsoft.com/office/drawing/2014/main" id="{471E5327-8ED1-4525-8025-0617F94784D2}"/>
+              </a:ext>
+            </a:extLst>
+          </p:cNvPr>
+          <p:cNvSpPr>
+            <a:spLocks noGrp="1"/>
+          </p:cNvSpPr>
+          <p:nvPr>
+            <p:ph idx="1"/>
+          </p:nvPr>
+        </p:nvSpPr>
+        <p:spPr>
+          <a:xfrm>
+            <a:off x="838200" y="1359281"/>
+            <a:ext cx="10515600" cy="3933265"/>
+          </a:xfrm>
+        </p:spPr>
+        <p:txBody>
+          <a:bodyPr numCol="2">
+            <a:normAutofit/>
+          </a:bodyPr>
+          <a:lstStyle/>
+          <a:p>
+            <a:r>
+              <a:rPr lang="en-US" sz="1000" dirty="0"/>
+              <a:t>User table</a:t>
+            </a:r>
+          </a:p>
+          <a:p>
+            <a:pPr lvl="1"/>
+            <a:r>
+              <a:rPr lang="en-US" sz="900" dirty="0"/>
+              <a:t>Username</a:t>
+            </a:r>
+          </a:p>
+          <a:p>
+            <a:pPr lvl="1"/>
+            <a:r>
+              <a:rPr lang="en-US" sz="900" dirty="0"/>
+              <a:t>Email</a:t>
+            </a:r>
+          </a:p>
+          <a:p>
+            <a:pPr lvl="1"/>
+            <a:r>
+              <a:rPr lang="en-US" sz="900" dirty="0"/>
+              <a:t>Password</a:t>
+            </a:r>
+          </a:p>
+          <a:p>
+            <a:pPr lvl="1"/>
+            <a:r>
+              <a:rPr lang="en-US" sz="900" dirty="0"/>
+              <a:t>Permission (view nick’s data?)</a:t>
+            </a:r>
+          </a:p>
+          <a:p>
+            <a:pPr lvl="1"/>
+            <a:r>
+              <a:rPr lang="en-US" sz="900" dirty="0"/>
+              <a:t>Profile image</a:t>
+            </a:r>
+          </a:p>
+          <a:p>
+            <a:pPr lvl="1"/>
+            <a:r>
+              <a:rPr lang="en-US" sz="900" dirty="0"/>
+              <a:t>Time stamp registered</a:t>
+            </a:r>
+          </a:p>
+          <a:p>
+            <a:pPr lvl="1"/>
+            <a:r>
+              <a:rPr lang="en-US" sz="900" dirty="0"/>
+              <a:t>User </a:t>
+            </a:r>
+            <a:r>
+              <a:rPr lang="en-US" sz="900" dirty="0" err="1"/>
+              <a:t>timezone</a:t>
+            </a:r>
+            <a:endParaRPr lang="en-US" sz="900" dirty="0"/>
+          </a:p>
+          <a:p>
+            <a:r>
+              <a:rPr lang="en-US" sz="1000" dirty="0"/>
+              <a:t>Variable Table</a:t>
+            </a:r>
+          </a:p>
+          <a:p>
+            <a:pPr lvl="1"/>
+            <a:r>
+              <a:rPr lang="en-US" sz="900" dirty="0"/>
+              <a:t>Id</a:t>
+            </a:r>
+          </a:p>
+          <a:p>
+            <a:pPr lvl="1"/>
+            <a:r>
+              <a:rPr lang="en-US" sz="900" dirty="0" err="1"/>
+              <a:t>User_id</a:t>
+            </a:r>
+            <a:r>
+              <a:rPr lang="en-US" sz="900" dirty="0"/>
+              <a:t> (foreign key)</a:t>
+            </a:r>
+          </a:p>
+          <a:p>
+            <a:pPr lvl="1"/>
+            <a:r>
+              <a:rPr lang="en-US" sz="900" dirty="0"/>
+              <a:t>Var activity (walking, running, empty is okay for something like mood)</a:t>
+            </a:r>
+          </a:p>
+          <a:p>
+            <a:pPr lvl="1"/>
+            <a:r>
+              <a:rPr lang="en-US" sz="900" dirty="0" err="1"/>
+              <a:t>var_type</a:t>
+            </a:r>
+            <a:r>
+              <a:rPr lang="en-US" sz="900" dirty="0"/>
+              <a:t> (mood, weight, heart rate (instance), etc.,) – LB standardized</a:t>
+            </a:r>
+          </a:p>
+          <a:p>
+            <a:pPr lvl="1"/>
+            <a:r>
+              <a:rPr lang="en-US" sz="900" dirty="0" err="1"/>
+              <a:t>var_datetime_utc</a:t>
+            </a:r>
+            <a:r>
+              <a:rPr lang="en-US" sz="900" dirty="0"/>
+              <a:t>  (Date, hour, min, sec converted to </a:t>
+            </a:r>
+            <a:r>
+              <a:rPr lang="en-US" sz="900" dirty="0" err="1"/>
+              <a:t>utc</a:t>
+            </a:r>
+            <a:r>
+              <a:rPr lang="en-US" sz="900" dirty="0"/>
+              <a:t>)</a:t>
+            </a:r>
+          </a:p>
+          <a:p>
+            <a:pPr lvl="1"/>
+            <a:r>
+              <a:rPr lang="en-US" sz="900" dirty="0" err="1"/>
+              <a:t>Var_periodicity</a:t>
+            </a:r>
+            <a:r>
+              <a:rPr lang="en-US" sz="900" dirty="0"/>
+              <a:t> – days, seconds (</a:t>
+            </a:r>
+            <a:r>
+              <a:rPr lang="en-US" sz="900" dirty="0" err="1"/>
+              <a:t>i.e</a:t>
+            </a:r>
+            <a:r>
+              <a:rPr lang="en-US" sz="900" dirty="0"/>
+              <a:t> what are the measurements in – maybe redundant to </a:t>
+            </a:r>
+            <a:r>
+              <a:rPr lang="en-US" sz="900" dirty="0" err="1"/>
+              <a:t>var_unit</a:t>
+            </a:r>
+            <a:r>
+              <a:rPr lang="en-US" sz="900" dirty="0"/>
+              <a:t>?)</a:t>
+            </a:r>
+          </a:p>
+          <a:p>
+            <a:pPr lvl="1"/>
+            <a:r>
+              <a:rPr lang="en-US" sz="900" dirty="0" err="1"/>
+              <a:t>Var_value</a:t>
+            </a:r>
+            <a:r>
+              <a:rPr lang="en-US" sz="900" dirty="0"/>
+              <a:t> [measurement]</a:t>
+            </a:r>
+          </a:p>
+          <a:p>
+            <a:pPr lvl="1"/>
+            <a:r>
+              <a:rPr lang="en-US" sz="900" dirty="0" err="1"/>
+              <a:t>var_unit</a:t>
+            </a:r>
+            <a:r>
+              <a:rPr lang="en-US" sz="900" dirty="0"/>
+              <a:t>– LB will standardize across data sets</a:t>
+            </a:r>
+          </a:p>
+          <a:p>
+            <a:pPr lvl="1"/>
+            <a:r>
+              <a:rPr lang="en-US" sz="900" dirty="0" err="1"/>
+              <a:t>var_timezone_utc_delta_in_mins</a:t>
+            </a:r>
+            <a:r>
+              <a:rPr lang="en-US" sz="900" dirty="0"/>
+              <a:t> = </a:t>
+            </a:r>
+            <a:r>
+              <a:rPr lang="en-US" sz="900" dirty="0" err="1"/>
+              <a:t>db.Column</a:t>
+            </a:r>
+            <a:r>
+              <a:rPr lang="en-US" sz="900" dirty="0"/>
+              <a:t>(</a:t>
+            </a:r>
+            <a:r>
+              <a:rPr lang="en-US" sz="900" dirty="0" err="1"/>
+              <a:t>db.Float</a:t>
+            </a:r>
+            <a:r>
+              <a:rPr lang="en-US" sz="900" dirty="0"/>
+              <a:t>) #difference </a:t>
+            </a:r>
+            <a:r>
+              <a:rPr lang="en-US" sz="900" dirty="0" err="1"/>
+              <a:t>bewteen</a:t>
+            </a:r>
+            <a:r>
+              <a:rPr lang="en-US" sz="900" dirty="0"/>
+              <a:t> </a:t>
+            </a:r>
+            <a:r>
+              <a:rPr lang="en-US" sz="900" dirty="0" err="1"/>
+              <a:t>utc</a:t>
+            </a:r>
+            <a:r>
+              <a:rPr lang="en-US" sz="900" dirty="0"/>
+              <a:t> and </a:t>
+            </a:r>
+            <a:r>
+              <a:rPr lang="en-US" sz="900" dirty="0" err="1"/>
+              <a:t>timezone</a:t>
+            </a:r>
+            <a:r>
+              <a:rPr lang="en-US" sz="900" dirty="0"/>
+              <a:t> of exercise</a:t>
+            </a:r>
+          </a:p>
+          <a:p>
+            <a:pPr lvl="1"/>
+            <a:r>
+              <a:rPr lang="en-US" sz="900" dirty="0" err="1"/>
+              <a:t>time_stamp_utc</a:t>
+            </a:r>
+            <a:r>
+              <a:rPr lang="en-US" sz="900" dirty="0"/>
+              <a:t> – time stamp of entry </a:t>
+            </a:r>
+          </a:p>
+          <a:p>
+            <a:pPr lvl="1"/>
+            <a:endParaRPr lang="en-US" sz="900" dirty="0"/>
+          </a:p>
+          <a:p>
+            <a:r>
+              <a:rPr lang="en-US" sz="1000" dirty="0"/>
+              <a:t>Posts Table</a:t>
+            </a:r>
+          </a:p>
+          <a:p>
+            <a:pPr lvl="1"/>
+            <a:endParaRPr lang="en-US" sz="900" dirty="0"/>
+          </a:p>
+        </p:txBody>
+      </p:sp>
+      <p:sp>
+        <p:nvSpPr>
+          <p:cNvPr id="4" name="TextBox 3">
+            <a:extLst>
+              <a:ext uri="{FF2B5EF4-FFF2-40B4-BE49-F238E27FC236}">
+                <a16:creationId xmlns:a16="http://schemas.microsoft.com/office/drawing/2014/main" id="{16AC410D-4FDE-4ECD-8104-91DD87EC4AB5}"/>
+              </a:ext>
+            </a:extLst>
+          </p:cNvPr>
+          <p:cNvSpPr txBox="1"/>
+          <p:nvPr/>
+        </p:nvSpPr>
+        <p:spPr>
+          <a:xfrm>
+            <a:off x="335280" y="5292546"/>
+            <a:ext cx="5590032" cy="1200329"/>
+          </a:xfrm>
+          <a:prstGeom prst="rect">
+            <a:avLst/>
+          </a:prstGeom>
+          <a:noFill/>
+        </p:spPr>
+        <p:txBody>
+          <a:bodyPr wrap="square" rtlCol="0">
+            <a:spAutoFit/>
+          </a:bodyPr>
+          <a:lstStyle/>
+          <a:p>
+            <a:r>
+              <a:rPr lang="en-US" dirty="0"/>
+              <a:t>Data upload processing steps:</a:t>
+            </a:r>
+          </a:p>
+          <a:p>
+            <a:pPr marL="342900" indent="-342900">
+              <a:buFont typeface="+mj-lt"/>
+              <a:buAutoNum type="arabicPeriod"/>
+            </a:pPr>
+            <a:r>
+              <a:rPr lang="en-US" dirty="0"/>
+              <a:t>Data gets uploaded through web or phone app. </a:t>
+            </a:r>
+          </a:p>
+          <a:p>
+            <a:pPr marL="342900" indent="-342900">
+              <a:buFont typeface="+mj-lt"/>
+              <a:buAutoNum type="arabicPeriod"/>
+            </a:pPr>
+            <a:r>
+              <a:rPr lang="en-US" dirty="0"/>
+              <a:t>Backend converts the input data to fit in Variable table via pandas </a:t>
+            </a:r>
+            <a:r>
+              <a:rPr lang="en-US" dirty="0" err="1"/>
+              <a:t>dataframe</a:t>
+            </a:r>
+            <a:r>
+              <a:rPr lang="en-US" dirty="0"/>
+              <a:t>. </a:t>
+            </a:r>
+          </a:p>
+        </p:txBody>
+      </p:sp>
+      <p:sp>
+        <p:nvSpPr>
+          <p:cNvPr id="5" name="TextBox 4">
+            <a:extLst>
+              <a:ext uri="{FF2B5EF4-FFF2-40B4-BE49-F238E27FC236}">
+                <a16:creationId xmlns:a16="http://schemas.microsoft.com/office/drawing/2014/main" id="{E2302978-4299-4BE6-87E5-0A396DEBDAD0}"/>
+              </a:ext>
+            </a:extLst>
+          </p:cNvPr>
+          <p:cNvSpPr txBox="1"/>
+          <p:nvPr/>
+        </p:nvSpPr>
+        <p:spPr>
+          <a:xfrm>
+            <a:off x="6275832" y="5310834"/>
+            <a:ext cx="5580888" cy="1200329"/>
+          </a:xfrm>
+          <a:prstGeom prst="rect">
+            <a:avLst/>
+          </a:prstGeom>
+          <a:noFill/>
+        </p:spPr>
+        <p:txBody>
+          <a:bodyPr wrap="square" rtlCol="0">
+            <a:spAutoFit/>
+          </a:bodyPr>
+          <a:lstStyle/>
+          <a:p>
+            <a:r>
+              <a:rPr lang="en-US" dirty="0"/>
+              <a:t>Data report processing steps:</a:t>
+            </a:r>
+          </a:p>
+          <a:p>
+            <a:pPr marL="342900" indent="-342900">
+              <a:buFont typeface="+mj-lt"/>
+              <a:buAutoNum type="arabicPeriod"/>
+            </a:pPr>
+            <a:r>
+              <a:rPr lang="en-US" dirty="0"/>
+              <a:t>Collect data from database into </a:t>
+            </a:r>
+            <a:r>
+              <a:rPr lang="en-US" dirty="0" err="1"/>
+              <a:t>dataframe</a:t>
+            </a:r>
+            <a:r>
+              <a:rPr lang="en-US" dirty="0"/>
+              <a:t>.</a:t>
+            </a:r>
+          </a:p>
+          <a:p>
+            <a:pPr marL="342900" indent="-342900">
+              <a:buFont typeface="+mj-lt"/>
+              <a:buAutoNum type="arabicPeriod"/>
+            </a:pPr>
+            <a:r>
+              <a:rPr lang="en-US" dirty="0"/>
+              <a:t>Convert </a:t>
+            </a:r>
+            <a:r>
+              <a:rPr lang="en-US" dirty="0" err="1"/>
+              <a:t>dataframe</a:t>
+            </a:r>
+            <a:r>
+              <a:rPr lang="en-US" dirty="0"/>
+              <a:t> to format for chart, table or </a:t>
+            </a:r>
+            <a:r>
+              <a:rPr lang="en-US" dirty="0" err="1"/>
+              <a:t>excelt</a:t>
+            </a:r>
+            <a:r>
+              <a:rPr lang="en-US" dirty="0"/>
+              <a:t> </a:t>
+            </a:r>
+            <a:r>
+              <a:rPr lang="en-US"/>
+              <a:t>report.</a:t>
+            </a:r>
+            <a:endParaRPr lang="en-US" dirty="0"/>
+          </a:p>
+        </p:txBody>
+      </p:sp>
+    </p:spTree>
+    <p:extLst>
+      <p:ext uri="{BB962C8B-B14F-4D97-AF65-F5344CB8AC3E}">
+        <p14:creationId xmlns:p14="http://schemas.microsoft.com/office/powerpoint/2010/main" val="182378689"/>
       </p:ext>
     </p:extLst>
   </p:cSld>

--- a/misc/Life Buddy Web App.pptx
+++ b/misc/Life Buddy Web App.pptx
@@ -12,6 +12,8 @@
     <p:sldId id="260" r:id="rId6"/>
     <p:sldId id="261" r:id="rId7"/>
     <p:sldId id="262" r:id="rId8"/>
+    <p:sldId id="264" r:id="rId9"/>
+    <p:sldId id="263" r:id="rId10"/>
   </p:sldIdLst>
   <p:sldSz cx="12192000" cy="6858000"/>
   <p:notesSz cx="6858000" cy="9144000"/>
@@ -121,7 +123,7 @@
 <file path=ppt/revisionInfo.xml><?xml version="1.0" encoding="utf-8"?>
 <p1510:revInfo xmlns:a="http://schemas.openxmlformats.org/drawingml/2006/main" xmlns:r="http://schemas.openxmlformats.org/officeDocument/2006/relationships" xmlns:p1510="http://schemas.microsoft.com/office/powerpoint/2015/10/main">
   <p1510:revLst>
-    <p1510:client id="{E396DAB5-DBA8-4C3B-B27B-31FB2DF75A1E}" v="8" dt="2021-08-01T09:16:20.224"/>
+    <p1510:client id="{E396DAB5-DBA8-4C3B-B27B-31FB2DF75A1E}" v="229" dt="2021-08-06T14:14:20.321"/>
   </p1510:revLst>
 </p1510:revInfo>
 </file>
@@ -131,7 +133,7 @@
   <pc:docChgLst>
     <pc:chgData name="Nick Rodriguez" userId="60df6d5feed7ac60" providerId="LiveId" clId="{E396DAB5-DBA8-4C3B-B27B-31FB2DF75A1E}"/>
     <pc:docChg chg="undo custSel addSld modSld">
-      <pc:chgData name="Nick Rodriguez" userId="60df6d5feed7ac60" providerId="LiveId" clId="{E396DAB5-DBA8-4C3B-B27B-31FB2DF75A1E}" dt="2021-08-01T09:33:36.812" v="2949" actId="14100"/>
+      <pc:chgData name="Nick Rodriguez" userId="60df6d5feed7ac60" providerId="LiveId" clId="{E396DAB5-DBA8-4C3B-B27B-31FB2DF75A1E}" dt="2021-08-06T14:20:41.790" v="3364" actId="20577"/>
       <pc:docMkLst>
         <pc:docMk/>
       </pc:docMkLst>
@@ -284,8 +286,8 @@
           </ac:spMkLst>
         </pc:spChg>
       </pc:sldChg>
-      <pc:sldChg chg="modSp add mod setBg">
-        <pc:chgData name="Nick Rodriguez" userId="60df6d5feed7ac60" providerId="LiveId" clId="{E396DAB5-DBA8-4C3B-B27B-31FB2DF75A1E}" dt="2021-08-01T09:33:36.812" v="2949" actId="14100"/>
+      <pc:sldChg chg="addSp delSp modSp add mod setBg">
+        <pc:chgData name="Nick Rodriguez" userId="60df6d5feed7ac60" providerId="LiveId" clId="{E396DAB5-DBA8-4C3B-B27B-31FB2DF75A1E}" dt="2021-08-06T14:14:15.793" v="3202" actId="22"/>
         <pc:sldMkLst>
           <pc:docMk/>
           <pc:sldMk cId="182378689" sldId="262"/>
@@ -303,6 +305,84 @@
           <ac:spMkLst>
             <pc:docMk/>
             <pc:sldMk cId="182378689" sldId="262"/>
+            <ac:spMk id="3" creationId="{471E5327-8ED1-4525-8025-0617F94784D2}"/>
+          </ac:spMkLst>
+        </pc:spChg>
+        <pc:spChg chg="add del">
+          <ac:chgData name="Nick Rodriguez" userId="60df6d5feed7ac60" providerId="LiveId" clId="{E396DAB5-DBA8-4C3B-B27B-31FB2DF75A1E}" dt="2021-08-06T14:14:15.793" v="3202" actId="22"/>
+          <ac:spMkLst>
+            <pc:docMk/>
+            <pc:sldMk cId="182378689" sldId="262"/>
+            <ac:spMk id="7" creationId="{D2BA72E1-96B9-47DF-A564-05D42E508801}"/>
+          </ac:spMkLst>
+        </pc:spChg>
+      </pc:sldChg>
+      <pc:sldChg chg="addSp delSp modSp new mod">
+        <pc:chgData name="Nick Rodriguez" userId="60df6d5feed7ac60" providerId="LiveId" clId="{E396DAB5-DBA8-4C3B-B27B-31FB2DF75A1E}" dt="2021-08-02T14:56:18.235" v="3200" actId="20577"/>
+        <pc:sldMkLst>
+          <pc:docMk/>
+          <pc:sldMk cId="4080612181" sldId="263"/>
+        </pc:sldMkLst>
+        <pc:spChg chg="mod">
+          <ac:chgData name="Nick Rodriguez" userId="60df6d5feed7ac60" providerId="LiveId" clId="{E396DAB5-DBA8-4C3B-B27B-31FB2DF75A1E}" dt="2021-08-02T14:31:33.985" v="2973" actId="20577"/>
+          <ac:spMkLst>
+            <pc:docMk/>
+            <pc:sldMk cId="4080612181" sldId="263"/>
+            <ac:spMk id="2" creationId="{9732167D-70E6-492E-8CD4-228276C98778}"/>
+          </ac:spMkLst>
+        </pc:spChg>
+        <pc:spChg chg="mod">
+          <ac:chgData name="Nick Rodriguez" userId="60df6d5feed7ac60" providerId="LiveId" clId="{E396DAB5-DBA8-4C3B-B27B-31FB2DF75A1E}" dt="2021-08-02T14:55:02.890" v="3194" actId="14100"/>
+          <ac:spMkLst>
+            <pc:docMk/>
+            <pc:sldMk cId="4080612181" sldId="263"/>
+            <ac:spMk id="3" creationId="{AC3D23B7-A69F-4034-971F-9EFCD31B22C3}"/>
+          </ac:spMkLst>
+        </pc:spChg>
+        <pc:spChg chg="add del mod">
+          <ac:chgData name="Nick Rodriguez" userId="60df6d5feed7ac60" providerId="LiveId" clId="{E396DAB5-DBA8-4C3B-B27B-31FB2DF75A1E}" dt="2021-08-02T14:51:03.267" v="3138" actId="478"/>
+          <ac:spMkLst>
+            <pc:docMk/>
+            <pc:sldMk cId="4080612181" sldId="263"/>
+            <ac:spMk id="4" creationId="{A4A76DCD-06A5-486C-B5AD-77E08E9EBAAB}"/>
+          </ac:spMkLst>
+        </pc:spChg>
+        <pc:spChg chg="add mod">
+          <ac:chgData name="Nick Rodriguez" userId="60df6d5feed7ac60" providerId="LiveId" clId="{E396DAB5-DBA8-4C3B-B27B-31FB2DF75A1E}" dt="2021-08-02T14:55:58.544" v="3196" actId="1076"/>
+          <ac:spMkLst>
+            <pc:docMk/>
+            <pc:sldMk cId="4080612181" sldId="263"/>
+            <ac:spMk id="5" creationId="{B29E550D-906A-4336-BA71-9E8F021BF747}"/>
+          </ac:spMkLst>
+        </pc:spChg>
+        <pc:spChg chg="add mod">
+          <ac:chgData name="Nick Rodriguez" userId="60df6d5feed7ac60" providerId="LiveId" clId="{E396DAB5-DBA8-4C3B-B27B-31FB2DF75A1E}" dt="2021-08-02T14:56:18.235" v="3200" actId="20577"/>
+          <ac:spMkLst>
+            <pc:docMk/>
+            <pc:sldMk cId="4080612181" sldId="263"/>
+            <ac:spMk id="6" creationId="{1757093B-8DCF-43B2-9BC3-3028B6254A99}"/>
+          </ac:spMkLst>
+        </pc:spChg>
+      </pc:sldChg>
+      <pc:sldChg chg="modSp add mod">
+        <pc:chgData name="Nick Rodriguez" userId="60df6d5feed7ac60" providerId="LiveId" clId="{E396DAB5-DBA8-4C3B-B27B-31FB2DF75A1E}" dt="2021-08-06T14:20:41.790" v="3364" actId="20577"/>
+        <pc:sldMkLst>
+          <pc:docMk/>
+          <pc:sldMk cId="1489088610" sldId="264"/>
+        </pc:sldMkLst>
+        <pc:spChg chg="mod">
+          <ac:chgData name="Nick Rodriguez" userId="60df6d5feed7ac60" providerId="LiveId" clId="{E396DAB5-DBA8-4C3B-B27B-31FB2DF75A1E}" dt="2021-08-06T14:14:28.071" v="3206" actId="20577"/>
+          <ac:spMkLst>
+            <pc:docMk/>
+            <pc:sldMk cId="1489088610" sldId="264"/>
+            <ac:spMk id="2" creationId="{E2F8D61A-151A-41D4-ACD1-C7ACE57DA0FE}"/>
+          </ac:spMkLst>
+        </pc:spChg>
+        <pc:spChg chg="mod">
+          <ac:chgData name="Nick Rodriguez" userId="60df6d5feed7ac60" providerId="LiveId" clId="{E396DAB5-DBA8-4C3B-B27B-31FB2DF75A1E}" dt="2021-08-06T14:20:41.790" v="3364" actId="20577"/>
+          <ac:spMkLst>
+            <pc:docMk/>
+            <pc:sldMk cId="1489088610" sldId="264"/>
             <ac:spMk id="3" creationId="{471E5327-8ED1-4525-8025-0617F94784D2}"/>
           </ac:spMkLst>
         </pc:spChg>
@@ -459,7 +539,7 @@
           <a:p>
             <a:fld id="{D57D165D-784C-428F-B501-6E9E9CABBFA2}" type="datetimeFigureOut">
               <a:rPr lang="en-US" smtClean="0"/>
-              <a:t>8/1/2021</a:t>
+              <a:t>8/2/2021</a:t>
             </a:fld>
             <a:endParaRPr lang="en-US"/>
           </a:p>
@@ -657,7 +737,7 @@
           <a:p>
             <a:fld id="{D57D165D-784C-428F-B501-6E9E9CABBFA2}" type="datetimeFigureOut">
               <a:rPr lang="en-US" smtClean="0"/>
-              <a:t>8/1/2021</a:t>
+              <a:t>8/2/2021</a:t>
             </a:fld>
             <a:endParaRPr lang="en-US"/>
           </a:p>
@@ -865,7 +945,7 @@
           <a:p>
             <a:fld id="{D57D165D-784C-428F-B501-6E9E9CABBFA2}" type="datetimeFigureOut">
               <a:rPr lang="en-US" smtClean="0"/>
-              <a:t>8/1/2021</a:t>
+              <a:t>8/2/2021</a:t>
             </a:fld>
             <a:endParaRPr lang="en-US"/>
           </a:p>
@@ -1063,7 +1143,7 @@
           <a:p>
             <a:fld id="{D57D165D-784C-428F-B501-6E9E9CABBFA2}" type="datetimeFigureOut">
               <a:rPr lang="en-US" smtClean="0"/>
-              <a:t>8/1/2021</a:t>
+              <a:t>8/2/2021</a:t>
             </a:fld>
             <a:endParaRPr lang="en-US"/>
           </a:p>
@@ -1338,7 +1418,7 @@
           <a:p>
             <a:fld id="{D57D165D-784C-428F-B501-6E9E9CABBFA2}" type="datetimeFigureOut">
               <a:rPr lang="en-US" smtClean="0"/>
-              <a:t>8/1/2021</a:t>
+              <a:t>8/2/2021</a:t>
             </a:fld>
             <a:endParaRPr lang="en-US"/>
           </a:p>
@@ -1603,7 +1683,7 @@
           <a:p>
             <a:fld id="{D57D165D-784C-428F-B501-6E9E9CABBFA2}" type="datetimeFigureOut">
               <a:rPr lang="en-US" smtClean="0"/>
-              <a:t>8/1/2021</a:t>
+              <a:t>8/2/2021</a:t>
             </a:fld>
             <a:endParaRPr lang="en-US"/>
           </a:p>
@@ -2015,7 +2095,7 @@
           <a:p>
             <a:fld id="{D57D165D-784C-428F-B501-6E9E9CABBFA2}" type="datetimeFigureOut">
               <a:rPr lang="en-US" smtClean="0"/>
-              <a:t>8/1/2021</a:t>
+              <a:t>8/2/2021</a:t>
             </a:fld>
             <a:endParaRPr lang="en-US"/>
           </a:p>
@@ -2156,7 +2236,7 @@
           <a:p>
             <a:fld id="{D57D165D-784C-428F-B501-6E9E9CABBFA2}" type="datetimeFigureOut">
               <a:rPr lang="en-US" smtClean="0"/>
-              <a:t>8/1/2021</a:t>
+              <a:t>8/2/2021</a:t>
             </a:fld>
             <a:endParaRPr lang="en-US"/>
           </a:p>
@@ -2269,7 +2349,7 @@
           <a:p>
             <a:fld id="{D57D165D-784C-428F-B501-6E9E9CABBFA2}" type="datetimeFigureOut">
               <a:rPr lang="en-US" smtClean="0"/>
-              <a:t>8/1/2021</a:t>
+              <a:t>8/2/2021</a:t>
             </a:fld>
             <a:endParaRPr lang="en-US"/>
           </a:p>
@@ -2580,7 +2660,7 @@
           <a:p>
             <a:fld id="{D57D165D-784C-428F-B501-6E9E9CABBFA2}" type="datetimeFigureOut">
               <a:rPr lang="en-US" smtClean="0"/>
-              <a:t>8/1/2021</a:t>
+              <a:t>8/2/2021</a:t>
             </a:fld>
             <a:endParaRPr lang="en-US"/>
           </a:p>
@@ -2868,7 +2948,7 @@
           <a:p>
             <a:fld id="{D57D165D-784C-428F-B501-6E9E9CABBFA2}" type="datetimeFigureOut">
               <a:rPr lang="en-US" smtClean="0"/>
-              <a:t>8/1/2021</a:t>
+              <a:t>8/2/2021</a:t>
             </a:fld>
             <a:endParaRPr lang="en-US"/>
           </a:p>
@@ -3109,7 +3189,7 @@
           <a:p>
             <a:fld id="{D57D165D-784C-428F-B501-6E9E9CABBFA2}" type="datetimeFigureOut">
               <a:rPr lang="en-US" smtClean="0"/>
-              <a:t>8/1/2021</a:t>
+              <a:t>8/2/2021</a:t>
             </a:fld>
             <a:endParaRPr lang="en-US"/>
           </a:p>
@@ -6303,6 +6383,1682 @@
 </p:sld>
 </file>
 
+<file path=ppt/slides/slide8.xml><?xml version="1.0" encoding="utf-8"?>
+<p:sld xmlns:a="http://schemas.openxmlformats.org/drawingml/2006/main" xmlns:r="http://schemas.openxmlformats.org/officeDocument/2006/relationships" xmlns:p="http://schemas.openxmlformats.org/presentationml/2006/main">
+  <p:cSld>
+    <p:spTree>
+      <p:nvGrpSpPr>
+        <p:cNvPr id="1" name=""/>
+        <p:cNvGrpSpPr/>
+        <p:nvPr/>
+      </p:nvGrpSpPr>
+      <p:grpSpPr>
+        <a:xfrm>
+          <a:off x="0" y="0"/>
+          <a:ext cx="0" cy="0"/>
+          <a:chOff x="0" y="0"/>
+          <a:chExt cx="0" cy="0"/>
+        </a:xfrm>
+      </p:grpSpPr>
+      <p:sp>
+        <p:nvSpPr>
+          <p:cNvPr id="2" name="Title 1">
+            <a:extLst>
+              <a:ext uri="{FF2B5EF4-FFF2-40B4-BE49-F238E27FC236}">
+                <a16:creationId xmlns:a16="http://schemas.microsoft.com/office/drawing/2014/main" id="{E2F8D61A-151A-41D4-ACD1-C7ACE57DA0FE}"/>
+              </a:ext>
+            </a:extLst>
+          </p:cNvPr>
+          <p:cNvSpPr>
+            <a:spLocks noGrp="1"/>
+          </p:cNvSpPr>
+          <p:nvPr>
+            <p:ph type="title"/>
+          </p:nvPr>
+        </p:nvSpPr>
+        <p:spPr/>
+        <p:txBody>
+          <a:bodyPr/>
+          <a:lstStyle/>
+          <a:p>
+            <a:r>
+              <a:rPr lang="en-US" dirty="0"/>
+              <a:t>Database v3 </a:t>
+            </a:r>
+            <a:r>
+              <a:rPr lang="en-US" sz="2400" dirty="0"/>
+              <a:t>(8/6/2021)</a:t>
+            </a:r>
+            <a:endParaRPr lang="en-US" dirty="0"/>
+          </a:p>
+        </p:txBody>
+      </p:sp>
+      <p:sp>
+        <p:nvSpPr>
+          <p:cNvPr id="3" name="Content Placeholder 2">
+            <a:extLst>
+              <a:ext uri="{FF2B5EF4-FFF2-40B4-BE49-F238E27FC236}">
+                <a16:creationId xmlns:a16="http://schemas.microsoft.com/office/drawing/2014/main" id="{471E5327-8ED1-4525-8025-0617F94784D2}"/>
+              </a:ext>
+            </a:extLst>
+          </p:cNvPr>
+          <p:cNvSpPr>
+            <a:spLocks noGrp="1"/>
+          </p:cNvSpPr>
+          <p:nvPr>
+            <p:ph idx="1"/>
+          </p:nvPr>
+        </p:nvSpPr>
+        <p:spPr>
+          <a:xfrm>
+            <a:off x="838200" y="1359281"/>
+            <a:ext cx="10515600" cy="3933265"/>
+          </a:xfrm>
+        </p:spPr>
+        <p:txBody>
+          <a:bodyPr numCol="2">
+            <a:normAutofit/>
+          </a:bodyPr>
+          <a:lstStyle/>
+          <a:p>
+            <a:r>
+              <a:rPr lang="en-US" sz="1000" dirty="0"/>
+              <a:t>User table</a:t>
+            </a:r>
+          </a:p>
+          <a:p>
+            <a:pPr lvl="1"/>
+            <a:r>
+              <a:rPr lang="en-US" sz="900" dirty="0"/>
+              <a:t>Username</a:t>
+            </a:r>
+          </a:p>
+          <a:p>
+            <a:pPr lvl="1"/>
+            <a:r>
+              <a:rPr lang="en-US" sz="900" dirty="0"/>
+              <a:t>Email</a:t>
+            </a:r>
+          </a:p>
+          <a:p>
+            <a:pPr lvl="1"/>
+            <a:r>
+              <a:rPr lang="en-US" sz="900" dirty="0"/>
+              <a:t>Password</a:t>
+            </a:r>
+          </a:p>
+          <a:p>
+            <a:pPr lvl="1"/>
+            <a:r>
+              <a:rPr lang="en-US" sz="900" dirty="0"/>
+              <a:t>Permission (view nick’s data?)</a:t>
+            </a:r>
+          </a:p>
+          <a:p>
+            <a:pPr lvl="1"/>
+            <a:r>
+              <a:rPr lang="en-US" sz="900" dirty="0"/>
+              <a:t>Profile image</a:t>
+            </a:r>
+          </a:p>
+          <a:p>
+            <a:pPr lvl="1"/>
+            <a:r>
+              <a:rPr lang="en-US" sz="900" dirty="0"/>
+              <a:t>Time stamp registered</a:t>
+            </a:r>
+          </a:p>
+          <a:p>
+            <a:pPr lvl="1"/>
+            <a:r>
+              <a:rPr lang="en-US" sz="900" dirty="0"/>
+              <a:t>User </a:t>
+            </a:r>
+            <a:r>
+              <a:rPr lang="en-US" sz="900" dirty="0" err="1"/>
+              <a:t>timezone</a:t>
+            </a:r>
+            <a:endParaRPr lang="en-US" sz="900" dirty="0"/>
+          </a:p>
+          <a:p>
+            <a:r>
+              <a:rPr lang="en-US" sz="1000" dirty="0"/>
+              <a:t>Posts Table</a:t>
+            </a:r>
+          </a:p>
+          <a:p>
+            <a:r>
+              <a:rPr lang="en-US" sz="1000" dirty="0" err="1"/>
+              <a:t>Health_meta</a:t>
+            </a:r>
+            <a:endParaRPr lang="en-US" sz="1000" dirty="0"/>
+          </a:p>
+          <a:p>
+            <a:pPr lvl="1"/>
+            <a:r>
+              <a:rPr lang="en-US" sz="900" dirty="0"/>
+              <a:t>Id</a:t>
+            </a:r>
+          </a:p>
+          <a:p>
+            <a:pPr lvl="1"/>
+            <a:r>
+              <a:rPr lang="en-US" sz="900" dirty="0" err="1"/>
+              <a:t>User_id</a:t>
+            </a:r>
+            <a:r>
+              <a:rPr lang="en-US" sz="900" dirty="0"/>
+              <a:t>(foreign key)</a:t>
+            </a:r>
+          </a:p>
+          <a:p>
+            <a:pPr lvl="1"/>
+            <a:r>
+              <a:rPr lang="en-US" sz="900" dirty="0"/>
+              <a:t>Var activity (walking, running, empty is okay for something like mood)</a:t>
+            </a:r>
+          </a:p>
+          <a:p>
+            <a:pPr lvl="1"/>
+            <a:r>
+              <a:rPr lang="en-US" sz="900" dirty="0" err="1"/>
+              <a:t>var_type</a:t>
+            </a:r>
+            <a:r>
+              <a:rPr lang="en-US" sz="900" dirty="0"/>
+              <a:t> (mood, weight, heart rate (instance), etc.,) – LB standardized</a:t>
+            </a:r>
+          </a:p>
+          <a:p>
+            <a:pPr lvl="1"/>
+            <a:r>
+              <a:rPr lang="en-US" sz="900" dirty="0" err="1"/>
+              <a:t>Var_periodicity</a:t>
+            </a:r>
+            <a:r>
+              <a:rPr lang="en-US" sz="900" dirty="0"/>
+              <a:t> – days, seconds (</a:t>
+            </a:r>
+            <a:r>
+              <a:rPr lang="en-US" sz="900" dirty="0" err="1"/>
+              <a:t>i.e</a:t>
+            </a:r>
+            <a:r>
+              <a:rPr lang="en-US" sz="900" dirty="0"/>
+              <a:t> what are the measurements in – maybe redundant to </a:t>
+            </a:r>
+            <a:r>
+              <a:rPr lang="en-US" sz="900" dirty="0" err="1"/>
+              <a:t>var_unit</a:t>
+            </a:r>
+            <a:r>
+              <a:rPr lang="en-US" sz="900" dirty="0"/>
+              <a:t>?)</a:t>
+            </a:r>
+          </a:p>
+          <a:p>
+            <a:pPr lvl="1"/>
+            <a:r>
+              <a:rPr lang="en-US" sz="900" dirty="0" err="1"/>
+              <a:t>var_unit</a:t>
+            </a:r>
+            <a:r>
+              <a:rPr lang="en-US" sz="900" dirty="0"/>
+              <a:t>– LB will standardize across data sets</a:t>
+            </a:r>
+          </a:p>
+          <a:p>
+            <a:pPr lvl="1"/>
+            <a:r>
+              <a:rPr lang="en-US" sz="900" dirty="0" err="1"/>
+              <a:t>var_timezone_utc_delta_in_mins</a:t>
+            </a:r>
+            <a:r>
+              <a:rPr lang="en-US" sz="900" dirty="0"/>
+              <a:t> = </a:t>
+            </a:r>
+            <a:r>
+              <a:rPr lang="en-US" sz="900" dirty="0" err="1"/>
+              <a:t>db.Column</a:t>
+            </a:r>
+            <a:r>
+              <a:rPr lang="en-US" sz="900" dirty="0"/>
+              <a:t>(</a:t>
+            </a:r>
+            <a:r>
+              <a:rPr lang="en-US" sz="900" dirty="0" err="1"/>
+              <a:t>db.Float</a:t>
+            </a:r>
+            <a:r>
+              <a:rPr lang="en-US" sz="900" dirty="0"/>
+              <a:t>) #difference </a:t>
+            </a:r>
+            <a:r>
+              <a:rPr lang="en-US" sz="900" dirty="0" err="1"/>
+              <a:t>bewteen</a:t>
+            </a:r>
+            <a:r>
+              <a:rPr lang="en-US" sz="900" dirty="0"/>
+              <a:t> </a:t>
+            </a:r>
+            <a:r>
+              <a:rPr lang="en-US" sz="900" dirty="0" err="1"/>
+              <a:t>utc</a:t>
+            </a:r>
+            <a:r>
+              <a:rPr lang="en-US" sz="900" dirty="0"/>
+              <a:t> and </a:t>
+            </a:r>
+            <a:r>
+              <a:rPr lang="en-US" sz="900" dirty="0" err="1"/>
+              <a:t>timezone</a:t>
+            </a:r>
+            <a:r>
+              <a:rPr lang="en-US" sz="900" dirty="0"/>
+              <a:t> of exercise</a:t>
+            </a:r>
+          </a:p>
+          <a:p>
+            <a:pPr lvl="1"/>
+            <a:r>
+              <a:rPr lang="en-US" sz="900" dirty="0" err="1"/>
+              <a:t>time_stamp_utc</a:t>
+            </a:r>
+            <a:r>
+              <a:rPr lang="en-US" sz="900" dirty="0"/>
+              <a:t> – time stamp of entry </a:t>
+            </a:r>
+          </a:p>
+          <a:p>
+            <a:pPr lvl="1"/>
+            <a:endParaRPr lang="en-US" sz="900" dirty="0"/>
+          </a:p>
+          <a:p>
+            <a:endParaRPr lang="en-US" sz="1000" dirty="0"/>
+          </a:p>
+          <a:p>
+            <a:r>
+              <a:rPr lang="en-US" sz="1000"/>
+              <a:t>Health_measure</a:t>
+            </a:r>
+            <a:endParaRPr lang="en-US" sz="1000" dirty="0"/>
+          </a:p>
+          <a:p>
+            <a:pPr lvl="1"/>
+            <a:r>
+              <a:rPr lang="en-US" sz="900" dirty="0"/>
+              <a:t>Id</a:t>
+            </a:r>
+          </a:p>
+          <a:p>
+            <a:pPr lvl="1"/>
+            <a:r>
+              <a:rPr lang="en-US" sz="900" dirty="0" err="1"/>
+              <a:t>Activity_Table_id</a:t>
+            </a:r>
+            <a:r>
+              <a:rPr lang="en-US" sz="900" dirty="0"/>
+              <a:t> (foreign key)</a:t>
+            </a:r>
+          </a:p>
+          <a:p>
+            <a:pPr lvl="1"/>
+            <a:r>
+              <a:rPr lang="en-US" sz="900" dirty="0" err="1"/>
+              <a:t>var_datetime_utc</a:t>
+            </a:r>
+            <a:r>
+              <a:rPr lang="en-US" sz="900" dirty="0"/>
+              <a:t>  (Date, hour, min, sec converted to </a:t>
+            </a:r>
+            <a:r>
+              <a:rPr lang="en-US" sz="900" dirty="0" err="1"/>
+              <a:t>utc</a:t>
+            </a:r>
+            <a:r>
+              <a:rPr lang="en-US" sz="900" dirty="0"/>
+              <a:t>)</a:t>
+            </a:r>
+          </a:p>
+          <a:p>
+            <a:pPr lvl="1"/>
+            <a:r>
+              <a:rPr lang="en-US" sz="900" dirty="0" err="1"/>
+              <a:t>Var_value</a:t>
+            </a:r>
+            <a:r>
+              <a:rPr lang="en-US" sz="900" dirty="0"/>
+              <a:t> [measurement]</a:t>
+            </a:r>
+          </a:p>
+          <a:p>
+            <a:pPr lvl="1"/>
+            <a:endParaRPr lang="en-US" sz="900" dirty="0"/>
+          </a:p>
+        </p:txBody>
+      </p:sp>
+      <p:sp>
+        <p:nvSpPr>
+          <p:cNvPr id="4" name="TextBox 3">
+            <a:extLst>
+              <a:ext uri="{FF2B5EF4-FFF2-40B4-BE49-F238E27FC236}">
+                <a16:creationId xmlns:a16="http://schemas.microsoft.com/office/drawing/2014/main" id="{16AC410D-4FDE-4ECD-8104-91DD87EC4AB5}"/>
+              </a:ext>
+            </a:extLst>
+          </p:cNvPr>
+          <p:cNvSpPr txBox="1"/>
+          <p:nvPr/>
+        </p:nvSpPr>
+        <p:spPr>
+          <a:xfrm>
+            <a:off x="335280" y="5292546"/>
+            <a:ext cx="5590032" cy="1200329"/>
+          </a:xfrm>
+          <a:prstGeom prst="rect">
+            <a:avLst/>
+          </a:prstGeom>
+          <a:noFill/>
+        </p:spPr>
+        <p:txBody>
+          <a:bodyPr wrap="square" rtlCol="0">
+            <a:spAutoFit/>
+          </a:bodyPr>
+          <a:lstStyle/>
+          <a:p>
+            <a:r>
+              <a:rPr lang="en-US" dirty="0"/>
+              <a:t>Data upload processing steps:</a:t>
+            </a:r>
+          </a:p>
+          <a:p>
+            <a:pPr marL="342900" indent="-342900">
+              <a:buFont typeface="+mj-lt"/>
+              <a:buAutoNum type="arabicPeriod"/>
+            </a:pPr>
+            <a:r>
+              <a:rPr lang="en-US" dirty="0"/>
+              <a:t>Data gets uploaded through web or phone app. </a:t>
+            </a:r>
+          </a:p>
+          <a:p>
+            <a:pPr marL="342900" indent="-342900">
+              <a:buFont typeface="+mj-lt"/>
+              <a:buAutoNum type="arabicPeriod"/>
+            </a:pPr>
+            <a:r>
+              <a:rPr lang="en-US" dirty="0"/>
+              <a:t>Backend converts the input data to fit in Variable table via pandas </a:t>
+            </a:r>
+            <a:r>
+              <a:rPr lang="en-US" dirty="0" err="1"/>
+              <a:t>dataframe</a:t>
+            </a:r>
+            <a:r>
+              <a:rPr lang="en-US" dirty="0"/>
+              <a:t>. </a:t>
+            </a:r>
+          </a:p>
+        </p:txBody>
+      </p:sp>
+      <p:sp>
+        <p:nvSpPr>
+          <p:cNvPr id="5" name="TextBox 4">
+            <a:extLst>
+              <a:ext uri="{FF2B5EF4-FFF2-40B4-BE49-F238E27FC236}">
+                <a16:creationId xmlns:a16="http://schemas.microsoft.com/office/drawing/2014/main" id="{E2302978-4299-4BE6-87E5-0A396DEBDAD0}"/>
+              </a:ext>
+            </a:extLst>
+          </p:cNvPr>
+          <p:cNvSpPr txBox="1"/>
+          <p:nvPr/>
+        </p:nvSpPr>
+        <p:spPr>
+          <a:xfrm>
+            <a:off x="6275832" y="5310834"/>
+            <a:ext cx="5580888" cy="1200329"/>
+          </a:xfrm>
+          <a:prstGeom prst="rect">
+            <a:avLst/>
+          </a:prstGeom>
+          <a:noFill/>
+        </p:spPr>
+        <p:txBody>
+          <a:bodyPr wrap="square" rtlCol="0">
+            <a:spAutoFit/>
+          </a:bodyPr>
+          <a:lstStyle/>
+          <a:p>
+            <a:r>
+              <a:rPr lang="en-US" dirty="0"/>
+              <a:t>Data report processing steps:</a:t>
+            </a:r>
+          </a:p>
+          <a:p>
+            <a:pPr marL="342900" indent="-342900">
+              <a:buFont typeface="+mj-lt"/>
+              <a:buAutoNum type="arabicPeriod"/>
+            </a:pPr>
+            <a:r>
+              <a:rPr lang="en-US" dirty="0"/>
+              <a:t>Collect data from database into </a:t>
+            </a:r>
+            <a:r>
+              <a:rPr lang="en-US" dirty="0" err="1"/>
+              <a:t>dataframe</a:t>
+            </a:r>
+            <a:r>
+              <a:rPr lang="en-US" dirty="0"/>
+              <a:t>.</a:t>
+            </a:r>
+          </a:p>
+          <a:p>
+            <a:pPr marL="342900" indent="-342900">
+              <a:buFont typeface="+mj-lt"/>
+              <a:buAutoNum type="arabicPeriod"/>
+            </a:pPr>
+            <a:r>
+              <a:rPr lang="en-US" dirty="0"/>
+              <a:t>Convert </a:t>
+            </a:r>
+            <a:r>
+              <a:rPr lang="en-US" dirty="0" err="1"/>
+              <a:t>dataframe</a:t>
+            </a:r>
+            <a:r>
+              <a:rPr lang="en-US" dirty="0"/>
+              <a:t> to format for chart, table or </a:t>
+            </a:r>
+            <a:r>
+              <a:rPr lang="en-US" dirty="0" err="1"/>
+              <a:t>excelt</a:t>
+            </a:r>
+            <a:r>
+              <a:rPr lang="en-US" dirty="0"/>
+              <a:t> </a:t>
+            </a:r>
+            <a:r>
+              <a:rPr lang="en-US"/>
+              <a:t>report.</a:t>
+            </a:r>
+            <a:endParaRPr lang="en-US" dirty="0"/>
+          </a:p>
+        </p:txBody>
+      </p:sp>
+    </p:spTree>
+    <p:extLst>
+      <p:ext uri="{BB962C8B-B14F-4D97-AF65-F5344CB8AC3E}">
+        <p14:creationId xmlns:p14="http://schemas.microsoft.com/office/powerpoint/2010/main" val="1489088610"/>
+      </p:ext>
+    </p:extLst>
+  </p:cSld>
+  <p:clrMapOvr>
+    <a:masterClrMapping/>
+  </p:clrMapOvr>
+</p:sld>
+</file>
+
+<file path=ppt/slides/slide9.xml><?xml version="1.0" encoding="utf-8"?>
+<p:sld xmlns:a="http://schemas.openxmlformats.org/drawingml/2006/main" xmlns:r="http://schemas.openxmlformats.org/officeDocument/2006/relationships" xmlns:p="http://schemas.openxmlformats.org/presentationml/2006/main">
+  <p:cSld>
+    <p:spTree>
+      <p:nvGrpSpPr>
+        <p:cNvPr id="1" name=""/>
+        <p:cNvGrpSpPr/>
+        <p:nvPr/>
+      </p:nvGrpSpPr>
+      <p:grpSpPr>
+        <a:xfrm>
+          <a:off x="0" y="0"/>
+          <a:ext cx="0" cy="0"/>
+          <a:chOff x="0" y="0"/>
+          <a:chExt cx="0" cy="0"/>
+        </a:xfrm>
+      </p:grpSpPr>
+      <p:sp>
+        <p:nvSpPr>
+          <p:cNvPr id="2" name="Title 1">
+            <a:extLst>
+              <a:ext uri="{FF2B5EF4-FFF2-40B4-BE49-F238E27FC236}">
+                <a16:creationId xmlns:a16="http://schemas.microsoft.com/office/drawing/2014/main" id="{9732167D-70E6-492E-8CD4-228276C98778}"/>
+              </a:ext>
+            </a:extLst>
+          </p:cNvPr>
+          <p:cNvSpPr>
+            <a:spLocks noGrp="1"/>
+          </p:cNvSpPr>
+          <p:nvPr>
+            <p:ph type="title"/>
+          </p:nvPr>
+        </p:nvSpPr>
+        <p:spPr/>
+        <p:txBody>
+          <a:bodyPr/>
+          <a:lstStyle/>
+          <a:p>
+            <a:r>
+              <a:rPr lang="en-US" dirty="0"/>
+              <a:t>Heart Rate Model</a:t>
+            </a:r>
+          </a:p>
+        </p:txBody>
+      </p:sp>
+      <mc:AlternateContent xmlns:mc="http://schemas.openxmlformats.org/markup-compatibility/2006">
+        <mc:Choice xmlns:a14="http://schemas.microsoft.com/office/drawing/2010/main" Requires="a14">
+          <p:sp>
+            <p:nvSpPr>
+              <p:cNvPr id="3" name="Content Placeholder 2">
+                <a:extLst>
+                  <a:ext uri="{FF2B5EF4-FFF2-40B4-BE49-F238E27FC236}">
+                    <a16:creationId xmlns:a16="http://schemas.microsoft.com/office/drawing/2014/main" id="{AC3D23B7-A69F-4034-971F-9EFCD31B22C3}"/>
+                  </a:ext>
+                </a:extLst>
+              </p:cNvPr>
+              <p:cNvSpPr>
+                <a:spLocks noGrp="1"/>
+              </p:cNvSpPr>
+              <p:nvPr>
+                <p:ph idx="1"/>
+              </p:nvPr>
+            </p:nvSpPr>
+            <p:spPr>
+              <a:xfrm>
+                <a:off x="838200" y="1825625"/>
+                <a:ext cx="4089400" cy="984687"/>
+              </a:xfrm>
+            </p:spPr>
+            <p:txBody>
+              <a:bodyPr>
+                <a:normAutofit fontScale="77500" lnSpcReduction="20000"/>
+              </a:bodyPr>
+              <a:lstStyle/>
+              <a:p>
+                <a:pPr marL="0" indent="0">
+                  <a:buNone/>
+                </a:pPr>
+                <a14:m>
+                  <m:oMathPara xmlns:m="http://schemas.openxmlformats.org/officeDocument/2006/math">
+                    <m:oMathParaPr>
+                      <m:jc m:val="centerGroup"/>
+                    </m:oMathParaPr>
+                    <m:oMath xmlns:m="http://schemas.openxmlformats.org/officeDocument/2006/math">
+                      <m:r>
+                        <a:rPr lang="en-US" b="0" i="1" smtClean="0">
+                          <a:latin typeface="Cambria Math" panose="02040503050406030204" pitchFamily="18" charset="0"/>
+                        </a:rPr>
+                        <m:t>𝑓</m:t>
+                      </m:r>
+                      <m:r>
+                        <a:rPr lang="en-US" i="1" smtClean="0">
+                          <a:latin typeface="Cambria Math" panose="02040503050406030204" pitchFamily="18" charset="0"/>
+                        </a:rPr>
+                        <m:t>(</m:t>
+                      </m:r>
+                      <m:r>
+                        <m:rPr>
+                          <m:sty m:val="p"/>
+                        </m:rPr>
+                        <a:rPr lang="el-GR" i="1" smtClean="0">
+                          <a:latin typeface="Cambria Math" panose="02040503050406030204" pitchFamily="18" charset="0"/>
+                        </a:rPr>
+                        <m:t>λ</m:t>
+                      </m:r>
+                      <m:r>
+                        <a:rPr lang="en-US" b="0" i="1" smtClean="0">
+                          <a:latin typeface="Cambria Math" panose="02040503050406030204" pitchFamily="18" charset="0"/>
+                        </a:rPr>
+                        <m:t>)</m:t>
+                      </m:r>
+                      <m:r>
+                        <a:rPr lang="pt-BR" i="1" smtClean="0">
+                          <a:latin typeface="Cambria Math" panose="02040503050406030204" pitchFamily="18" charset="0"/>
+                        </a:rPr>
+                        <m:t>=</m:t>
+                      </m:r>
+                      <m:nary>
+                        <m:naryPr>
+                          <m:chr m:val="∑"/>
+                          <m:ctrlPr>
+                            <a:rPr lang="pt-BR" i="1" smtClean="0">
+                              <a:latin typeface="Cambria Math" panose="02040503050406030204" pitchFamily="18" charset="0"/>
+                            </a:rPr>
+                          </m:ctrlPr>
+                        </m:naryPr>
+                        <m:sub>
+                          <m:r>
+                            <a:rPr lang="en-US" b="0" i="1" smtClean="0">
+                              <a:latin typeface="Cambria Math" panose="02040503050406030204" pitchFamily="18" charset="0"/>
+                            </a:rPr>
+                            <m:t>𝑖</m:t>
+                          </m:r>
+                          <m:r>
+                            <a:rPr lang="pt-BR" i="1" smtClean="0">
+                              <a:latin typeface="Cambria Math" panose="02040503050406030204" pitchFamily="18" charset="0"/>
+                            </a:rPr>
+                            <m:t>=</m:t>
+                          </m:r>
+                          <m:r>
+                            <a:rPr lang="en-US" b="0" i="1" smtClean="0">
+                              <a:latin typeface="Cambria Math" panose="02040503050406030204" pitchFamily="18" charset="0"/>
+                            </a:rPr>
+                            <m:t>1</m:t>
+                          </m:r>
+                        </m:sub>
+                        <m:sup>
+                          <m:r>
+                            <a:rPr lang="pt-BR" i="1" smtClean="0">
+                              <a:latin typeface="Cambria Math" panose="02040503050406030204" pitchFamily="18" charset="0"/>
+                            </a:rPr>
+                            <m:t>𝑛</m:t>
+                          </m:r>
+                        </m:sup>
+                        <m:e>
+                          <m:sSup>
+                            <m:sSupPr>
+                              <m:ctrlPr>
+                                <a:rPr lang="pt-BR" i="1" smtClean="0">
+                                  <a:latin typeface="Cambria Math" panose="02040503050406030204" pitchFamily="18" charset="0"/>
+                                </a:rPr>
+                              </m:ctrlPr>
+                            </m:sSupPr>
+                            <m:e>
+                              <m:d>
+                                <m:dPr>
+                                  <m:ctrlPr>
+                                    <a:rPr lang="pt-BR" i="1">
+                                      <a:latin typeface="Cambria Math" panose="02040503050406030204" pitchFamily="18" charset="0"/>
+                                    </a:rPr>
+                                  </m:ctrlPr>
+                                </m:dPr>
+                                <m:e>
+                                  <m:sSub>
+                                    <m:sSubPr>
+                                      <m:ctrlPr>
+                                        <a:rPr lang="en-US" i="1">
+                                          <a:latin typeface="Cambria Math" panose="02040503050406030204" pitchFamily="18" charset="0"/>
+                                        </a:rPr>
+                                      </m:ctrlPr>
+                                    </m:sSubPr>
+                                    <m:e>
+                                      <m:r>
+                                        <a:rPr lang="en-US" i="1">
+                                          <a:latin typeface="Cambria Math" panose="02040503050406030204" pitchFamily="18" charset="0"/>
+                                        </a:rPr>
+                                        <m:t>𝐻𝑅</m:t>
+                                      </m:r>
+                                    </m:e>
+                                    <m:sub>
+                                      <m:r>
+                                        <a:rPr lang="en-US" i="1">
+                                          <a:latin typeface="Cambria Math" panose="02040503050406030204" pitchFamily="18" charset="0"/>
+                                        </a:rPr>
+                                        <m:t>𝑖</m:t>
+                                      </m:r>
+                                    </m:sub>
+                                  </m:sSub>
+                                  <m:r>
+                                    <a:rPr lang="en-US" i="1">
+                                      <a:latin typeface="Cambria Math" panose="02040503050406030204" pitchFamily="18" charset="0"/>
+                                    </a:rPr>
+                                    <m:t>−</m:t>
+                                  </m:r>
+                                  <m:sSubSup>
+                                    <m:sSubSupPr>
+                                      <m:ctrlPr>
+                                        <a:rPr lang="en-US" i="1">
+                                          <a:latin typeface="Cambria Math" panose="02040503050406030204" pitchFamily="18" charset="0"/>
+                                        </a:rPr>
+                                      </m:ctrlPr>
+                                    </m:sSubSupPr>
+                                    <m:e>
+                                      <m:r>
+                                        <a:rPr lang="en-US" i="1">
+                                          <a:latin typeface="Cambria Math" panose="02040503050406030204" pitchFamily="18" charset="0"/>
+                                        </a:rPr>
+                                        <m:t>𝐻𝑅</m:t>
+                                      </m:r>
+                                    </m:e>
+                                    <m:sub>
+                                      <m:r>
+                                        <a:rPr lang="en-US" i="1">
+                                          <a:latin typeface="Cambria Math" panose="02040503050406030204" pitchFamily="18" charset="0"/>
+                                        </a:rPr>
+                                        <m:t>𝑖</m:t>
+                                      </m:r>
+                                    </m:sub>
+                                    <m:sup>
+                                      <m:r>
+                                        <a:rPr lang="en-US" i="1">
+                                          <a:latin typeface="Cambria Math" panose="02040503050406030204" pitchFamily="18" charset="0"/>
+                                        </a:rPr>
+                                        <m:t>𝑚</m:t>
+                                      </m:r>
+                                    </m:sup>
+                                  </m:sSubSup>
+                                </m:e>
+                              </m:d>
+                            </m:e>
+                            <m:sup>
+                              <m:r>
+                                <a:rPr lang="en-US" b="0" i="1" smtClean="0">
+                                  <a:latin typeface="Cambria Math" panose="02040503050406030204" pitchFamily="18" charset="0"/>
+                                </a:rPr>
+                                <m:t>2</m:t>
+                              </m:r>
+                            </m:sup>
+                          </m:sSup>
+                        </m:e>
+                      </m:nary>
+                    </m:oMath>
+                  </m:oMathPara>
+                </a14:m>
+                <a:endParaRPr lang="en-US" dirty="0"/>
+              </a:p>
+            </p:txBody>
+          </p:sp>
+        </mc:Choice>
+        <mc:Fallback>
+          <p:sp>
+            <p:nvSpPr>
+              <p:cNvPr id="3" name="Content Placeholder 2">
+                <a:extLst>
+                  <a:ext uri="{FF2B5EF4-FFF2-40B4-BE49-F238E27FC236}">
+                    <a16:creationId xmlns:a16="http://schemas.microsoft.com/office/drawing/2014/main" id="{AC3D23B7-A69F-4034-971F-9EFCD31B22C3}"/>
+                  </a:ext>
+                </a:extLst>
+              </p:cNvPr>
+              <p:cNvSpPr>
+                <a:spLocks noGrp="1" noRot="1" noChangeAspect="1" noMove="1" noResize="1" noEditPoints="1" noAdjustHandles="1" noChangeArrowheads="1" noChangeShapeType="1" noTextEdit="1"/>
+              </p:cNvSpPr>
+              <p:nvPr>
+                <p:ph idx="1"/>
+              </p:nvPr>
+            </p:nvSpPr>
+            <p:spPr>
+              <a:xfrm>
+                <a:off x="838200" y="1825625"/>
+                <a:ext cx="4089400" cy="984687"/>
+              </a:xfrm>
+              <a:blipFill>
+                <a:blip r:embed="rId2"/>
+                <a:stretch>
+                  <a:fillRect/>
+                </a:stretch>
+              </a:blipFill>
+            </p:spPr>
+            <p:txBody>
+              <a:bodyPr/>
+              <a:lstStyle/>
+              <a:p>
+                <a:r>
+                  <a:rPr lang="en-US">
+                    <a:noFill/>
+                  </a:rPr>
+                  <a:t> </a:t>
+                </a:r>
+              </a:p>
+            </p:txBody>
+          </p:sp>
+        </mc:Fallback>
+      </mc:AlternateContent>
+      <mc:AlternateContent xmlns:mc="http://schemas.openxmlformats.org/markup-compatibility/2006">
+        <mc:Choice xmlns:a14="http://schemas.microsoft.com/office/drawing/2010/main" Requires="a14">
+          <p:sp>
+            <p:nvSpPr>
+              <p:cNvPr id="5" name="Content Placeholder 2">
+                <a:extLst>
+                  <a:ext uri="{FF2B5EF4-FFF2-40B4-BE49-F238E27FC236}">
+                    <a16:creationId xmlns:a16="http://schemas.microsoft.com/office/drawing/2014/main" id="{B29E550D-906A-4336-BA71-9E8F021BF747}"/>
+                  </a:ext>
+                </a:extLst>
+              </p:cNvPr>
+              <p:cNvSpPr txBox="1">
+                <a:spLocks/>
+              </p:cNvSpPr>
+              <p:nvPr/>
+            </p:nvSpPr>
+            <p:spPr>
+              <a:xfrm>
+                <a:off x="0" y="3269813"/>
+                <a:ext cx="6769100" cy="1191498"/>
+              </a:xfrm>
+              <a:prstGeom prst="rect">
+                <a:avLst/>
+              </a:prstGeom>
+            </p:spPr>
+            <p:txBody>
+              <a:bodyPr vert="horz" lIns="91440" tIns="45720" rIns="91440" bIns="45720" rtlCol="0">
+                <a:normAutofit/>
+              </a:bodyPr>
+              <a:lstStyle>
+                <a:lvl1pPr marL="228600" indent="-228600" algn="l" defTabSz="914400" rtl="0" eaLnBrk="1" latinLnBrk="0" hangingPunct="1">
+                  <a:lnSpc>
+                    <a:spcPct val="90000"/>
+                  </a:lnSpc>
+                  <a:spcBef>
+                    <a:spcPts val="1000"/>
+                  </a:spcBef>
+                  <a:buFont typeface="Arial" panose="020B0604020202020204" pitchFamily="34" charset="0"/>
+                  <a:buChar char="•"/>
+                  <a:defRPr sz="2800" kern="1200">
+                    <a:solidFill>
+                      <a:schemeClr val="tx1"/>
+                    </a:solidFill>
+                    <a:latin typeface="+mn-lt"/>
+                    <a:ea typeface="+mn-ea"/>
+                    <a:cs typeface="+mn-cs"/>
+                  </a:defRPr>
+                </a:lvl1pPr>
+                <a:lvl2pPr marL="685800" indent="-228600" algn="l" defTabSz="914400" rtl="0" eaLnBrk="1" latinLnBrk="0" hangingPunct="1">
+                  <a:lnSpc>
+                    <a:spcPct val="90000"/>
+                  </a:lnSpc>
+                  <a:spcBef>
+                    <a:spcPts val="500"/>
+                  </a:spcBef>
+                  <a:buFont typeface="Arial" panose="020B0604020202020204" pitchFamily="34" charset="0"/>
+                  <a:buChar char="•"/>
+                  <a:defRPr sz="2400" kern="1200">
+                    <a:solidFill>
+                      <a:schemeClr val="tx1"/>
+                    </a:solidFill>
+                    <a:latin typeface="+mn-lt"/>
+                    <a:ea typeface="+mn-ea"/>
+                    <a:cs typeface="+mn-cs"/>
+                  </a:defRPr>
+                </a:lvl2pPr>
+                <a:lvl3pPr marL="1143000" indent="-228600" algn="l" defTabSz="914400" rtl="0" eaLnBrk="1" latinLnBrk="0" hangingPunct="1">
+                  <a:lnSpc>
+                    <a:spcPct val="90000"/>
+                  </a:lnSpc>
+                  <a:spcBef>
+                    <a:spcPts val="500"/>
+                  </a:spcBef>
+                  <a:buFont typeface="Arial" panose="020B0604020202020204" pitchFamily="34" charset="0"/>
+                  <a:buChar char="•"/>
+                  <a:defRPr sz="2000" kern="1200">
+                    <a:solidFill>
+                      <a:schemeClr val="tx1"/>
+                    </a:solidFill>
+                    <a:latin typeface="+mn-lt"/>
+                    <a:ea typeface="+mn-ea"/>
+                    <a:cs typeface="+mn-cs"/>
+                  </a:defRPr>
+                </a:lvl3pPr>
+                <a:lvl4pPr marL="1600200" indent="-228600" algn="l" defTabSz="914400" rtl="0" eaLnBrk="1" latinLnBrk="0" hangingPunct="1">
+                  <a:lnSpc>
+                    <a:spcPct val="90000"/>
+                  </a:lnSpc>
+                  <a:spcBef>
+                    <a:spcPts val="500"/>
+                  </a:spcBef>
+                  <a:buFont typeface="Arial" panose="020B0604020202020204" pitchFamily="34" charset="0"/>
+                  <a:buChar char="•"/>
+                  <a:defRPr sz="1800" kern="1200">
+                    <a:solidFill>
+                      <a:schemeClr val="tx1"/>
+                    </a:solidFill>
+                    <a:latin typeface="+mn-lt"/>
+                    <a:ea typeface="+mn-ea"/>
+                    <a:cs typeface="+mn-cs"/>
+                  </a:defRPr>
+                </a:lvl4pPr>
+                <a:lvl5pPr marL="2057400" indent="-228600" algn="l" defTabSz="914400" rtl="0" eaLnBrk="1" latinLnBrk="0" hangingPunct="1">
+                  <a:lnSpc>
+                    <a:spcPct val="90000"/>
+                  </a:lnSpc>
+                  <a:spcBef>
+                    <a:spcPts val="500"/>
+                  </a:spcBef>
+                  <a:buFont typeface="Arial" panose="020B0604020202020204" pitchFamily="34" charset="0"/>
+                  <a:buChar char="•"/>
+                  <a:defRPr sz="1800" kern="1200">
+                    <a:solidFill>
+                      <a:schemeClr val="tx1"/>
+                    </a:solidFill>
+                    <a:latin typeface="+mn-lt"/>
+                    <a:ea typeface="+mn-ea"/>
+                    <a:cs typeface="+mn-cs"/>
+                  </a:defRPr>
+                </a:lvl5pPr>
+                <a:lvl6pPr marL="2514600" indent="-228600" algn="l" defTabSz="914400" rtl="0" eaLnBrk="1" latinLnBrk="0" hangingPunct="1">
+                  <a:lnSpc>
+                    <a:spcPct val="90000"/>
+                  </a:lnSpc>
+                  <a:spcBef>
+                    <a:spcPts val="500"/>
+                  </a:spcBef>
+                  <a:buFont typeface="Arial" panose="020B0604020202020204" pitchFamily="34" charset="0"/>
+                  <a:buChar char="•"/>
+                  <a:defRPr sz="1800" kern="1200">
+                    <a:solidFill>
+                      <a:schemeClr val="tx1"/>
+                    </a:solidFill>
+                    <a:latin typeface="+mn-lt"/>
+                    <a:ea typeface="+mn-ea"/>
+                    <a:cs typeface="+mn-cs"/>
+                  </a:defRPr>
+                </a:lvl6pPr>
+                <a:lvl7pPr marL="2971800" indent="-228600" algn="l" defTabSz="914400" rtl="0" eaLnBrk="1" latinLnBrk="0" hangingPunct="1">
+                  <a:lnSpc>
+                    <a:spcPct val="90000"/>
+                  </a:lnSpc>
+                  <a:spcBef>
+                    <a:spcPts val="500"/>
+                  </a:spcBef>
+                  <a:buFont typeface="Arial" panose="020B0604020202020204" pitchFamily="34" charset="0"/>
+                  <a:buChar char="•"/>
+                  <a:defRPr sz="1800" kern="1200">
+                    <a:solidFill>
+                      <a:schemeClr val="tx1"/>
+                    </a:solidFill>
+                    <a:latin typeface="+mn-lt"/>
+                    <a:ea typeface="+mn-ea"/>
+                    <a:cs typeface="+mn-cs"/>
+                  </a:defRPr>
+                </a:lvl7pPr>
+                <a:lvl8pPr marL="3429000" indent="-228600" algn="l" defTabSz="914400" rtl="0" eaLnBrk="1" latinLnBrk="0" hangingPunct="1">
+                  <a:lnSpc>
+                    <a:spcPct val="90000"/>
+                  </a:lnSpc>
+                  <a:spcBef>
+                    <a:spcPts val="500"/>
+                  </a:spcBef>
+                  <a:buFont typeface="Arial" panose="020B0604020202020204" pitchFamily="34" charset="0"/>
+                  <a:buChar char="•"/>
+                  <a:defRPr sz="1800" kern="1200">
+                    <a:solidFill>
+                      <a:schemeClr val="tx1"/>
+                    </a:solidFill>
+                    <a:latin typeface="+mn-lt"/>
+                    <a:ea typeface="+mn-ea"/>
+                    <a:cs typeface="+mn-cs"/>
+                  </a:defRPr>
+                </a:lvl8pPr>
+                <a:lvl9pPr marL="3886200" indent="-228600" algn="l" defTabSz="914400" rtl="0" eaLnBrk="1" latinLnBrk="0" hangingPunct="1">
+                  <a:lnSpc>
+                    <a:spcPct val="90000"/>
+                  </a:lnSpc>
+                  <a:spcBef>
+                    <a:spcPts val="500"/>
+                  </a:spcBef>
+                  <a:buFont typeface="Arial" panose="020B0604020202020204" pitchFamily="34" charset="0"/>
+                  <a:buChar char="•"/>
+                  <a:defRPr sz="1800" kern="1200">
+                    <a:solidFill>
+                      <a:schemeClr val="tx1"/>
+                    </a:solidFill>
+                    <a:latin typeface="+mn-lt"/>
+                    <a:ea typeface="+mn-ea"/>
+                    <a:cs typeface="+mn-cs"/>
+                  </a:defRPr>
+                </a:lvl9pPr>
+              </a:lstStyle>
+              <a:p>
+                <a:pPr marL="0" indent="0">
+                  <a:buNone/>
+                </a:pPr>
+                <a14:m>
+                  <m:oMathPara xmlns:m="http://schemas.openxmlformats.org/officeDocument/2006/math">
+                    <m:oMathParaPr>
+                      <m:jc m:val="centerGroup"/>
+                    </m:oMathParaPr>
+                    <m:oMath xmlns:m="http://schemas.openxmlformats.org/officeDocument/2006/math">
+                      <m:sSub>
+                        <m:sSubPr>
+                          <m:ctrlPr>
+                            <a:rPr lang="en-US" i="1" smtClean="0">
+                              <a:latin typeface="Cambria Math" panose="02040503050406030204" pitchFamily="18" charset="0"/>
+                            </a:rPr>
+                          </m:ctrlPr>
+                        </m:sSubPr>
+                        <m:e>
+                          <m:r>
+                            <a:rPr lang="en-US" b="0" i="1" smtClean="0">
+                              <a:latin typeface="Cambria Math" panose="02040503050406030204" pitchFamily="18" charset="0"/>
+                            </a:rPr>
+                            <m:t>𝑓</m:t>
+                          </m:r>
+                        </m:e>
+                        <m:sub>
+                          <m:r>
+                            <a:rPr lang="en-US" b="0" i="1" smtClean="0">
+                              <a:latin typeface="Cambria Math" panose="02040503050406030204" pitchFamily="18" charset="0"/>
+                            </a:rPr>
+                            <m:t>𝑚𝑎𝑥</m:t>
+                          </m:r>
+                        </m:sub>
+                      </m:sSub>
+                      <m:d>
+                        <m:dPr>
+                          <m:ctrlPr>
+                            <a:rPr lang="en-US" i="1" smtClean="0">
+                              <a:latin typeface="Cambria Math" panose="02040503050406030204" pitchFamily="18" charset="0"/>
+                            </a:rPr>
+                          </m:ctrlPr>
+                        </m:dPr>
+                        <m:e>
+                          <m:r>
+                            <a:rPr lang="en-US" b="0" i="1" smtClean="0">
+                              <a:latin typeface="Cambria Math" panose="02040503050406030204" pitchFamily="18" charset="0"/>
+                            </a:rPr>
+                            <m:t>𝐻𝑅</m:t>
+                          </m:r>
+                        </m:e>
+                      </m:d>
+                      <m:r>
+                        <a:rPr lang="pt-BR" i="1" smtClean="0">
+                          <a:latin typeface="Cambria Math" panose="02040503050406030204" pitchFamily="18" charset="0"/>
+                        </a:rPr>
+                        <m:t>=</m:t>
+                      </m:r>
+                      <m:r>
+                        <a:rPr lang="en-US" b="0" i="1" smtClean="0">
+                          <a:latin typeface="Cambria Math" panose="02040503050406030204" pitchFamily="18" charset="0"/>
+                        </a:rPr>
+                        <m:t>1−</m:t>
+                      </m:r>
+                      <m:sSup>
+                        <m:sSupPr>
+                          <m:ctrlPr>
+                            <a:rPr lang="en-US" b="0" i="1" smtClean="0">
+                              <a:latin typeface="Cambria Math" panose="02040503050406030204" pitchFamily="18" charset="0"/>
+                            </a:rPr>
+                          </m:ctrlPr>
+                        </m:sSupPr>
+                        <m:e>
+                          <m:r>
+                            <a:rPr lang="en-US" b="0" i="1" smtClean="0">
+                              <a:latin typeface="Cambria Math" panose="02040503050406030204" pitchFamily="18" charset="0"/>
+                            </a:rPr>
+                            <m:t>𝑒</m:t>
+                          </m:r>
+                        </m:e>
+                        <m:sup>
+                          <m:sSup>
+                            <m:sSupPr>
+                              <m:ctrlPr>
+                                <a:rPr lang="en-US" b="0" i="1" smtClean="0">
+                                  <a:latin typeface="Cambria Math" panose="02040503050406030204" pitchFamily="18" charset="0"/>
+                                </a:rPr>
+                              </m:ctrlPr>
+                            </m:sSupPr>
+                            <m:e>
+                              <m:r>
+                                <a:rPr lang="en-US" i="1">
+                                  <a:latin typeface="Cambria Math" panose="02040503050406030204" pitchFamily="18" charset="0"/>
+                                </a:rPr>
+                                <m:t>−(</m:t>
+                              </m:r>
+                              <m:f>
+                                <m:fPr>
+                                  <m:ctrlPr>
+                                    <a:rPr lang="en-US" i="1">
+                                      <a:latin typeface="Cambria Math" panose="02040503050406030204" pitchFamily="18" charset="0"/>
+                                    </a:rPr>
+                                  </m:ctrlPr>
+                                </m:fPr>
+                                <m:num>
+                                  <m:r>
+                                    <a:rPr lang="en-US" i="1">
+                                      <a:latin typeface="Cambria Math" panose="02040503050406030204" pitchFamily="18" charset="0"/>
+                                    </a:rPr>
+                                    <m:t>𝐻𝑅</m:t>
+                                  </m:r>
+                                  <m:r>
+                                    <a:rPr lang="en-US" i="1">
+                                      <a:latin typeface="Cambria Math" panose="02040503050406030204" pitchFamily="18" charset="0"/>
+                                    </a:rPr>
+                                    <m:t>−</m:t>
+                                  </m:r>
+                                  <m:sSub>
+                                    <m:sSubPr>
+                                      <m:ctrlPr>
+                                        <a:rPr lang="en-US" i="1">
+                                          <a:latin typeface="Cambria Math" panose="02040503050406030204" pitchFamily="18" charset="0"/>
+                                        </a:rPr>
+                                      </m:ctrlPr>
+                                    </m:sSubPr>
+                                    <m:e>
+                                      <m:r>
+                                        <a:rPr lang="en-US" i="1">
+                                          <a:latin typeface="Cambria Math" panose="02040503050406030204" pitchFamily="18" charset="0"/>
+                                        </a:rPr>
+                                        <m:t>𝐻𝑅</m:t>
+                                      </m:r>
+                                    </m:e>
+                                    <m:sub>
+                                      <m:r>
+                                        <a:rPr lang="en-US" i="1">
+                                          <a:latin typeface="Cambria Math" panose="02040503050406030204" pitchFamily="18" charset="0"/>
+                                        </a:rPr>
+                                        <m:t>𝑚𝑎𝑥</m:t>
+                                      </m:r>
+                                    </m:sub>
+                                  </m:sSub>
+                                </m:num>
+                                <m:den>
+                                  <m:r>
+                                    <a:rPr lang="en-US" i="1">
+                                      <a:latin typeface="Cambria Math" panose="02040503050406030204" pitchFamily="18" charset="0"/>
+                                    </a:rPr>
+                                    <m:t>10</m:t>
+                                  </m:r>
+                                </m:den>
+                              </m:f>
+                              <m:r>
+                                <a:rPr lang="en-US" b="0" i="1" smtClean="0">
+                                  <a:latin typeface="Cambria Math" panose="02040503050406030204" pitchFamily="18" charset="0"/>
+                                </a:rPr>
+                                <m:t>)</m:t>
+                              </m:r>
+                            </m:e>
+                            <m:sup>
+                              <m:r>
+                                <a:rPr lang="en-US" b="0" i="1" smtClean="0">
+                                  <a:latin typeface="Cambria Math" panose="02040503050406030204" pitchFamily="18" charset="0"/>
+                                </a:rPr>
+                                <m:t>2</m:t>
+                              </m:r>
+                            </m:sup>
+                          </m:sSup>
+                        </m:sup>
+                      </m:sSup>
+                    </m:oMath>
+                  </m:oMathPara>
+                </a14:m>
+                <a:endParaRPr lang="en-US" dirty="0"/>
+              </a:p>
+            </p:txBody>
+          </p:sp>
+        </mc:Choice>
+        <mc:Fallback>
+          <p:sp>
+            <p:nvSpPr>
+              <p:cNvPr id="5" name="Content Placeholder 2">
+                <a:extLst>
+                  <a:ext uri="{FF2B5EF4-FFF2-40B4-BE49-F238E27FC236}">
+                    <a16:creationId xmlns:a16="http://schemas.microsoft.com/office/drawing/2014/main" id="{B29E550D-906A-4336-BA71-9E8F021BF747}"/>
+                  </a:ext>
+                </a:extLst>
+              </p:cNvPr>
+              <p:cNvSpPr txBox="1">
+                <a:spLocks noRot="1" noChangeAspect="1" noMove="1" noResize="1" noEditPoints="1" noAdjustHandles="1" noChangeArrowheads="1" noChangeShapeType="1" noTextEdit="1"/>
+              </p:cNvSpPr>
+              <p:nvPr/>
+            </p:nvSpPr>
+            <p:spPr>
+              <a:xfrm>
+                <a:off x="0" y="3269813"/>
+                <a:ext cx="6769100" cy="1191498"/>
+              </a:xfrm>
+              <a:prstGeom prst="rect">
+                <a:avLst/>
+              </a:prstGeom>
+              <a:blipFill>
+                <a:blip r:embed="rId3"/>
+                <a:stretch>
+                  <a:fillRect/>
+                </a:stretch>
+              </a:blipFill>
+            </p:spPr>
+            <p:txBody>
+              <a:bodyPr/>
+              <a:lstStyle/>
+              <a:p>
+                <a:r>
+                  <a:rPr lang="en-US">
+                    <a:noFill/>
+                  </a:rPr>
+                  <a:t> </a:t>
+                </a:r>
+              </a:p>
+            </p:txBody>
+          </p:sp>
+        </mc:Fallback>
+      </mc:AlternateContent>
+      <mc:AlternateContent xmlns:mc="http://schemas.openxmlformats.org/markup-compatibility/2006">
+        <mc:Choice xmlns:a14="http://schemas.microsoft.com/office/drawing/2010/main" Requires="a14">
+          <p:sp>
+            <p:nvSpPr>
+              <p:cNvPr id="6" name="Content Placeholder 2">
+                <a:extLst>
+                  <a:ext uri="{FF2B5EF4-FFF2-40B4-BE49-F238E27FC236}">
+                    <a16:creationId xmlns:a16="http://schemas.microsoft.com/office/drawing/2014/main" id="{1757093B-8DCF-43B2-9BC3-3028B6254A99}"/>
+                  </a:ext>
+                </a:extLst>
+              </p:cNvPr>
+              <p:cNvSpPr txBox="1">
+                <a:spLocks/>
+              </p:cNvSpPr>
+              <p:nvPr/>
+            </p:nvSpPr>
+            <p:spPr>
+              <a:xfrm>
+                <a:off x="4724400" y="1825625"/>
+                <a:ext cx="4089400" cy="984687"/>
+              </a:xfrm>
+              <a:prstGeom prst="rect">
+                <a:avLst/>
+              </a:prstGeom>
+            </p:spPr>
+            <p:txBody>
+              <a:bodyPr vert="horz" lIns="91440" tIns="45720" rIns="91440" bIns="45720" rtlCol="0">
+                <a:normAutofit fontScale="77500" lnSpcReduction="20000"/>
+              </a:bodyPr>
+              <a:lstStyle>
+                <a:lvl1pPr marL="228600" indent="-228600" algn="l" defTabSz="914400" rtl="0" eaLnBrk="1" latinLnBrk="0" hangingPunct="1">
+                  <a:lnSpc>
+                    <a:spcPct val="90000"/>
+                  </a:lnSpc>
+                  <a:spcBef>
+                    <a:spcPts val="1000"/>
+                  </a:spcBef>
+                  <a:buFont typeface="Arial" panose="020B0604020202020204" pitchFamily="34" charset="0"/>
+                  <a:buChar char="•"/>
+                  <a:defRPr sz="2800" kern="1200">
+                    <a:solidFill>
+                      <a:schemeClr val="tx1"/>
+                    </a:solidFill>
+                    <a:latin typeface="+mn-lt"/>
+                    <a:ea typeface="+mn-ea"/>
+                    <a:cs typeface="+mn-cs"/>
+                  </a:defRPr>
+                </a:lvl1pPr>
+                <a:lvl2pPr marL="685800" indent="-228600" algn="l" defTabSz="914400" rtl="0" eaLnBrk="1" latinLnBrk="0" hangingPunct="1">
+                  <a:lnSpc>
+                    <a:spcPct val="90000"/>
+                  </a:lnSpc>
+                  <a:spcBef>
+                    <a:spcPts val="500"/>
+                  </a:spcBef>
+                  <a:buFont typeface="Arial" panose="020B0604020202020204" pitchFamily="34" charset="0"/>
+                  <a:buChar char="•"/>
+                  <a:defRPr sz="2400" kern="1200">
+                    <a:solidFill>
+                      <a:schemeClr val="tx1"/>
+                    </a:solidFill>
+                    <a:latin typeface="+mn-lt"/>
+                    <a:ea typeface="+mn-ea"/>
+                    <a:cs typeface="+mn-cs"/>
+                  </a:defRPr>
+                </a:lvl2pPr>
+                <a:lvl3pPr marL="1143000" indent="-228600" algn="l" defTabSz="914400" rtl="0" eaLnBrk="1" latinLnBrk="0" hangingPunct="1">
+                  <a:lnSpc>
+                    <a:spcPct val="90000"/>
+                  </a:lnSpc>
+                  <a:spcBef>
+                    <a:spcPts val="500"/>
+                  </a:spcBef>
+                  <a:buFont typeface="Arial" panose="020B0604020202020204" pitchFamily="34" charset="0"/>
+                  <a:buChar char="•"/>
+                  <a:defRPr sz="2000" kern="1200">
+                    <a:solidFill>
+                      <a:schemeClr val="tx1"/>
+                    </a:solidFill>
+                    <a:latin typeface="+mn-lt"/>
+                    <a:ea typeface="+mn-ea"/>
+                    <a:cs typeface="+mn-cs"/>
+                  </a:defRPr>
+                </a:lvl3pPr>
+                <a:lvl4pPr marL="1600200" indent="-228600" algn="l" defTabSz="914400" rtl="0" eaLnBrk="1" latinLnBrk="0" hangingPunct="1">
+                  <a:lnSpc>
+                    <a:spcPct val="90000"/>
+                  </a:lnSpc>
+                  <a:spcBef>
+                    <a:spcPts val="500"/>
+                  </a:spcBef>
+                  <a:buFont typeface="Arial" panose="020B0604020202020204" pitchFamily="34" charset="0"/>
+                  <a:buChar char="•"/>
+                  <a:defRPr sz="1800" kern="1200">
+                    <a:solidFill>
+                      <a:schemeClr val="tx1"/>
+                    </a:solidFill>
+                    <a:latin typeface="+mn-lt"/>
+                    <a:ea typeface="+mn-ea"/>
+                    <a:cs typeface="+mn-cs"/>
+                  </a:defRPr>
+                </a:lvl4pPr>
+                <a:lvl5pPr marL="2057400" indent="-228600" algn="l" defTabSz="914400" rtl="0" eaLnBrk="1" latinLnBrk="0" hangingPunct="1">
+                  <a:lnSpc>
+                    <a:spcPct val="90000"/>
+                  </a:lnSpc>
+                  <a:spcBef>
+                    <a:spcPts val="500"/>
+                  </a:spcBef>
+                  <a:buFont typeface="Arial" panose="020B0604020202020204" pitchFamily="34" charset="0"/>
+                  <a:buChar char="•"/>
+                  <a:defRPr sz="1800" kern="1200">
+                    <a:solidFill>
+                      <a:schemeClr val="tx1"/>
+                    </a:solidFill>
+                    <a:latin typeface="+mn-lt"/>
+                    <a:ea typeface="+mn-ea"/>
+                    <a:cs typeface="+mn-cs"/>
+                  </a:defRPr>
+                </a:lvl5pPr>
+                <a:lvl6pPr marL="2514600" indent="-228600" algn="l" defTabSz="914400" rtl="0" eaLnBrk="1" latinLnBrk="0" hangingPunct="1">
+                  <a:lnSpc>
+                    <a:spcPct val="90000"/>
+                  </a:lnSpc>
+                  <a:spcBef>
+                    <a:spcPts val="500"/>
+                  </a:spcBef>
+                  <a:buFont typeface="Arial" panose="020B0604020202020204" pitchFamily="34" charset="0"/>
+                  <a:buChar char="•"/>
+                  <a:defRPr sz="1800" kern="1200">
+                    <a:solidFill>
+                      <a:schemeClr val="tx1"/>
+                    </a:solidFill>
+                    <a:latin typeface="+mn-lt"/>
+                    <a:ea typeface="+mn-ea"/>
+                    <a:cs typeface="+mn-cs"/>
+                  </a:defRPr>
+                </a:lvl6pPr>
+                <a:lvl7pPr marL="2971800" indent="-228600" algn="l" defTabSz="914400" rtl="0" eaLnBrk="1" latinLnBrk="0" hangingPunct="1">
+                  <a:lnSpc>
+                    <a:spcPct val="90000"/>
+                  </a:lnSpc>
+                  <a:spcBef>
+                    <a:spcPts val="500"/>
+                  </a:spcBef>
+                  <a:buFont typeface="Arial" panose="020B0604020202020204" pitchFamily="34" charset="0"/>
+                  <a:buChar char="•"/>
+                  <a:defRPr sz="1800" kern="1200">
+                    <a:solidFill>
+                      <a:schemeClr val="tx1"/>
+                    </a:solidFill>
+                    <a:latin typeface="+mn-lt"/>
+                    <a:ea typeface="+mn-ea"/>
+                    <a:cs typeface="+mn-cs"/>
+                  </a:defRPr>
+                </a:lvl7pPr>
+                <a:lvl8pPr marL="3429000" indent="-228600" algn="l" defTabSz="914400" rtl="0" eaLnBrk="1" latinLnBrk="0" hangingPunct="1">
+                  <a:lnSpc>
+                    <a:spcPct val="90000"/>
+                  </a:lnSpc>
+                  <a:spcBef>
+                    <a:spcPts val="500"/>
+                  </a:spcBef>
+                  <a:buFont typeface="Arial" panose="020B0604020202020204" pitchFamily="34" charset="0"/>
+                  <a:buChar char="•"/>
+                  <a:defRPr sz="1800" kern="1200">
+                    <a:solidFill>
+                      <a:schemeClr val="tx1"/>
+                    </a:solidFill>
+                    <a:latin typeface="+mn-lt"/>
+                    <a:ea typeface="+mn-ea"/>
+                    <a:cs typeface="+mn-cs"/>
+                  </a:defRPr>
+                </a:lvl8pPr>
+                <a:lvl9pPr marL="3886200" indent="-228600" algn="l" defTabSz="914400" rtl="0" eaLnBrk="1" latinLnBrk="0" hangingPunct="1">
+                  <a:lnSpc>
+                    <a:spcPct val="90000"/>
+                  </a:lnSpc>
+                  <a:spcBef>
+                    <a:spcPts val="500"/>
+                  </a:spcBef>
+                  <a:buFont typeface="Arial" panose="020B0604020202020204" pitchFamily="34" charset="0"/>
+                  <a:buChar char="•"/>
+                  <a:defRPr sz="1800" kern="1200">
+                    <a:solidFill>
+                      <a:schemeClr val="tx1"/>
+                    </a:solidFill>
+                    <a:latin typeface="+mn-lt"/>
+                    <a:ea typeface="+mn-ea"/>
+                    <a:cs typeface="+mn-cs"/>
+                  </a:defRPr>
+                </a:lvl9pPr>
+              </a:lstStyle>
+              <a:p>
+                <a:pPr marL="0" indent="0">
+                  <a:buFont typeface="Arial" panose="020B0604020202020204" pitchFamily="34" charset="0"/>
+                  <a:buNone/>
+                </a:pPr>
+                <a14:m>
+                  <m:oMathPara xmlns:m="http://schemas.openxmlformats.org/officeDocument/2006/math">
+                    <m:oMathParaPr>
+                      <m:jc m:val="centerGroup"/>
+                    </m:oMathParaPr>
+                    <m:oMath xmlns:m="http://schemas.openxmlformats.org/officeDocument/2006/math">
+                      <m:r>
+                        <a:rPr lang="en-US" b="0" i="1" smtClean="0">
+                          <a:latin typeface="Cambria Math" panose="02040503050406030204" pitchFamily="18" charset="0"/>
+                        </a:rPr>
+                        <m:t>⇒</m:t>
+                      </m:r>
+                      <m:r>
+                        <a:rPr lang="en-US" i="1" smtClean="0">
+                          <a:latin typeface="Cambria Math" panose="02040503050406030204" pitchFamily="18" charset="0"/>
+                        </a:rPr>
+                        <m:t>𝑓</m:t>
+                      </m:r>
+                      <m:r>
+                        <a:rPr lang="en-US" i="1" smtClean="0">
+                          <a:latin typeface="Cambria Math" panose="02040503050406030204" pitchFamily="18" charset="0"/>
+                        </a:rPr>
+                        <m:t>(</m:t>
+                      </m:r>
+                      <m:r>
+                        <m:rPr>
+                          <m:sty m:val="p"/>
+                        </m:rPr>
+                        <a:rPr lang="el-GR" i="1" smtClean="0">
+                          <a:latin typeface="Cambria Math" panose="02040503050406030204" pitchFamily="18" charset="0"/>
+                        </a:rPr>
+                        <m:t>λ</m:t>
+                      </m:r>
+                      <m:r>
+                        <a:rPr lang="en-US" i="1" smtClean="0">
+                          <a:latin typeface="Cambria Math" panose="02040503050406030204" pitchFamily="18" charset="0"/>
+                        </a:rPr>
+                        <m:t>)</m:t>
+                      </m:r>
+                      <m:r>
+                        <a:rPr lang="pt-BR" i="1" smtClean="0">
+                          <a:latin typeface="Cambria Math" panose="02040503050406030204" pitchFamily="18" charset="0"/>
+                        </a:rPr>
+                        <m:t>=</m:t>
+                      </m:r>
+                      <m:nary>
+                        <m:naryPr>
+                          <m:chr m:val="∑"/>
+                          <m:ctrlPr>
+                            <a:rPr lang="pt-BR" i="1" smtClean="0">
+                              <a:latin typeface="Cambria Math" panose="02040503050406030204" pitchFamily="18" charset="0"/>
+                            </a:rPr>
+                          </m:ctrlPr>
+                        </m:naryPr>
+                        <m:sub>
+                          <m:r>
+                            <a:rPr lang="en-US" i="1" smtClean="0">
+                              <a:latin typeface="Cambria Math" panose="02040503050406030204" pitchFamily="18" charset="0"/>
+                            </a:rPr>
+                            <m:t>𝑖</m:t>
+                          </m:r>
+                          <m:r>
+                            <a:rPr lang="pt-BR" i="1" smtClean="0">
+                              <a:latin typeface="Cambria Math" panose="02040503050406030204" pitchFamily="18" charset="0"/>
+                            </a:rPr>
+                            <m:t>=</m:t>
+                          </m:r>
+                          <m:r>
+                            <a:rPr lang="en-US" i="1" smtClean="0">
+                              <a:latin typeface="Cambria Math" panose="02040503050406030204" pitchFamily="18" charset="0"/>
+                            </a:rPr>
+                            <m:t>1</m:t>
+                          </m:r>
+                        </m:sub>
+                        <m:sup>
+                          <m:r>
+                            <a:rPr lang="pt-BR" i="1" smtClean="0">
+                              <a:latin typeface="Cambria Math" panose="02040503050406030204" pitchFamily="18" charset="0"/>
+                            </a:rPr>
+                            <m:t>𝑛</m:t>
+                          </m:r>
+                        </m:sup>
+                        <m:e>
+                          <m:sSup>
+                            <m:sSupPr>
+                              <m:ctrlPr>
+                                <a:rPr lang="pt-BR" i="1" smtClean="0">
+                                  <a:latin typeface="Cambria Math" panose="02040503050406030204" pitchFamily="18" charset="0"/>
+                                </a:rPr>
+                              </m:ctrlPr>
+                            </m:sSupPr>
+                            <m:e>
+                              <m:d>
+                                <m:dPr>
+                                  <m:ctrlPr>
+                                    <a:rPr lang="pt-BR" i="1">
+                                      <a:latin typeface="Cambria Math" panose="02040503050406030204" pitchFamily="18" charset="0"/>
+                                    </a:rPr>
+                                  </m:ctrlPr>
+                                </m:dPr>
+                                <m:e>
+                                  <m:sSub>
+                                    <m:sSubPr>
+                                      <m:ctrlPr>
+                                        <a:rPr lang="en-US" i="1">
+                                          <a:latin typeface="Cambria Math" panose="02040503050406030204" pitchFamily="18" charset="0"/>
+                                        </a:rPr>
+                                      </m:ctrlPr>
+                                    </m:sSubPr>
+                                    <m:e>
+                                      <m:r>
+                                        <a:rPr lang="en-US" i="1">
+                                          <a:latin typeface="Cambria Math" panose="02040503050406030204" pitchFamily="18" charset="0"/>
+                                        </a:rPr>
+                                        <m:t>𝐻𝑅</m:t>
+                                      </m:r>
+                                    </m:e>
+                                    <m:sub>
+                                      <m:r>
+                                        <a:rPr lang="en-US" i="1">
+                                          <a:latin typeface="Cambria Math" panose="02040503050406030204" pitchFamily="18" charset="0"/>
+                                        </a:rPr>
+                                        <m:t>𝑖</m:t>
+                                      </m:r>
+                                    </m:sub>
+                                  </m:sSub>
+                                  <m:r>
+                                    <a:rPr lang="en-US" i="1">
+                                      <a:latin typeface="Cambria Math" panose="02040503050406030204" pitchFamily="18" charset="0"/>
+                                    </a:rPr>
+                                    <m:t>−</m:t>
+                                  </m:r>
+                                  <m:sSubSup>
+                                    <m:sSubSupPr>
+                                      <m:ctrlPr>
+                                        <a:rPr lang="en-US" i="1">
+                                          <a:latin typeface="Cambria Math" panose="02040503050406030204" pitchFamily="18" charset="0"/>
+                                        </a:rPr>
+                                      </m:ctrlPr>
+                                    </m:sSubSupPr>
+                                    <m:e>
+                                      <m:r>
+                                        <a:rPr lang="en-US" i="1">
+                                          <a:latin typeface="Cambria Math" panose="02040503050406030204" pitchFamily="18" charset="0"/>
+                                        </a:rPr>
+                                        <m:t>𝐻𝑅</m:t>
+                                      </m:r>
+                                    </m:e>
+                                    <m:sub>
+                                      <m:r>
+                                        <a:rPr lang="en-US" i="1">
+                                          <a:latin typeface="Cambria Math" panose="02040503050406030204" pitchFamily="18" charset="0"/>
+                                        </a:rPr>
+                                        <m:t>𝑖</m:t>
+                                      </m:r>
+                                    </m:sub>
+                                    <m:sup>
+                                      <m:r>
+                                        <a:rPr lang="en-US" i="1">
+                                          <a:latin typeface="Cambria Math" panose="02040503050406030204" pitchFamily="18" charset="0"/>
+                                        </a:rPr>
+                                        <m:t>𝑚</m:t>
+                                      </m:r>
+                                    </m:sup>
+                                  </m:sSubSup>
+                                </m:e>
+                              </m:d>
+                            </m:e>
+                            <m:sup>
+                              <m:r>
+                                <a:rPr lang="en-US" i="1" smtClean="0">
+                                  <a:latin typeface="Cambria Math" panose="02040503050406030204" pitchFamily="18" charset="0"/>
+                                </a:rPr>
+                                <m:t>2</m:t>
+                              </m:r>
+                            </m:sup>
+                          </m:sSup>
+                        </m:e>
+                      </m:nary>
+                    </m:oMath>
+                  </m:oMathPara>
+                </a14:m>
+                <a:endParaRPr lang="en-US" dirty="0"/>
+              </a:p>
+            </p:txBody>
+          </p:sp>
+        </mc:Choice>
+        <mc:Fallback>
+          <p:sp>
+            <p:nvSpPr>
+              <p:cNvPr id="6" name="Content Placeholder 2">
+                <a:extLst>
+                  <a:ext uri="{FF2B5EF4-FFF2-40B4-BE49-F238E27FC236}">
+                    <a16:creationId xmlns:a16="http://schemas.microsoft.com/office/drawing/2014/main" id="{1757093B-8DCF-43B2-9BC3-3028B6254A99}"/>
+                  </a:ext>
+                </a:extLst>
+              </p:cNvPr>
+              <p:cNvSpPr txBox="1">
+                <a:spLocks noRot="1" noChangeAspect="1" noMove="1" noResize="1" noEditPoints="1" noAdjustHandles="1" noChangeArrowheads="1" noChangeShapeType="1" noTextEdit="1"/>
+              </p:cNvSpPr>
+              <p:nvPr/>
+            </p:nvSpPr>
+            <p:spPr>
+              <a:xfrm>
+                <a:off x="4724400" y="1825625"/>
+                <a:ext cx="4089400" cy="984687"/>
+              </a:xfrm>
+              <a:prstGeom prst="rect">
+                <a:avLst/>
+              </a:prstGeom>
+              <a:blipFill>
+                <a:blip r:embed="rId4"/>
+                <a:stretch>
+                  <a:fillRect/>
+                </a:stretch>
+              </a:blipFill>
+            </p:spPr>
+            <p:txBody>
+              <a:bodyPr/>
+              <a:lstStyle/>
+              <a:p>
+                <a:r>
+                  <a:rPr lang="en-US">
+                    <a:noFill/>
+                  </a:rPr>
+                  <a:t> </a:t>
+                </a:r>
+              </a:p>
+            </p:txBody>
+          </p:sp>
+        </mc:Fallback>
+      </mc:AlternateContent>
+    </p:spTree>
+    <p:extLst>
+      <p:ext uri="{BB962C8B-B14F-4D97-AF65-F5344CB8AC3E}">
+        <p14:creationId xmlns:p14="http://schemas.microsoft.com/office/powerpoint/2010/main" val="4080612181"/>
+      </p:ext>
+    </p:extLst>
+  </p:cSld>
+  <p:clrMapOvr>
+    <a:masterClrMapping/>
+  </p:clrMapOvr>
+</p:sld>
+</file>
+
 <file path=ppt/theme/theme1.xml><?xml version="1.0" encoding="utf-8"?>
 <a:theme xmlns:a="http://schemas.openxmlformats.org/drawingml/2006/main" name="Office Theme">
   <a:themeElements>

--- a/misc/Life Buddy Web App.pptx
+++ b/misc/Life Buddy Web App.pptx
@@ -6,14 +6,15 @@
   </p:sldMasterIdLst>
   <p:sldIdLst>
     <p:sldId id="256" r:id="rId2"/>
-    <p:sldId id="257" r:id="rId3"/>
-    <p:sldId id="258" r:id="rId4"/>
-    <p:sldId id="259" r:id="rId5"/>
-    <p:sldId id="260" r:id="rId6"/>
-    <p:sldId id="261" r:id="rId7"/>
-    <p:sldId id="262" r:id="rId8"/>
-    <p:sldId id="264" r:id="rId9"/>
-    <p:sldId id="263" r:id="rId10"/>
+    <p:sldId id="265" r:id="rId3"/>
+    <p:sldId id="257" r:id="rId4"/>
+    <p:sldId id="258" r:id="rId5"/>
+    <p:sldId id="259" r:id="rId6"/>
+    <p:sldId id="260" r:id="rId7"/>
+    <p:sldId id="261" r:id="rId8"/>
+    <p:sldId id="262" r:id="rId9"/>
+    <p:sldId id="264" r:id="rId10"/>
+    <p:sldId id="263" r:id="rId11"/>
   </p:sldIdLst>
   <p:sldSz cx="12192000" cy="6858000"/>
   <p:notesSz cx="6858000" cy="9144000"/>
@@ -123,7 +124,7 @@
 <file path=ppt/revisionInfo.xml><?xml version="1.0" encoding="utf-8"?>
 <p1510:revInfo xmlns:a="http://schemas.openxmlformats.org/drawingml/2006/main" xmlns:r="http://schemas.openxmlformats.org/officeDocument/2006/relationships" xmlns:p1510="http://schemas.microsoft.com/office/powerpoint/2015/10/main">
   <p1510:revLst>
-    <p1510:client id="{E396DAB5-DBA8-4C3B-B27B-31FB2DF75A1E}" v="229" dt="2021-08-06T14:14:20.321"/>
+    <p1510:client id="{E396DAB5-DBA8-4C3B-B27B-31FB2DF75A1E}" v="240" dt="2021-08-09T07:03:35.083"/>
   </p1510:revLst>
 </p1510:revInfo>
 </file>
@@ -133,7 +134,7 @@
   <pc:docChgLst>
     <pc:chgData name="Nick Rodriguez" userId="60df6d5feed7ac60" providerId="LiveId" clId="{E396DAB5-DBA8-4C3B-B27B-31FB2DF75A1E}"/>
     <pc:docChg chg="undo custSel addSld modSld">
-      <pc:chgData name="Nick Rodriguez" userId="60df6d5feed7ac60" providerId="LiveId" clId="{E396DAB5-DBA8-4C3B-B27B-31FB2DF75A1E}" dt="2021-08-06T14:20:41.790" v="3364" actId="20577"/>
+      <pc:chgData name="Nick Rodriguez" userId="60df6d5feed7ac60" providerId="LiveId" clId="{E396DAB5-DBA8-4C3B-B27B-31FB2DF75A1E}" dt="2021-08-09T07:04:53.322" v="4246" actId="14100"/>
       <pc:docMkLst>
         <pc:docMk/>
       </pc:docMkLst>
@@ -364,8 +365,8 @@
           </ac:spMkLst>
         </pc:spChg>
       </pc:sldChg>
-      <pc:sldChg chg="modSp add mod">
-        <pc:chgData name="Nick Rodriguez" userId="60df6d5feed7ac60" providerId="LiveId" clId="{E396DAB5-DBA8-4C3B-B27B-31FB2DF75A1E}" dt="2021-08-06T14:20:41.790" v="3364" actId="20577"/>
+      <pc:sldChg chg="modSp add mod setBg">
+        <pc:chgData name="Nick Rodriguez" userId="60df6d5feed7ac60" providerId="LiveId" clId="{E396DAB5-DBA8-4C3B-B27B-31FB2DF75A1E}" dt="2021-08-06T14:28:01.952" v="3451" actId="20577"/>
         <pc:sldMkLst>
           <pc:docMk/>
           <pc:sldMk cId="1489088610" sldId="264"/>
@@ -379,13 +380,180 @@
           </ac:spMkLst>
         </pc:spChg>
         <pc:spChg chg="mod">
-          <ac:chgData name="Nick Rodriguez" userId="60df6d5feed7ac60" providerId="LiveId" clId="{E396DAB5-DBA8-4C3B-B27B-31FB2DF75A1E}" dt="2021-08-06T14:20:41.790" v="3364" actId="20577"/>
+          <ac:chgData name="Nick Rodriguez" userId="60df6d5feed7ac60" providerId="LiveId" clId="{E396DAB5-DBA8-4C3B-B27B-31FB2DF75A1E}" dt="2021-08-06T14:28:01.952" v="3451" actId="20577"/>
           <ac:spMkLst>
             <pc:docMk/>
             <pc:sldMk cId="1489088610" sldId="264"/>
             <ac:spMk id="3" creationId="{471E5327-8ED1-4525-8025-0617F94784D2}"/>
           </ac:spMkLst>
         </pc:spChg>
+      </pc:sldChg>
+      <pc:sldChg chg="addSp delSp modSp add mod">
+        <pc:chgData name="Nick Rodriguez" userId="60df6d5feed7ac60" providerId="LiveId" clId="{E396DAB5-DBA8-4C3B-B27B-31FB2DF75A1E}" dt="2021-08-09T07:04:53.322" v="4246" actId="14100"/>
+        <pc:sldMkLst>
+          <pc:docMk/>
+          <pc:sldMk cId="1654624661" sldId="265"/>
+        </pc:sldMkLst>
+        <pc:spChg chg="mod">
+          <ac:chgData name="Nick Rodriguez" userId="60df6d5feed7ac60" providerId="LiveId" clId="{E396DAB5-DBA8-4C3B-B27B-31FB2DF75A1E}" dt="2021-08-09T06:53:48.054" v="3459" actId="20577"/>
+          <ac:spMkLst>
+            <pc:docMk/>
+            <pc:sldMk cId="1654624661" sldId="265"/>
+            <ac:spMk id="2" creationId="{59CC78EC-BD3E-46FD-8BEB-A945AC715635}"/>
+          </ac:spMkLst>
+        </pc:spChg>
+        <pc:spChg chg="mod">
+          <ac:chgData name="Nick Rodriguez" userId="60df6d5feed7ac60" providerId="LiveId" clId="{E396DAB5-DBA8-4C3B-B27B-31FB2DF75A1E}" dt="2021-08-09T06:58:22.678" v="4134" actId="27636"/>
+          <ac:spMkLst>
+            <pc:docMk/>
+            <pc:sldMk cId="1654624661" sldId="265"/>
+            <ac:spMk id="3" creationId="{1317EFDD-25C4-403B-82F0-0FC568B1A00F}"/>
+          </ac:spMkLst>
+        </pc:spChg>
+        <pc:spChg chg="add mod">
+          <ac:chgData name="Nick Rodriguez" userId="60df6d5feed7ac60" providerId="LiveId" clId="{E396DAB5-DBA8-4C3B-B27B-31FB2DF75A1E}" dt="2021-08-09T06:58:39.645" v="4138" actId="14100"/>
+          <ac:spMkLst>
+            <pc:docMk/>
+            <pc:sldMk cId="1654624661" sldId="265"/>
+            <ac:spMk id="4" creationId="{E8B9F4DD-98A3-47DD-8389-3D4931E04C9B}"/>
+          </ac:spMkLst>
+        </pc:spChg>
+        <pc:spChg chg="add mod">
+          <ac:chgData name="Nick Rodriguez" userId="60df6d5feed7ac60" providerId="LiveId" clId="{E396DAB5-DBA8-4C3B-B27B-31FB2DF75A1E}" dt="2021-08-09T07:04:53.322" v="4246" actId="14100"/>
+          <ac:spMkLst>
+            <pc:docMk/>
+            <pc:sldMk cId="1654624661" sldId="265"/>
+            <ac:spMk id="12" creationId="{FD542CDF-D580-421D-A53A-D2F2ADE550AD}"/>
+          </ac:spMkLst>
+        </pc:spChg>
+        <pc:spChg chg="add mod">
+          <ac:chgData name="Nick Rodriguez" userId="60df6d5feed7ac60" providerId="LiveId" clId="{E396DAB5-DBA8-4C3B-B27B-31FB2DF75A1E}" dt="2021-08-09T07:00:17.997" v="4167" actId="20577"/>
+          <ac:spMkLst>
+            <pc:docMk/>
+            <pc:sldMk cId="1654624661" sldId="265"/>
+            <ac:spMk id="13" creationId="{5016F09B-AE38-42CF-BCA5-3E655BF1FE1E}"/>
+          </ac:spMkLst>
+        </pc:spChg>
+        <pc:spChg chg="add">
+          <ac:chgData name="Nick Rodriguez" userId="60df6d5feed7ac60" providerId="LiveId" clId="{E396DAB5-DBA8-4C3B-B27B-31FB2DF75A1E}" dt="2021-08-09T07:00:44.951" v="4168" actId="11529"/>
+          <ac:spMkLst>
+            <pc:docMk/>
+            <pc:sldMk cId="1654624661" sldId="265"/>
+            <ac:spMk id="14" creationId="{0F48C798-2DD9-46E7-A299-AB955653CD58}"/>
+          </ac:spMkLst>
+        </pc:spChg>
+        <pc:spChg chg="add mod">
+          <ac:chgData name="Nick Rodriguez" userId="60df6d5feed7ac60" providerId="LiveId" clId="{E396DAB5-DBA8-4C3B-B27B-31FB2DF75A1E}" dt="2021-08-09T07:02:46.494" v="4210" actId="1076"/>
+          <ac:spMkLst>
+            <pc:docMk/>
+            <pc:sldMk cId="1654624661" sldId="265"/>
+            <ac:spMk id="15" creationId="{91A5E667-F674-49B3-BD92-5E68496DCD8A}"/>
+          </ac:spMkLst>
+        </pc:spChg>
+        <pc:spChg chg="add mod">
+          <ac:chgData name="Nick Rodriguez" userId="60df6d5feed7ac60" providerId="LiveId" clId="{E396DAB5-DBA8-4C3B-B27B-31FB2DF75A1E}" dt="2021-08-09T07:04:28.843" v="4232" actId="207"/>
+          <ac:spMkLst>
+            <pc:docMk/>
+            <pc:sldMk cId="1654624661" sldId="265"/>
+            <ac:spMk id="18" creationId="{F29CBD97-90C0-445B-99BD-20349D50B14F}"/>
+          </ac:spMkLst>
+        </pc:spChg>
+        <pc:spChg chg="add mod">
+          <ac:chgData name="Nick Rodriguez" userId="60df6d5feed7ac60" providerId="LiveId" clId="{E396DAB5-DBA8-4C3B-B27B-31FB2DF75A1E}" dt="2021-08-09T07:02:59.290" v="4212" actId="1076"/>
+          <ac:spMkLst>
+            <pc:docMk/>
+            <pc:sldMk cId="1654624661" sldId="265"/>
+            <ac:spMk id="19" creationId="{4F740B7D-4E99-475B-9395-4A8F64FF7D72}"/>
+          </ac:spMkLst>
+        </pc:spChg>
+        <pc:spChg chg="add mod">
+          <ac:chgData name="Nick Rodriguez" userId="60df6d5feed7ac60" providerId="LiveId" clId="{E396DAB5-DBA8-4C3B-B27B-31FB2DF75A1E}" dt="2021-08-09T07:02:59.290" v="4212" actId="1076"/>
+          <ac:spMkLst>
+            <pc:docMk/>
+            <pc:sldMk cId="1654624661" sldId="265"/>
+            <ac:spMk id="20" creationId="{0E5DB42D-2C35-4254-A24C-135DC17E9550}"/>
+          </ac:spMkLst>
+        </pc:spChg>
+        <pc:spChg chg="add mod">
+          <ac:chgData name="Nick Rodriguez" userId="60df6d5feed7ac60" providerId="LiveId" clId="{E396DAB5-DBA8-4C3B-B27B-31FB2DF75A1E}" dt="2021-08-09T07:03:23.476" v="4214" actId="1076"/>
+          <ac:spMkLst>
+            <pc:docMk/>
+            <pc:sldMk cId="1654624661" sldId="265"/>
+            <ac:spMk id="21" creationId="{90482AB6-F683-4CE2-8903-9A1AD6568B3A}"/>
+          </ac:spMkLst>
+        </pc:spChg>
+        <pc:spChg chg="add mod">
+          <ac:chgData name="Nick Rodriguez" userId="60df6d5feed7ac60" providerId="LiveId" clId="{E396DAB5-DBA8-4C3B-B27B-31FB2DF75A1E}" dt="2021-08-09T07:03:23.476" v="4214" actId="1076"/>
+          <ac:spMkLst>
+            <pc:docMk/>
+            <pc:sldMk cId="1654624661" sldId="265"/>
+            <ac:spMk id="22" creationId="{D8736297-B5D7-41E1-ABAF-93E3FE8AD6BE}"/>
+          </ac:spMkLst>
+        </pc:spChg>
+        <pc:spChg chg="add mod">
+          <ac:chgData name="Nick Rodriguez" userId="60df6d5feed7ac60" providerId="LiveId" clId="{E396DAB5-DBA8-4C3B-B27B-31FB2DF75A1E}" dt="2021-08-09T07:03:30.239" v="4216" actId="1076"/>
+          <ac:spMkLst>
+            <pc:docMk/>
+            <pc:sldMk cId="1654624661" sldId="265"/>
+            <ac:spMk id="23" creationId="{6D099653-A326-4C62-9036-00B117A04CCC}"/>
+          </ac:spMkLst>
+        </pc:spChg>
+        <pc:spChg chg="add mod">
+          <ac:chgData name="Nick Rodriguez" userId="60df6d5feed7ac60" providerId="LiveId" clId="{E396DAB5-DBA8-4C3B-B27B-31FB2DF75A1E}" dt="2021-08-09T07:03:30.239" v="4216" actId="1076"/>
+          <ac:spMkLst>
+            <pc:docMk/>
+            <pc:sldMk cId="1654624661" sldId="265"/>
+            <ac:spMk id="24" creationId="{5EBE5AAE-C877-48DF-8788-8C2C8C0419C6}"/>
+          </ac:spMkLst>
+        </pc:spChg>
+        <pc:spChg chg="add mod">
+          <ac:chgData name="Nick Rodriguez" userId="60df6d5feed7ac60" providerId="LiveId" clId="{E396DAB5-DBA8-4C3B-B27B-31FB2DF75A1E}" dt="2021-08-09T07:04:31.596" v="4233" actId="207"/>
+          <ac:spMkLst>
+            <pc:docMk/>
+            <pc:sldMk cId="1654624661" sldId="265"/>
+            <ac:spMk id="26" creationId="{AAFA4E01-3C75-4EE8-B451-2009A06E58C0}"/>
+          </ac:spMkLst>
+        </pc:spChg>
+        <pc:cxnChg chg="add mod">
+          <ac:chgData name="Nick Rodriguez" userId="60df6d5feed7ac60" providerId="LiveId" clId="{E396DAB5-DBA8-4C3B-B27B-31FB2DF75A1E}" dt="2021-08-09T06:59:33.849" v="4144" actId="14100"/>
+          <ac:cxnSpMkLst>
+            <pc:docMk/>
+            <pc:sldMk cId="1654624661" sldId="265"/>
+            <ac:cxnSpMk id="6" creationId="{640D650C-F70E-4B95-AB65-1853664D40FF}"/>
+          </ac:cxnSpMkLst>
+        </pc:cxnChg>
+        <pc:cxnChg chg="add del">
+          <ac:chgData name="Nick Rodriguez" userId="60df6d5feed7ac60" providerId="LiveId" clId="{E396DAB5-DBA8-4C3B-B27B-31FB2DF75A1E}" dt="2021-08-09T06:59:20.666" v="4141" actId="11529"/>
+          <ac:cxnSpMkLst>
+            <pc:docMk/>
+            <pc:sldMk cId="1654624661" sldId="265"/>
+            <ac:cxnSpMk id="8" creationId="{25D8284C-8B2F-448B-945C-7008DADECBB4}"/>
+          </ac:cxnSpMkLst>
+        </pc:cxnChg>
+        <pc:cxnChg chg="add mod">
+          <ac:chgData name="Nick Rodriguez" userId="60df6d5feed7ac60" providerId="LiveId" clId="{E396DAB5-DBA8-4C3B-B27B-31FB2DF75A1E}" dt="2021-08-09T06:59:29.554" v="4143" actId="1076"/>
+          <ac:cxnSpMkLst>
+            <pc:docMk/>
+            <pc:sldMk cId="1654624661" sldId="265"/>
+            <ac:cxnSpMk id="10" creationId="{6D56F5BD-1438-4C3F-9191-8E29A2037ACF}"/>
+          </ac:cxnSpMkLst>
+        </pc:cxnChg>
+        <pc:cxnChg chg="add mod">
+          <ac:chgData name="Nick Rodriguez" userId="60df6d5feed7ac60" providerId="LiveId" clId="{E396DAB5-DBA8-4C3B-B27B-31FB2DF75A1E}" dt="2021-08-09T07:01:50.278" v="4185" actId="692"/>
+          <ac:cxnSpMkLst>
+            <pc:docMk/>
+            <pc:sldMk cId="1654624661" sldId="265"/>
+            <ac:cxnSpMk id="17" creationId="{519EC729-680F-4D11-A4DD-A2F13097C6AA}"/>
+          </ac:cxnSpMkLst>
+        </pc:cxnChg>
+        <pc:cxnChg chg="add mod">
+          <ac:chgData name="Nick Rodriguez" userId="60df6d5feed7ac60" providerId="LiveId" clId="{E396DAB5-DBA8-4C3B-B27B-31FB2DF75A1E}" dt="2021-08-09T07:03:56.454" v="4218" actId="1076"/>
+          <ac:cxnSpMkLst>
+            <pc:docMk/>
+            <pc:sldMk cId="1654624661" sldId="265"/>
+            <ac:cxnSpMk id="25" creationId="{A154D8C7-B27D-42B5-BD43-F88769CA9F12}"/>
+          </ac:cxnSpMkLst>
+        </pc:cxnChg>
       </pc:sldChg>
     </pc:docChg>
   </pc:docChgLst>
@@ -539,7 +707,7 @@
           <a:p>
             <a:fld id="{D57D165D-784C-428F-B501-6E9E9CABBFA2}" type="datetimeFigureOut">
               <a:rPr lang="en-US" smtClean="0"/>
-              <a:t>8/2/2021</a:t>
+              <a:t>8/9/2021</a:t>
             </a:fld>
             <a:endParaRPr lang="en-US"/>
           </a:p>
@@ -737,7 +905,7 @@
           <a:p>
             <a:fld id="{D57D165D-784C-428F-B501-6E9E9CABBFA2}" type="datetimeFigureOut">
               <a:rPr lang="en-US" smtClean="0"/>
-              <a:t>8/2/2021</a:t>
+              <a:t>8/9/2021</a:t>
             </a:fld>
             <a:endParaRPr lang="en-US"/>
           </a:p>
@@ -945,7 +1113,7 @@
           <a:p>
             <a:fld id="{D57D165D-784C-428F-B501-6E9E9CABBFA2}" type="datetimeFigureOut">
               <a:rPr lang="en-US" smtClean="0"/>
-              <a:t>8/2/2021</a:t>
+              <a:t>8/9/2021</a:t>
             </a:fld>
             <a:endParaRPr lang="en-US"/>
           </a:p>
@@ -1143,7 +1311,7 @@
           <a:p>
             <a:fld id="{D57D165D-784C-428F-B501-6E9E9CABBFA2}" type="datetimeFigureOut">
               <a:rPr lang="en-US" smtClean="0"/>
-              <a:t>8/2/2021</a:t>
+              <a:t>8/9/2021</a:t>
             </a:fld>
             <a:endParaRPr lang="en-US"/>
           </a:p>
@@ -1418,7 +1586,7 @@
           <a:p>
             <a:fld id="{D57D165D-784C-428F-B501-6E9E9CABBFA2}" type="datetimeFigureOut">
               <a:rPr lang="en-US" smtClean="0"/>
-              <a:t>8/2/2021</a:t>
+              <a:t>8/9/2021</a:t>
             </a:fld>
             <a:endParaRPr lang="en-US"/>
           </a:p>
@@ -1683,7 +1851,7 @@
           <a:p>
             <a:fld id="{D57D165D-784C-428F-B501-6E9E9CABBFA2}" type="datetimeFigureOut">
               <a:rPr lang="en-US" smtClean="0"/>
-              <a:t>8/2/2021</a:t>
+              <a:t>8/9/2021</a:t>
             </a:fld>
             <a:endParaRPr lang="en-US"/>
           </a:p>
@@ -2095,7 +2263,7 @@
           <a:p>
             <a:fld id="{D57D165D-784C-428F-B501-6E9E9CABBFA2}" type="datetimeFigureOut">
               <a:rPr lang="en-US" smtClean="0"/>
-              <a:t>8/2/2021</a:t>
+              <a:t>8/9/2021</a:t>
             </a:fld>
             <a:endParaRPr lang="en-US"/>
           </a:p>
@@ -2236,7 +2404,7 @@
           <a:p>
             <a:fld id="{D57D165D-784C-428F-B501-6E9E9CABBFA2}" type="datetimeFigureOut">
               <a:rPr lang="en-US" smtClean="0"/>
-              <a:t>8/2/2021</a:t>
+              <a:t>8/9/2021</a:t>
             </a:fld>
             <a:endParaRPr lang="en-US"/>
           </a:p>
@@ -2349,7 +2517,7 @@
           <a:p>
             <a:fld id="{D57D165D-784C-428F-B501-6E9E9CABBFA2}" type="datetimeFigureOut">
               <a:rPr lang="en-US" smtClean="0"/>
-              <a:t>8/2/2021</a:t>
+              <a:t>8/9/2021</a:t>
             </a:fld>
             <a:endParaRPr lang="en-US"/>
           </a:p>
@@ -2660,7 +2828,7 @@
           <a:p>
             <a:fld id="{D57D165D-784C-428F-B501-6E9E9CABBFA2}" type="datetimeFigureOut">
               <a:rPr lang="en-US" smtClean="0"/>
-              <a:t>8/2/2021</a:t>
+              <a:t>8/9/2021</a:t>
             </a:fld>
             <a:endParaRPr lang="en-US"/>
           </a:p>
@@ -2948,7 +3116,7 @@
           <a:p>
             <a:fld id="{D57D165D-784C-428F-B501-6E9E9CABBFA2}" type="datetimeFigureOut">
               <a:rPr lang="en-US" smtClean="0"/>
-              <a:t>8/2/2021</a:t>
+              <a:t>8/9/2021</a:t>
             </a:fld>
             <a:endParaRPr lang="en-US"/>
           </a:p>
@@ -3189,7 +3357,7 @@
           <a:p>
             <a:fld id="{D57D165D-784C-428F-B501-6E9E9CABBFA2}" type="datetimeFigureOut">
               <a:rPr lang="en-US" smtClean="0"/>
-              <a:t>8/2/2021</a:t>
+              <a:t>8/9/2021</a:t>
             </a:fld>
             <a:endParaRPr lang="en-US"/>
           </a:p>
@@ -3681,7 +3849,7 @@
 </p:sld>
 </file>
 
-<file path=ppt/slides/slide2.xml><?xml version="1.0" encoding="utf-8"?>
+<file path=ppt/slides/slide10.xml><?xml version="1.0" encoding="utf-8"?>
 <p:sld xmlns:a="http://schemas.openxmlformats.org/drawingml/2006/main" xmlns:r="http://schemas.openxmlformats.org/officeDocument/2006/relationships" xmlns:p="http://schemas.openxmlformats.org/presentationml/2006/main">
   <p:cSld>
     <p:spTree>
@@ -3703,7 +3871,7 @@
           <p:cNvPr id="2" name="Title 1">
             <a:extLst>
               <a:ext uri="{FF2B5EF4-FFF2-40B4-BE49-F238E27FC236}">
-                <a16:creationId xmlns:a16="http://schemas.microsoft.com/office/drawing/2014/main" id="{59CC78EC-BD3E-46FD-8BEB-A945AC715635}"/>
+                <a16:creationId xmlns:a16="http://schemas.microsoft.com/office/drawing/2014/main" id="{9732167D-70E6-492E-8CD4-228276C98778}"/>
               </a:ext>
             </a:extLst>
           </p:cNvPr>
@@ -3721,3229 +3889,13 @@
           <a:p>
             <a:r>
               <a:rPr lang="en-US" dirty="0"/>
-              <a:t>Login/Authentication/Credentials</a:t>
-            </a:r>
-          </a:p>
-        </p:txBody>
-      </p:sp>
-      <p:sp>
-        <p:nvSpPr>
-          <p:cNvPr id="3" name="Content Placeholder 2">
-            <a:extLst>
-              <a:ext uri="{FF2B5EF4-FFF2-40B4-BE49-F238E27FC236}">
-                <a16:creationId xmlns:a16="http://schemas.microsoft.com/office/drawing/2014/main" id="{1317EFDD-25C4-403B-82F0-0FC568B1A00F}"/>
-              </a:ext>
-            </a:extLst>
-          </p:cNvPr>
-          <p:cNvSpPr>
-            <a:spLocks noGrp="1"/>
-          </p:cNvSpPr>
-          <p:nvPr>
-            <p:ph idx="1"/>
-          </p:nvPr>
-        </p:nvSpPr>
-        <p:spPr/>
-        <p:txBody>
-          <a:bodyPr/>
-          <a:lstStyle/>
-          <a:p>
-            <a:r>
-              <a:rPr lang="en-US" dirty="0"/>
-              <a:t>Home Screen</a:t>
-            </a:r>
-          </a:p>
-          <a:p>
-            <a:r>
-              <a:rPr lang="en-US" dirty="0"/>
-              <a:t>Login Screen</a:t>
-            </a:r>
-          </a:p>
-          <a:p>
-            <a:r>
-              <a:rPr lang="en-US" dirty="0"/>
-              <a:t>Register Screen</a:t>
-            </a:r>
-          </a:p>
-          <a:p>
-            <a:r>
-              <a:rPr lang="en-US" dirty="0"/>
-              <a:t>Forgot Password Screen</a:t>
-            </a:r>
-          </a:p>
-          <a:p>
-            <a:r>
-              <a:rPr lang="en-US" dirty="0"/>
-              <a:t>Account Screen</a:t>
-            </a:r>
-          </a:p>
-        </p:txBody>
-      </p:sp>
-    </p:spTree>
-    <p:extLst>
-      <p:ext uri="{BB962C8B-B14F-4D97-AF65-F5344CB8AC3E}">
-        <p14:creationId xmlns:p14="http://schemas.microsoft.com/office/powerpoint/2010/main" val="1410017683"/>
-      </p:ext>
-    </p:extLst>
-  </p:cSld>
-  <p:clrMapOvr>
-    <a:masterClrMapping/>
-  </p:clrMapOvr>
-</p:sld>
-</file>
-
-<file path=ppt/slides/slide3.xml><?xml version="1.0" encoding="utf-8"?>
-<p:sld xmlns:a="http://schemas.openxmlformats.org/drawingml/2006/main" xmlns:r="http://schemas.openxmlformats.org/officeDocument/2006/relationships" xmlns:p="http://schemas.openxmlformats.org/presentationml/2006/main">
-  <p:cSld>
-    <p:spTree>
-      <p:nvGrpSpPr>
-        <p:cNvPr id="1" name=""/>
-        <p:cNvGrpSpPr/>
-        <p:nvPr/>
-      </p:nvGrpSpPr>
-      <p:grpSpPr>
-        <a:xfrm>
-          <a:off x="0" y="0"/>
-          <a:ext cx="0" cy="0"/>
-          <a:chOff x="0" y="0"/>
-          <a:chExt cx="0" cy="0"/>
-        </a:xfrm>
-      </p:grpSpPr>
-      <p:sp>
-        <p:nvSpPr>
-          <p:cNvPr id="2" name="Title 1">
-            <a:extLst>
-              <a:ext uri="{FF2B5EF4-FFF2-40B4-BE49-F238E27FC236}">
-                <a16:creationId xmlns:a16="http://schemas.microsoft.com/office/drawing/2014/main" id="{C0A41ED3-494F-433C-8A5C-8CAB90169065}"/>
-              </a:ext>
-            </a:extLst>
-          </p:cNvPr>
-          <p:cNvSpPr>
-            <a:spLocks noGrp="1"/>
-          </p:cNvSpPr>
-          <p:nvPr>
-            <p:ph type="title"/>
-          </p:nvPr>
-        </p:nvSpPr>
-        <p:spPr/>
-        <p:txBody>
-          <a:bodyPr/>
-          <a:lstStyle/>
-          <a:p>
-            <a:r>
-              <a:rPr lang="en-US" dirty="0"/>
-              <a:t>Home Dashboard</a:t>
-            </a:r>
-          </a:p>
-        </p:txBody>
-      </p:sp>
-      <p:sp>
-        <p:nvSpPr>
-          <p:cNvPr id="3" name="Content Placeholder 2">
-            <a:extLst>
-              <a:ext uri="{FF2B5EF4-FFF2-40B4-BE49-F238E27FC236}">
-                <a16:creationId xmlns:a16="http://schemas.microsoft.com/office/drawing/2014/main" id="{B9752A32-9973-4F89-A646-7E61E1F12B27}"/>
-              </a:ext>
-            </a:extLst>
-          </p:cNvPr>
-          <p:cNvSpPr>
-            <a:spLocks noGrp="1"/>
-          </p:cNvSpPr>
-          <p:nvPr>
-            <p:ph idx="1"/>
-          </p:nvPr>
-        </p:nvSpPr>
-        <p:spPr>
-          <a:xfrm>
-            <a:off x="838200" y="1825625"/>
-            <a:ext cx="3651504" cy="4351338"/>
-          </a:xfrm>
-        </p:spPr>
-        <p:txBody>
-          <a:bodyPr/>
-          <a:lstStyle/>
-          <a:p>
-            <a:r>
-              <a:rPr lang="en-US" dirty="0"/>
-              <a:t>Dashboard</a:t>
-            </a:r>
-          </a:p>
-        </p:txBody>
-      </p:sp>
-      <p:sp>
-        <p:nvSpPr>
-          <p:cNvPr id="4" name="Rectangle 3">
-            <a:extLst>
-              <a:ext uri="{FF2B5EF4-FFF2-40B4-BE49-F238E27FC236}">
-                <a16:creationId xmlns:a16="http://schemas.microsoft.com/office/drawing/2014/main" id="{13080676-1057-4CF6-8206-230B58107A07}"/>
-              </a:ext>
-            </a:extLst>
-          </p:cNvPr>
-          <p:cNvSpPr/>
-          <p:nvPr/>
-        </p:nvSpPr>
-        <p:spPr>
-          <a:xfrm>
-            <a:off x="6163056" y="1874520"/>
-            <a:ext cx="5486400" cy="4745736"/>
-          </a:xfrm>
-          <a:prstGeom prst="rect">
-            <a:avLst/>
-          </a:prstGeom>
-        </p:spPr>
-        <p:style>
-          <a:lnRef idx="2">
-            <a:schemeClr val="accent1">
-              <a:shade val="50000"/>
-            </a:schemeClr>
-          </a:lnRef>
-          <a:fillRef idx="1">
-            <a:schemeClr val="accent1"/>
-          </a:fillRef>
-          <a:effectRef idx="0">
-            <a:schemeClr val="accent1"/>
-          </a:effectRef>
-          <a:fontRef idx="minor">
-            <a:schemeClr val="lt1"/>
-          </a:fontRef>
-        </p:style>
-        <p:txBody>
-          <a:bodyPr rtlCol="0" anchor="ctr"/>
-          <a:lstStyle/>
-          <a:p>
-            <a:pPr algn="ctr"/>
-            <a:endParaRPr lang="en-US"/>
-          </a:p>
-        </p:txBody>
-      </p:sp>
-      <p:sp>
-        <p:nvSpPr>
-          <p:cNvPr id="5" name="Rectangle 4">
-            <a:extLst>
-              <a:ext uri="{FF2B5EF4-FFF2-40B4-BE49-F238E27FC236}">
-                <a16:creationId xmlns:a16="http://schemas.microsoft.com/office/drawing/2014/main" id="{608B271F-3F1B-45F3-83ED-907833813E9A}"/>
-              </a:ext>
-            </a:extLst>
-          </p:cNvPr>
-          <p:cNvSpPr/>
-          <p:nvPr/>
-        </p:nvSpPr>
-        <p:spPr>
-          <a:xfrm>
-            <a:off x="6163056" y="1170432"/>
-            <a:ext cx="5486400" cy="655193"/>
-          </a:xfrm>
-          <a:prstGeom prst="rect">
-            <a:avLst/>
-          </a:prstGeom>
-          <a:solidFill>
-            <a:schemeClr val="accent2">
-              <a:lumMod val="60000"/>
-              <a:lumOff val="40000"/>
-            </a:schemeClr>
-          </a:solidFill>
-        </p:spPr>
-        <p:style>
-          <a:lnRef idx="2">
-            <a:schemeClr val="accent1">
-              <a:shade val="50000"/>
-            </a:schemeClr>
-          </a:lnRef>
-          <a:fillRef idx="1">
-            <a:schemeClr val="accent1"/>
-          </a:fillRef>
-          <a:effectRef idx="0">
-            <a:schemeClr val="accent1"/>
-          </a:effectRef>
-          <a:fontRef idx="minor">
-            <a:schemeClr val="lt1"/>
-          </a:fontRef>
-        </p:style>
-        <p:txBody>
-          <a:bodyPr rtlCol="0" anchor="ctr"/>
-          <a:lstStyle/>
-          <a:p>
-            <a:pPr algn="ctr"/>
-            <a:endParaRPr lang="en-US"/>
-          </a:p>
-        </p:txBody>
-      </p:sp>
-      <p:sp>
-        <p:nvSpPr>
-          <p:cNvPr id="6" name="TextBox 5">
-            <a:extLst>
-              <a:ext uri="{FF2B5EF4-FFF2-40B4-BE49-F238E27FC236}">
-                <a16:creationId xmlns:a16="http://schemas.microsoft.com/office/drawing/2014/main" id="{6778BB9A-CEE6-48DB-92BA-4A221142F078}"/>
-              </a:ext>
-            </a:extLst>
-          </p:cNvPr>
-          <p:cNvSpPr txBox="1"/>
-          <p:nvPr/>
-        </p:nvSpPr>
-        <p:spPr>
-          <a:xfrm>
-            <a:off x="6163056" y="1388825"/>
-            <a:ext cx="1283208" cy="369332"/>
-          </a:xfrm>
-          <a:prstGeom prst="rect">
-            <a:avLst/>
-          </a:prstGeom>
-          <a:noFill/>
-        </p:spPr>
-        <p:txBody>
-          <a:bodyPr wrap="square" rtlCol="0">
-            <a:spAutoFit/>
-          </a:bodyPr>
-          <a:lstStyle/>
-          <a:p>
-            <a:r>
-              <a:rPr lang="en-US" dirty="0" err="1"/>
-              <a:t>LifeBuddy</a:t>
-            </a:r>
-            <a:endParaRPr lang="en-US" dirty="0"/>
-          </a:p>
-        </p:txBody>
-      </p:sp>
-      <p:sp>
-        <p:nvSpPr>
-          <p:cNvPr id="7" name="TextBox 6">
-            <a:extLst>
-              <a:ext uri="{FF2B5EF4-FFF2-40B4-BE49-F238E27FC236}">
-                <a16:creationId xmlns:a16="http://schemas.microsoft.com/office/drawing/2014/main" id="{A31653C1-2BBB-4240-8EA5-12B51256B562}"/>
-              </a:ext>
-            </a:extLst>
-          </p:cNvPr>
-          <p:cNvSpPr txBox="1"/>
-          <p:nvPr/>
-        </p:nvSpPr>
-        <p:spPr>
-          <a:xfrm>
-            <a:off x="9930384" y="1329952"/>
-            <a:ext cx="1719072" cy="369332"/>
-          </a:xfrm>
-          <a:prstGeom prst="rect">
-            <a:avLst/>
-          </a:prstGeom>
-          <a:noFill/>
-        </p:spPr>
-        <p:txBody>
-          <a:bodyPr wrap="square" rtlCol="0">
-            <a:spAutoFit/>
-          </a:bodyPr>
-          <a:lstStyle/>
-          <a:p>
-            <a:r>
-              <a:rPr lang="en-US" dirty="0"/>
-              <a:t>Reports Logout</a:t>
-            </a:r>
-          </a:p>
-        </p:txBody>
-      </p:sp>
-      <p:sp>
-        <p:nvSpPr>
-          <p:cNvPr id="8" name="TextBox 7">
-            <a:extLst>
-              <a:ext uri="{FF2B5EF4-FFF2-40B4-BE49-F238E27FC236}">
-                <a16:creationId xmlns:a16="http://schemas.microsoft.com/office/drawing/2014/main" id="{4EAE213F-5DD6-4626-B745-2C6C4FB18275}"/>
-              </a:ext>
-            </a:extLst>
-          </p:cNvPr>
-          <p:cNvSpPr txBox="1"/>
-          <p:nvPr/>
-        </p:nvSpPr>
-        <p:spPr>
-          <a:xfrm>
-            <a:off x="8264652" y="1388825"/>
-            <a:ext cx="1283208" cy="369332"/>
-          </a:xfrm>
-          <a:prstGeom prst="rect">
-            <a:avLst/>
-          </a:prstGeom>
-          <a:noFill/>
-        </p:spPr>
-        <p:txBody>
-          <a:bodyPr wrap="square" rtlCol="0">
-            <a:spAutoFit/>
-          </a:bodyPr>
-          <a:lstStyle/>
-          <a:p>
-            <a:r>
-              <a:rPr lang="en-US" dirty="0"/>
-              <a:t>Username</a:t>
-            </a:r>
-          </a:p>
-        </p:txBody>
-      </p:sp>
-      <p:sp>
-        <p:nvSpPr>
-          <p:cNvPr id="9" name="TextBox 8">
-            <a:extLst>
-              <a:ext uri="{FF2B5EF4-FFF2-40B4-BE49-F238E27FC236}">
-                <a16:creationId xmlns:a16="http://schemas.microsoft.com/office/drawing/2014/main" id="{C037A77B-A32E-43F2-9697-9B6E755C7D61}"/>
-              </a:ext>
-            </a:extLst>
-          </p:cNvPr>
-          <p:cNvSpPr txBox="1"/>
-          <p:nvPr/>
-        </p:nvSpPr>
-        <p:spPr>
-          <a:xfrm>
-            <a:off x="6135624" y="5318236"/>
-            <a:ext cx="2945892" cy="369332"/>
-          </a:xfrm>
-          <a:prstGeom prst="rect">
-            <a:avLst/>
-          </a:prstGeom>
-          <a:noFill/>
-        </p:spPr>
-        <p:txBody>
-          <a:bodyPr wrap="square" rtlCol="0">
-            <a:spAutoFit/>
-          </a:bodyPr>
-          <a:lstStyle/>
-          <a:p>
-            <a:r>
-              <a:rPr lang="en-US" dirty="0"/>
-              <a:t>Upload Data Link</a:t>
-            </a:r>
-          </a:p>
-        </p:txBody>
-      </p:sp>
-      <p:sp>
-        <p:nvSpPr>
-          <p:cNvPr id="10" name="Rectangle: Rounded Corners 9">
-            <a:extLst>
-              <a:ext uri="{FF2B5EF4-FFF2-40B4-BE49-F238E27FC236}">
-                <a16:creationId xmlns:a16="http://schemas.microsoft.com/office/drawing/2014/main" id="{C0BF8399-66A3-4AC7-97D9-F27163EAD29F}"/>
-              </a:ext>
-            </a:extLst>
-          </p:cNvPr>
-          <p:cNvSpPr/>
-          <p:nvPr/>
-        </p:nvSpPr>
-        <p:spPr>
-          <a:xfrm>
-            <a:off x="6245352" y="2240280"/>
-            <a:ext cx="5239512" cy="1271016"/>
-          </a:xfrm>
-          <a:prstGeom prst="roundRect">
-            <a:avLst/>
-          </a:prstGeom>
-          <a:solidFill>
-            <a:schemeClr val="accent6">
-              <a:lumMod val="75000"/>
-            </a:schemeClr>
-          </a:solidFill>
-        </p:spPr>
-        <p:style>
-          <a:lnRef idx="2">
-            <a:schemeClr val="accent1">
-              <a:shade val="50000"/>
-            </a:schemeClr>
-          </a:lnRef>
-          <a:fillRef idx="1">
-            <a:schemeClr val="accent1"/>
-          </a:fillRef>
-          <a:effectRef idx="0">
-            <a:schemeClr val="accent1"/>
-          </a:effectRef>
-          <a:fontRef idx="minor">
-            <a:schemeClr val="lt1"/>
-          </a:fontRef>
-        </p:style>
-        <p:txBody>
-          <a:bodyPr rtlCol="0" anchor="ctr"/>
-          <a:lstStyle/>
-          <a:p>
-            <a:pPr algn="ctr"/>
-            <a:endParaRPr lang="en-US"/>
-          </a:p>
-        </p:txBody>
-      </p:sp>
-      <p:sp>
-        <p:nvSpPr>
-          <p:cNvPr id="11" name="TextBox 10">
-            <a:extLst>
-              <a:ext uri="{FF2B5EF4-FFF2-40B4-BE49-F238E27FC236}">
-                <a16:creationId xmlns:a16="http://schemas.microsoft.com/office/drawing/2014/main" id="{831EC155-27AF-4CB5-9027-2C44D8DF3283}"/>
-              </a:ext>
-            </a:extLst>
-          </p:cNvPr>
-          <p:cNvSpPr txBox="1"/>
-          <p:nvPr/>
-        </p:nvSpPr>
-        <p:spPr>
-          <a:xfrm>
-            <a:off x="6830568" y="2414016"/>
-            <a:ext cx="4050792" cy="369332"/>
-          </a:xfrm>
-          <a:prstGeom prst="rect">
-            <a:avLst/>
-          </a:prstGeom>
-          <a:noFill/>
-        </p:spPr>
-        <p:txBody>
-          <a:bodyPr wrap="square" rtlCol="0">
-            <a:spAutoFit/>
-          </a:bodyPr>
-          <a:lstStyle/>
-          <a:p>
-            <a:r>
-              <a:rPr lang="en-US" b="1" u="sng" dirty="0"/>
-              <a:t>Forecast of the upcoming week</a:t>
-            </a:r>
-          </a:p>
-        </p:txBody>
-      </p:sp>
-      <p:sp>
-        <p:nvSpPr>
-          <p:cNvPr id="12" name="Rectangle: Rounded Corners 11">
-            <a:extLst>
-              <a:ext uri="{FF2B5EF4-FFF2-40B4-BE49-F238E27FC236}">
-                <a16:creationId xmlns:a16="http://schemas.microsoft.com/office/drawing/2014/main" id="{7865A3F7-00CC-4A1D-A036-AE8D6751FE93}"/>
-              </a:ext>
-            </a:extLst>
-          </p:cNvPr>
-          <p:cNvSpPr/>
-          <p:nvPr/>
-        </p:nvSpPr>
-        <p:spPr>
-          <a:xfrm>
-            <a:off x="6245352" y="3560191"/>
-            <a:ext cx="5239512" cy="1271016"/>
-          </a:xfrm>
-          <a:prstGeom prst="roundRect">
-            <a:avLst/>
-          </a:prstGeom>
-          <a:solidFill>
-            <a:schemeClr val="accent6">
-              <a:lumMod val="60000"/>
-              <a:lumOff val="40000"/>
-            </a:schemeClr>
-          </a:solidFill>
-        </p:spPr>
-        <p:style>
-          <a:lnRef idx="2">
-            <a:schemeClr val="accent1">
-              <a:shade val="50000"/>
-            </a:schemeClr>
-          </a:lnRef>
-          <a:fillRef idx="1">
-            <a:schemeClr val="accent1"/>
-          </a:fillRef>
-          <a:effectRef idx="0">
-            <a:schemeClr val="accent1"/>
-          </a:effectRef>
-          <a:fontRef idx="minor">
-            <a:schemeClr val="lt1"/>
-          </a:fontRef>
-        </p:style>
-        <p:txBody>
-          <a:bodyPr rtlCol="0" anchor="ctr"/>
-          <a:lstStyle/>
-          <a:p>
-            <a:pPr algn="ctr"/>
-            <a:endParaRPr lang="en-US"/>
-          </a:p>
-        </p:txBody>
-      </p:sp>
-      <p:sp>
-        <p:nvSpPr>
-          <p:cNvPr id="13" name="TextBox 12">
-            <a:extLst>
-              <a:ext uri="{FF2B5EF4-FFF2-40B4-BE49-F238E27FC236}">
-                <a16:creationId xmlns:a16="http://schemas.microsoft.com/office/drawing/2014/main" id="{3627294C-BE86-4403-8642-AAD825EDEEDE}"/>
-              </a:ext>
-            </a:extLst>
-          </p:cNvPr>
-          <p:cNvSpPr txBox="1"/>
-          <p:nvPr/>
-        </p:nvSpPr>
-        <p:spPr>
-          <a:xfrm>
-            <a:off x="6830568" y="3733927"/>
-            <a:ext cx="4325112" cy="369332"/>
-          </a:xfrm>
-          <a:prstGeom prst="rect">
-            <a:avLst/>
-          </a:prstGeom>
-          <a:noFill/>
-        </p:spPr>
-        <p:txBody>
-          <a:bodyPr wrap="square" rtlCol="0">
-            <a:spAutoFit/>
-          </a:bodyPr>
-          <a:lstStyle/>
-          <a:p>
-            <a:r>
-              <a:rPr lang="en-US" dirty="0"/>
-              <a:t>Current Week’s Data on a line or dot chart</a:t>
-            </a:r>
-          </a:p>
-        </p:txBody>
-      </p:sp>
-    </p:spTree>
-    <p:extLst>
-      <p:ext uri="{BB962C8B-B14F-4D97-AF65-F5344CB8AC3E}">
-        <p14:creationId xmlns:p14="http://schemas.microsoft.com/office/powerpoint/2010/main" val="3953627818"/>
-      </p:ext>
-    </p:extLst>
-  </p:cSld>
-  <p:clrMapOvr>
-    <a:masterClrMapping/>
-  </p:clrMapOvr>
-</p:sld>
-</file>
-
-<file path=ppt/slides/slide4.xml><?xml version="1.0" encoding="utf-8"?>
-<p:sld xmlns:a="http://schemas.openxmlformats.org/drawingml/2006/main" xmlns:r="http://schemas.openxmlformats.org/officeDocument/2006/relationships" xmlns:p="http://schemas.openxmlformats.org/presentationml/2006/main">
-  <p:cSld>
-    <p:spTree>
-      <p:nvGrpSpPr>
-        <p:cNvPr id="1" name=""/>
-        <p:cNvGrpSpPr/>
-        <p:nvPr/>
-      </p:nvGrpSpPr>
-      <p:grpSpPr>
-        <a:xfrm>
-          <a:off x="0" y="0"/>
-          <a:ext cx="0" cy="0"/>
-          <a:chOff x="0" y="0"/>
-          <a:chExt cx="0" cy="0"/>
-        </a:xfrm>
-      </p:grpSpPr>
-      <p:sp>
-        <p:nvSpPr>
-          <p:cNvPr id="2" name="Title 1">
-            <a:extLst>
-              <a:ext uri="{FF2B5EF4-FFF2-40B4-BE49-F238E27FC236}">
-                <a16:creationId xmlns:a16="http://schemas.microsoft.com/office/drawing/2014/main" id="{C0A41ED3-494F-433C-8A5C-8CAB90169065}"/>
-              </a:ext>
-            </a:extLst>
-          </p:cNvPr>
-          <p:cNvSpPr>
-            <a:spLocks noGrp="1"/>
-          </p:cNvSpPr>
-          <p:nvPr>
-            <p:ph type="title"/>
-          </p:nvPr>
-        </p:nvSpPr>
-        <p:spPr/>
-        <p:txBody>
-          <a:bodyPr/>
-          <a:lstStyle/>
-          <a:p>
-            <a:r>
-              <a:rPr lang="en-US" dirty="0"/>
-              <a:t>Upload Data</a:t>
-            </a:r>
-          </a:p>
-        </p:txBody>
-      </p:sp>
-      <p:sp>
-        <p:nvSpPr>
-          <p:cNvPr id="3" name="Content Placeholder 2">
-            <a:extLst>
-              <a:ext uri="{FF2B5EF4-FFF2-40B4-BE49-F238E27FC236}">
-                <a16:creationId xmlns:a16="http://schemas.microsoft.com/office/drawing/2014/main" id="{B9752A32-9973-4F89-A646-7E61E1F12B27}"/>
-              </a:ext>
-            </a:extLst>
-          </p:cNvPr>
-          <p:cNvSpPr>
-            <a:spLocks noGrp="1"/>
-          </p:cNvSpPr>
-          <p:nvPr>
-            <p:ph idx="1"/>
-          </p:nvPr>
-        </p:nvSpPr>
-        <p:spPr>
-          <a:xfrm>
-            <a:off x="838200" y="1825625"/>
-            <a:ext cx="3651504" cy="4351338"/>
-          </a:xfrm>
-        </p:spPr>
-        <p:txBody>
-          <a:bodyPr/>
-          <a:lstStyle/>
-          <a:p>
-            <a:r>
-              <a:rPr lang="en-US" dirty="0"/>
-              <a:t>Dashboard</a:t>
-            </a:r>
-          </a:p>
-        </p:txBody>
-      </p:sp>
-      <p:sp>
-        <p:nvSpPr>
-          <p:cNvPr id="4" name="Rectangle 3">
-            <a:extLst>
-              <a:ext uri="{FF2B5EF4-FFF2-40B4-BE49-F238E27FC236}">
-                <a16:creationId xmlns:a16="http://schemas.microsoft.com/office/drawing/2014/main" id="{13080676-1057-4CF6-8206-230B58107A07}"/>
-              </a:ext>
-            </a:extLst>
-          </p:cNvPr>
-          <p:cNvSpPr/>
-          <p:nvPr/>
-        </p:nvSpPr>
-        <p:spPr>
-          <a:xfrm>
-            <a:off x="6163056" y="1874520"/>
-            <a:ext cx="5486400" cy="4745736"/>
-          </a:xfrm>
-          <a:prstGeom prst="rect">
-            <a:avLst/>
-          </a:prstGeom>
-        </p:spPr>
-        <p:style>
-          <a:lnRef idx="2">
-            <a:schemeClr val="accent1">
-              <a:shade val="50000"/>
-            </a:schemeClr>
-          </a:lnRef>
-          <a:fillRef idx="1">
-            <a:schemeClr val="accent1"/>
-          </a:fillRef>
-          <a:effectRef idx="0">
-            <a:schemeClr val="accent1"/>
-          </a:effectRef>
-          <a:fontRef idx="minor">
-            <a:schemeClr val="lt1"/>
-          </a:fontRef>
-        </p:style>
-        <p:txBody>
-          <a:bodyPr rtlCol="0" anchor="ctr"/>
-          <a:lstStyle/>
-          <a:p>
-            <a:pPr algn="ctr"/>
-            <a:endParaRPr lang="en-US"/>
-          </a:p>
-        </p:txBody>
-      </p:sp>
-      <p:sp>
-        <p:nvSpPr>
-          <p:cNvPr id="5" name="Rectangle 4">
-            <a:extLst>
-              <a:ext uri="{FF2B5EF4-FFF2-40B4-BE49-F238E27FC236}">
-                <a16:creationId xmlns:a16="http://schemas.microsoft.com/office/drawing/2014/main" id="{608B271F-3F1B-45F3-83ED-907833813E9A}"/>
-              </a:ext>
-            </a:extLst>
-          </p:cNvPr>
-          <p:cNvSpPr/>
-          <p:nvPr/>
-        </p:nvSpPr>
-        <p:spPr>
-          <a:xfrm>
-            <a:off x="6163056" y="1170432"/>
-            <a:ext cx="5486400" cy="655193"/>
-          </a:xfrm>
-          <a:prstGeom prst="rect">
-            <a:avLst/>
-          </a:prstGeom>
-          <a:solidFill>
-            <a:schemeClr val="accent2">
-              <a:lumMod val="60000"/>
-              <a:lumOff val="40000"/>
-            </a:schemeClr>
-          </a:solidFill>
-        </p:spPr>
-        <p:style>
-          <a:lnRef idx="2">
-            <a:schemeClr val="accent1">
-              <a:shade val="50000"/>
-            </a:schemeClr>
-          </a:lnRef>
-          <a:fillRef idx="1">
-            <a:schemeClr val="accent1"/>
-          </a:fillRef>
-          <a:effectRef idx="0">
-            <a:schemeClr val="accent1"/>
-          </a:effectRef>
-          <a:fontRef idx="minor">
-            <a:schemeClr val="lt1"/>
-          </a:fontRef>
-        </p:style>
-        <p:txBody>
-          <a:bodyPr rtlCol="0" anchor="ctr"/>
-          <a:lstStyle/>
-          <a:p>
-            <a:pPr algn="ctr"/>
-            <a:endParaRPr lang="en-US"/>
-          </a:p>
-        </p:txBody>
-      </p:sp>
-      <p:sp>
-        <p:nvSpPr>
-          <p:cNvPr id="6" name="TextBox 5">
-            <a:extLst>
-              <a:ext uri="{FF2B5EF4-FFF2-40B4-BE49-F238E27FC236}">
-                <a16:creationId xmlns:a16="http://schemas.microsoft.com/office/drawing/2014/main" id="{6778BB9A-CEE6-48DB-92BA-4A221142F078}"/>
-              </a:ext>
-            </a:extLst>
-          </p:cNvPr>
-          <p:cNvSpPr txBox="1"/>
-          <p:nvPr/>
-        </p:nvSpPr>
-        <p:spPr>
-          <a:xfrm>
-            <a:off x="6163056" y="1388825"/>
-            <a:ext cx="1283208" cy="369332"/>
-          </a:xfrm>
-          <a:prstGeom prst="rect">
-            <a:avLst/>
-          </a:prstGeom>
-          <a:noFill/>
-        </p:spPr>
-        <p:txBody>
-          <a:bodyPr wrap="square" rtlCol="0">
-            <a:spAutoFit/>
-          </a:bodyPr>
-          <a:lstStyle/>
-          <a:p>
-            <a:r>
-              <a:rPr lang="en-US" dirty="0" err="1"/>
-              <a:t>LifeBuddy</a:t>
-            </a:r>
-            <a:endParaRPr lang="en-US" dirty="0"/>
-          </a:p>
-        </p:txBody>
-      </p:sp>
-      <p:sp>
-        <p:nvSpPr>
-          <p:cNvPr id="7" name="TextBox 6">
-            <a:extLst>
-              <a:ext uri="{FF2B5EF4-FFF2-40B4-BE49-F238E27FC236}">
-                <a16:creationId xmlns:a16="http://schemas.microsoft.com/office/drawing/2014/main" id="{A31653C1-2BBB-4240-8EA5-12B51256B562}"/>
-              </a:ext>
-            </a:extLst>
-          </p:cNvPr>
-          <p:cNvSpPr txBox="1"/>
-          <p:nvPr/>
-        </p:nvSpPr>
-        <p:spPr>
-          <a:xfrm>
-            <a:off x="9930384" y="1329952"/>
-            <a:ext cx="1719072" cy="369332"/>
-          </a:xfrm>
-          <a:prstGeom prst="rect">
-            <a:avLst/>
-          </a:prstGeom>
-          <a:noFill/>
-        </p:spPr>
-        <p:txBody>
-          <a:bodyPr wrap="square" rtlCol="0">
-            <a:spAutoFit/>
-          </a:bodyPr>
-          <a:lstStyle/>
-          <a:p>
-            <a:r>
-              <a:rPr lang="en-US" dirty="0"/>
-              <a:t>Reports Logout</a:t>
-            </a:r>
-          </a:p>
-        </p:txBody>
-      </p:sp>
-      <p:sp>
-        <p:nvSpPr>
-          <p:cNvPr id="8" name="TextBox 7">
-            <a:extLst>
-              <a:ext uri="{FF2B5EF4-FFF2-40B4-BE49-F238E27FC236}">
-                <a16:creationId xmlns:a16="http://schemas.microsoft.com/office/drawing/2014/main" id="{4EAE213F-5DD6-4626-B745-2C6C4FB18275}"/>
-              </a:ext>
-            </a:extLst>
-          </p:cNvPr>
-          <p:cNvSpPr txBox="1"/>
-          <p:nvPr/>
-        </p:nvSpPr>
-        <p:spPr>
-          <a:xfrm>
-            <a:off x="8264652" y="1388825"/>
-            <a:ext cx="1283208" cy="369332"/>
-          </a:xfrm>
-          <a:prstGeom prst="rect">
-            <a:avLst/>
-          </a:prstGeom>
-          <a:noFill/>
-        </p:spPr>
-        <p:txBody>
-          <a:bodyPr wrap="square" rtlCol="0">
-            <a:spAutoFit/>
-          </a:bodyPr>
-          <a:lstStyle/>
-          <a:p>
-            <a:r>
-              <a:rPr lang="en-US" dirty="0"/>
-              <a:t>Username</a:t>
-            </a:r>
-          </a:p>
-        </p:txBody>
-      </p:sp>
-      <p:sp>
-        <p:nvSpPr>
-          <p:cNvPr id="9" name="TextBox 8">
-            <a:extLst>
-              <a:ext uri="{FF2B5EF4-FFF2-40B4-BE49-F238E27FC236}">
-                <a16:creationId xmlns:a16="http://schemas.microsoft.com/office/drawing/2014/main" id="{C037A77B-A32E-43F2-9697-9B6E755C7D61}"/>
-              </a:ext>
-            </a:extLst>
-          </p:cNvPr>
-          <p:cNvSpPr txBox="1"/>
-          <p:nvPr/>
-        </p:nvSpPr>
-        <p:spPr>
-          <a:xfrm>
-            <a:off x="6307836" y="2112987"/>
-            <a:ext cx="1696212" cy="369332"/>
-          </a:xfrm>
-          <a:prstGeom prst="rect">
-            <a:avLst/>
-          </a:prstGeom>
-          <a:noFill/>
-        </p:spPr>
-        <p:txBody>
-          <a:bodyPr wrap="square" rtlCol="0">
-            <a:spAutoFit/>
-          </a:bodyPr>
-          <a:lstStyle/>
-          <a:p>
-            <a:r>
-              <a:rPr lang="en-US" dirty="0"/>
-              <a:t>Upload Data</a:t>
-            </a:r>
-          </a:p>
-        </p:txBody>
-      </p:sp>
-      <p:sp>
-        <p:nvSpPr>
-          <p:cNvPr id="11" name="TextBox 10">
-            <a:extLst>
-              <a:ext uri="{FF2B5EF4-FFF2-40B4-BE49-F238E27FC236}">
-                <a16:creationId xmlns:a16="http://schemas.microsoft.com/office/drawing/2014/main" id="{831EC155-27AF-4CB5-9027-2C44D8DF3283}"/>
-              </a:ext>
-            </a:extLst>
-          </p:cNvPr>
-          <p:cNvSpPr txBox="1"/>
-          <p:nvPr/>
-        </p:nvSpPr>
-        <p:spPr>
-          <a:xfrm>
-            <a:off x="6830568" y="2414016"/>
-            <a:ext cx="4315968" cy="2893100"/>
-          </a:xfrm>
-          <a:prstGeom prst="rect">
-            <a:avLst/>
-          </a:prstGeom>
-          <a:noFill/>
-        </p:spPr>
-        <p:txBody>
-          <a:bodyPr wrap="square" rtlCol="0">
-            <a:spAutoFit/>
-          </a:bodyPr>
-          <a:lstStyle/>
-          <a:p>
-            <a:pPr marL="342900" indent="-342900">
-              <a:buFont typeface="+mj-lt"/>
-              <a:buAutoNum type="arabicPeriod"/>
-            </a:pPr>
-            <a:r>
-              <a:rPr lang="en-US" sz="1400" dirty="0"/>
-              <a:t>Input file browser</a:t>
-            </a:r>
-          </a:p>
-          <a:p>
-            <a:pPr marL="342900" indent="-342900">
-              <a:buFont typeface="+mj-lt"/>
-              <a:buAutoNum type="arabicPeriod"/>
-            </a:pPr>
-            <a:r>
-              <a:rPr lang="en-US" sz="1400" dirty="0"/>
-              <a:t>Input dropdown file type</a:t>
-            </a:r>
-          </a:p>
-          <a:p>
-            <a:pPr marL="342900" indent="-342900">
-              <a:buFont typeface="+mj-lt"/>
-              <a:buAutoNum type="arabicPeriod"/>
-            </a:pPr>
-            <a:r>
-              <a:rPr lang="en-US" sz="1400" dirty="0"/>
-              <a:t>Input dropdown file time location (default users </a:t>
-            </a:r>
-            <a:r>
-              <a:rPr lang="en-US" sz="1400" dirty="0" err="1"/>
-              <a:t>timezone</a:t>
-            </a:r>
-            <a:r>
-              <a:rPr lang="en-US" sz="1400" dirty="0"/>
-              <a:t>)</a:t>
-            </a:r>
-          </a:p>
-          <a:p>
-            <a:pPr marL="342900" indent="-342900">
-              <a:buFont typeface="+mj-lt"/>
-              <a:buAutoNum type="arabicPeriod"/>
-            </a:pPr>
-            <a:r>
-              <a:rPr lang="en-US" sz="1400" dirty="0"/>
-              <a:t>Input data type</a:t>
-            </a:r>
-          </a:p>
-          <a:p>
-            <a:pPr marL="800100" lvl="1" indent="-342900">
-              <a:buFont typeface="+mj-lt"/>
-              <a:buAutoNum type="arabicPeriod"/>
-            </a:pPr>
-            <a:r>
-              <a:rPr lang="en-US" sz="1400" dirty="0"/>
-              <a:t>Heart rate</a:t>
-            </a:r>
-          </a:p>
-          <a:p>
-            <a:pPr marL="800100" lvl="1" indent="-342900">
-              <a:buFont typeface="+mj-lt"/>
-              <a:buAutoNum type="arabicPeriod"/>
-            </a:pPr>
-            <a:r>
-              <a:rPr lang="en-US" sz="1400" dirty="0"/>
-              <a:t>Finance</a:t>
-            </a:r>
-          </a:p>
-          <a:p>
-            <a:pPr marL="800100" lvl="1" indent="-342900">
-              <a:buFont typeface="+mj-lt"/>
-              <a:buAutoNum type="arabicPeriod"/>
-            </a:pPr>
-            <a:r>
-              <a:rPr lang="en-US" sz="1400" dirty="0"/>
-              <a:t>Weather – I’ll have to make some sort of conversion from weather download to excel</a:t>
-            </a:r>
-          </a:p>
-          <a:p>
-            <a:pPr marL="800100" lvl="1" indent="-342900">
-              <a:buFont typeface="+mj-lt"/>
-              <a:buAutoNum type="arabicPeriod"/>
-            </a:pPr>
-            <a:r>
-              <a:rPr lang="en-US" sz="1400" dirty="0"/>
-              <a:t>Calendar – I’ll have to make some sort of conversion from Google calendar to excel or something</a:t>
-            </a:r>
-          </a:p>
-          <a:p>
-            <a:pPr marL="342900" indent="-342900">
-              <a:buFont typeface="+mj-lt"/>
-              <a:buAutoNum type="arabicPeriod"/>
-            </a:pPr>
-            <a:r>
-              <a:rPr lang="en-US" sz="1400" dirty="0"/>
-              <a:t>something</a:t>
-            </a:r>
-          </a:p>
-        </p:txBody>
-      </p:sp>
-    </p:spTree>
-    <p:extLst>
-      <p:ext uri="{BB962C8B-B14F-4D97-AF65-F5344CB8AC3E}">
-        <p14:creationId xmlns:p14="http://schemas.microsoft.com/office/powerpoint/2010/main" val="1762367111"/>
-      </p:ext>
-    </p:extLst>
-  </p:cSld>
-  <p:clrMapOvr>
-    <a:masterClrMapping/>
-  </p:clrMapOvr>
-</p:sld>
-</file>
-
-<file path=ppt/slides/slide5.xml><?xml version="1.0" encoding="utf-8"?>
-<p:sld xmlns:a="http://schemas.openxmlformats.org/drawingml/2006/main" xmlns:r="http://schemas.openxmlformats.org/officeDocument/2006/relationships" xmlns:p="http://schemas.openxmlformats.org/presentationml/2006/main">
-  <p:cSld>
-    <p:spTree>
-      <p:nvGrpSpPr>
-        <p:cNvPr id="1" name=""/>
-        <p:cNvGrpSpPr/>
-        <p:nvPr/>
-      </p:nvGrpSpPr>
-      <p:grpSpPr>
-        <a:xfrm>
-          <a:off x="0" y="0"/>
-          <a:ext cx="0" cy="0"/>
-          <a:chOff x="0" y="0"/>
-          <a:chExt cx="0" cy="0"/>
-        </a:xfrm>
-      </p:grpSpPr>
-      <p:sp>
-        <p:nvSpPr>
-          <p:cNvPr id="2" name="Title 1">
-            <a:extLst>
-              <a:ext uri="{FF2B5EF4-FFF2-40B4-BE49-F238E27FC236}">
-                <a16:creationId xmlns:a16="http://schemas.microsoft.com/office/drawing/2014/main" id="{C0A41ED3-494F-433C-8A5C-8CAB90169065}"/>
-              </a:ext>
-            </a:extLst>
-          </p:cNvPr>
-          <p:cNvSpPr>
-            <a:spLocks noGrp="1"/>
-          </p:cNvSpPr>
-          <p:nvPr>
-            <p:ph type="title"/>
-          </p:nvPr>
-        </p:nvSpPr>
-        <p:spPr/>
-        <p:txBody>
-          <a:bodyPr/>
-          <a:lstStyle/>
-          <a:p>
-            <a:r>
-              <a:rPr lang="en-US" dirty="0"/>
-              <a:t>Reports Page</a:t>
-            </a:r>
-          </a:p>
-        </p:txBody>
-      </p:sp>
-      <p:sp>
-        <p:nvSpPr>
-          <p:cNvPr id="3" name="Content Placeholder 2">
-            <a:extLst>
-              <a:ext uri="{FF2B5EF4-FFF2-40B4-BE49-F238E27FC236}">
-                <a16:creationId xmlns:a16="http://schemas.microsoft.com/office/drawing/2014/main" id="{B9752A32-9973-4F89-A646-7E61E1F12B27}"/>
-              </a:ext>
-            </a:extLst>
-          </p:cNvPr>
-          <p:cNvSpPr>
-            <a:spLocks noGrp="1"/>
-          </p:cNvSpPr>
-          <p:nvPr>
-            <p:ph idx="1"/>
-          </p:nvPr>
-        </p:nvSpPr>
-        <p:spPr>
-          <a:xfrm>
-            <a:off x="838200" y="1825625"/>
-            <a:ext cx="3651504" cy="4351338"/>
-          </a:xfrm>
-        </p:spPr>
-        <p:txBody>
-          <a:bodyPr/>
-          <a:lstStyle/>
-          <a:p>
-            <a:r>
-              <a:rPr lang="en-US" dirty="0"/>
-              <a:t>Dashboard</a:t>
-            </a:r>
-          </a:p>
-        </p:txBody>
-      </p:sp>
-      <p:sp>
-        <p:nvSpPr>
-          <p:cNvPr id="4" name="Rectangle 3">
-            <a:extLst>
-              <a:ext uri="{FF2B5EF4-FFF2-40B4-BE49-F238E27FC236}">
-                <a16:creationId xmlns:a16="http://schemas.microsoft.com/office/drawing/2014/main" id="{13080676-1057-4CF6-8206-230B58107A07}"/>
-              </a:ext>
-            </a:extLst>
-          </p:cNvPr>
-          <p:cNvSpPr/>
-          <p:nvPr/>
-        </p:nvSpPr>
-        <p:spPr>
-          <a:xfrm>
-            <a:off x="6163056" y="1874520"/>
-            <a:ext cx="5486400" cy="4745736"/>
-          </a:xfrm>
-          <a:prstGeom prst="rect">
-            <a:avLst/>
-          </a:prstGeom>
-        </p:spPr>
-        <p:style>
-          <a:lnRef idx="2">
-            <a:schemeClr val="accent1">
-              <a:shade val="50000"/>
-            </a:schemeClr>
-          </a:lnRef>
-          <a:fillRef idx="1">
-            <a:schemeClr val="accent1"/>
-          </a:fillRef>
-          <a:effectRef idx="0">
-            <a:schemeClr val="accent1"/>
-          </a:effectRef>
-          <a:fontRef idx="minor">
-            <a:schemeClr val="lt1"/>
-          </a:fontRef>
-        </p:style>
-        <p:txBody>
-          <a:bodyPr rtlCol="0" anchor="ctr"/>
-          <a:lstStyle/>
-          <a:p>
-            <a:pPr algn="ctr"/>
-            <a:endParaRPr lang="en-US"/>
-          </a:p>
-        </p:txBody>
-      </p:sp>
-      <p:sp>
-        <p:nvSpPr>
-          <p:cNvPr id="5" name="Rectangle 4">
-            <a:extLst>
-              <a:ext uri="{FF2B5EF4-FFF2-40B4-BE49-F238E27FC236}">
-                <a16:creationId xmlns:a16="http://schemas.microsoft.com/office/drawing/2014/main" id="{608B271F-3F1B-45F3-83ED-907833813E9A}"/>
-              </a:ext>
-            </a:extLst>
-          </p:cNvPr>
-          <p:cNvSpPr/>
-          <p:nvPr/>
-        </p:nvSpPr>
-        <p:spPr>
-          <a:xfrm>
-            <a:off x="6163056" y="1170432"/>
-            <a:ext cx="5486400" cy="655193"/>
-          </a:xfrm>
-          <a:prstGeom prst="rect">
-            <a:avLst/>
-          </a:prstGeom>
-          <a:solidFill>
-            <a:schemeClr val="accent2">
-              <a:lumMod val="60000"/>
-              <a:lumOff val="40000"/>
-            </a:schemeClr>
-          </a:solidFill>
-        </p:spPr>
-        <p:style>
-          <a:lnRef idx="2">
-            <a:schemeClr val="accent1">
-              <a:shade val="50000"/>
-            </a:schemeClr>
-          </a:lnRef>
-          <a:fillRef idx="1">
-            <a:schemeClr val="accent1"/>
-          </a:fillRef>
-          <a:effectRef idx="0">
-            <a:schemeClr val="accent1"/>
-          </a:effectRef>
-          <a:fontRef idx="minor">
-            <a:schemeClr val="lt1"/>
-          </a:fontRef>
-        </p:style>
-        <p:txBody>
-          <a:bodyPr rtlCol="0" anchor="ctr"/>
-          <a:lstStyle/>
-          <a:p>
-            <a:pPr algn="ctr"/>
-            <a:endParaRPr lang="en-US"/>
-          </a:p>
-        </p:txBody>
-      </p:sp>
-      <p:sp>
-        <p:nvSpPr>
-          <p:cNvPr id="6" name="TextBox 5">
-            <a:extLst>
-              <a:ext uri="{FF2B5EF4-FFF2-40B4-BE49-F238E27FC236}">
-                <a16:creationId xmlns:a16="http://schemas.microsoft.com/office/drawing/2014/main" id="{6778BB9A-CEE6-48DB-92BA-4A221142F078}"/>
-              </a:ext>
-            </a:extLst>
-          </p:cNvPr>
-          <p:cNvSpPr txBox="1"/>
-          <p:nvPr/>
-        </p:nvSpPr>
-        <p:spPr>
-          <a:xfrm>
-            <a:off x="6163056" y="1388825"/>
-            <a:ext cx="1283208" cy="369332"/>
-          </a:xfrm>
-          <a:prstGeom prst="rect">
-            <a:avLst/>
-          </a:prstGeom>
-          <a:noFill/>
-        </p:spPr>
-        <p:txBody>
-          <a:bodyPr wrap="square" rtlCol="0">
-            <a:spAutoFit/>
-          </a:bodyPr>
-          <a:lstStyle/>
-          <a:p>
-            <a:r>
-              <a:rPr lang="en-US" dirty="0" err="1"/>
-              <a:t>LifeBuddy</a:t>
-            </a:r>
-            <a:endParaRPr lang="en-US" dirty="0"/>
-          </a:p>
-        </p:txBody>
-      </p:sp>
-      <p:sp>
-        <p:nvSpPr>
-          <p:cNvPr id="7" name="TextBox 6">
-            <a:extLst>
-              <a:ext uri="{FF2B5EF4-FFF2-40B4-BE49-F238E27FC236}">
-                <a16:creationId xmlns:a16="http://schemas.microsoft.com/office/drawing/2014/main" id="{A31653C1-2BBB-4240-8EA5-12B51256B562}"/>
-              </a:ext>
-            </a:extLst>
-          </p:cNvPr>
-          <p:cNvSpPr txBox="1"/>
-          <p:nvPr/>
-        </p:nvSpPr>
-        <p:spPr>
-          <a:xfrm>
-            <a:off x="9930384" y="1329952"/>
-            <a:ext cx="1719072" cy="369332"/>
-          </a:xfrm>
-          <a:prstGeom prst="rect">
-            <a:avLst/>
-          </a:prstGeom>
-          <a:noFill/>
-        </p:spPr>
-        <p:txBody>
-          <a:bodyPr wrap="square" rtlCol="0">
-            <a:spAutoFit/>
-          </a:bodyPr>
-          <a:lstStyle/>
-          <a:p>
-            <a:r>
-              <a:rPr lang="en-US" dirty="0"/>
-              <a:t>Reports Logout</a:t>
-            </a:r>
-          </a:p>
-        </p:txBody>
-      </p:sp>
-      <p:sp>
-        <p:nvSpPr>
-          <p:cNvPr id="8" name="TextBox 7">
-            <a:extLst>
-              <a:ext uri="{FF2B5EF4-FFF2-40B4-BE49-F238E27FC236}">
-                <a16:creationId xmlns:a16="http://schemas.microsoft.com/office/drawing/2014/main" id="{4EAE213F-5DD6-4626-B745-2C6C4FB18275}"/>
-              </a:ext>
-            </a:extLst>
-          </p:cNvPr>
-          <p:cNvSpPr txBox="1"/>
-          <p:nvPr/>
-        </p:nvSpPr>
-        <p:spPr>
-          <a:xfrm>
-            <a:off x="8264652" y="1388825"/>
-            <a:ext cx="1283208" cy="369332"/>
-          </a:xfrm>
-          <a:prstGeom prst="rect">
-            <a:avLst/>
-          </a:prstGeom>
-          <a:noFill/>
-        </p:spPr>
-        <p:txBody>
-          <a:bodyPr wrap="square" rtlCol="0">
-            <a:spAutoFit/>
-          </a:bodyPr>
-          <a:lstStyle/>
-          <a:p>
-            <a:r>
-              <a:rPr lang="en-US" dirty="0"/>
-              <a:t>Username</a:t>
-            </a:r>
-          </a:p>
-        </p:txBody>
-      </p:sp>
-      <p:sp>
-        <p:nvSpPr>
-          <p:cNvPr id="9" name="TextBox 8">
-            <a:extLst>
-              <a:ext uri="{FF2B5EF4-FFF2-40B4-BE49-F238E27FC236}">
-                <a16:creationId xmlns:a16="http://schemas.microsoft.com/office/drawing/2014/main" id="{C037A77B-A32E-43F2-9697-9B6E755C7D61}"/>
-              </a:ext>
-            </a:extLst>
-          </p:cNvPr>
-          <p:cNvSpPr txBox="1"/>
-          <p:nvPr/>
-        </p:nvSpPr>
-        <p:spPr>
-          <a:xfrm>
-            <a:off x="6163056" y="4294108"/>
-            <a:ext cx="2945892" cy="1200329"/>
-          </a:xfrm>
-          <a:prstGeom prst="rect">
-            <a:avLst/>
-          </a:prstGeom>
-          <a:noFill/>
-        </p:spPr>
-        <p:txBody>
-          <a:bodyPr wrap="square" rtlCol="0">
-            <a:spAutoFit/>
-          </a:bodyPr>
-          <a:lstStyle/>
-          <a:p>
-            <a:pPr marL="342900" indent="-342900">
-              <a:buFont typeface="+mj-lt"/>
-              <a:buAutoNum type="arabicPeriod"/>
-            </a:pPr>
-            <a:r>
-              <a:rPr lang="en-US" dirty="0"/>
-              <a:t>Adjustable time period</a:t>
-            </a:r>
-          </a:p>
-          <a:p>
-            <a:pPr marL="342900" indent="-342900">
-              <a:buFont typeface="+mj-lt"/>
-              <a:buAutoNum type="arabicPeriod"/>
-            </a:pPr>
-            <a:r>
-              <a:rPr lang="en-US" dirty="0"/>
-              <a:t>Selectable data (heart rate, mood, mint, etc.,)</a:t>
-            </a:r>
-          </a:p>
-          <a:p>
-            <a:pPr marL="342900" indent="-342900">
-              <a:buFont typeface="+mj-lt"/>
-              <a:buAutoNum type="arabicPeriod"/>
-            </a:pPr>
-            <a:r>
-              <a:rPr lang="en-US" dirty="0"/>
-              <a:t>Download to spreadsheet</a:t>
-            </a:r>
-          </a:p>
-        </p:txBody>
-      </p:sp>
-      <p:sp>
-        <p:nvSpPr>
-          <p:cNvPr id="12" name="Rectangle: Rounded Corners 11">
-            <a:extLst>
-              <a:ext uri="{FF2B5EF4-FFF2-40B4-BE49-F238E27FC236}">
-                <a16:creationId xmlns:a16="http://schemas.microsoft.com/office/drawing/2014/main" id="{7865A3F7-00CC-4A1D-A036-AE8D6751FE93}"/>
-              </a:ext>
-            </a:extLst>
-          </p:cNvPr>
-          <p:cNvSpPr/>
-          <p:nvPr/>
-        </p:nvSpPr>
-        <p:spPr>
-          <a:xfrm>
-            <a:off x="6291072" y="2300915"/>
-            <a:ext cx="5239512" cy="1271016"/>
-          </a:xfrm>
-          <a:prstGeom prst="roundRect">
-            <a:avLst/>
-          </a:prstGeom>
-          <a:solidFill>
-            <a:schemeClr val="accent6">
-              <a:lumMod val="60000"/>
-              <a:lumOff val="40000"/>
-            </a:schemeClr>
-          </a:solidFill>
-        </p:spPr>
-        <p:style>
-          <a:lnRef idx="2">
-            <a:schemeClr val="accent1">
-              <a:shade val="50000"/>
-            </a:schemeClr>
-          </a:lnRef>
-          <a:fillRef idx="1">
-            <a:schemeClr val="accent1"/>
-          </a:fillRef>
-          <a:effectRef idx="0">
-            <a:schemeClr val="accent1"/>
-          </a:effectRef>
-          <a:fontRef idx="minor">
-            <a:schemeClr val="lt1"/>
-          </a:fontRef>
-        </p:style>
-        <p:txBody>
-          <a:bodyPr rtlCol="0" anchor="ctr"/>
-          <a:lstStyle/>
-          <a:p>
-            <a:pPr algn="ctr"/>
-            <a:endParaRPr lang="en-US"/>
-          </a:p>
-        </p:txBody>
-      </p:sp>
-      <p:sp>
-        <p:nvSpPr>
-          <p:cNvPr id="13" name="TextBox 12">
-            <a:extLst>
-              <a:ext uri="{FF2B5EF4-FFF2-40B4-BE49-F238E27FC236}">
-                <a16:creationId xmlns:a16="http://schemas.microsoft.com/office/drawing/2014/main" id="{3627294C-BE86-4403-8642-AAD825EDEEDE}"/>
-              </a:ext>
-            </a:extLst>
-          </p:cNvPr>
-          <p:cNvSpPr txBox="1"/>
-          <p:nvPr/>
-        </p:nvSpPr>
-        <p:spPr>
-          <a:xfrm>
-            <a:off x="6876288" y="2474651"/>
-            <a:ext cx="4325112" cy="369332"/>
-          </a:xfrm>
-          <a:prstGeom prst="rect">
-            <a:avLst/>
-          </a:prstGeom>
-          <a:noFill/>
-        </p:spPr>
-        <p:txBody>
-          <a:bodyPr wrap="square" rtlCol="0">
-            <a:spAutoFit/>
-          </a:bodyPr>
-          <a:lstStyle/>
-          <a:p>
-            <a:r>
-              <a:rPr lang="en-US" dirty="0"/>
-              <a:t>Current Week’s Data on a line or dot chart</a:t>
-            </a:r>
-          </a:p>
-        </p:txBody>
-      </p:sp>
-    </p:spTree>
-    <p:extLst>
-      <p:ext uri="{BB962C8B-B14F-4D97-AF65-F5344CB8AC3E}">
-        <p14:creationId xmlns:p14="http://schemas.microsoft.com/office/powerpoint/2010/main" val="4025318041"/>
-      </p:ext>
-    </p:extLst>
-  </p:cSld>
-  <p:clrMapOvr>
-    <a:masterClrMapping/>
-  </p:clrMapOvr>
-</p:sld>
-</file>
-
-<file path=ppt/slides/slide6.xml><?xml version="1.0" encoding="utf-8"?>
-<p:sld xmlns:a="http://schemas.openxmlformats.org/drawingml/2006/main" xmlns:r="http://schemas.openxmlformats.org/officeDocument/2006/relationships" xmlns:p="http://schemas.openxmlformats.org/presentationml/2006/main">
-  <p:cSld>
-    <p:bg>
-      <p:bgPr>
-        <a:solidFill>
-          <a:schemeClr val="bg1">
-            <a:lumMod val="95000"/>
-          </a:schemeClr>
-        </a:solidFill>
-        <a:effectLst/>
-      </p:bgPr>
-    </p:bg>
-    <p:spTree>
-      <p:nvGrpSpPr>
-        <p:cNvPr id="1" name=""/>
-        <p:cNvGrpSpPr/>
-        <p:nvPr/>
-      </p:nvGrpSpPr>
-      <p:grpSpPr>
-        <a:xfrm>
-          <a:off x="0" y="0"/>
-          <a:ext cx="0" cy="0"/>
-          <a:chOff x="0" y="0"/>
-          <a:chExt cx="0" cy="0"/>
-        </a:xfrm>
-      </p:grpSpPr>
-      <p:sp>
-        <p:nvSpPr>
-          <p:cNvPr id="2" name="Title 1">
-            <a:extLst>
-              <a:ext uri="{FF2B5EF4-FFF2-40B4-BE49-F238E27FC236}">
-                <a16:creationId xmlns:a16="http://schemas.microsoft.com/office/drawing/2014/main" id="{E2F8D61A-151A-41D4-ACD1-C7ACE57DA0FE}"/>
-              </a:ext>
-            </a:extLst>
-          </p:cNvPr>
-          <p:cNvSpPr>
-            <a:spLocks noGrp="1"/>
-          </p:cNvSpPr>
-          <p:nvPr>
-            <p:ph type="title"/>
-          </p:nvPr>
-        </p:nvSpPr>
-        <p:spPr/>
-        <p:txBody>
-          <a:bodyPr/>
-          <a:lstStyle/>
-          <a:p>
-            <a:r>
-              <a:rPr lang="en-US" dirty="0"/>
-              <a:t>Database</a:t>
-            </a:r>
-          </a:p>
-        </p:txBody>
-      </p:sp>
-      <p:sp>
-        <p:nvSpPr>
-          <p:cNvPr id="3" name="Content Placeholder 2">
-            <a:extLst>
-              <a:ext uri="{FF2B5EF4-FFF2-40B4-BE49-F238E27FC236}">
-                <a16:creationId xmlns:a16="http://schemas.microsoft.com/office/drawing/2014/main" id="{471E5327-8ED1-4525-8025-0617F94784D2}"/>
-              </a:ext>
-            </a:extLst>
-          </p:cNvPr>
-          <p:cNvSpPr>
-            <a:spLocks noGrp="1"/>
-          </p:cNvSpPr>
-          <p:nvPr>
-            <p:ph idx="1"/>
-          </p:nvPr>
-        </p:nvSpPr>
-        <p:spPr>
-          <a:xfrm>
-            <a:off x="838200" y="1359281"/>
-            <a:ext cx="10515600" cy="3706495"/>
-          </a:xfrm>
-        </p:spPr>
-        <p:txBody>
-          <a:bodyPr numCol="2">
-            <a:normAutofit fontScale="92500" lnSpcReduction="10000"/>
-          </a:bodyPr>
-          <a:lstStyle/>
-          <a:p>
-            <a:r>
-              <a:rPr lang="en-US" sz="1000" dirty="0"/>
-              <a:t>User table</a:t>
-            </a:r>
-          </a:p>
-          <a:p>
-            <a:pPr lvl="1"/>
-            <a:r>
-              <a:rPr lang="en-US" sz="900" dirty="0"/>
-              <a:t>Username</a:t>
-            </a:r>
-          </a:p>
-          <a:p>
-            <a:pPr lvl="1"/>
-            <a:r>
-              <a:rPr lang="en-US" sz="900" dirty="0"/>
-              <a:t>Email</a:t>
-            </a:r>
-          </a:p>
-          <a:p>
-            <a:pPr lvl="1"/>
-            <a:r>
-              <a:rPr lang="en-US" sz="900" dirty="0"/>
-              <a:t>Password</a:t>
-            </a:r>
-          </a:p>
-          <a:p>
-            <a:pPr lvl="1"/>
-            <a:r>
-              <a:rPr lang="en-US" sz="900" dirty="0"/>
-              <a:t>Permission (view nick’s data?)</a:t>
-            </a:r>
-          </a:p>
-          <a:p>
-            <a:pPr lvl="1"/>
-            <a:r>
-              <a:rPr lang="en-US" sz="900" dirty="0"/>
-              <a:t>Profile image</a:t>
-            </a:r>
-          </a:p>
-          <a:p>
-            <a:pPr lvl="1"/>
-            <a:r>
-              <a:rPr lang="en-US" sz="900" dirty="0"/>
-              <a:t>Time stamp registered</a:t>
-            </a:r>
-          </a:p>
-          <a:p>
-            <a:pPr lvl="1"/>
-            <a:r>
-              <a:rPr lang="en-US" sz="900" dirty="0"/>
-              <a:t>User </a:t>
-            </a:r>
-            <a:r>
-              <a:rPr lang="en-US" sz="900" dirty="0" err="1"/>
-              <a:t>timezone</a:t>
-            </a:r>
-            <a:endParaRPr lang="en-US" sz="900" dirty="0"/>
-          </a:p>
-          <a:p>
-            <a:r>
-              <a:rPr lang="en-US" sz="1000" dirty="0">
-                <a:solidFill>
-                  <a:schemeClr val="bg1">
-                    <a:lumMod val="65000"/>
-                  </a:schemeClr>
-                </a:solidFill>
-              </a:rPr>
-              <a:t>Report table</a:t>
-            </a:r>
-          </a:p>
-          <a:p>
-            <a:pPr lvl="1"/>
-            <a:r>
-              <a:rPr lang="en-US" sz="900" dirty="0">
-                <a:solidFill>
-                  <a:schemeClr val="bg1">
-                    <a:lumMod val="65000"/>
-                  </a:schemeClr>
-                </a:solidFill>
-              </a:rPr>
-              <a:t>username</a:t>
-            </a:r>
-          </a:p>
-          <a:p>
-            <a:pPr lvl="1"/>
-            <a:r>
-              <a:rPr lang="en-US" sz="900" dirty="0">
-                <a:solidFill>
-                  <a:schemeClr val="bg1">
-                    <a:lumMod val="65000"/>
-                  </a:schemeClr>
-                </a:solidFill>
-              </a:rPr>
-              <a:t>Date, hour, minutes, seconds</a:t>
-            </a:r>
-          </a:p>
-          <a:p>
-            <a:pPr lvl="1"/>
-            <a:r>
-              <a:rPr lang="en-US" sz="900" dirty="0">
-                <a:solidFill>
-                  <a:schemeClr val="bg1">
-                    <a:lumMod val="65000"/>
-                  </a:schemeClr>
-                </a:solidFill>
-              </a:rPr>
-              <a:t>All vars of interest</a:t>
-            </a:r>
-          </a:p>
-          <a:p>
-            <a:pPr lvl="1"/>
-            <a:r>
-              <a:rPr lang="en-US" sz="900" dirty="0">
-                <a:solidFill>
-                  <a:schemeClr val="bg1">
-                    <a:lumMod val="65000"/>
-                  </a:schemeClr>
-                </a:solidFill>
-              </a:rPr>
-              <a:t>Mint converted</a:t>
-            </a:r>
-          </a:p>
-          <a:p>
-            <a:pPr lvl="1"/>
-            <a:r>
-              <a:rPr lang="en-US" sz="900" dirty="0">
-                <a:solidFill>
-                  <a:schemeClr val="bg1">
-                    <a:lumMod val="65000"/>
-                  </a:schemeClr>
-                </a:solidFill>
-              </a:rPr>
-              <a:t>Heart rate (instance) converted</a:t>
-            </a:r>
-          </a:p>
-          <a:p>
-            <a:pPr lvl="1"/>
-            <a:r>
-              <a:rPr lang="en-US" sz="900" dirty="0">
-                <a:solidFill>
-                  <a:schemeClr val="bg1">
-                    <a:lumMod val="65000"/>
-                  </a:schemeClr>
-                </a:solidFill>
-              </a:rPr>
-              <a:t>All other independent variables converted</a:t>
-            </a:r>
-          </a:p>
-          <a:p>
-            <a:r>
-              <a:rPr lang="en-US" sz="1000" dirty="0"/>
-              <a:t>Variable Table</a:t>
-            </a:r>
-          </a:p>
-          <a:p>
-            <a:pPr lvl="1"/>
-            <a:r>
-              <a:rPr lang="en-US" sz="900" dirty="0"/>
-              <a:t>Username</a:t>
-            </a:r>
-          </a:p>
-          <a:p>
-            <a:pPr lvl="1"/>
-            <a:r>
-              <a:rPr lang="en-US" sz="900" dirty="0"/>
-              <a:t>Var activity (walking, running, empty is okay for something like mood)</a:t>
-            </a:r>
-          </a:p>
-          <a:p>
-            <a:pPr lvl="1"/>
-            <a:r>
-              <a:rPr lang="en-US" sz="900" dirty="0" err="1"/>
-              <a:t>var_type</a:t>
-            </a:r>
-            <a:r>
-              <a:rPr lang="en-US" sz="900" dirty="0"/>
-              <a:t>(mood, weight, heart rate (instance), etc.,) – LB standardized</a:t>
-            </a:r>
-          </a:p>
-          <a:p>
-            <a:pPr lvl="1"/>
-            <a:r>
-              <a:rPr lang="en-US" sz="900" dirty="0" err="1"/>
-              <a:t>var_datetime_utc</a:t>
-            </a:r>
-            <a:r>
-              <a:rPr lang="en-US" sz="900" dirty="0"/>
-              <a:t> (Date, hour, min, sec converted to </a:t>
-            </a:r>
-            <a:r>
-              <a:rPr lang="en-US" sz="900" dirty="0" err="1"/>
-              <a:t>utc</a:t>
-            </a:r>
-            <a:r>
-              <a:rPr lang="en-US" sz="900" dirty="0"/>
-              <a:t>)</a:t>
-            </a:r>
-          </a:p>
-          <a:p>
-            <a:pPr lvl="1"/>
-            <a:r>
-              <a:rPr lang="en-US" sz="900" dirty="0" err="1"/>
-              <a:t>Var_value</a:t>
-            </a:r>
-            <a:r>
-              <a:rPr lang="en-US" sz="900" dirty="0"/>
-              <a:t> [measurement]</a:t>
-            </a:r>
-          </a:p>
-          <a:p>
-            <a:pPr lvl="1"/>
-            <a:r>
-              <a:rPr lang="en-US" sz="900" dirty="0"/>
-              <a:t>Units of variable – LB standardized</a:t>
-            </a:r>
-          </a:p>
-          <a:p>
-            <a:pPr lvl="1"/>
-            <a:r>
-              <a:rPr lang="en-US" sz="900" dirty="0"/>
-              <a:t>Time stamp of entry </a:t>
-            </a:r>
-          </a:p>
-          <a:p>
-            <a:pPr lvl="1"/>
-            <a:endParaRPr lang="en-US" sz="900" dirty="0"/>
-          </a:p>
-          <a:p>
-            <a:r>
-              <a:rPr lang="en-US" sz="1000" dirty="0">
-                <a:solidFill>
-                  <a:schemeClr val="bg1">
-                    <a:lumMod val="65000"/>
-                  </a:schemeClr>
-                </a:solidFill>
-              </a:rPr>
-              <a:t>Activity Table</a:t>
-            </a:r>
-          </a:p>
-          <a:p>
-            <a:pPr lvl="1"/>
-            <a:r>
-              <a:rPr lang="en-US" sz="900" dirty="0">
-                <a:solidFill>
-                  <a:schemeClr val="bg1">
-                    <a:lumMod val="65000"/>
-                  </a:schemeClr>
-                </a:solidFill>
-              </a:rPr>
-              <a:t>Username</a:t>
-            </a:r>
-          </a:p>
-          <a:p>
-            <a:pPr lvl="1"/>
-            <a:r>
-              <a:rPr lang="en-US" sz="900" dirty="0">
-                <a:solidFill>
-                  <a:schemeClr val="bg1">
-                    <a:lumMod val="65000"/>
-                  </a:schemeClr>
-                </a:solidFill>
-              </a:rPr>
-              <a:t>Date, hour, min, sec</a:t>
-            </a:r>
-          </a:p>
-          <a:p>
-            <a:pPr lvl="1"/>
-            <a:r>
-              <a:rPr lang="en-US" sz="900" dirty="0">
-                <a:solidFill>
-                  <a:schemeClr val="bg1">
-                    <a:lumMod val="65000"/>
-                  </a:schemeClr>
-                </a:solidFill>
-              </a:rPr>
-              <a:t>Note on mood, other var of interest, </a:t>
-            </a:r>
-            <a:r>
-              <a:rPr lang="en-US" sz="900" dirty="0" err="1">
-                <a:solidFill>
-                  <a:schemeClr val="bg1">
-                    <a:lumMod val="65000"/>
-                  </a:schemeClr>
-                </a:solidFill>
-              </a:rPr>
-              <a:t>etc</a:t>
-            </a:r>
-            <a:r>
-              <a:rPr lang="en-US" sz="900" dirty="0">
-                <a:solidFill>
-                  <a:schemeClr val="bg1">
-                    <a:lumMod val="65000"/>
-                  </a:schemeClr>
-                </a:solidFill>
-              </a:rPr>
-              <a:t>,.</a:t>
-            </a:r>
-          </a:p>
-          <a:p>
-            <a:r>
-              <a:rPr lang="en-US" sz="1000" dirty="0">
-                <a:solidFill>
-                  <a:schemeClr val="bg1">
-                    <a:lumMod val="65000"/>
-                  </a:schemeClr>
-                </a:solidFill>
-              </a:rPr>
-              <a:t>Data recorded by date table (Mint or other financial data)</a:t>
-            </a:r>
-          </a:p>
-          <a:p>
-            <a:pPr lvl="1"/>
-            <a:r>
-              <a:rPr lang="en-US" sz="900" dirty="0">
-                <a:solidFill>
-                  <a:schemeClr val="bg1">
-                    <a:lumMod val="65000"/>
-                  </a:schemeClr>
-                </a:solidFill>
-              </a:rPr>
-              <a:t>Username</a:t>
-            </a:r>
-          </a:p>
-          <a:p>
-            <a:pPr lvl="1"/>
-            <a:r>
-              <a:rPr lang="en-US" sz="900" dirty="0">
-                <a:solidFill>
-                  <a:schemeClr val="bg1">
-                    <a:lumMod val="65000"/>
-                  </a:schemeClr>
-                </a:solidFill>
-              </a:rPr>
-              <a:t>Name of data item</a:t>
-            </a:r>
-          </a:p>
-          <a:p>
-            <a:pPr lvl="1"/>
-            <a:r>
-              <a:rPr lang="en-US" sz="900" dirty="0">
-                <a:solidFill>
-                  <a:schemeClr val="bg1">
-                    <a:lumMod val="65000"/>
-                  </a:schemeClr>
-                </a:solidFill>
-              </a:rPr>
-              <a:t>Date</a:t>
-            </a:r>
-          </a:p>
-          <a:p>
-            <a:pPr lvl="1"/>
-            <a:r>
-              <a:rPr lang="en-US" sz="900" dirty="0">
-                <a:solidFill>
-                  <a:schemeClr val="bg1">
-                    <a:lumMod val="65000"/>
-                  </a:schemeClr>
-                </a:solidFill>
-              </a:rPr>
-              <a:t>Variable</a:t>
-            </a:r>
-          </a:p>
-          <a:p>
-            <a:pPr lvl="1"/>
-            <a:r>
-              <a:rPr lang="en-US" sz="900" dirty="0">
-                <a:solidFill>
-                  <a:schemeClr val="bg1">
-                    <a:lumMod val="65000"/>
-                  </a:schemeClr>
-                </a:solidFill>
-              </a:rPr>
-              <a:t>Units</a:t>
-            </a:r>
-            <a:endParaRPr lang="en-US" sz="900" dirty="0"/>
-          </a:p>
-          <a:p>
-            <a:r>
-              <a:rPr lang="en-US" sz="1000" dirty="0">
-                <a:solidFill>
-                  <a:schemeClr val="bg1">
-                    <a:lumMod val="65000"/>
-                  </a:schemeClr>
-                </a:solidFill>
-              </a:rPr>
-              <a:t>Data recorded by seconds and minutes table (Polar)</a:t>
-            </a:r>
-          </a:p>
-          <a:p>
-            <a:pPr lvl="1"/>
-            <a:r>
-              <a:rPr lang="en-US" sz="900" dirty="0">
-                <a:solidFill>
-                  <a:schemeClr val="bg1">
-                    <a:lumMod val="65000"/>
-                  </a:schemeClr>
-                </a:solidFill>
-              </a:rPr>
-              <a:t>Username</a:t>
-            </a:r>
-          </a:p>
-          <a:p>
-            <a:pPr lvl="1"/>
-            <a:r>
-              <a:rPr lang="en-US" sz="900" dirty="0" err="1">
-                <a:solidFill>
-                  <a:schemeClr val="bg1">
-                    <a:lumMod val="65000"/>
-                  </a:schemeClr>
-                </a:solidFill>
-              </a:rPr>
-              <a:t>Indep</a:t>
-            </a:r>
-            <a:r>
-              <a:rPr lang="en-US" sz="900" dirty="0">
-                <a:solidFill>
-                  <a:schemeClr val="bg1">
-                    <a:lumMod val="65000"/>
-                  </a:schemeClr>
-                </a:solidFill>
-              </a:rPr>
-              <a:t> var type</a:t>
-            </a:r>
-          </a:p>
-          <a:p>
-            <a:pPr lvl="1"/>
-            <a:r>
-              <a:rPr lang="en-US" sz="900" dirty="0">
-                <a:solidFill>
-                  <a:schemeClr val="bg1">
-                    <a:lumMod val="65000"/>
-                  </a:schemeClr>
-                </a:solidFill>
-              </a:rPr>
-              <a:t>Date, hour, min, sec</a:t>
-            </a:r>
-          </a:p>
-          <a:p>
-            <a:pPr lvl="1"/>
-            <a:r>
-              <a:rPr lang="en-US" sz="900" dirty="0">
-                <a:solidFill>
-                  <a:schemeClr val="bg1">
-                    <a:lumMod val="65000"/>
-                  </a:schemeClr>
-                </a:solidFill>
-              </a:rPr>
-              <a:t>Heart rate</a:t>
-            </a:r>
-          </a:p>
-          <a:p>
-            <a:r>
-              <a:rPr lang="en-US" sz="1000" dirty="0"/>
-              <a:t>Posts Table</a:t>
-            </a:r>
-          </a:p>
-          <a:p>
-            <a:pPr lvl="1"/>
-            <a:endParaRPr lang="en-US" sz="900" dirty="0"/>
-          </a:p>
-        </p:txBody>
-      </p:sp>
-      <p:sp>
-        <p:nvSpPr>
-          <p:cNvPr id="4" name="TextBox 3">
-            <a:extLst>
-              <a:ext uri="{FF2B5EF4-FFF2-40B4-BE49-F238E27FC236}">
-                <a16:creationId xmlns:a16="http://schemas.microsoft.com/office/drawing/2014/main" id="{16AC410D-4FDE-4ECD-8104-91DD87EC4AB5}"/>
-              </a:ext>
-            </a:extLst>
-          </p:cNvPr>
-          <p:cNvSpPr txBox="1"/>
-          <p:nvPr/>
-        </p:nvSpPr>
-        <p:spPr>
-          <a:xfrm>
-            <a:off x="335280" y="5292546"/>
-            <a:ext cx="5590032" cy="1200329"/>
-          </a:xfrm>
-          <a:prstGeom prst="rect">
-            <a:avLst/>
-          </a:prstGeom>
-          <a:noFill/>
-        </p:spPr>
-        <p:txBody>
-          <a:bodyPr wrap="square" rtlCol="0">
-            <a:spAutoFit/>
-          </a:bodyPr>
-          <a:lstStyle/>
-          <a:p>
-            <a:r>
-              <a:rPr lang="en-US" dirty="0"/>
-              <a:t>Data upload processing steps:</a:t>
-            </a:r>
-          </a:p>
-          <a:p>
-            <a:pPr marL="342900" indent="-342900">
-              <a:buFont typeface="+mj-lt"/>
-              <a:buAutoNum type="arabicPeriod"/>
-            </a:pPr>
-            <a:r>
-              <a:rPr lang="en-US" dirty="0"/>
-              <a:t>Data gets uploaded through web or phone app. </a:t>
-            </a:r>
-          </a:p>
-          <a:p>
-            <a:pPr marL="342900" indent="-342900">
-              <a:buFont typeface="+mj-lt"/>
-              <a:buAutoNum type="arabicPeriod"/>
-            </a:pPr>
-            <a:r>
-              <a:rPr lang="en-US" dirty="0"/>
-              <a:t>Backend converts the input data to fit in Variable table via pandas </a:t>
-            </a:r>
-            <a:r>
-              <a:rPr lang="en-US" dirty="0" err="1"/>
-              <a:t>dataframe</a:t>
-            </a:r>
-            <a:r>
-              <a:rPr lang="en-US" dirty="0"/>
-              <a:t>. </a:t>
-            </a:r>
-          </a:p>
-        </p:txBody>
-      </p:sp>
-      <p:sp>
-        <p:nvSpPr>
-          <p:cNvPr id="5" name="TextBox 4">
-            <a:extLst>
-              <a:ext uri="{FF2B5EF4-FFF2-40B4-BE49-F238E27FC236}">
-                <a16:creationId xmlns:a16="http://schemas.microsoft.com/office/drawing/2014/main" id="{E2302978-4299-4BE6-87E5-0A396DEBDAD0}"/>
-              </a:ext>
-            </a:extLst>
-          </p:cNvPr>
-          <p:cNvSpPr txBox="1"/>
-          <p:nvPr/>
-        </p:nvSpPr>
-        <p:spPr>
-          <a:xfrm>
-            <a:off x="6275832" y="5310834"/>
-            <a:ext cx="5580888" cy="1200329"/>
-          </a:xfrm>
-          <a:prstGeom prst="rect">
-            <a:avLst/>
-          </a:prstGeom>
-          <a:noFill/>
-        </p:spPr>
-        <p:txBody>
-          <a:bodyPr wrap="square" rtlCol="0">
-            <a:spAutoFit/>
-          </a:bodyPr>
-          <a:lstStyle/>
-          <a:p>
-            <a:r>
-              <a:rPr lang="en-US" dirty="0"/>
-              <a:t>Data report processing steps:</a:t>
-            </a:r>
-          </a:p>
-          <a:p>
-            <a:pPr marL="342900" indent="-342900">
-              <a:buFont typeface="+mj-lt"/>
-              <a:buAutoNum type="arabicPeriod"/>
-            </a:pPr>
-            <a:r>
-              <a:rPr lang="en-US" dirty="0"/>
-              <a:t>Collect data from database into </a:t>
-            </a:r>
-            <a:r>
-              <a:rPr lang="en-US" dirty="0" err="1"/>
-              <a:t>dataframe</a:t>
-            </a:r>
-            <a:r>
-              <a:rPr lang="en-US" dirty="0"/>
-              <a:t>.</a:t>
-            </a:r>
-          </a:p>
-          <a:p>
-            <a:pPr marL="342900" indent="-342900">
-              <a:buFont typeface="+mj-lt"/>
-              <a:buAutoNum type="arabicPeriod"/>
-            </a:pPr>
-            <a:r>
-              <a:rPr lang="en-US" dirty="0"/>
-              <a:t>Convert </a:t>
-            </a:r>
-            <a:r>
-              <a:rPr lang="en-US" dirty="0" err="1"/>
-              <a:t>dataframe</a:t>
-            </a:r>
-            <a:r>
-              <a:rPr lang="en-US" dirty="0"/>
-              <a:t> to format for chart, table or </a:t>
-            </a:r>
-            <a:r>
-              <a:rPr lang="en-US" dirty="0" err="1"/>
-              <a:t>excelt</a:t>
-            </a:r>
-            <a:r>
-              <a:rPr lang="en-US" dirty="0"/>
-              <a:t> </a:t>
-            </a:r>
-            <a:r>
-              <a:rPr lang="en-US"/>
-              <a:t>report.</a:t>
-            </a:r>
-            <a:endParaRPr lang="en-US" dirty="0"/>
-          </a:p>
-        </p:txBody>
-      </p:sp>
-    </p:spTree>
-    <p:extLst>
-      <p:ext uri="{BB962C8B-B14F-4D97-AF65-F5344CB8AC3E}">
-        <p14:creationId xmlns:p14="http://schemas.microsoft.com/office/powerpoint/2010/main" val="34843305"/>
-      </p:ext>
-    </p:extLst>
-  </p:cSld>
-  <p:clrMapOvr>
-    <a:masterClrMapping/>
-  </p:clrMapOvr>
-</p:sld>
-</file>
-
-<file path=ppt/slides/slide7.xml><?xml version="1.0" encoding="utf-8"?>
-<p:sld xmlns:a="http://schemas.openxmlformats.org/drawingml/2006/main" xmlns:r="http://schemas.openxmlformats.org/officeDocument/2006/relationships" xmlns:p="http://schemas.openxmlformats.org/presentationml/2006/main">
-  <p:cSld>
-    <p:spTree>
-      <p:nvGrpSpPr>
-        <p:cNvPr id="1" name=""/>
-        <p:cNvGrpSpPr/>
-        <p:nvPr/>
-      </p:nvGrpSpPr>
-      <p:grpSpPr>
-        <a:xfrm>
-          <a:off x="0" y="0"/>
-          <a:ext cx="0" cy="0"/>
-          <a:chOff x="0" y="0"/>
-          <a:chExt cx="0" cy="0"/>
-        </a:xfrm>
-      </p:grpSpPr>
-      <p:sp>
-        <p:nvSpPr>
-          <p:cNvPr id="2" name="Title 1">
-            <a:extLst>
-              <a:ext uri="{FF2B5EF4-FFF2-40B4-BE49-F238E27FC236}">
-                <a16:creationId xmlns:a16="http://schemas.microsoft.com/office/drawing/2014/main" id="{E2F8D61A-151A-41D4-ACD1-C7ACE57DA0FE}"/>
-              </a:ext>
-            </a:extLst>
-          </p:cNvPr>
-          <p:cNvSpPr>
-            <a:spLocks noGrp="1"/>
-          </p:cNvSpPr>
-          <p:nvPr>
-            <p:ph type="title"/>
-          </p:nvPr>
-        </p:nvSpPr>
-        <p:spPr/>
-        <p:txBody>
-          <a:bodyPr/>
-          <a:lstStyle/>
-          <a:p>
-            <a:r>
-              <a:rPr lang="en-US" dirty="0"/>
-              <a:t>Database v2 </a:t>
-            </a:r>
-            <a:r>
-              <a:rPr lang="en-US" sz="2400" dirty="0"/>
-              <a:t>(8/1/2021)</a:t>
-            </a:r>
-            <a:endParaRPr lang="en-US" dirty="0"/>
-          </a:p>
-        </p:txBody>
-      </p:sp>
-      <p:sp>
-        <p:nvSpPr>
-          <p:cNvPr id="3" name="Content Placeholder 2">
-            <a:extLst>
-              <a:ext uri="{FF2B5EF4-FFF2-40B4-BE49-F238E27FC236}">
-                <a16:creationId xmlns:a16="http://schemas.microsoft.com/office/drawing/2014/main" id="{471E5327-8ED1-4525-8025-0617F94784D2}"/>
-              </a:ext>
-            </a:extLst>
-          </p:cNvPr>
-          <p:cNvSpPr>
-            <a:spLocks noGrp="1"/>
-          </p:cNvSpPr>
-          <p:nvPr>
-            <p:ph idx="1"/>
-          </p:nvPr>
-        </p:nvSpPr>
-        <p:spPr>
-          <a:xfrm>
-            <a:off x="838200" y="1359281"/>
-            <a:ext cx="10515600" cy="3933265"/>
-          </a:xfrm>
-        </p:spPr>
-        <p:txBody>
-          <a:bodyPr numCol="2">
-            <a:normAutofit/>
-          </a:bodyPr>
-          <a:lstStyle/>
-          <a:p>
-            <a:r>
-              <a:rPr lang="en-US" sz="1000" dirty="0"/>
-              <a:t>User table</a:t>
-            </a:r>
-          </a:p>
-          <a:p>
-            <a:pPr lvl="1"/>
-            <a:r>
-              <a:rPr lang="en-US" sz="900" dirty="0"/>
-              <a:t>Username</a:t>
-            </a:r>
-          </a:p>
-          <a:p>
-            <a:pPr lvl="1"/>
-            <a:r>
-              <a:rPr lang="en-US" sz="900" dirty="0"/>
-              <a:t>Email</a:t>
-            </a:r>
-          </a:p>
-          <a:p>
-            <a:pPr lvl="1"/>
-            <a:r>
-              <a:rPr lang="en-US" sz="900" dirty="0"/>
-              <a:t>Password</a:t>
-            </a:r>
-          </a:p>
-          <a:p>
-            <a:pPr lvl="1"/>
-            <a:r>
-              <a:rPr lang="en-US" sz="900" dirty="0"/>
-              <a:t>Permission (view nick’s data?)</a:t>
-            </a:r>
-          </a:p>
-          <a:p>
-            <a:pPr lvl="1"/>
-            <a:r>
-              <a:rPr lang="en-US" sz="900" dirty="0"/>
-              <a:t>Profile image</a:t>
-            </a:r>
-          </a:p>
-          <a:p>
-            <a:pPr lvl="1"/>
-            <a:r>
-              <a:rPr lang="en-US" sz="900" dirty="0"/>
-              <a:t>Time stamp registered</a:t>
-            </a:r>
-          </a:p>
-          <a:p>
-            <a:pPr lvl="1"/>
-            <a:r>
-              <a:rPr lang="en-US" sz="900" dirty="0"/>
-              <a:t>User </a:t>
-            </a:r>
-            <a:r>
-              <a:rPr lang="en-US" sz="900" dirty="0" err="1"/>
-              <a:t>timezone</a:t>
-            </a:r>
-            <a:endParaRPr lang="en-US" sz="900" dirty="0"/>
-          </a:p>
-          <a:p>
-            <a:r>
-              <a:rPr lang="en-US" sz="1000" dirty="0"/>
-              <a:t>Variable Table</a:t>
-            </a:r>
-          </a:p>
-          <a:p>
-            <a:pPr lvl="1"/>
-            <a:r>
-              <a:rPr lang="en-US" sz="900" dirty="0"/>
-              <a:t>Id</a:t>
-            </a:r>
-          </a:p>
-          <a:p>
-            <a:pPr lvl="1"/>
-            <a:r>
-              <a:rPr lang="en-US" sz="900" dirty="0" err="1"/>
-              <a:t>User_id</a:t>
-            </a:r>
-            <a:r>
-              <a:rPr lang="en-US" sz="900" dirty="0"/>
-              <a:t> (foreign key)</a:t>
-            </a:r>
-          </a:p>
-          <a:p>
-            <a:pPr lvl="1"/>
-            <a:r>
-              <a:rPr lang="en-US" sz="900" dirty="0"/>
-              <a:t>Var activity (walking, running, empty is okay for something like mood)</a:t>
-            </a:r>
-          </a:p>
-          <a:p>
-            <a:pPr lvl="1"/>
-            <a:r>
-              <a:rPr lang="en-US" sz="900" dirty="0" err="1"/>
-              <a:t>var_type</a:t>
-            </a:r>
-            <a:r>
-              <a:rPr lang="en-US" sz="900" dirty="0"/>
-              <a:t> (mood, weight, heart rate (instance), etc.,) – LB standardized</a:t>
-            </a:r>
-          </a:p>
-          <a:p>
-            <a:pPr lvl="1"/>
-            <a:r>
-              <a:rPr lang="en-US" sz="900" dirty="0" err="1"/>
-              <a:t>var_datetime_utc</a:t>
-            </a:r>
-            <a:r>
-              <a:rPr lang="en-US" sz="900" dirty="0"/>
-              <a:t>  (Date, hour, min, sec converted to </a:t>
-            </a:r>
-            <a:r>
-              <a:rPr lang="en-US" sz="900" dirty="0" err="1"/>
-              <a:t>utc</a:t>
-            </a:r>
-            <a:r>
-              <a:rPr lang="en-US" sz="900" dirty="0"/>
-              <a:t>)</a:t>
-            </a:r>
-          </a:p>
-          <a:p>
-            <a:pPr lvl="1"/>
-            <a:r>
-              <a:rPr lang="en-US" sz="900" dirty="0" err="1"/>
-              <a:t>Var_periodicity</a:t>
-            </a:r>
-            <a:r>
-              <a:rPr lang="en-US" sz="900" dirty="0"/>
-              <a:t> – days, seconds (</a:t>
-            </a:r>
-            <a:r>
-              <a:rPr lang="en-US" sz="900" dirty="0" err="1"/>
-              <a:t>i.e</a:t>
-            </a:r>
-            <a:r>
-              <a:rPr lang="en-US" sz="900" dirty="0"/>
-              <a:t> what are the measurements in – maybe redundant to </a:t>
-            </a:r>
-            <a:r>
-              <a:rPr lang="en-US" sz="900" dirty="0" err="1"/>
-              <a:t>var_unit</a:t>
-            </a:r>
-            <a:r>
-              <a:rPr lang="en-US" sz="900" dirty="0"/>
-              <a:t>?)</a:t>
-            </a:r>
-          </a:p>
-          <a:p>
-            <a:pPr lvl="1"/>
-            <a:r>
-              <a:rPr lang="en-US" sz="900" dirty="0" err="1"/>
-              <a:t>Var_value</a:t>
-            </a:r>
-            <a:r>
-              <a:rPr lang="en-US" sz="900" dirty="0"/>
-              <a:t> [measurement]</a:t>
-            </a:r>
-          </a:p>
-          <a:p>
-            <a:pPr lvl="1"/>
-            <a:r>
-              <a:rPr lang="en-US" sz="900" dirty="0" err="1"/>
-              <a:t>var_unit</a:t>
-            </a:r>
-            <a:r>
-              <a:rPr lang="en-US" sz="900" dirty="0"/>
-              <a:t>– LB will standardize across data sets</a:t>
-            </a:r>
-          </a:p>
-          <a:p>
-            <a:pPr lvl="1"/>
-            <a:r>
-              <a:rPr lang="en-US" sz="900" dirty="0" err="1"/>
-              <a:t>var_timezone_utc_delta_in_mins</a:t>
-            </a:r>
-            <a:r>
-              <a:rPr lang="en-US" sz="900" dirty="0"/>
-              <a:t> = </a:t>
-            </a:r>
-            <a:r>
-              <a:rPr lang="en-US" sz="900" dirty="0" err="1"/>
-              <a:t>db.Column</a:t>
-            </a:r>
-            <a:r>
-              <a:rPr lang="en-US" sz="900" dirty="0"/>
-              <a:t>(</a:t>
-            </a:r>
-            <a:r>
-              <a:rPr lang="en-US" sz="900" dirty="0" err="1"/>
-              <a:t>db.Float</a:t>
-            </a:r>
-            <a:r>
-              <a:rPr lang="en-US" sz="900" dirty="0"/>
-              <a:t>) #difference </a:t>
-            </a:r>
-            <a:r>
-              <a:rPr lang="en-US" sz="900" dirty="0" err="1"/>
-              <a:t>bewteen</a:t>
-            </a:r>
-            <a:r>
-              <a:rPr lang="en-US" sz="900" dirty="0"/>
-              <a:t> </a:t>
-            </a:r>
-            <a:r>
-              <a:rPr lang="en-US" sz="900" dirty="0" err="1"/>
-              <a:t>utc</a:t>
-            </a:r>
-            <a:r>
-              <a:rPr lang="en-US" sz="900" dirty="0"/>
-              <a:t> and </a:t>
-            </a:r>
-            <a:r>
-              <a:rPr lang="en-US" sz="900" dirty="0" err="1"/>
-              <a:t>timezone</a:t>
-            </a:r>
-            <a:r>
-              <a:rPr lang="en-US" sz="900" dirty="0"/>
-              <a:t> of exercise</a:t>
-            </a:r>
-          </a:p>
-          <a:p>
-            <a:pPr lvl="1"/>
-            <a:r>
-              <a:rPr lang="en-US" sz="900" dirty="0" err="1"/>
-              <a:t>time_stamp_utc</a:t>
-            </a:r>
-            <a:r>
-              <a:rPr lang="en-US" sz="900" dirty="0"/>
-              <a:t> – time stamp of entry </a:t>
-            </a:r>
-          </a:p>
-          <a:p>
-            <a:pPr lvl="1"/>
-            <a:endParaRPr lang="en-US" sz="900" dirty="0"/>
-          </a:p>
-          <a:p>
-            <a:r>
-              <a:rPr lang="en-US" sz="1000" dirty="0"/>
-              <a:t>Posts Table</a:t>
-            </a:r>
-          </a:p>
-          <a:p>
-            <a:pPr lvl="1"/>
-            <a:endParaRPr lang="en-US" sz="900" dirty="0"/>
-          </a:p>
-        </p:txBody>
-      </p:sp>
-      <p:sp>
-        <p:nvSpPr>
-          <p:cNvPr id="4" name="TextBox 3">
-            <a:extLst>
-              <a:ext uri="{FF2B5EF4-FFF2-40B4-BE49-F238E27FC236}">
-                <a16:creationId xmlns:a16="http://schemas.microsoft.com/office/drawing/2014/main" id="{16AC410D-4FDE-4ECD-8104-91DD87EC4AB5}"/>
-              </a:ext>
-            </a:extLst>
-          </p:cNvPr>
-          <p:cNvSpPr txBox="1"/>
-          <p:nvPr/>
-        </p:nvSpPr>
-        <p:spPr>
-          <a:xfrm>
-            <a:off x="335280" y="5292546"/>
-            <a:ext cx="5590032" cy="1200329"/>
-          </a:xfrm>
-          <a:prstGeom prst="rect">
-            <a:avLst/>
-          </a:prstGeom>
-          <a:noFill/>
-        </p:spPr>
-        <p:txBody>
-          <a:bodyPr wrap="square" rtlCol="0">
-            <a:spAutoFit/>
-          </a:bodyPr>
-          <a:lstStyle/>
-          <a:p>
-            <a:r>
-              <a:rPr lang="en-US" dirty="0"/>
-              <a:t>Data upload processing steps:</a:t>
-            </a:r>
-          </a:p>
-          <a:p>
-            <a:pPr marL="342900" indent="-342900">
-              <a:buFont typeface="+mj-lt"/>
-              <a:buAutoNum type="arabicPeriod"/>
-            </a:pPr>
-            <a:r>
-              <a:rPr lang="en-US" dirty="0"/>
-              <a:t>Data gets uploaded through web or phone app. </a:t>
-            </a:r>
-          </a:p>
-          <a:p>
-            <a:pPr marL="342900" indent="-342900">
-              <a:buFont typeface="+mj-lt"/>
-              <a:buAutoNum type="arabicPeriod"/>
-            </a:pPr>
-            <a:r>
-              <a:rPr lang="en-US" dirty="0"/>
-              <a:t>Backend converts the input data to fit in Variable table via pandas </a:t>
-            </a:r>
-            <a:r>
-              <a:rPr lang="en-US" dirty="0" err="1"/>
-              <a:t>dataframe</a:t>
-            </a:r>
-            <a:r>
-              <a:rPr lang="en-US" dirty="0"/>
-              <a:t>. </a:t>
-            </a:r>
-          </a:p>
-        </p:txBody>
-      </p:sp>
-      <p:sp>
-        <p:nvSpPr>
-          <p:cNvPr id="5" name="TextBox 4">
-            <a:extLst>
-              <a:ext uri="{FF2B5EF4-FFF2-40B4-BE49-F238E27FC236}">
-                <a16:creationId xmlns:a16="http://schemas.microsoft.com/office/drawing/2014/main" id="{E2302978-4299-4BE6-87E5-0A396DEBDAD0}"/>
-              </a:ext>
-            </a:extLst>
-          </p:cNvPr>
-          <p:cNvSpPr txBox="1"/>
-          <p:nvPr/>
-        </p:nvSpPr>
-        <p:spPr>
-          <a:xfrm>
-            <a:off x="6275832" y="5310834"/>
-            <a:ext cx="5580888" cy="1200329"/>
-          </a:xfrm>
-          <a:prstGeom prst="rect">
-            <a:avLst/>
-          </a:prstGeom>
-          <a:noFill/>
-        </p:spPr>
-        <p:txBody>
-          <a:bodyPr wrap="square" rtlCol="0">
-            <a:spAutoFit/>
-          </a:bodyPr>
-          <a:lstStyle/>
-          <a:p>
-            <a:r>
-              <a:rPr lang="en-US" dirty="0"/>
-              <a:t>Data report processing steps:</a:t>
-            </a:r>
-          </a:p>
-          <a:p>
-            <a:pPr marL="342900" indent="-342900">
-              <a:buFont typeface="+mj-lt"/>
-              <a:buAutoNum type="arabicPeriod"/>
-            </a:pPr>
-            <a:r>
-              <a:rPr lang="en-US" dirty="0"/>
-              <a:t>Collect data from database into </a:t>
-            </a:r>
-            <a:r>
-              <a:rPr lang="en-US" dirty="0" err="1"/>
-              <a:t>dataframe</a:t>
-            </a:r>
-            <a:r>
-              <a:rPr lang="en-US" dirty="0"/>
-              <a:t>.</a:t>
-            </a:r>
-          </a:p>
-          <a:p>
-            <a:pPr marL="342900" indent="-342900">
-              <a:buFont typeface="+mj-lt"/>
-              <a:buAutoNum type="arabicPeriod"/>
-            </a:pPr>
-            <a:r>
-              <a:rPr lang="en-US" dirty="0"/>
-              <a:t>Convert </a:t>
-            </a:r>
-            <a:r>
-              <a:rPr lang="en-US" dirty="0" err="1"/>
-              <a:t>dataframe</a:t>
-            </a:r>
-            <a:r>
-              <a:rPr lang="en-US" dirty="0"/>
-              <a:t> to format for chart, table or </a:t>
-            </a:r>
-            <a:r>
-              <a:rPr lang="en-US" dirty="0" err="1"/>
-              <a:t>excelt</a:t>
-            </a:r>
-            <a:r>
-              <a:rPr lang="en-US" dirty="0"/>
-              <a:t> </a:t>
-            </a:r>
-            <a:r>
-              <a:rPr lang="en-US"/>
-              <a:t>report.</a:t>
-            </a:r>
-            <a:endParaRPr lang="en-US" dirty="0"/>
-          </a:p>
-        </p:txBody>
-      </p:sp>
-    </p:spTree>
-    <p:extLst>
-      <p:ext uri="{BB962C8B-B14F-4D97-AF65-F5344CB8AC3E}">
-        <p14:creationId xmlns:p14="http://schemas.microsoft.com/office/powerpoint/2010/main" val="182378689"/>
-      </p:ext>
-    </p:extLst>
-  </p:cSld>
-  <p:clrMapOvr>
-    <a:masterClrMapping/>
-  </p:clrMapOvr>
-</p:sld>
-</file>
-
-<file path=ppt/slides/slide8.xml><?xml version="1.0" encoding="utf-8"?>
-<p:sld xmlns:a="http://schemas.openxmlformats.org/drawingml/2006/main" xmlns:r="http://schemas.openxmlformats.org/officeDocument/2006/relationships" xmlns:p="http://schemas.openxmlformats.org/presentationml/2006/main">
-  <p:cSld>
-    <p:spTree>
-      <p:nvGrpSpPr>
-        <p:cNvPr id="1" name=""/>
-        <p:cNvGrpSpPr/>
-        <p:nvPr/>
-      </p:nvGrpSpPr>
-      <p:grpSpPr>
-        <a:xfrm>
-          <a:off x="0" y="0"/>
-          <a:ext cx="0" cy="0"/>
-          <a:chOff x="0" y="0"/>
-          <a:chExt cx="0" cy="0"/>
-        </a:xfrm>
-      </p:grpSpPr>
-      <p:sp>
-        <p:nvSpPr>
-          <p:cNvPr id="2" name="Title 1">
-            <a:extLst>
-              <a:ext uri="{FF2B5EF4-FFF2-40B4-BE49-F238E27FC236}">
-                <a16:creationId xmlns:a16="http://schemas.microsoft.com/office/drawing/2014/main" id="{E2F8D61A-151A-41D4-ACD1-C7ACE57DA0FE}"/>
-              </a:ext>
-            </a:extLst>
-          </p:cNvPr>
-          <p:cNvSpPr>
-            <a:spLocks noGrp="1"/>
-          </p:cNvSpPr>
-          <p:nvPr>
-            <p:ph type="title"/>
-          </p:nvPr>
-        </p:nvSpPr>
-        <p:spPr/>
-        <p:txBody>
-          <a:bodyPr/>
-          <a:lstStyle/>
-          <a:p>
-            <a:r>
-              <a:rPr lang="en-US" dirty="0"/>
-              <a:t>Database v3 </a:t>
-            </a:r>
-            <a:r>
-              <a:rPr lang="en-US" sz="2400" dirty="0"/>
-              <a:t>(8/6/2021)</a:t>
-            </a:r>
-            <a:endParaRPr lang="en-US" dirty="0"/>
-          </a:p>
-        </p:txBody>
-      </p:sp>
-      <p:sp>
-        <p:nvSpPr>
-          <p:cNvPr id="3" name="Content Placeholder 2">
-            <a:extLst>
-              <a:ext uri="{FF2B5EF4-FFF2-40B4-BE49-F238E27FC236}">
-                <a16:creationId xmlns:a16="http://schemas.microsoft.com/office/drawing/2014/main" id="{471E5327-8ED1-4525-8025-0617F94784D2}"/>
-              </a:ext>
-            </a:extLst>
-          </p:cNvPr>
-          <p:cNvSpPr>
-            <a:spLocks noGrp="1"/>
-          </p:cNvSpPr>
-          <p:nvPr>
-            <p:ph idx="1"/>
-          </p:nvPr>
-        </p:nvSpPr>
-        <p:spPr>
-          <a:xfrm>
-            <a:off x="838200" y="1359281"/>
-            <a:ext cx="10515600" cy="3933265"/>
-          </a:xfrm>
-        </p:spPr>
-        <p:txBody>
-          <a:bodyPr numCol="2">
-            <a:normAutofit/>
-          </a:bodyPr>
-          <a:lstStyle/>
-          <a:p>
-            <a:r>
-              <a:rPr lang="en-US" sz="1000" dirty="0"/>
-              <a:t>User table</a:t>
-            </a:r>
-          </a:p>
-          <a:p>
-            <a:pPr lvl="1"/>
-            <a:r>
-              <a:rPr lang="en-US" sz="900" dirty="0"/>
-              <a:t>Username</a:t>
-            </a:r>
-          </a:p>
-          <a:p>
-            <a:pPr lvl="1"/>
-            <a:r>
-              <a:rPr lang="en-US" sz="900" dirty="0"/>
-              <a:t>Email</a:t>
-            </a:r>
-          </a:p>
-          <a:p>
-            <a:pPr lvl="1"/>
-            <a:r>
-              <a:rPr lang="en-US" sz="900" dirty="0"/>
-              <a:t>Password</a:t>
-            </a:r>
-          </a:p>
-          <a:p>
-            <a:pPr lvl="1"/>
-            <a:r>
-              <a:rPr lang="en-US" sz="900" dirty="0"/>
-              <a:t>Permission (view nick’s data?)</a:t>
-            </a:r>
-          </a:p>
-          <a:p>
-            <a:pPr lvl="1"/>
-            <a:r>
-              <a:rPr lang="en-US" sz="900" dirty="0"/>
-              <a:t>Profile image</a:t>
-            </a:r>
-          </a:p>
-          <a:p>
-            <a:pPr lvl="1"/>
-            <a:r>
-              <a:rPr lang="en-US" sz="900" dirty="0"/>
-              <a:t>Time stamp registered</a:t>
-            </a:r>
-          </a:p>
-          <a:p>
-            <a:pPr lvl="1"/>
-            <a:r>
-              <a:rPr lang="en-US" sz="900" dirty="0"/>
-              <a:t>User </a:t>
-            </a:r>
-            <a:r>
-              <a:rPr lang="en-US" sz="900" dirty="0" err="1"/>
-              <a:t>timezone</a:t>
-            </a:r>
-            <a:endParaRPr lang="en-US" sz="900" dirty="0"/>
-          </a:p>
-          <a:p>
-            <a:r>
-              <a:rPr lang="en-US" sz="1000" dirty="0"/>
-              <a:t>Posts Table</a:t>
-            </a:r>
-          </a:p>
-          <a:p>
-            <a:r>
-              <a:rPr lang="en-US" sz="1000" dirty="0" err="1"/>
-              <a:t>Health_meta</a:t>
-            </a:r>
-            <a:endParaRPr lang="en-US" sz="1000" dirty="0"/>
-          </a:p>
-          <a:p>
-            <a:pPr lvl="1"/>
-            <a:r>
-              <a:rPr lang="en-US" sz="900" dirty="0"/>
-              <a:t>Id</a:t>
-            </a:r>
-          </a:p>
-          <a:p>
-            <a:pPr lvl="1"/>
-            <a:r>
-              <a:rPr lang="en-US" sz="900" dirty="0" err="1"/>
-              <a:t>User_id</a:t>
-            </a:r>
-            <a:r>
-              <a:rPr lang="en-US" sz="900" dirty="0"/>
-              <a:t>(foreign key)</a:t>
-            </a:r>
-          </a:p>
-          <a:p>
-            <a:pPr lvl="1"/>
-            <a:r>
-              <a:rPr lang="en-US" sz="900" dirty="0"/>
-              <a:t>Var activity (walking, running, empty is okay for something like mood)</a:t>
-            </a:r>
-          </a:p>
-          <a:p>
-            <a:pPr lvl="1"/>
-            <a:r>
-              <a:rPr lang="en-US" sz="900" dirty="0" err="1"/>
-              <a:t>var_type</a:t>
-            </a:r>
-            <a:r>
-              <a:rPr lang="en-US" sz="900" dirty="0"/>
-              <a:t> (mood, weight, heart rate (instance), etc.,) – LB standardized</a:t>
-            </a:r>
-          </a:p>
-          <a:p>
-            <a:pPr lvl="1"/>
-            <a:r>
-              <a:rPr lang="en-US" sz="900" dirty="0" err="1"/>
-              <a:t>Var_periodicity</a:t>
-            </a:r>
-            <a:r>
-              <a:rPr lang="en-US" sz="900" dirty="0"/>
-              <a:t> – days, seconds (</a:t>
-            </a:r>
-            <a:r>
-              <a:rPr lang="en-US" sz="900" dirty="0" err="1"/>
-              <a:t>i.e</a:t>
-            </a:r>
-            <a:r>
-              <a:rPr lang="en-US" sz="900" dirty="0"/>
-              <a:t> what are the measurements in – maybe redundant to </a:t>
-            </a:r>
-            <a:r>
-              <a:rPr lang="en-US" sz="900" dirty="0" err="1"/>
-              <a:t>var_unit</a:t>
-            </a:r>
-            <a:r>
-              <a:rPr lang="en-US" sz="900" dirty="0"/>
-              <a:t>?)</a:t>
-            </a:r>
-          </a:p>
-          <a:p>
-            <a:pPr lvl="1"/>
-            <a:r>
-              <a:rPr lang="en-US" sz="900" dirty="0" err="1"/>
-              <a:t>var_unit</a:t>
-            </a:r>
-            <a:r>
-              <a:rPr lang="en-US" sz="900" dirty="0"/>
-              <a:t>– LB will standardize across data sets</a:t>
-            </a:r>
-          </a:p>
-          <a:p>
-            <a:pPr lvl="1"/>
-            <a:r>
-              <a:rPr lang="en-US" sz="900" dirty="0" err="1"/>
-              <a:t>var_timezone_utc_delta_in_mins</a:t>
-            </a:r>
-            <a:r>
-              <a:rPr lang="en-US" sz="900" dirty="0"/>
-              <a:t> = </a:t>
-            </a:r>
-            <a:r>
-              <a:rPr lang="en-US" sz="900" dirty="0" err="1"/>
-              <a:t>db.Column</a:t>
-            </a:r>
-            <a:r>
-              <a:rPr lang="en-US" sz="900" dirty="0"/>
-              <a:t>(</a:t>
-            </a:r>
-            <a:r>
-              <a:rPr lang="en-US" sz="900" dirty="0" err="1"/>
-              <a:t>db.Float</a:t>
-            </a:r>
-            <a:r>
-              <a:rPr lang="en-US" sz="900" dirty="0"/>
-              <a:t>) #difference </a:t>
-            </a:r>
-            <a:r>
-              <a:rPr lang="en-US" sz="900" dirty="0" err="1"/>
-              <a:t>bewteen</a:t>
-            </a:r>
-            <a:r>
-              <a:rPr lang="en-US" sz="900" dirty="0"/>
-              <a:t> </a:t>
-            </a:r>
-            <a:r>
-              <a:rPr lang="en-US" sz="900" dirty="0" err="1"/>
-              <a:t>utc</a:t>
-            </a:r>
-            <a:r>
-              <a:rPr lang="en-US" sz="900" dirty="0"/>
-              <a:t> and </a:t>
-            </a:r>
-            <a:r>
-              <a:rPr lang="en-US" sz="900" dirty="0" err="1"/>
-              <a:t>timezone</a:t>
-            </a:r>
-            <a:r>
-              <a:rPr lang="en-US" sz="900" dirty="0"/>
-              <a:t> of exercise</a:t>
-            </a:r>
-          </a:p>
-          <a:p>
-            <a:pPr lvl="1"/>
-            <a:r>
-              <a:rPr lang="en-US" sz="900" dirty="0" err="1"/>
-              <a:t>time_stamp_utc</a:t>
-            </a:r>
-            <a:r>
-              <a:rPr lang="en-US" sz="900" dirty="0"/>
-              <a:t> – time stamp of entry </a:t>
-            </a:r>
-          </a:p>
-          <a:p>
-            <a:pPr lvl="1"/>
-            <a:endParaRPr lang="en-US" sz="900" dirty="0"/>
-          </a:p>
-          <a:p>
-            <a:endParaRPr lang="en-US" sz="1000" dirty="0"/>
-          </a:p>
-          <a:p>
-            <a:r>
-              <a:rPr lang="en-US" sz="1000"/>
-              <a:t>Health_measure</a:t>
-            </a:r>
-            <a:endParaRPr lang="en-US" sz="1000" dirty="0"/>
-          </a:p>
-          <a:p>
-            <a:pPr lvl="1"/>
-            <a:r>
-              <a:rPr lang="en-US" sz="900" dirty="0"/>
-              <a:t>Id</a:t>
-            </a:r>
-          </a:p>
-          <a:p>
-            <a:pPr lvl="1"/>
-            <a:r>
-              <a:rPr lang="en-US" sz="900" dirty="0" err="1"/>
-              <a:t>Activity_Table_id</a:t>
-            </a:r>
-            <a:r>
-              <a:rPr lang="en-US" sz="900" dirty="0"/>
-              <a:t> (foreign key)</a:t>
-            </a:r>
-          </a:p>
-          <a:p>
-            <a:pPr lvl="1"/>
-            <a:r>
-              <a:rPr lang="en-US" sz="900" dirty="0" err="1"/>
-              <a:t>var_datetime_utc</a:t>
-            </a:r>
-            <a:r>
-              <a:rPr lang="en-US" sz="900" dirty="0"/>
-              <a:t>  (Date, hour, min, sec converted to </a:t>
-            </a:r>
-            <a:r>
-              <a:rPr lang="en-US" sz="900" dirty="0" err="1"/>
-              <a:t>utc</a:t>
-            </a:r>
-            <a:r>
-              <a:rPr lang="en-US" sz="900" dirty="0"/>
-              <a:t>)</a:t>
-            </a:r>
-          </a:p>
-          <a:p>
-            <a:pPr lvl="1"/>
-            <a:r>
-              <a:rPr lang="en-US" sz="900" dirty="0" err="1"/>
-              <a:t>Var_value</a:t>
-            </a:r>
-            <a:r>
-              <a:rPr lang="en-US" sz="900" dirty="0"/>
-              <a:t> [measurement]</a:t>
-            </a:r>
-          </a:p>
-          <a:p>
-            <a:pPr lvl="1"/>
-            <a:endParaRPr lang="en-US" sz="900" dirty="0"/>
-          </a:p>
-        </p:txBody>
-      </p:sp>
-      <p:sp>
-        <p:nvSpPr>
-          <p:cNvPr id="4" name="TextBox 3">
-            <a:extLst>
-              <a:ext uri="{FF2B5EF4-FFF2-40B4-BE49-F238E27FC236}">
-                <a16:creationId xmlns:a16="http://schemas.microsoft.com/office/drawing/2014/main" id="{16AC410D-4FDE-4ECD-8104-91DD87EC4AB5}"/>
-              </a:ext>
-            </a:extLst>
-          </p:cNvPr>
-          <p:cNvSpPr txBox="1"/>
-          <p:nvPr/>
-        </p:nvSpPr>
-        <p:spPr>
-          <a:xfrm>
-            <a:off x="335280" y="5292546"/>
-            <a:ext cx="5590032" cy="1200329"/>
-          </a:xfrm>
-          <a:prstGeom prst="rect">
-            <a:avLst/>
-          </a:prstGeom>
-          <a:noFill/>
-        </p:spPr>
-        <p:txBody>
-          <a:bodyPr wrap="square" rtlCol="0">
-            <a:spAutoFit/>
-          </a:bodyPr>
-          <a:lstStyle/>
-          <a:p>
-            <a:r>
-              <a:rPr lang="en-US" dirty="0"/>
-              <a:t>Data upload processing steps:</a:t>
-            </a:r>
-          </a:p>
-          <a:p>
-            <a:pPr marL="342900" indent="-342900">
-              <a:buFont typeface="+mj-lt"/>
-              <a:buAutoNum type="arabicPeriod"/>
-            </a:pPr>
-            <a:r>
-              <a:rPr lang="en-US" dirty="0"/>
-              <a:t>Data gets uploaded through web or phone app. </a:t>
-            </a:r>
-          </a:p>
-          <a:p>
-            <a:pPr marL="342900" indent="-342900">
-              <a:buFont typeface="+mj-lt"/>
-              <a:buAutoNum type="arabicPeriod"/>
-            </a:pPr>
-            <a:r>
-              <a:rPr lang="en-US" dirty="0"/>
-              <a:t>Backend converts the input data to fit in Variable table via pandas </a:t>
-            </a:r>
-            <a:r>
-              <a:rPr lang="en-US" dirty="0" err="1"/>
-              <a:t>dataframe</a:t>
-            </a:r>
-            <a:r>
-              <a:rPr lang="en-US" dirty="0"/>
-              <a:t>. </a:t>
-            </a:r>
-          </a:p>
-        </p:txBody>
-      </p:sp>
-      <p:sp>
-        <p:nvSpPr>
-          <p:cNvPr id="5" name="TextBox 4">
-            <a:extLst>
-              <a:ext uri="{FF2B5EF4-FFF2-40B4-BE49-F238E27FC236}">
-                <a16:creationId xmlns:a16="http://schemas.microsoft.com/office/drawing/2014/main" id="{E2302978-4299-4BE6-87E5-0A396DEBDAD0}"/>
-              </a:ext>
-            </a:extLst>
-          </p:cNvPr>
-          <p:cNvSpPr txBox="1"/>
-          <p:nvPr/>
-        </p:nvSpPr>
-        <p:spPr>
-          <a:xfrm>
-            <a:off x="6275832" y="5310834"/>
-            <a:ext cx="5580888" cy="1200329"/>
-          </a:xfrm>
-          <a:prstGeom prst="rect">
-            <a:avLst/>
-          </a:prstGeom>
-          <a:noFill/>
-        </p:spPr>
-        <p:txBody>
-          <a:bodyPr wrap="square" rtlCol="0">
-            <a:spAutoFit/>
-          </a:bodyPr>
-          <a:lstStyle/>
-          <a:p>
-            <a:r>
-              <a:rPr lang="en-US" dirty="0"/>
-              <a:t>Data report processing steps:</a:t>
-            </a:r>
-          </a:p>
-          <a:p>
-            <a:pPr marL="342900" indent="-342900">
-              <a:buFont typeface="+mj-lt"/>
-              <a:buAutoNum type="arabicPeriod"/>
-            </a:pPr>
-            <a:r>
-              <a:rPr lang="en-US" dirty="0"/>
-              <a:t>Collect data from database into </a:t>
-            </a:r>
-            <a:r>
-              <a:rPr lang="en-US" dirty="0" err="1"/>
-              <a:t>dataframe</a:t>
-            </a:r>
-            <a:r>
-              <a:rPr lang="en-US" dirty="0"/>
-              <a:t>.</a:t>
-            </a:r>
-          </a:p>
-          <a:p>
-            <a:pPr marL="342900" indent="-342900">
-              <a:buFont typeface="+mj-lt"/>
-              <a:buAutoNum type="arabicPeriod"/>
-            </a:pPr>
-            <a:r>
-              <a:rPr lang="en-US" dirty="0"/>
-              <a:t>Convert </a:t>
-            </a:r>
-            <a:r>
-              <a:rPr lang="en-US" dirty="0" err="1"/>
-              <a:t>dataframe</a:t>
-            </a:r>
-            <a:r>
-              <a:rPr lang="en-US" dirty="0"/>
-              <a:t> to format for chart, table or </a:t>
-            </a:r>
-            <a:r>
-              <a:rPr lang="en-US" dirty="0" err="1"/>
-              <a:t>excelt</a:t>
-            </a:r>
-            <a:r>
-              <a:rPr lang="en-US" dirty="0"/>
-              <a:t> </a:t>
-            </a:r>
-            <a:r>
-              <a:rPr lang="en-US"/>
-              <a:t>report.</a:t>
-            </a:r>
-            <a:endParaRPr lang="en-US" dirty="0"/>
-          </a:p>
-        </p:txBody>
-      </p:sp>
-    </p:spTree>
-    <p:extLst>
-      <p:ext uri="{BB962C8B-B14F-4D97-AF65-F5344CB8AC3E}">
-        <p14:creationId xmlns:p14="http://schemas.microsoft.com/office/powerpoint/2010/main" val="1489088610"/>
-      </p:ext>
-    </p:extLst>
-  </p:cSld>
-  <p:clrMapOvr>
-    <a:masterClrMapping/>
-  </p:clrMapOvr>
-</p:sld>
-</file>
-
-<file path=ppt/slides/slide9.xml><?xml version="1.0" encoding="utf-8"?>
-<p:sld xmlns:a="http://schemas.openxmlformats.org/drawingml/2006/main" xmlns:r="http://schemas.openxmlformats.org/officeDocument/2006/relationships" xmlns:p="http://schemas.openxmlformats.org/presentationml/2006/main">
-  <p:cSld>
-    <p:spTree>
-      <p:nvGrpSpPr>
-        <p:cNvPr id="1" name=""/>
-        <p:cNvGrpSpPr/>
-        <p:nvPr/>
-      </p:nvGrpSpPr>
-      <p:grpSpPr>
-        <a:xfrm>
-          <a:off x="0" y="0"/>
-          <a:ext cx="0" cy="0"/>
-          <a:chOff x="0" y="0"/>
-          <a:chExt cx="0" cy="0"/>
-        </a:xfrm>
-      </p:grpSpPr>
-      <p:sp>
-        <p:nvSpPr>
-          <p:cNvPr id="2" name="Title 1">
-            <a:extLst>
-              <a:ext uri="{FF2B5EF4-FFF2-40B4-BE49-F238E27FC236}">
-                <a16:creationId xmlns:a16="http://schemas.microsoft.com/office/drawing/2014/main" id="{9732167D-70E6-492E-8CD4-228276C98778}"/>
-              </a:ext>
-            </a:extLst>
-          </p:cNvPr>
-          <p:cNvSpPr>
-            <a:spLocks noGrp="1"/>
-          </p:cNvSpPr>
-          <p:nvPr>
-            <p:ph type="title"/>
-          </p:nvPr>
-        </p:nvSpPr>
-        <p:spPr/>
-        <p:txBody>
-          <a:bodyPr/>
-          <a:lstStyle/>
-          <a:p>
-            <a:r>
-              <a:rPr lang="en-US" dirty="0"/>
               <a:t>Heart Rate Model</a:t>
             </a:r>
           </a:p>
         </p:txBody>
       </p:sp>
-      <mc:AlternateContent xmlns:mc="http://schemas.openxmlformats.org/markup-compatibility/2006">
-        <mc:Choice xmlns:a14="http://schemas.microsoft.com/office/drawing/2010/main" Requires="a14">
+      <mc:AlternateContent xmlns:mc="http://schemas.openxmlformats.org/markup-compatibility/2006" xmlns:a14="http://schemas.microsoft.com/office/drawing/2010/main">
+        <mc:Choice Requires="a14">
           <p:sp>
             <p:nvSpPr>
               <p:cNvPr id="3" name="Content Placeholder 2">
@@ -7156,7 +4108,7 @@
             </p:txBody>
           </p:sp>
         </mc:Choice>
-        <mc:Fallback>
+        <mc:Fallback xmlns="">
           <p:sp>
             <p:nvSpPr>
               <p:cNvPr id="3" name="Content Placeholder 2">
@@ -7200,8 +4152,8 @@
           </p:sp>
         </mc:Fallback>
       </mc:AlternateContent>
-      <mc:AlternateContent xmlns:mc="http://schemas.openxmlformats.org/markup-compatibility/2006">
-        <mc:Choice xmlns:a14="http://schemas.microsoft.com/office/drawing/2010/main" Requires="a14">
+      <mc:AlternateContent xmlns:mc="http://schemas.openxmlformats.org/markup-compatibility/2006" xmlns:a14="http://schemas.microsoft.com/office/drawing/2010/main">
+        <mc:Choice Requires="a14">
           <p:sp>
             <p:nvSpPr>
               <p:cNvPr id="5" name="Content Placeholder 2">
@@ -7571,7 +4523,7 @@
             </p:txBody>
           </p:sp>
         </mc:Choice>
-        <mc:Fallback>
+        <mc:Fallback xmlns="">
           <p:sp>
             <p:nvSpPr>
               <p:cNvPr id="5" name="Content Placeholder 2">
@@ -7616,8 +4568,8 @@
           </p:sp>
         </mc:Fallback>
       </mc:AlternateContent>
-      <mc:AlternateContent xmlns:mc="http://schemas.openxmlformats.org/markup-compatibility/2006">
-        <mc:Choice xmlns:a14="http://schemas.microsoft.com/office/drawing/2010/main" Requires="a14">
+      <mc:AlternateContent xmlns:mc="http://schemas.openxmlformats.org/markup-compatibility/2006" xmlns:a14="http://schemas.microsoft.com/office/drawing/2010/main">
+        <mc:Choice Requires="a14">
           <p:sp>
             <p:nvSpPr>
               <p:cNvPr id="6" name="Content Placeholder 2">
@@ -8001,7 +4953,7 @@
             </p:txBody>
           </p:sp>
         </mc:Choice>
-        <mc:Fallback>
+        <mc:Fallback xmlns="">
           <p:sp>
             <p:nvSpPr>
               <p:cNvPr id="6" name="Content Placeholder 2">
@@ -8050,6 +5002,4048 @@
     <p:extLst>
       <p:ext uri="{BB962C8B-B14F-4D97-AF65-F5344CB8AC3E}">
         <p14:creationId xmlns:p14="http://schemas.microsoft.com/office/powerpoint/2010/main" val="4080612181"/>
+      </p:ext>
+    </p:extLst>
+  </p:cSld>
+  <p:clrMapOvr>
+    <a:masterClrMapping/>
+  </p:clrMapOvr>
+</p:sld>
+</file>
+
+<file path=ppt/slides/slide2.xml><?xml version="1.0" encoding="utf-8"?>
+<p:sld xmlns:a="http://schemas.openxmlformats.org/drawingml/2006/main" xmlns:r="http://schemas.openxmlformats.org/officeDocument/2006/relationships" xmlns:p="http://schemas.openxmlformats.org/presentationml/2006/main">
+  <p:cSld>
+    <p:spTree>
+      <p:nvGrpSpPr>
+        <p:cNvPr id="1" name=""/>
+        <p:cNvGrpSpPr/>
+        <p:nvPr/>
+      </p:nvGrpSpPr>
+      <p:grpSpPr>
+        <a:xfrm>
+          <a:off x="0" y="0"/>
+          <a:ext cx="0" cy="0"/>
+          <a:chOff x="0" y="0"/>
+          <a:chExt cx="0" cy="0"/>
+        </a:xfrm>
+      </p:grpSpPr>
+      <p:sp>
+        <p:nvSpPr>
+          <p:cNvPr id="2" name="Title 1">
+            <a:extLst>
+              <a:ext uri="{FF2B5EF4-FFF2-40B4-BE49-F238E27FC236}">
+                <a16:creationId xmlns:a16="http://schemas.microsoft.com/office/drawing/2014/main" id="{59CC78EC-BD3E-46FD-8BEB-A945AC715635}"/>
+              </a:ext>
+            </a:extLst>
+          </p:cNvPr>
+          <p:cNvSpPr>
+            <a:spLocks noGrp="1"/>
+          </p:cNvSpPr>
+          <p:nvPr>
+            <p:ph type="title"/>
+          </p:nvPr>
+        </p:nvSpPr>
+        <p:spPr/>
+        <p:txBody>
+          <a:bodyPr/>
+          <a:lstStyle/>
+          <a:p>
+            <a:r>
+              <a:rPr lang="en-US" dirty="0"/>
+              <a:t>Purpose</a:t>
+            </a:r>
+          </a:p>
+        </p:txBody>
+      </p:sp>
+      <p:sp>
+        <p:nvSpPr>
+          <p:cNvPr id="3" name="Content Placeholder 2">
+            <a:extLst>
+              <a:ext uri="{FF2B5EF4-FFF2-40B4-BE49-F238E27FC236}">
+                <a16:creationId xmlns:a16="http://schemas.microsoft.com/office/drawing/2014/main" id="{1317EFDD-25C4-403B-82F0-0FC568B1A00F}"/>
+              </a:ext>
+            </a:extLst>
+          </p:cNvPr>
+          <p:cNvSpPr>
+            <a:spLocks noGrp="1"/>
+          </p:cNvSpPr>
+          <p:nvPr>
+            <p:ph idx="1"/>
+          </p:nvPr>
+        </p:nvSpPr>
+        <p:spPr>
+          <a:xfrm>
+            <a:off x="838200" y="1825625"/>
+            <a:ext cx="10515600" cy="2619375"/>
+          </a:xfrm>
+        </p:spPr>
+        <p:txBody>
+          <a:bodyPr>
+            <a:normAutofit fontScale="77500" lnSpcReduction="20000"/>
+          </a:bodyPr>
+          <a:lstStyle/>
+          <a:p>
+            <a:r>
+              <a:rPr lang="en-US" dirty="0"/>
+              <a:t>Goal is to build a storage of lifestyle and health data platform that provide feedback of your life based on a comprehensive view of what’s going on in your life.</a:t>
+            </a:r>
+          </a:p>
+          <a:p>
+            <a:r>
+              <a:rPr lang="en-US" dirty="0"/>
+              <a:t>Starting with heartrate data. Create</a:t>
+            </a:r>
+          </a:p>
+          <a:p>
+            <a:r>
+              <a:rPr lang="en-US" dirty="0"/>
+              <a:t>Notes/Activity tracker</a:t>
+            </a:r>
+          </a:p>
+          <a:p>
+            <a:pPr lvl="1"/>
+            <a:r>
+              <a:rPr lang="en-US" dirty="0"/>
+              <a:t>Allow user to input things very quickly from phone app. Note that says “coffee”, “very stressed out” or “went out to party late with friends”.</a:t>
+            </a:r>
+          </a:p>
+          <a:p>
+            <a:r>
+              <a:rPr lang="en-US" dirty="0"/>
+              <a:t>Short term goal develop a timeline that allows the user to see their heartrate along with notes/activity.</a:t>
+            </a:r>
+          </a:p>
+          <a:p>
+            <a:endParaRPr lang="en-US" dirty="0"/>
+          </a:p>
+          <a:p>
+            <a:endParaRPr lang="en-US" dirty="0"/>
+          </a:p>
+        </p:txBody>
+      </p:sp>
+      <p:sp>
+        <p:nvSpPr>
+          <p:cNvPr id="4" name="Rectangle: Rounded Corners 3">
+            <a:extLst>
+              <a:ext uri="{FF2B5EF4-FFF2-40B4-BE49-F238E27FC236}">
+                <a16:creationId xmlns:a16="http://schemas.microsoft.com/office/drawing/2014/main" id="{E8B9F4DD-98A3-47DD-8389-3D4931E04C9B}"/>
+              </a:ext>
+            </a:extLst>
+          </p:cNvPr>
+          <p:cNvSpPr/>
+          <p:nvPr/>
+        </p:nvSpPr>
+        <p:spPr>
+          <a:xfrm>
+            <a:off x="2311400" y="4305300"/>
+            <a:ext cx="7378700" cy="2286000"/>
+          </a:xfrm>
+          <a:prstGeom prst="roundRect">
+            <a:avLst/>
+          </a:prstGeom>
+          <a:solidFill>
+            <a:schemeClr val="accent6">
+              <a:lumMod val="60000"/>
+              <a:lumOff val="40000"/>
+            </a:schemeClr>
+          </a:solidFill>
+        </p:spPr>
+        <p:style>
+          <a:lnRef idx="2">
+            <a:schemeClr val="accent1">
+              <a:shade val="50000"/>
+            </a:schemeClr>
+          </a:lnRef>
+          <a:fillRef idx="1">
+            <a:schemeClr val="accent1"/>
+          </a:fillRef>
+          <a:effectRef idx="0">
+            <a:schemeClr val="accent1"/>
+          </a:effectRef>
+          <a:fontRef idx="minor">
+            <a:schemeClr val="lt1"/>
+          </a:fontRef>
+        </p:style>
+        <p:txBody>
+          <a:bodyPr rtlCol="0" anchor="ctr"/>
+          <a:lstStyle/>
+          <a:p>
+            <a:pPr algn="ctr"/>
+            <a:endParaRPr lang="en-US"/>
+          </a:p>
+        </p:txBody>
+      </p:sp>
+      <p:cxnSp>
+        <p:nvCxnSpPr>
+          <p:cNvPr id="6" name="Straight Connector 5">
+            <a:extLst>
+              <a:ext uri="{FF2B5EF4-FFF2-40B4-BE49-F238E27FC236}">
+                <a16:creationId xmlns:a16="http://schemas.microsoft.com/office/drawing/2014/main" id="{640D650C-F70E-4B95-AB65-1853664D40FF}"/>
+              </a:ext>
+            </a:extLst>
+          </p:cNvPr>
+          <p:cNvCxnSpPr>
+            <a:cxnSpLocks/>
+          </p:cNvCxnSpPr>
+          <p:nvPr/>
+        </p:nvCxnSpPr>
+        <p:spPr>
+          <a:xfrm>
+            <a:off x="3111500" y="4579937"/>
+            <a:ext cx="0" cy="1604963"/>
+          </a:xfrm>
+          <a:prstGeom prst="line">
+            <a:avLst/>
+          </a:prstGeom>
+        </p:spPr>
+        <p:style>
+          <a:lnRef idx="1">
+            <a:schemeClr val="accent1"/>
+          </a:lnRef>
+          <a:fillRef idx="0">
+            <a:schemeClr val="accent1"/>
+          </a:fillRef>
+          <a:effectRef idx="0">
+            <a:schemeClr val="accent1"/>
+          </a:effectRef>
+          <a:fontRef idx="minor">
+            <a:schemeClr val="tx1"/>
+          </a:fontRef>
+        </p:style>
+      </p:cxnSp>
+      <p:cxnSp>
+        <p:nvCxnSpPr>
+          <p:cNvPr id="10" name="Straight Connector 9">
+            <a:extLst>
+              <a:ext uri="{FF2B5EF4-FFF2-40B4-BE49-F238E27FC236}">
+                <a16:creationId xmlns:a16="http://schemas.microsoft.com/office/drawing/2014/main" id="{6D56F5BD-1438-4C3F-9191-8E29A2037ACF}"/>
+              </a:ext>
+            </a:extLst>
+          </p:cNvPr>
+          <p:cNvCxnSpPr/>
+          <p:nvPr/>
+        </p:nvCxnSpPr>
+        <p:spPr>
+          <a:xfrm>
+            <a:off x="3111500" y="6184900"/>
+            <a:ext cx="5054600" cy="0"/>
+          </a:xfrm>
+          <a:prstGeom prst="line">
+            <a:avLst/>
+          </a:prstGeom>
+        </p:spPr>
+        <p:style>
+          <a:lnRef idx="1">
+            <a:schemeClr val="accent1"/>
+          </a:lnRef>
+          <a:fillRef idx="0">
+            <a:schemeClr val="accent1"/>
+          </a:fillRef>
+          <a:effectRef idx="0">
+            <a:schemeClr val="accent1"/>
+          </a:effectRef>
+          <a:fontRef idx="minor">
+            <a:schemeClr val="tx1"/>
+          </a:fontRef>
+        </p:style>
+      </p:cxnSp>
+      <p:sp>
+        <p:nvSpPr>
+          <p:cNvPr id="12" name="TextBox 11">
+            <a:extLst>
+              <a:ext uri="{FF2B5EF4-FFF2-40B4-BE49-F238E27FC236}">
+                <a16:creationId xmlns:a16="http://schemas.microsoft.com/office/drawing/2014/main" id="{FD542CDF-D580-421D-A53A-D2F2ADE550AD}"/>
+              </a:ext>
+            </a:extLst>
+          </p:cNvPr>
+          <p:cNvSpPr txBox="1"/>
+          <p:nvPr/>
+        </p:nvSpPr>
+        <p:spPr>
+          <a:xfrm>
+            <a:off x="7879979" y="6184900"/>
+            <a:ext cx="1251321" cy="369332"/>
+          </a:xfrm>
+          <a:prstGeom prst="rect">
+            <a:avLst/>
+          </a:prstGeom>
+          <a:noFill/>
+        </p:spPr>
+        <p:txBody>
+          <a:bodyPr wrap="square" rtlCol="0">
+            <a:spAutoFit/>
+          </a:bodyPr>
+          <a:lstStyle/>
+          <a:p>
+            <a:r>
+              <a:rPr lang="en-US" dirty="0"/>
+              <a:t>Dates/time</a:t>
+            </a:r>
+          </a:p>
+        </p:txBody>
+      </p:sp>
+      <p:sp>
+        <p:nvSpPr>
+          <p:cNvPr id="13" name="TextBox 12">
+            <a:extLst>
+              <a:ext uri="{FF2B5EF4-FFF2-40B4-BE49-F238E27FC236}">
+                <a16:creationId xmlns:a16="http://schemas.microsoft.com/office/drawing/2014/main" id="{5016F09B-AE38-42CF-BCA5-3E655BF1FE1E}"/>
+              </a:ext>
+            </a:extLst>
+          </p:cNvPr>
+          <p:cNvSpPr txBox="1"/>
+          <p:nvPr/>
+        </p:nvSpPr>
+        <p:spPr>
+          <a:xfrm>
+            <a:off x="2311400" y="4579937"/>
+            <a:ext cx="749300" cy="646331"/>
+          </a:xfrm>
+          <a:prstGeom prst="rect">
+            <a:avLst/>
+          </a:prstGeom>
+          <a:noFill/>
+        </p:spPr>
+        <p:txBody>
+          <a:bodyPr wrap="square" rtlCol="0">
+            <a:spAutoFit/>
+          </a:bodyPr>
+          <a:lstStyle/>
+          <a:p>
+            <a:r>
+              <a:rPr lang="en-US" dirty="0"/>
+              <a:t>Data (HR)</a:t>
+            </a:r>
+          </a:p>
+        </p:txBody>
+      </p:sp>
+      <p:sp>
+        <p:nvSpPr>
+          <p:cNvPr id="14" name="Oval 13">
+            <a:extLst>
+              <a:ext uri="{FF2B5EF4-FFF2-40B4-BE49-F238E27FC236}">
+                <a16:creationId xmlns:a16="http://schemas.microsoft.com/office/drawing/2014/main" id="{0F48C798-2DD9-46E7-A299-AB955653CD58}"/>
+              </a:ext>
+            </a:extLst>
+          </p:cNvPr>
+          <p:cNvSpPr/>
+          <p:nvPr/>
+        </p:nvSpPr>
+        <p:spPr>
+          <a:xfrm>
+            <a:off x="3492500" y="4673600"/>
+            <a:ext cx="45719" cy="45719"/>
+          </a:xfrm>
+          <a:prstGeom prst="ellipse">
+            <a:avLst/>
+          </a:prstGeom>
+        </p:spPr>
+        <p:style>
+          <a:lnRef idx="2">
+            <a:schemeClr val="accent1">
+              <a:shade val="50000"/>
+            </a:schemeClr>
+          </a:lnRef>
+          <a:fillRef idx="1">
+            <a:schemeClr val="accent1"/>
+          </a:fillRef>
+          <a:effectRef idx="0">
+            <a:schemeClr val="accent1"/>
+          </a:effectRef>
+          <a:fontRef idx="minor">
+            <a:schemeClr val="lt1"/>
+          </a:fontRef>
+        </p:style>
+        <p:txBody>
+          <a:bodyPr rtlCol="0" anchor="ctr"/>
+          <a:lstStyle/>
+          <a:p>
+            <a:pPr algn="ctr"/>
+            <a:endParaRPr lang="en-US"/>
+          </a:p>
+        </p:txBody>
+      </p:sp>
+      <p:sp>
+        <p:nvSpPr>
+          <p:cNvPr id="15" name="TextBox 14">
+            <a:extLst>
+              <a:ext uri="{FF2B5EF4-FFF2-40B4-BE49-F238E27FC236}">
+                <a16:creationId xmlns:a16="http://schemas.microsoft.com/office/drawing/2014/main" id="{91A5E667-F674-49B3-BD92-5E68496DCD8A}"/>
+              </a:ext>
+            </a:extLst>
+          </p:cNvPr>
+          <p:cNvSpPr txBox="1"/>
+          <p:nvPr/>
+        </p:nvSpPr>
+        <p:spPr>
+          <a:xfrm>
+            <a:off x="3442446" y="4840197"/>
+            <a:ext cx="818777" cy="215444"/>
+          </a:xfrm>
+          <a:prstGeom prst="rect">
+            <a:avLst/>
+          </a:prstGeom>
+          <a:noFill/>
+        </p:spPr>
+        <p:txBody>
+          <a:bodyPr wrap="square" lIns="0" tIns="0" rIns="0" bIns="0" rtlCol="0">
+            <a:spAutoFit/>
+          </a:bodyPr>
+          <a:lstStyle/>
+          <a:p>
+            <a:r>
+              <a:rPr lang="en-US" sz="1400" dirty="0"/>
+              <a:t>HR metric</a:t>
+            </a:r>
+          </a:p>
+        </p:txBody>
+      </p:sp>
+      <p:cxnSp>
+        <p:nvCxnSpPr>
+          <p:cNvPr id="17" name="Straight Connector 16">
+            <a:extLst>
+              <a:ext uri="{FF2B5EF4-FFF2-40B4-BE49-F238E27FC236}">
+                <a16:creationId xmlns:a16="http://schemas.microsoft.com/office/drawing/2014/main" id="{519EC729-680F-4D11-A4DD-A2F13097C6AA}"/>
+              </a:ext>
+            </a:extLst>
+          </p:cNvPr>
+          <p:cNvCxnSpPr/>
+          <p:nvPr/>
+        </p:nvCxnSpPr>
+        <p:spPr>
+          <a:xfrm>
+            <a:off x="4908176" y="4599353"/>
+            <a:ext cx="0" cy="1859866"/>
+          </a:xfrm>
+          <a:prstGeom prst="line">
+            <a:avLst/>
+          </a:prstGeom>
+          <a:ln>
+            <a:solidFill>
+              <a:schemeClr val="tx1"/>
+            </a:solidFill>
+            <a:prstDash val="lgDash"/>
+          </a:ln>
+        </p:spPr>
+        <p:style>
+          <a:lnRef idx="1">
+            <a:schemeClr val="accent1"/>
+          </a:lnRef>
+          <a:fillRef idx="0">
+            <a:schemeClr val="accent1"/>
+          </a:fillRef>
+          <a:effectRef idx="0">
+            <a:schemeClr val="accent1"/>
+          </a:effectRef>
+          <a:fontRef idx="minor">
+            <a:schemeClr val="tx1"/>
+          </a:fontRef>
+        </p:style>
+      </p:cxnSp>
+      <p:sp>
+        <p:nvSpPr>
+          <p:cNvPr id="18" name="TextBox 17">
+            <a:extLst>
+              <a:ext uri="{FF2B5EF4-FFF2-40B4-BE49-F238E27FC236}">
+                <a16:creationId xmlns:a16="http://schemas.microsoft.com/office/drawing/2014/main" id="{F29CBD97-90C0-445B-99BD-20349D50B14F}"/>
+              </a:ext>
+            </a:extLst>
+          </p:cNvPr>
+          <p:cNvSpPr txBox="1"/>
+          <p:nvPr/>
+        </p:nvSpPr>
+        <p:spPr>
+          <a:xfrm>
+            <a:off x="4908176" y="4445000"/>
+            <a:ext cx="1056342" cy="215444"/>
+          </a:xfrm>
+          <a:prstGeom prst="rect">
+            <a:avLst/>
+          </a:prstGeom>
+          <a:noFill/>
+        </p:spPr>
+        <p:txBody>
+          <a:bodyPr wrap="square" lIns="0" tIns="0" rIns="0" bIns="0" rtlCol="0">
+            <a:spAutoFit/>
+          </a:bodyPr>
+          <a:lstStyle/>
+          <a:p>
+            <a:r>
+              <a:rPr lang="en-US" sz="1400" dirty="0">
+                <a:solidFill>
+                  <a:schemeClr val="tx1">
+                    <a:lumMod val="65000"/>
+                    <a:lumOff val="35000"/>
+                  </a:schemeClr>
+                </a:solidFill>
+              </a:rPr>
+              <a:t>Drank Coffee</a:t>
+            </a:r>
+          </a:p>
+        </p:txBody>
+      </p:sp>
+      <p:sp>
+        <p:nvSpPr>
+          <p:cNvPr id="19" name="Oval 18">
+            <a:extLst>
+              <a:ext uri="{FF2B5EF4-FFF2-40B4-BE49-F238E27FC236}">
+                <a16:creationId xmlns:a16="http://schemas.microsoft.com/office/drawing/2014/main" id="{4F740B7D-4E99-475B-9395-4A8F64FF7D72}"/>
+              </a:ext>
+            </a:extLst>
+          </p:cNvPr>
+          <p:cNvSpPr/>
+          <p:nvPr/>
+        </p:nvSpPr>
+        <p:spPr>
+          <a:xfrm>
+            <a:off x="3828975" y="5176519"/>
+            <a:ext cx="45719" cy="45719"/>
+          </a:xfrm>
+          <a:prstGeom prst="ellipse">
+            <a:avLst/>
+          </a:prstGeom>
+        </p:spPr>
+        <p:style>
+          <a:lnRef idx="2">
+            <a:schemeClr val="accent1">
+              <a:shade val="50000"/>
+            </a:schemeClr>
+          </a:lnRef>
+          <a:fillRef idx="1">
+            <a:schemeClr val="accent1"/>
+          </a:fillRef>
+          <a:effectRef idx="0">
+            <a:schemeClr val="accent1"/>
+          </a:effectRef>
+          <a:fontRef idx="minor">
+            <a:schemeClr val="lt1"/>
+          </a:fontRef>
+        </p:style>
+        <p:txBody>
+          <a:bodyPr rtlCol="0" anchor="ctr"/>
+          <a:lstStyle/>
+          <a:p>
+            <a:pPr algn="ctr"/>
+            <a:endParaRPr lang="en-US"/>
+          </a:p>
+        </p:txBody>
+      </p:sp>
+      <p:sp>
+        <p:nvSpPr>
+          <p:cNvPr id="20" name="TextBox 19">
+            <a:extLst>
+              <a:ext uri="{FF2B5EF4-FFF2-40B4-BE49-F238E27FC236}">
+                <a16:creationId xmlns:a16="http://schemas.microsoft.com/office/drawing/2014/main" id="{0E5DB42D-2C35-4254-A24C-135DC17E9550}"/>
+              </a:ext>
+            </a:extLst>
+          </p:cNvPr>
+          <p:cNvSpPr txBox="1"/>
+          <p:nvPr/>
+        </p:nvSpPr>
+        <p:spPr>
+          <a:xfrm>
+            <a:off x="3778921" y="5343116"/>
+            <a:ext cx="818777" cy="215444"/>
+          </a:xfrm>
+          <a:prstGeom prst="rect">
+            <a:avLst/>
+          </a:prstGeom>
+          <a:noFill/>
+        </p:spPr>
+        <p:txBody>
+          <a:bodyPr wrap="square" lIns="0" tIns="0" rIns="0" bIns="0" rtlCol="0">
+            <a:spAutoFit/>
+          </a:bodyPr>
+          <a:lstStyle/>
+          <a:p>
+            <a:r>
+              <a:rPr lang="en-US" sz="1400" dirty="0"/>
+              <a:t>HR metric</a:t>
+            </a:r>
+          </a:p>
+        </p:txBody>
+      </p:sp>
+      <p:sp>
+        <p:nvSpPr>
+          <p:cNvPr id="21" name="Oval 20">
+            <a:extLst>
+              <a:ext uri="{FF2B5EF4-FFF2-40B4-BE49-F238E27FC236}">
+                <a16:creationId xmlns:a16="http://schemas.microsoft.com/office/drawing/2014/main" id="{90482AB6-F683-4CE2-8903-9A1AD6568B3A}"/>
+              </a:ext>
+            </a:extLst>
+          </p:cNvPr>
+          <p:cNvSpPr/>
+          <p:nvPr/>
+        </p:nvSpPr>
+        <p:spPr>
+          <a:xfrm>
+            <a:off x="5457340" y="4930447"/>
+            <a:ext cx="45719" cy="45719"/>
+          </a:xfrm>
+          <a:prstGeom prst="ellipse">
+            <a:avLst/>
+          </a:prstGeom>
+        </p:spPr>
+        <p:style>
+          <a:lnRef idx="2">
+            <a:schemeClr val="accent1">
+              <a:shade val="50000"/>
+            </a:schemeClr>
+          </a:lnRef>
+          <a:fillRef idx="1">
+            <a:schemeClr val="accent1"/>
+          </a:fillRef>
+          <a:effectRef idx="0">
+            <a:schemeClr val="accent1"/>
+          </a:effectRef>
+          <a:fontRef idx="minor">
+            <a:schemeClr val="lt1"/>
+          </a:fontRef>
+        </p:style>
+        <p:txBody>
+          <a:bodyPr rtlCol="0" anchor="ctr"/>
+          <a:lstStyle/>
+          <a:p>
+            <a:pPr algn="ctr"/>
+            <a:endParaRPr lang="en-US"/>
+          </a:p>
+        </p:txBody>
+      </p:sp>
+      <p:sp>
+        <p:nvSpPr>
+          <p:cNvPr id="22" name="TextBox 21">
+            <a:extLst>
+              <a:ext uri="{FF2B5EF4-FFF2-40B4-BE49-F238E27FC236}">
+                <a16:creationId xmlns:a16="http://schemas.microsoft.com/office/drawing/2014/main" id="{D8736297-B5D7-41E1-ABAF-93E3FE8AD6BE}"/>
+              </a:ext>
+            </a:extLst>
+          </p:cNvPr>
+          <p:cNvSpPr txBox="1"/>
+          <p:nvPr/>
+        </p:nvSpPr>
+        <p:spPr>
+          <a:xfrm>
+            <a:off x="5407286" y="5097044"/>
+            <a:ext cx="818777" cy="215444"/>
+          </a:xfrm>
+          <a:prstGeom prst="rect">
+            <a:avLst/>
+          </a:prstGeom>
+          <a:noFill/>
+        </p:spPr>
+        <p:txBody>
+          <a:bodyPr wrap="square" lIns="0" tIns="0" rIns="0" bIns="0" rtlCol="0">
+            <a:spAutoFit/>
+          </a:bodyPr>
+          <a:lstStyle/>
+          <a:p>
+            <a:r>
+              <a:rPr lang="en-US" sz="1400" dirty="0"/>
+              <a:t>HR metric</a:t>
+            </a:r>
+          </a:p>
+        </p:txBody>
+      </p:sp>
+      <p:sp>
+        <p:nvSpPr>
+          <p:cNvPr id="23" name="Oval 22">
+            <a:extLst>
+              <a:ext uri="{FF2B5EF4-FFF2-40B4-BE49-F238E27FC236}">
+                <a16:creationId xmlns:a16="http://schemas.microsoft.com/office/drawing/2014/main" id="{6D099653-A326-4C62-9036-00B117A04CCC}"/>
+              </a:ext>
+            </a:extLst>
+          </p:cNvPr>
+          <p:cNvSpPr/>
+          <p:nvPr/>
+        </p:nvSpPr>
+        <p:spPr>
+          <a:xfrm>
+            <a:off x="6643224" y="4800593"/>
+            <a:ext cx="45719" cy="45719"/>
+          </a:xfrm>
+          <a:prstGeom prst="ellipse">
+            <a:avLst/>
+          </a:prstGeom>
+        </p:spPr>
+        <p:style>
+          <a:lnRef idx="2">
+            <a:schemeClr val="accent1">
+              <a:shade val="50000"/>
+            </a:schemeClr>
+          </a:lnRef>
+          <a:fillRef idx="1">
+            <a:schemeClr val="accent1"/>
+          </a:fillRef>
+          <a:effectRef idx="0">
+            <a:schemeClr val="accent1"/>
+          </a:effectRef>
+          <a:fontRef idx="minor">
+            <a:schemeClr val="lt1"/>
+          </a:fontRef>
+        </p:style>
+        <p:txBody>
+          <a:bodyPr rtlCol="0" anchor="ctr"/>
+          <a:lstStyle/>
+          <a:p>
+            <a:pPr algn="ctr"/>
+            <a:endParaRPr lang="en-US"/>
+          </a:p>
+        </p:txBody>
+      </p:sp>
+      <p:sp>
+        <p:nvSpPr>
+          <p:cNvPr id="24" name="TextBox 23">
+            <a:extLst>
+              <a:ext uri="{FF2B5EF4-FFF2-40B4-BE49-F238E27FC236}">
+                <a16:creationId xmlns:a16="http://schemas.microsoft.com/office/drawing/2014/main" id="{5EBE5AAE-C877-48DF-8788-8C2C8C0419C6}"/>
+              </a:ext>
+            </a:extLst>
+          </p:cNvPr>
+          <p:cNvSpPr txBox="1"/>
+          <p:nvPr/>
+        </p:nvSpPr>
+        <p:spPr>
+          <a:xfrm>
+            <a:off x="6593170" y="4967190"/>
+            <a:ext cx="818777" cy="215444"/>
+          </a:xfrm>
+          <a:prstGeom prst="rect">
+            <a:avLst/>
+          </a:prstGeom>
+          <a:noFill/>
+        </p:spPr>
+        <p:txBody>
+          <a:bodyPr wrap="square" lIns="0" tIns="0" rIns="0" bIns="0" rtlCol="0">
+            <a:spAutoFit/>
+          </a:bodyPr>
+          <a:lstStyle/>
+          <a:p>
+            <a:r>
+              <a:rPr lang="en-US" sz="1400" dirty="0"/>
+              <a:t>HR metric</a:t>
+            </a:r>
+          </a:p>
+        </p:txBody>
+      </p:sp>
+      <p:cxnSp>
+        <p:nvCxnSpPr>
+          <p:cNvPr id="25" name="Straight Connector 24">
+            <a:extLst>
+              <a:ext uri="{FF2B5EF4-FFF2-40B4-BE49-F238E27FC236}">
+                <a16:creationId xmlns:a16="http://schemas.microsoft.com/office/drawing/2014/main" id="{A154D8C7-B27D-42B5-BD43-F88769CA9F12}"/>
+              </a:ext>
+            </a:extLst>
+          </p:cNvPr>
+          <p:cNvCxnSpPr/>
+          <p:nvPr/>
+        </p:nvCxnSpPr>
+        <p:spPr>
+          <a:xfrm>
+            <a:off x="6008967" y="4602197"/>
+            <a:ext cx="0" cy="1859866"/>
+          </a:xfrm>
+          <a:prstGeom prst="line">
+            <a:avLst/>
+          </a:prstGeom>
+          <a:ln>
+            <a:solidFill>
+              <a:schemeClr val="tx1"/>
+            </a:solidFill>
+            <a:prstDash val="lgDash"/>
+          </a:ln>
+        </p:spPr>
+        <p:style>
+          <a:lnRef idx="1">
+            <a:schemeClr val="accent1"/>
+          </a:lnRef>
+          <a:fillRef idx="0">
+            <a:schemeClr val="accent1"/>
+          </a:fillRef>
+          <a:effectRef idx="0">
+            <a:schemeClr val="accent1"/>
+          </a:effectRef>
+          <a:fontRef idx="minor">
+            <a:schemeClr val="tx1"/>
+          </a:fontRef>
+        </p:style>
+      </p:cxnSp>
+      <p:sp>
+        <p:nvSpPr>
+          <p:cNvPr id="26" name="TextBox 25">
+            <a:extLst>
+              <a:ext uri="{FF2B5EF4-FFF2-40B4-BE49-F238E27FC236}">
+                <a16:creationId xmlns:a16="http://schemas.microsoft.com/office/drawing/2014/main" id="{AAFA4E01-3C75-4EE8-B451-2009A06E58C0}"/>
+              </a:ext>
+            </a:extLst>
+          </p:cNvPr>
+          <p:cNvSpPr txBox="1"/>
+          <p:nvPr/>
+        </p:nvSpPr>
+        <p:spPr>
+          <a:xfrm>
+            <a:off x="6008967" y="4447844"/>
+            <a:ext cx="1056342" cy="215444"/>
+          </a:xfrm>
+          <a:prstGeom prst="rect">
+            <a:avLst/>
+          </a:prstGeom>
+          <a:noFill/>
+        </p:spPr>
+        <p:txBody>
+          <a:bodyPr wrap="square" lIns="0" tIns="0" rIns="0" bIns="0" rtlCol="0">
+            <a:spAutoFit/>
+          </a:bodyPr>
+          <a:lstStyle/>
+          <a:p>
+            <a:r>
+              <a:rPr lang="en-US" sz="1400" dirty="0">
+                <a:solidFill>
+                  <a:schemeClr val="tx1">
+                    <a:lumMod val="65000"/>
+                    <a:lumOff val="35000"/>
+                  </a:schemeClr>
+                </a:solidFill>
+              </a:rPr>
+              <a:t>Late night</a:t>
+            </a:r>
+          </a:p>
+        </p:txBody>
+      </p:sp>
+    </p:spTree>
+    <p:extLst>
+      <p:ext uri="{BB962C8B-B14F-4D97-AF65-F5344CB8AC3E}">
+        <p14:creationId xmlns:p14="http://schemas.microsoft.com/office/powerpoint/2010/main" val="1654624661"/>
+      </p:ext>
+    </p:extLst>
+  </p:cSld>
+  <p:clrMapOvr>
+    <a:masterClrMapping/>
+  </p:clrMapOvr>
+</p:sld>
+</file>
+
+<file path=ppt/slides/slide3.xml><?xml version="1.0" encoding="utf-8"?>
+<p:sld xmlns:a="http://schemas.openxmlformats.org/drawingml/2006/main" xmlns:r="http://schemas.openxmlformats.org/officeDocument/2006/relationships" xmlns:p="http://schemas.openxmlformats.org/presentationml/2006/main">
+  <p:cSld>
+    <p:spTree>
+      <p:nvGrpSpPr>
+        <p:cNvPr id="1" name=""/>
+        <p:cNvGrpSpPr/>
+        <p:nvPr/>
+      </p:nvGrpSpPr>
+      <p:grpSpPr>
+        <a:xfrm>
+          <a:off x="0" y="0"/>
+          <a:ext cx="0" cy="0"/>
+          <a:chOff x="0" y="0"/>
+          <a:chExt cx="0" cy="0"/>
+        </a:xfrm>
+      </p:grpSpPr>
+      <p:sp>
+        <p:nvSpPr>
+          <p:cNvPr id="2" name="Title 1">
+            <a:extLst>
+              <a:ext uri="{FF2B5EF4-FFF2-40B4-BE49-F238E27FC236}">
+                <a16:creationId xmlns:a16="http://schemas.microsoft.com/office/drawing/2014/main" id="{59CC78EC-BD3E-46FD-8BEB-A945AC715635}"/>
+              </a:ext>
+            </a:extLst>
+          </p:cNvPr>
+          <p:cNvSpPr>
+            <a:spLocks noGrp="1"/>
+          </p:cNvSpPr>
+          <p:nvPr>
+            <p:ph type="title"/>
+          </p:nvPr>
+        </p:nvSpPr>
+        <p:spPr/>
+        <p:txBody>
+          <a:bodyPr/>
+          <a:lstStyle/>
+          <a:p>
+            <a:r>
+              <a:rPr lang="en-US" dirty="0"/>
+              <a:t>Login/Authentication/Credentials</a:t>
+            </a:r>
+          </a:p>
+        </p:txBody>
+      </p:sp>
+      <p:sp>
+        <p:nvSpPr>
+          <p:cNvPr id="3" name="Content Placeholder 2">
+            <a:extLst>
+              <a:ext uri="{FF2B5EF4-FFF2-40B4-BE49-F238E27FC236}">
+                <a16:creationId xmlns:a16="http://schemas.microsoft.com/office/drawing/2014/main" id="{1317EFDD-25C4-403B-82F0-0FC568B1A00F}"/>
+              </a:ext>
+            </a:extLst>
+          </p:cNvPr>
+          <p:cNvSpPr>
+            <a:spLocks noGrp="1"/>
+          </p:cNvSpPr>
+          <p:nvPr>
+            <p:ph idx="1"/>
+          </p:nvPr>
+        </p:nvSpPr>
+        <p:spPr/>
+        <p:txBody>
+          <a:bodyPr/>
+          <a:lstStyle/>
+          <a:p>
+            <a:r>
+              <a:rPr lang="en-US" dirty="0"/>
+              <a:t>Home Screen</a:t>
+            </a:r>
+          </a:p>
+          <a:p>
+            <a:r>
+              <a:rPr lang="en-US" dirty="0"/>
+              <a:t>Login Screen</a:t>
+            </a:r>
+          </a:p>
+          <a:p>
+            <a:r>
+              <a:rPr lang="en-US" dirty="0"/>
+              <a:t>Register Screen</a:t>
+            </a:r>
+          </a:p>
+          <a:p>
+            <a:r>
+              <a:rPr lang="en-US" dirty="0"/>
+              <a:t>Forgot Password Screen</a:t>
+            </a:r>
+          </a:p>
+          <a:p>
+            <a:r>
+              <a:rPr lang="en-US" dirty="0"/>
+              <a:t>Account Screen</a:t>
+            </a:r>
+          </a:p>
+        </p:txBody>
+      </p:sp>
+    </p:spTree>
+    <p:extLst>
+      <p:ext uri="{BB962C8B-B14F-4D97-AF65-F5344CB8AC3E}">
+        <p14:creationId xmlns:p14="http://schemas.microsoft.com/office/powerpoint/2010/main" val="1410017683"/>
+      </p:ext>
+    </p:extLst>
+  </p:cSld>
+  <p:clrMapOvr>
+    <a:masterClrMapping/>
+  </p:clrMapOvr>
+</p:sld>
+</file>
+
+<file path=ppt/slides/slide4.xml><?xml version="1.0" encoding="utf-8"?>
+<p:sld xmlns:a="http://schemas.openxmlformats.org/drawingml/2006/main" xmlns:r="http://schemas.openxmlformats.org/officeDocument/2006/relationships" xmlns:p="http://schemas.openxmlformats.org/presentationml/2006/main">
+  <p:cSld>
+    <p:spTree>
+      <p:nvGrpSpPr>
+        <p:cNvPr id="1" name=""/>
+        <p:cNvGrpSpPr/>
+        <p:nvPr/>
+      </p:nvGrpSpPr>
+      <p:grpSpPr>
+        <a:xfrm>
+          <a:off x="0" y="0"/>
+          <a:ext cx="0" cy="0"/>
+          <a:chOff x="0" y="0"/>
+          <a:chExt cx="0" cy="0"/>
+        </a:xfrm>
+      </p:grpSpPr>
+      <p:sp>
+        <p:nvSpPr>
+          <p:cNvPr id="2" name="Title 1">
+            <a:extLst>
+              <a:ext uri="{FF2B5EF4-FFF2-40B4-BE49-F238E27FC236}">
+                <a16:creationId xmlns:a16="http://schemas.microsoft.com/office/drawing/2014/main" id="{C0A41ED3-494F-433C-8A5C-8CAB90169065}"/>
+              </a:ext>
+            </a:extLst>
+          </p:cNvPr>
+          <p:cNvSpPr>
+            <a:spLocks noGrp="1"/>
+          </p:cNvSpPr>
+          <p:nvPr>
+            <p:ph type="title"/>
+          </p:nvPr>
+        </p:nvSpPr>
+        <p:spPr/>
+        <p:txBody>
+          <a:bodyPr/>
+          <a:lstStyle/>
+          <a:p>
+            <a:r>
+              <a:rPr lang="en-US" dirty="0"/>
+              <a:t>Home Dashboard</a:t>
+            </a:r>
+          </a:p>
+        </p:txBody>
+      </p:sp>
+      <p:sp>
+        <p:nvSpPr>
+          <p:cNvPr id="3" name="Content Placeholder 2">
+            <a:extLst>
+              <a:ext uri="{FF2B5EF4-FFF2-40B4-BE49-F238E27FC236}">
+                <a16:creationId xmlns:a16="http://schemas.microsoft.com/office/drawing/2014/main" id="{B9752A32-9973-4F89-A646-7E61E1F12B27}"/>
+              </a:ext>
+            </a:extLst>
+          </p:cNvPr>
+          <p:cNvSpPr>
+            <a:spLocks noGrp="1"/>
+          </p:cNvSpPr>
+          <p:nvPr>
+            <p:ph idx="1"/>
+          </p:nvPr>
+        </p:nvSpPr>
+        <p:spPr>
+          <a:xfrm>
+            <a:off x="838200" y="1825625"/>
+            <a:ext cx="3651504" cy="4351338"/>
+          </a:xfrm>
+        </p:spPr>
+        <p:txBody>
+          <a:bodyPr/>
+          <a:lstStyle/>
+          <a:p>
+            <a:r>
+              <a:rPr lang="en-US" dirty="0"/>
+              <a:t>Dashboard</a:t>
+            </a:r>
+          </a:p>
+        </p:txBody>
+      </p:sp>
+      <p:sp>
+        <p:nvSpPr>
+          <p:cNvPr id="4" name="Rectangle 3">
+            <a:extLst>
+              <a:ext uri="{FF2B5EF4-FFF2-40B4-BE49-F238E27FC236}">
+                <a16:creationId xmlns:a16="http://schemas.microsoft.com/office/drawing/2014/main" id="{13080676-1057-4CF6-8206-230B58107A07}"/>
+              </a:ext>
+            </a:extLst>
+          </p:cNvPr>
+          <p:cNvSpPr/>
+          <p:nvPr/>
+        </p:nvSpPr>
+        <p:spPr>
+          <a:xfrm>
+            <a:off x="6163056" y="1874520"/>
+            <a:ext cx="5486400" cy="4745736"/>
+          </a:xfrm>
+          <a:prstGeom prst="rect">
+            <a:avLst/>
+          </a:prstGeom>
+        </p:spPr>
+        <p:style>
+          <a:lnRef idx="2">
+            <a:schemeClr val="accent1">
+              <a:shade val="50000"/>
+            </a:schemeClr>
+          </a:lnRef>
+          <a:fillRef idx="1">
+            <a:schemeClr val="accent1"/>
+          </a:fillRef>
+          <a:effectRef idx="0">
+            <a:schemeClr val="accent1"/>
+          </a:effectRef>
+          <a:fontRef idx="minor">
+            <a:schemeClr val="lt1"/>
+          </a:fontRef>
+        </p:style>
+        <p:txBody>
+          <a:bodyPr rtlCol="0" anchor="ctr"/>
+          <a:lstStyle/>
+          <a:p>
+            <a:pPr algn="ctr"/>
+            <a:endParaRPr lang="en-US"/>
+          </a:p>
+        </p:txBody>
+      </p:sp>
+      <p:sp>
+        <p:nvSpPr>
+          <p:cNvPr id="5" name="Rectangle 4">
+            <a:extLst>
+              <a:ext uri="{FF2B5EF4-FFF2-40B4-BE49-F238E27FC236}">
+                <a16:creationId xmlns:a16="http://schemas.microsoft.com/office/drawing/2014/main" id="{608B271F-3F1B-45F3-83ED-907833813E9A}"/>
+              </a:ext>
+            </a:extLst>
+          </p:cNvPr>
+          <p:cNvSpPr/>
+          <p:nvPr/>
+        </p:nvSpPr>
+        <p:spPr>
+          <a:xfrm>
+            <a:off x="6163056" y="1170432"/>
+            <a:ext cx="5486400" cy="655193"/>
+          </a:xfrm>
+          <a:prstGeom prst="rect">
+            <a:avLst/>
+          </a:prstGeom>
+          <a:solidFill>
+            <a:schemeClr val="accent2">
+              <a:lumMod val="60000"/>
+              <a:lumOff val="40000"/>
+            </a:schemeClr>
+          </a:solidFill>
+        </p:spPr>
+        <p:style>
+          <a:lnRef idx="2">
+            <a:schemeClr val="accent1">
+              <a:shade val="50000"/>
+            </a:schemeClr>
+          </a:lnRef>
+          <a:fillRef idx="1">
+            <a:schemeClr val="accent1"/>
+          </a:fillRef>
+          <a:effectRef idx="0">
+            <a:schemeClr val="accent1"/>
+          </a:effectRef>
+          <a:fontRef idx="minor">
+            <a:schemeClr val="lt1"/>
+          </a:fontRef>
+        </p:style>
+        <p:txBody>
+          <a:bodyPr rtlCol="0" anchor="ctr"/>
+          <a:lstStyle/>
+          <a:p>
+            <a:pPr algn="ctr"/>
+            <a:endParaRPr lang="en-US"/>
+          </a:p>
+        </p:txBody>
+      </p:sp>
+      <p:sp>
+        <p:nvSpPr>
+          <p:cNvPr id="6" name="TextBox 5">
+            <a:extLst>
+              <a:ext uri="{FF2B5EF4-FFF2-40B4-BE49-F238E27FC236}">
+                <a16:creationId xmlns:a16="http://schemas.microsoft.com/office/drawing/2014/main" id="{6778BB9A-CEE6-48DB-92BA-4A221142F078}"/>
+              </a:ext>
+            </a:extLst>
+          </p:cNvPr>
+          <p:cNvSpPr txBox="1"/>
+          <p:nvPr/>
+        </p:nvSpPr>
+        <p:spPr>
+          <a:xfrm>
+            <a:off x="6163056" y="1388825"/>
+            <a:ext cx="1283208" cy="369332"/>
+          </a:xfrm>
+          <a:prstGeom prst="rect">
+            <a:avLst/>
+          </a:prstGeom>
+          <a:noFill/>
+        </p:spPr>
+        <p:txBody>
+          <a:bodyPr wrap="square" rtlCol="0">
+            <a:spAutoFit/>
+          </a:bodyPr>
+          <a:lstStyle/>
+          <a:p>
+            <a:r>
+              <a:rPr lang="en-US" dirty="0" err="1"/>
+              <a:t>LifeBuddy</a:t>
+            </a:r>
+            <a:endParaRPr lang="en-US" dirty="0"/>
+          </a:p>
+        </p:txBody>
+      </p:sp>
+      <p:sp>
+        <p:nvSpPr>
+          <p:cNvPr id="7" name="TextBox 6">
+            <a:extLst>
+              <a:ext uri="{FF2B5EF4-FFF2-40B4-BE49-F238E27FC236}">
+                <a16:creationId xmlns:a16="http://schemas.microsoft.com/office/drawing/2014/main" id="{A31653C1-2BBB-4240-8EA5-12B51256B562}"/>
+              </a:ext>
+            </a:extLst>
+          </p:cNvPr>
+          <p:cNvSpPr txBox="1"/>
+          <p:nvPr/>
+        </p:nvSpPr>
+        <p:spPr>
+          <a:xfrm>
+            <a:off x="9930384" y="1329952"/>
+            <a:ext cx="1719072" cy="369332"/>
+          </a:xfrm>
+          <a:prstGeom prst="rect">
+            <a:avLst/>
+          </a:prstGeom>
+          <a:noFill/>
+        </p:spPr>
+        <p:txBody>
+          <a:bodyPr wrap="square" rtlCol="0">
+            <a:spAutoFit/>
+          </a:bodyPr>
+          <a:lstStyle/>
+          <a:p>
+            <a:r>
+              <a:rPr lang="en-US" dirty="0"/>
+              <a:t>Reports Logout</a:t>
+            </a:r>
+          </a:p>
+        </p:txBody>
+      </p:sp>
+      <p:sp>
+        <p:nvSpPr>
+          <p:cNvPr id="8" name="TextBox 7">
+            <a:extLst>
+              <a:ext uri="{FF2B5EF4-FFF2-40B4-BE49-F238E27FC236}">
+                <a16:creationId xmlns:a16="http://schemas.microsoft.com/office/drawing/2014/main" id="{4EAE213F-5DD6-4626-B745-2C6C4FB18275}"/>
+              </a:ext>
+            </a:extLst>
+          </p:cNvPr>
+          <p:cNvSpPr txBox="1"/>
+          <p:nvPr/>
+        </p:nvSpPr>
+        <p:spPr>
+          <a:xfrm>
+            <a:off x="8264652" y="1388825"/>
+            <a:ext cx="1283208" cy="369332"/>
+          </a:xfrm>
+          <a:prstGeom prst="rect">
+            <a:avLst/>
+          </a:prstGeom>
+          <a:noFill/>
+        </p:spPr>
+        <p:txBody>
+          <a:bodyPr wrap="square" rtlCol="0">
+            <a:spAutoFit/>
+          </a:bodyPr>
+          <a:lstStyle/>
+          <a:p>
+            <a:r>
+              <a:rPr lang="en-US" dirty="0"/>
+              <a:t>Username</a:t>
+            </a:r>
+          </a:p>
+        </p:txBody>
+      </p:sp>
+      <p:sp>
+        <p:nvSpPr>
+          <p:cNvPr id="9" name="TextBox 8">
+            <a:extLst>
+              <a:ext uri="{FF2B5EF4-FFF2-40B4-BE49-F238E27FC236}">
+                <a16:creationId xmlns:a16="http://schemas.microsoft.com/office/drawing/2014/main" id="{C037A77B-A32E-43F2-9697-9B6E755C7D61}"/>
+              </a:ext>
+            </a:extLst>
+          </p:cNvPr>
+          <p:cNvSpPr txBox="1"/>
+          <p:nvPr/>
+        </p:nvSpPr>
+        <p:spPr>
+          <a:xfrm>
+            <a:off x="6135624" y="5318236"/>
+            <a:ext cx="2945892" cy="369332"/>
+          </a:xfrm>
+          <a:prstGeom prst="rect">
+            <a:avLst/>
+          </a:prstGeom>
+          <a:noFill/>
+        </p:spPr>
+        <p:txBody>
+          <a:bodyPr wrap="square" rtlCol="0">
+            <a:spAutoFit/>
+          </a:bodyPr>
+          <a:lstStyle/>
+          <a:p>
+            <a:r>
+              <a:rPr lang="en-US" dirty="0"/>
+              <a:t>Upload Data Link</a:t>
+            </a:r>
+          </a:p>
+        </p:txBody>
+      </p:sp>
+      <p:sp>
+        <p:nvSpPr>
+          <p:cNvPr id="10" name="Rectangle: Rounded Corners 9">
+            <a:extLst>
+              <a:ext uri="{FF2B5EF4-FFF2-40B4-BE49-F238E27FC236}">
+                <a16:creationId xmlns:a16="http://schemas.microsoft.com/office/drawing/2014/main" id="{C0BF8399-66A3-4AC7-97D9-F27163EAD29F}"/>
+              </a:ext>
+            </a:extLst>
+          </p:cNvPr>
+          <p:cNvSpPr/>
+          <p:nvPr/>
+        </p:nvSpPr>
+        <p:spPr>
+          <a:xfrm>
+            <a:off x="6245352" y="2240280"/>
+            <a:ext cx="5239512" cy="1271016"/>
+          </a:xfrm>
+          <a:prstGeom prst="roundRect">
+            <a:avLst/>
+          </a:prstGeom>
+          <a:solidFill>
+            <a:schemeClr val="accent6">
+              <a:lumMod val="75000"/>
+            </a:schemeClr>
+          </a:solidFill>
+        </p:spPr>
+        <p:style>
+          <a:lnRef idx="2">
+            <a:schemeClr val="accent1">
+              <a:shade val="50000"/>
+            </a:schemeClr>
+          </a:lnRef>
+          <a:fillRef idx="1">
+            <a:schemeClr val="accent1"/>
+          </a:fillRef>
+          <a:effectRef idx="0">
+            <a:schemeClr val="accent1"/>
+          </a:effectRef>
+          <a:fontRef idx="minor">
+            <a:schemeClr val="lt1"/>
+          </a:fontRef>
+        </p:style>
+        <p:txBody>
+          <a:bodyPr rtlCol="0" anchor="ctr"/>
+          <a:lstStyle/>
+          <a:p>
+            <a:pPr algn="ctr"/>
+            <a:endParaRPr lang="en-US"/>
+          </a:p>
+        </p:txBody>
+      </p:sp>
+      <p:sp>
+        <p:nvSpPr>
+          <p:cNvPr id="11" name="TextBox 10">
+            <a:extLst>
+              <a:ext uri="{FF2B5EF4-FFF2-40B4-BE49-F238E27FC236}">
+                <a16:creationId xmlns:a16="http://schemas.microsoft.com/office/drawing/2014/main" id="{831EC155-27AF-4CB5-9027-2C44D8DF3283}"/>
+              </a:ext>
+            </a:extLst>
+          </p:cNvPr>
+          <p:cNvSpPr txBox="1"/>
+          <p:nvPr/>
+        </p:nvSpPr>
+        <p:spPr>
+          <a:xfrm>
+            <a:off x="6830568" y="2414016"/>
+            <a:ext cx="4050792" cy="369332"/>
+          </a:xfrm>
+          <a:prstGeom prst="rect">
+            <a:avLst/>
+          </a:prstGeom>
+          <a:noFill/>
+        </p:spPr>
+        <p:txBody>
+          <a:bodyPr wrap="square" rtlCol="0">
+            <a:spAutoFit/>
+          </a:bodyPr>
+          <a:lstStyle/>
+          <a:p>
+            <a:r>
+              <a:rPr lang="en-US" b="1" u="sng" dirty="0"/>
+              <a:t>Forecast of the upcoming week</a:t>
+            </a:r>
+          </a:p>
+        </p:txBody>
+      </p:sp>
+      <p:sp>
+        <p:nvSpPr>
+          <p:cNvPr id="12" name="Rectangle: Rounded Corners 11">
+            <a:extLst>
+              <a:ext uri="{FF2B5EF4-FFF2-40B4-BE49-F238E27FC236}">
+                <a16:creationId xmlns:a16="http://schemas.microsoft.com/office/drawing/2014/main" id="{7865A3F7-00CC-4A1D-A036-AE8D6751FE93}"/>
+              </a:ext>
+            </a:extLst>
+          </p:cNvPr>
+          <p:cNvSpPr/>
+          <p:nvPr/>
+        </p:nvSpPr>
+        <p:spPr>
+          <a:xfrm>
+            <a:off x="6245352" y="3560191"/>
+            <a:ext cx="5239512" cy="1271016"/>
+          </a:xfrm>
+          <a:prstGeom prst="roundRect">
+            <a:avLst/>
+          </a:prstGeom>
+          <a:solidFill>
+            <a:schemeClr val="accent6">
+              <a:lumMod val="60000"/>
+              <a:lumOff val="40000"/>
+            </a:schemeClr>
+          </a:solidFill>
+        </p:spPr>
+        <p:style>
+          <a:lnRef idx="2">
+            <a:schemeClr val="accent1">
+              <a:shade val="50000"/>
+            </a:schemeClr>
+          </a:lnRef>
+          <a:fillRef idx="1">
+            <a:schemeClr val="accent1"/>
+          </a:fillRef>
+          <a:effectRef idx="0">
+            <a:schemeClr val="accent1"/>
+          </a:effectRef>
+          <a:fontRef idx="minor">
+            <a:schemeClr val="lt1"/>
+          </a:fontRef>
+        </p:style>
+        <p:txBody>
+          <a:bodyPr rtlCol="0" anchor="ctr"/>
+          <a:lstStyle/>
+          <a:p>
+            <a:pPr algn="ctr"/>
+            <a:endParaRPr lang="en-US"/>
+          </a:p>
+        </p:txBody>
+      </p:sp>
+      <p:sp>
+        <p:nvSpPr>
+          <p:cNvPr id="13" name="TextBox 12">
+            <a:extLst>
+              <a:ext uri="{FF2B5EF4-FFF2-40B4-BE49-F238E27FC236}">
+                <a16:creationId xmlns:a16="http://schemas.microsoft.com/office/drawing/2014/main" id="{3627294C-BE86-4403-8642-AAD825EDEEDE}"/>
+              </a:ext>
+            </a:extLst>
+          </p:cNvPr>
+          <p:cNvSpPr txBox="1"/>
+          <p:nvPr/>
+        </p:nvSpPr>
+        <p:spPr>
+          <a:xfrm>
+            <a:off x="6830568" y="3733927"/>
+            <a:ext cx="4325112" cy="369332"/>
+          </a:xfrm>
+          <a:prstGeom prst="rect">
+            <a:avLst/>
+          </a:prstGeom>
+          <a:noFill/>
+        </p:spPr>
+        <p:txBody>
+          <a:bodyPr wrap="square" rtlCol="0">
+            <a:spAutoFit/>
+          </a:bodyPr>
+          <a:lstStyle/>
+          <a:p>
+            <a:r>
+              <a:rPr lang="en-US" dirty="0"/>
+              <a:t>Current Week’s Data on a line or dot chart</a:t>
+            </a:r>
+          </a:p>
+        </p:txBody>
+      </p:sp>
+    </p:spTree>
+    <p:extLst>
+      <p:ext uri="{BB962C8B-B14F-4D97-AF65-F5344CB8AC3E}">
+        <p14:creationId xmlns:p14="http://schemas.microsoft.com/office/powerpoint/2010/main" val="3953627818"/>
+      </p:ext>
+    </p:extLst>
+  </p:cSld>
+  <p:clrMapOvr>
+    <a:masterClrMapping/>
+  </p:clrMapOvr>
+</p:sld>
+</file>
+
+<file path=ppt/slides/slide5.xml><?xml version="1.0" encoding="utf-8"?>
+<p:sld xmlns:a="http://schemas.openxmlformats.org/drawingml/2006/main" xmlns:r="http://schemas.openxmlformats.org/officeDocument/2006/relationships" xmlns:p="http://schemas.openxmlformats.org/presentationml/2006/main">
+  <p:cSld>
+    <p:spTree>
+      <p:nvGrpSpPr>
+        <p:cNvPr id="1" name=""/>
+        <p:cNvGrpSpPr/>
+        <p:nvPr/>
+      </p:nvGrpSpPr>
+      <p:grpSpPr>
+        <a:xfrm>
+          <a:off x="0" y="0"/>
+          <a:ext cx="0" cy="0"/>
+          <a:chOff x="0" y="0"/>
+          <a:chExt cx="0" cy="0"/>
+        </a:xfrm>
+      </p:grpSpPr>
+      <p:sp>
+        <p:nvSpPr>
+          <p:cNvPr id="2" name="Title 1">
+            <a:extLst>
+              <a:ext uri="{FF2B5EF4-FFF2-40B4-BE49-F238E27FC236}">
+                <a16:creationId xmlns:a16="http://schemas.microsoft.com/office/drawing/2014/main" id="{C0A41ED3-494F-433C-8A5C-8CAB90169065}"/>
+              </a:ext>
+            </a:extLst>
+          </p:cNvPr>
+          <p:cNvSpPr>
+            <a:spLocks noGrp="1"/>
+          </p:cNvSpPr>
+          <p:nvPr>
+            <p:ph type="title"/>
+          </p:nvPr>
+        </p:nvSpPr>
+        <p:spPr/>
+        <p:txBody>
+          <a:bodyPr/>
+          <a:lstStyle/>
+          <a:p>
+            <a:r>
+              <a:rPr lang="en-US" dirty="0"/>
+              <a:t>Upload Data</a:t>
+            </a:r>
+          </a:p>
+        </p:txBody>
+      </p:sp>
+      <p:sp>
+        <p:nvSpPr>
+          <p:cNvPr id="3" name="Content Placeholder 2">
+            <a:extLst>
+              <a:ext uri="{FF2B5EF4-FFF2-40B4-BE49-F238E27FC236}">
+                <a16:creationId xmlns:a16="http://schemas.microsoft.com/office/drawing/2014/main" id="{B9752A32-9973-4F89-A646-7E61E1F12B27}"/>
+              </a:ext>
+            </a:extLst>
+          </p:cNvPr>
+          <p:cNvSpPr>
+            <a:spLocks noGrp="1"/>
+          </p:cNvSpPr>
+          <p:nvPr>
+            <p:ph idx="1"/>
+          </p:nvPr>
+        </p:nvSpPr>
+        <p:spPr>
+          <a:xfrm>
+            <a:off x="838200" y="1825625"/>
+            <a:ext cx="3651504" cy="4351338"/>
+          </a:xfrm>
+        </p:spPr>
+        <p:txBody>
+          <a:bodyPr/>
+          <a:lstStyle/>
+          <a:p>
+            <a:r>
+              <a:rPr lang="en-US" dirty="0"/>
+              <a:t>Dashboard</a:t>
+            </a:r>
+          </a:p>
+        </p:txBody>
+      </p:sp>
+      <p:sp>
+        <p:nvSpPr>
+          <p:cNvPr id="4" name="Rectangle 3">
+            <a:extLst>
+              <a:ext uri="{FF2B5EF4-FFF2-40B4-BE49-F238E27FC236}">
+                <a16:creationId xmlns:a16="http://schemas.microsoft.com/office/drawing/2014/main" id="{13080676-1057-4CF6-8206-230B58107A07}"/>
+              </a:ext>
+            </a:extLst>
+          </p:cNvPr>
+          <p:cNvSpPr/>
+          <p:nvPr/>
+        </p:nvSpPr>
+        <p:spPr>
+          <a:xfrm>
+            <a:off x="6163056" y="1874520"/>
+            <a:ext cx="5486400" cy="4745736"/>
+          </a:xfrm>
+          <a:prstGeom prst="rect">
+            <a:avLst/>
+          </a:prstGeom>
+        </p:spPr>
+        <p:style>
+          <a:lnRef idx="2">
+            <a:schemeClr val="accent1">
+              <a:shade val="50000"/>
+            </a:schemeClr>
+          </a:lnRef>
+          <a:fillRef idx="1">
+            <a:schemeClr val="accent1"/>
+          </a:fillRef>
+          <a:effectRef idx="0">
+            <a:schemeClr val="accent1"/>
+          </a:effectRef>
+          <a:fontRef idx="minor">
+            <a:schemeClr val="lt1"/>
+          </a:fontRef>
+        </p:style>
+        <p:txBody>
+          <a:bodyPr rtlCol="0" anchor="ctr"/>
+          <a:lstStyle/>
+          <a:p>
+            <a:pPr algn="ctr"/>
+            <a:endParaRPr lang="en-US"/>
+          </a:p>
+        </p:txBody>
+      </p:sp>
+      <p:sp>
+        <p:nvSpPr>
+          <p:cNvPr id="5" name="Rectangle 4">
+            <a:extLst>
+              <a:ext uri="{FF2B5EF4-FFF2-40B4-BE49-F238E27FC236}">
+                <a16:creationId xmlns:a16="http://schemas.microsoft.com/office/drawing/2014/main" id="{608B271F-3F1B-45F3-83ED-907833813E9A}"/>
+              </a:ext>
+            </a:extLst>
+          </p:cNvPr>
+          <p:cNvSpPr/>
+          <p:nvPr/>
+        </p:nvSpPr>
+        <p:spPr>
+          <a:xfrm>
+            <a:off x="6163056" y="1170432"/>
+            <a:ext cx="5486400" cy="655193"/>
+          </a:xfrm>
+          <a:prstGeom prst="rect">
+            <a:avLst/>
+          </a:prstGeom>
+          <a:solidFill>
+            <a:schemeClr val="accent2">
+              <a:lumMod val="60000"/>
+              <a:lumOff val="40000"/>
+            </a:schemeClr>
+          </a:solidFill>
+        </p:spPr>
+        <p:style>
+          <a:lnRef idx="2">
+            <a:schemeClr val="accent1">
+              <a:shade val="50000"/>
+            </a:schemeClr>
+          </a:lnRef>
+          <a:fillRef idx="1">
+            <a:schemeClr val="accent1"/>
+          </a:fillRef>
+          <a:effectRef idx="0">
+            <a:schemeClr val="accent1"/>
+          </a:effectRef>
+          <a:fontRef idx="minor">
+            <a:schemeClr val="lt1"/>
+          </a:fontRef>
+        </p:style>
+        <p:txBody>
+          <a:bodyPr rtlCol="0" anchor="ctr"/>
+          <a:lstStyle/>
+          <a:p>
+            <a:pPr algn="ctr"/>
+            <a:endParaRPr lang="en-US"/>
+          </a:p>
+        </p:txBody>
+      </p:sp>
+      <p:sp>
+        <p:nvSpPr>
+          <p:cNvPr id="6" name="TextBox 5">
+            <a:extLst>
+              <a:ext uri="{FF2B5EF4-FFF2-40B4-BE49-F238E27FC236}">
+                <a16:creationId xmlns:a16="http://schemas.microsoft.com/office/drawing/2014/main" id="{6778BB9A-CEE6-48DB-92BA-4A221142F078}"/>
+              </a:ext>
+            </a:extLst>
+          </p:cNvPr>
+          <p:cNvSpPr txBox="1"/>
+          <p:nvPr/>
+        </p:nvSpPr>
+        <p:spPr>
+          <a:xfrm>
+            <a:off x="6163056" y="1388825"/>
+            <a:ext cx="1283208" cy="369332"/>
+          </a:xfrm>
+          <a:prstGeom prst="rect">
+            <a:avLst/>
+          </a:prstGeom>
+          <a:noFill/>
+        </p:spPr>
+        <p:txBody>
+          <a:bodyPr wrap="square" rtlCol="0">
+            <a:spAutoFit/>
+          </a:bodyPr>
+          <a:lstStyle/>
+          <a:p>
+            <a:r>
+              <a:rPr lang="en-US" dirty="0" err="1"/>
+              <a:t>LifeBuddy</a:t>
+            </a:r>
+            <a:endParaRPr lang="en-US" dirty="0"/>
+          </a:p>
+        </p:txBody>
+      </p:sp>
+      <p:sp>
+        <p:nvSpPr>
+          <p:cNvPr id="7" name="TextBox 6">
+            <a:extLst>
+              <a:ext uri="{FF2B5EF4-FFF2-40B4-BE49-F238E27FC236}">
+                <a16:creationId xmlns:a16="http://schemas.microsoft.com/office/drawing/2014/main" id="{A31653C1-2BBB-4240-8EA5-12B51256B562}"/>
+              </a:ext>
+            </a:extLst>
+          </p:cNvPr>
+          <p:cNvSpPr txBox="1"/>
+          <p:nvPr/>
+        </p:nvSpPr>
+        <p:spPr>
+          <a:xfrm>
+            <a:off x="9930384" y="1329952"/>
+            <a:ext cx="1719072" cy="369332"/>
+          </a:xfrm>
+          <a:prstGeom prst="rect">
+            <a:avLst/>
+          </a:prstGeom>
+          <a:noFill/>
+        </p:spPr>
+        <p:txBody>
+          <a:bodyPr wrap="square" rtlCol="0">
+            <a:spAutoFit/>
+          </a:bodyPr>
+          <a:lstStyle/>
+          <a:p>
+            <a:r>
+              <a:rPr lang="en-US" dirty="0"/>
+              <a:t>Reports Logout</a:t>
+            </a:r>
+          </a:p>
+        </p:txBody>
+      </p:sp>
+      <p:sp>
+        <p:nvSpPr>
+          <p:cNvPr id="8" name="TextBox 7">
+            <a:extLst>
+              <a:ext uri="{FF2B5EF4-FFF2-40B4-BE49-F238E27FC236}">
+                <a16:creationId xmlns:a16="http://schemas.microsoft.com/office/drawing/2014/main" id="{4EAE213F-5DD6-4626-B745-2C6C4FB18275}"/>
+              </a:ext>
+            </a:extLst>
+          </p:cNvPr>
+          <p:cNvSpPr txBox="1"/>
+          <p:nvPr/>
+        </p:nvSpPr>
+        <p:spPr>
+          <a:xfrm>
+            <a:off x="8264652" y="1388825"/>
+            <a:ext cx="1283208" cy="369332"/>
+          </a:xfrm>
+          <a:prstGeom prst="rect">
+            <a:avLst/>
+          </a:prstGeom>
+          <a:noFill/>
+        </p:spPr>
+        <p:txBody>
+          <a:bodyPr wrap="square" rtlCol="0">
+            <a:spAutoFit/>
+          </a:bodyPr>
+          <a:lstStyle/>
+          <a:p>
+            <a:r>
+              <a:rPr lang="en-US" dirty="0"/>
+              <a:t>Username</a:t>
+            </a:r>
+          </a:p>
+        </p:txBody>
+      </p:sp>
+      <p:sp>
+        <p:nvSpPr>
+          <p:cNvPr id="9" name="TextBox 8">
+            <a:extLst>
+              <a:ext uri="{FF2B5EF4-FFF2-40B4-BE49-F238E27FC236}">
+                <a16:creationId xmlns:a16="http://schemas.microsoft.com/office/drawing/2014/main" id="{C037A77B-A32E-43F2-9697-9B6E755C7D61}"/>
+              </a:ext>
+            </a:extLst>
+          </p:cNvPr>
+          <p:cNvSpPr txBox="1"/>
+          <p:nvPr/>
+        </p:nvSpPr>
+        <p:spPr>
+          <a:xfrm>
+            <a:off x="6307836" y="2112987"/>
+            <a:ext cx="1696212" cy="369332"/>
+          </a:xfrm>
+          <a:prstGeom prst="rect">
+            <a:avLst/>
+          </a:prstGeom>
+          <a:noFill/>
+        </p:spPr>
+        <p:txBody>
+          <a:bodyPr wrap="square" rtlCol="0">
+            <a:spAutoFit/>
+          </a:bodyPr>
+          <a:lstStyle/>
+          <a:p>
+            <a:r>
+              <a:rPr lang="en-US" dirty="0"/>
+              <a:t>Upload Data</a:t>
+            </a:r>
+          </a:p>
+        </p:txBody>
+      </p:sp>
+      <p:sp>
+        <p:nvSpPr>
+          <p:cNvPr id="11" name="TextBox 10">
+            <a:extLst>
+              <a:ext uri="{FF2B5EF4-FFF2-40B4-BE49-F238E27FC236}">
+                <a16:creationId xmlns:a16="http://schemas.microsoft.com/office/drawing/2014/main" id="{831EC155-27AF-4CB5-9027-2C44D8DF3283}"/>
+              </a:ext>
+            </a:extLst>
+          </p:cNvPr>
+          <p:cNvSpPr txBox="1"/>
+          <p:nvPr/>
+        </p:nvSpPr>
+        <p:spPr>
+          <a:xfrm>
+            <a:off x="6830568" y="2414016"/>
+            <a:ext cx="4315968" cy="2893100"/>
+          </a:xfrm>
+          <a:prstGeom prst="rect">
+            <a:avLst/>
+          </a:prstGeom>
+          <a:noFill/>
+        </p:spPr>
+        <p:txBody>
+          <a:bodyPr wrap="square" rtlCol="0">
+            <a:spAutoFit/>
+          </a:bodyPr>
+          <a:lstStyle/>
+          <a:p>
+            <a:pPr marL="342900" indent="-342900">
+              <a:buFont typeface="+mj-lt"/>
+              <a:buAutoNum type="arabicPeriod"/>
+            </a:pPr>
+            <a:r>
+              <a:rPr lang="en-US" sz="1400" dirty="0"/>
+              <a:t>Input file browser</a:t>
+            </a:r>
+          </a:p>
+          <a:p>
+            <a:pPr marL="342900" indent="-342900">
+              <a:buFont typeface="+mj-lt"/>
+              <a:buAutoNum type="arabicPeriod"/>
+            </a:pPr>
+            <a:r>
+              <a:rPr lang="en-US" sz="1400" dirty="0"/>
+              <a:t>Input dropdown file type</a:t>
+            </a:r>
+          </a:p>
+          <a:p>
+            <a:pPr marL="342900" indent="-342900">
+              <a:buFont typeface="+mj-lt"/>
+              <a:buAutoNum type="arabicPeriod"/>
+            </a:pPr>
+            <a:r>
+              <a:rPr lang="en-US" sz="1400" dirty="0"/>
+              <a:t>Input dropdown file time location (default users </a:t>
+            </a:r>
+            <a:r>
+              <a:rPr lang="en-US" sz="1400" dirty="0" err="1"/>
+              <a:t>timezone</a:t>
+            </a:r>
+            <a:r>
+              <a:rPr lang="en-US" sz="1400" dirty="0"/>
+              <a:t>)</a:t>
+            </a:r>
+          </a:p>
+          <a:p>
+            <a:pPr marL="342900" indent="-342900">
+              <a:buFont typeface="+mj-lt"/>
+              <a:buAutoNum type="arabicPeriod"/>
+            </a:pPr>
+            <a:r>
+              <a:rPr lang="en-US" sz="1400" dirty="0"/>
+              <a:t>Input data type</a:t>
+            </a:r>
+          </a:p>
+          <a:p>
+            <a:pPr marL="800100" lvl="1" indent="-342900">
+              <a:buFont typeface="+mj-lt"/>
+              <a:buAutoNum type="arabicPeriod"/>
+            </a:pPr>
+            <a:r>
+              <a:rPr lang="en-US" sz="1400" dirty="0"/>
+              <a:t>Heart rate</a:t>
+            </a:r>
+          </a:p>
+          <a:p>
+            <a:pPr marL="800100" lvl="1" indent="-342900">
+              <a:buFont typeface="+mj-lt"/>
+              <a:buAutoNum type="arabicPeriod"/>
+            </a:pPr>
+            <a:r>
+              <a:rPr lang="en-US" sz="1400" dirty="0"/>
+              <a:t>Finance</a:t>
+            </a:r>
+          </a:p>
+          <a:p>
+            <a:pPr marL="800100" lvl="1" indent="-342900">
+              <a:buFont typeface="+mj-lt"/>
+              <a:buAutoNum type="arabicPeriod"/>
+            </a:pPr>
+            <a:r>
+              <a:rPr lang="en-US" sz="1400" dirty="0"/>
+              <a:t>Weather – I’ll have to make some sort of conversion from weather download to excel</a:t>
+            </a:r>
+          </a:p>
+          <a:p>
+            <a:pPr marL="800100" lvl="1" indent="-342900">
+              <a:buFont typeface="+mj-lt"/>
+              <a:buAutoNum type="arabicPeriod"/>
+            </a:pPr>
+            <a:r>
+              <a:rPr lang="en-US" sz="1400" dirty="0"/>
+              <a:t>Calendar – I’ll have to make some sort of conversion from Google calendar to excel or something</a:t>
+            </a:r>
+          </a:p>
+          <a:p>
+            <a:pPr marL="342900" indent="-342900">
+              <a:buFont typeface="+mj-lt"/>
+              <a:buAutoNum type="arabicPeriod"/>
+            </a:pPr>
+            <a:r>
+              <a:rPr lang="en-US" sz="1400" dirty="0"/>
+              <a:t>something</a:t>
+            </a:r>
+          </a:p>
+        </p:txBody>
+      </p:sp>
+    </p:spTree>
+    <p:extLst>
+      <p:ext uri="{BB962C8B-B14F-4D97-AF65-F5344CB8AC3E}">
+        <p14:creationId xmlns:p14="http://schemas.microsoft.com/office/powerpoint/2010/main" val="1762367111"/>
+      </p:ext>
+    </p:extLst>
+  </p:cSld>
+  <p:clrMapOvr>
+    <a:masterClrMapping/>
+  </p:clrMapOvr>
+</p:sld>
+</file>
+
+<file path=ppt/slides/slide6.xml><?xml version="1.0" encoding="utf-8"?>
+<p:sld xmlns:a="http://schemas.openxmlformats.org/drawingml/2006/main" xmlns:r="http://schemas.openxmlformats.org/officeDocument/2006/relationships" xmlns:p="http://schemas.openxmlformats.org/presentationml/2006/main">
+  <p:cSld>
+    <p:spTree>
+      <p:nvGrpSpPr>
+        <p:cNvPr id="1" name=""/>
+        <p:cNvGrpSpPr/>
+        <p:nvPr/>
+      </p:nvGrpSpPr>
+      <p:grpSpPr>
+        <a:xfrm>
+          <a:off x="0" y="0"/>
+          <a:ext cx="0" cy="0"/>
+          <a:chOff x="0" y="0"/>
+          <a:chExt cx="0" cy="0"/>
+        </a:xfrm>
+      </p:grpSpPr>
+      <p:sp>
+        <p:nvSpPr>
+          <p:cNvPr id="2" name="Title 1">
+            <a:extLst>
+              <a:ext uri="{FF2B5EF4-FFF2-40B4-BE49-F238E27FC236}">
+                <a16:creationId xmlns:a16="http://schemas.microsoft.com/office/drawing/2014/main" id="{C0A41ED3-494F-433C-8A5C-8CAB90169065}"/>
+              </a:ext>
+            </a:extLst>
+          </p:cNvPr>
+          <p:cNvSpPr>
+            <a:spLocks noGrp="1"/>
+          </p:cNvSpPr>
+          <p:nvPr>
+            <p:ph type="title"/>
+          </p:nvPr>
+        </p:nvSpPr>
+        <p:spPr/>
+        <p:txBody>
+          <a:bodyPr/>
+          <a:lstStyle/>
+          <a:p>
+            <a:r>
+              <a:rPr lang="en-US" dirty="0"/>
+              <a:t>Reports Page</a:t>
+            </a:r>
+          </a:p>
+        </p:txBody>
+      </p:sp>
+      <p:sp>
+        <p:nvSpPr>
+          <p:cNvPr id="3" name="Content Placeholder 2">
+            <a:extLst>
+              <a:ext uri="{FF2B5EF4-FFF2-40B4-BE49-F238E27FC236}">
+                <a16:creationId xmlns:a16="http://schemas.microsoft.com/office/drawing/2014/main" id="{B9752A32-9973-4F89-A646-7E61E1F12B27}"/>
+              </a:ext>
+            </a:extLst>
+          </p:cNvPr>
+          <p:cNvSpPr>
+            <a:spLocks noGrp="1"/>
+          </p:cNvSpPr>
+          <p:nvPr>
+            <p:ph idx="1"/>
+          </p:nvPr>
+        </p:nvSpPr>
+        <p:spPr>
+          <a:xfrm>
+            <a:off x="838200" y="1825625"/>
+            <a:ext cx="3651504" cy="4351338"/>
+          </a:xfrm>
+        </p:spPr>
+        <p:txBody>
+          <a:bodyPr/>
+          <a:lstStyle/>
+          <a:p>
+            <a:r>
+              <a:rPr lang="en-US" dirty="0"/>
+              <a:t>Dashboard</a:t>
+            </a:r>
+          </a:p>
+        </p:txBody>
+      </p:sp>
+      <p:sp>
+        <p:nvSpPr>
+          <p:cNvPr id="4" name="Rectangle 3">
+            <a:extLst>
+              <a:ext uri="{FF2B5EF4-FFF2-40B4-BE49-F238E27FC236}">
+                <a16:creationId xmlns:a16="http://schemas.microsoft.com/office/drawing/2014/main" id="{13080676-1057-4CF6-8206-230B58107A07}"/>
+              </a:ext>
+            </a:extLst>
+          </p:cNvPr>
+          <p:cNvSpPr/>
+          <p:nvPr/>
+        </p:nvSpPr>
+        <p:spPr>
+          <a:xfrm>
+            <a:off x="6163056" y="1874520"/>
+            <a:ext cx="5486400" cy="4745736"/>
+          </a:xfrm>
+          <a:prstGeom prst="rect">
+            <a:avLst/>
+          </a:prstGeom>
+        </p:spPr>
+        <p:style>
+          <a:lnRef idx="2">
+            <a:schemeClr val="accent1">
+              <a:shade val="50000"/>
+            </a:schemeClr>
+          </a:lnRef>
+          <a:fillRef idx="1">
+            <a:schemeClr val="accent1"/>
+          </a:fillRef>
+          <a:effectRef idx="0">
+            <a:schemeClr val="accent1"/>
+          </a:effectRef>
+          <a:fontRef idx="minor">
+            <a:schemeClr val="lt1"/>
+          </a:fontRef>
+        </p:style>
+        <p:txBody>
+          <a:bodyPr rtlCol="0" anchor="ctr"/>
+          <a:lstStyle/>
+          <a:p>
+            <a:pPr algn="ctr"/>
+            <a:endParaRPr lang="en-US"/>
+          </a:p>
+        </p:txBody>
+      </p:sp>
+      <p:sp>
+        <p:nvSpPr>
+          <p:cNvPr id="5" name="Rectangle 4">
+            <a:extLst>
+              <a:ext uri="{FF2B5EF4-FFF2-40B4-BE49-F238E27FC236}">
+                <a16:creationId xmlns:a16="http://schemas.microsoft.com/office/drawing/2014/main" id="{608B271F-3F1B-45F3-83ED-907833813E9A}"/>
+              </a:ext>
+            </a:extLst>
+          </p:cNvPr>
+          <p:cNvSpPr/>
+          <p:nvPr/>
+        </p:nvSpPr>
+        <p:spPr>
+          <a:xfrm>
+            <a:off x="6163056" y="1170432"/>
+            <a:ext cx="5486400" cy="655193"/>
+          </a:xfrm>
+          <a:prstGeom prst="rect">
+            <a:avLst/>
+          </a:prstGeom>
+          <a:solidFill>
+            <a:schemeClr val="accent2">
+              <a:lumMod val="60000"/>
+              <a:lumOff val="40000"/>
+            </a:schemeClr>
+          </a:solidFill>
+        </p:spPr>
+        <p:style>
+          <a:lnRef idx="2">
+            <a:schemeClr val="accent1">
+              <a:shade val="50000"/>
+            </a:schemeClr>
+          </a:lnRef>
+          <a:fillRef idx="1">
+            <a:schemeClr val="accent1"/>
+          </a:fillRef>
+          <a:effectRef idx="0">
+            <a:schemeClr val="accent1"/>
+          </a:effectRef>
+          <a:fontRef idx="minor">
+            <a:schemeClr val="lt1"/>
+          </a:fontRef>
+        </p:style>
+        <p:txBody>
+          <a:bodyPr rtlCol="0" anchor="ctr"/>
+          <a:lstStyle/>
+          <a:p>
+            <a:pPr algn="ctr"/>
+            <a:endParaRPr lang="en-US"/>
+          </a:p>
+        </p:txBody>
+      </p:sp>
+      <p:sp>
+        <p:nvSpPr>
+          <p:cNvPr id="6" name="TextBox 5">
+            <a:extLst>
+              <a:ext uri="{FF2B5EF4-FFF2-40B4-BE49-F238E27FC236}">
+                <a16:creationId xmlns:a16="http://schemas.microsoft.com/office/drawing/2014/main" id="{6778BB9A-CEE6-48DB-92BA-4A221142F078}"/>
+              </a:ext>
+            </a:extLst>
+          </p:cNvPr>
+          <p:cNvSpPr txBox="1"/>
+          <p:nvPr/>
+        </p:nvSpPr>
+        <p:spPr>
+          <a:xfrm>
+            <a:off x="6163056" y="1388825"/>
+            <a:ext cx="1283208" cy="369332"/>
+          </a:xfrm>
+          <a:prstGeom prst="rect">
+            <a:avLst/>
+          </a:prstGeom>
+          <a:noFill/>
+        </p:spPr>
+        <p:txBody>
+          <a:bodyPr wrap="square" rtlCol="0">
+            <a:spAutoFit/>
+          </a:bodyPr>
+          <a:lstStyle/>
+          <a:p>
+            <a:r>
+              <a:rPr lang="en-US" dirty="0" err="1"/>
+              <a:t>LifeBuddy</a:t>
+            </a:r>
+            <a:endParaRPr lang="en-US" dirty="0"/>
+          </a:p>
+        </p:txBody>
+      </p:sp>
+      <p:sp>
+        <p:nvSpPr>
+          <p:cNvPr id="7" name="TextBox 6">
+            <a:extLst>
+              <a:ext uri="{FF2B5EF4-FFF2-40B4-BE49-F238E27FC236}">
+                <a16:creationId xmlns:a16="http://schemas.microsoft.com/office/drawing/2014/main" id="{A31653C1-2BBB-4240-8EA5-12B51256B562}"/>
+              </a:ext>
+            </a:extLst>
+          </p:cNvPr>
+          <p:cNvSpPr txBox="1"/>
+          <p:nvPr/>
+        </p:nvSpPr>
+        <p:spPr>
+          <a:xfrm>
+            <a:off x="9930384" y="1329952"/>
+            <a:ext cx="1719072" cy="369332"/>
+          </a:xfrm>
+          <a:prstGeom prst="rect">
+            <a:avLst/>
+          </a:prstGeom>
+          <a:noFill/>
+        </p:spPr>
+        <p:txBody>
+          <a:bodyPr wrap="square" rtlCol="0">
+            <a:spAutoFit/>
+          </a:bodyPr>
+          <a:lstStyle/>
+          <a:p>
+            <a:r>
+              <a:rPr lang="en-US" dirty="0"/>
+              <a:t>Reports Logout</a:t>
+            </a:r>
+          </a:p>
+        </p:txBody>
+      </p:sp>
+      <p:sp>
+        <p:nvSpPr>
+          <p:cNvPr id="8" name="TextBox 7">
+            <a:extLst>
+              <a:ext uri="{FF2B5EF4-FFF2-40B4-BE49-F238E27FC236}">
+                <a16:creationId xmlns:a16="http://schemas.microsoft.com/office/drawing/2014/main" id="{4EAE213F-5DD6-4626-B745-2C6C4FB18275}"/>
+              </a:ext>
+            </a:extLst>
+          </p:cNvPr>
+          <p:cNvSpPr txBox="1"/>
+          <p:nvPr/>
+        </p:nvSpPr>
+        <p:spPr>
+          <a:xfrm>
+            <a:off x="8264652" y="1388825"/>
+            <a:ext cx="1283208" cy="369332"/>
+          </a:xfrm>
+          <a:prstGeom prst="rect">
+            <a:avLst/>
+          </a:prstGeom>
+          <a:noFill/>
+        </p:spPr>
+        <p:txBody>
+          <a:bodyPr wrap="square" rtlCol="0">
+            <a:spAutoFit/>
+          </a:bodyPr>
+          <a:lstStyle/>
+          <a:p>
+            <a:r>
+              <a:rPr lang="en-US" dirty="0"/>
+              <a:t>Username</a:t>
+            </a:r>
+          </a:p>
+        </p:txBody>
+      </p:sp>
+      <p:sp>
+        <p:nvSpPr>
+          <p:cNvPr id="9" name="TextBox 8">
+            <a:extLst>
+              <a:ext uri="{FF2B5EF4-FFF2-40B4-BE49-F238E27FC236}">
+                <a16:creationId xmlns:a16="http://schemas.microsoft.com/office/drawing/2014/main" id="{C037A77B-A32E-43F2-9697-9B6E755C7D61}"/>
+              </a:ext>
+            </a:extLst>
+          </p:cNvPr>
+          <p:cNvSpPr txBox="1"/>
+          <p:nvPr/>
+        </p:nvSpPr>
+        <p:spPr>
+          <a:xfrm>
+            <a:off x="6163056" y="4294108"/>
+            <a:ext cx="2945892" cy="1200329"/>
+          </a:xfrm>
+          <a:prstGeom prst="rect">
+            <a:avLst/>
+          </a:prstGeom>
+          <a:noFill/>
+        </p:spPr>
+        <p:txBody>
+          <a:bodyPr wrap="square" rtlCol="0">
+            <a:spAutoFit/>
+          </a:bodyPr>
+          <a:lstStyle/>
+          <a:p>
+            <a:pPr marL="342900" indent="-342900">
+              <a:buFont typeface="+mj-lt"/>
+              <a:buAutoNum type="arabicPeriod"/>
+            </a:pPr>
+            <a:r>
+              <a:rPr lang="en-US" dirty="0"/>
+              <a:t>Adjustable time period</a:t>
+            </a:r>
+          </a:p>
+          <a:p>
+            <a:pPr marL="342900" indent="-342900">
+              <a:buFont typeface="+mj-lt"/>
+              <a:buAutoNum type="arabicPeriod"/>
+            </a:pPr>
+            <a:r>
+              <a:rPr lang="en-US" dirty="0"/>
+              <a:t>Selectable data (heart rate, mood, mint, etc.,)</a:t>
+            </a:r>
+          </a:p>
+          <a:p>
+            <a:pPr marL="342900" indent="-342900">
+              <a:buFont typeface="+mj-lt"/>
+              <a:buAutoNum type="arabicPeriod"/>
+            </a:pPr>
+            <a:r>
+              <a:rPr lang="en-US" dirty="0"/>
+              <a:t>Download to spreadsheet</a:t>
+            </a:r>
+          </a:p>
+        </p:txBody>
+      </p:sp>
+      <p:sp>
+        <p:nvSpPr>
+          <p:cNvPr id="12" name="Rectangle: Rounded Corners 11">
+            <a:extLst>
+              <a:ext uri="{FF2B5EF4-FFF2-40B4-BE49-F238E27FC236}">
+                <a16:creationId xmlns:a16="http://schemas.microsoft.com/office/drawing/2014/main" id="{7865A3F7-00CC-4A1D-A036-AE8D6751FE93}"/>
+              </a:ext>
+            </a:extLst>
+          </p:cNvPr>
+          <p:cNvSpPr/>
+          <p:nvPr/>
+        </p:nvSpPr>
+        <p:spPr>
+          <a:xfrm>
+            <a:off x="6291072" y="2300915"/>
+            <a:ext cx="5239512" cy="1271016"/>
+          </a:xfrm>
+          <a:prstGeom prst="roundRect">
+            <a:avLst/>
+          </a:prstGeom>
+          <a:solidFill>
+            <a:schemeClr val="accent6">
+              <a:lumMod val="60000"/>
+              <a:lumOff val="40000"/>
+            </a:schemeClr>
+          </a:solidFill>
+        </p:spPr>
+        <p:style>
+          <a:lnRef idx="2">
+            <a:schemeClr val="accent1">
+              <a:shade val="50000"/>
+            </a:schemeClr>
+          </a:lnRef>
+          <a:fillRef idx="1">
+            <a:schemeClr val="accent1"/>
+          </a:fillRef>
+          <a:effectRef idx="0">
+            <a:schemeClr val="accent1"/>
+          </a:effectRef>
+          <a:fontRef idx="minor">
+            <a:schemeClr val="lt1"/>
+          </a:fontRef>
+        </p:style>
+        <p:txBody>
+          <a:bodyPr rtlCol="0" anchor="ctr"/>
+          <a:lstStyle/>
+          <a:p>
+            <a:pPr algn="ctr"/>
+            <a:endParaRPr lang="en-US"/>
+          </a:p>
+        </p:txBody>
+      </p:sp>
+      <p:sp>
+        <p:nvSpPr>
+          <p:cNvPr id="13" name="TextBox 12">
+            <a:extLst>
+              <a:ext uri="{FF2B5EF4-FFF2-40B4-BE49-F238E27FC236}">
+                <a16:creationId xmlns:a16="http://schemas.microsoft.com/office/drawing/2014/main" id="{3627294C-BE86-4403-8642-AAD825EDEEDE}"/>
+              </a:ext>
+            </a:extLst>
+          </p:cNvPr>
+          <p:cNvSpPr txBox="1"/>
+          <p:nvPr/>
+        </p:nvSpPr>
+        <p:spPr>
+          <a:xfrm>
+            <a:off x="6876288" y="2474651"/>
+            <a:ext cx="4325112" cy="369332"/>
+          </a:xfrm>
+          <a:prstGeom prst="rect">
+            <a:avLst/>
+          </a:prstGeom>
+          <a:noFill/>
+        </p:spPr>
+        <p:txBody>
+          <a:bodyPr wrap="square" rtlCol="0">
+            <a:spAutoFit/>
+          </a:bodyPr>
+          <a:lstStyle/>
+          <a:p>
+            <a:r>
+              <a:rPr lang="en-US" dirty="0"/>
+              <a:t>Current Week’s Data on a line or dot chart</a:t>
+            </a:r>
+          </a:p>
+        </p:txBody>
+      </p:sp>
+    </p:spTree>
+    <p:extLst>
+      <p:ext uri="{BB962C8B-B14F-4D97-AF65-F5344CB8AC3E}">
+        <p14:creationId xmlns:p14="http://schemas.microsoft.com/office/powerpoint/2010/main" val="4025318041"/>
+      </p:ext>
+    </p:extLst>
+  </p:cSld>
+  <p:clrMapOvr>
+    <a:masterClrMapping/>
+  </p:clrMapOvr>
+</p:sld>
+</file>
+
+<file path=ppt/slides/slide7.xml><?xml version="1.0" encoding="utf-8"?>
+<p:sld xmlns:a="http://schemas.openxmlformats.org/drawingml/2006/main" xmlns:r="http://schemas.openxmlformats.org/officeDocument/2006/relationships" xmlns:p="http://schemas.openxmlformats.org/presentationml/2006/main">
+  <p:cSld>
+    <p:bg>
+      <p:bgPr>
+        <a:solidFill>
+          <a:schemeClr val="bg1">
+            <a:lumMod val="95000"/>
+          </a:schemeClr>
+        </a:solidFill>
+        <a:effectLst/>
+      </p:bgPr>
+    </p:bg>
+    <p:spTree>
+      <p:nvGrpSpPr>
+        <p:cNvPr id="1" name=""/>
+        <p:cNvGrpSpPr/>
+        <p:nvPr/>
+      </p:nvGrpSpPr>
+      <p:grpSpPr>
+        <a:xfrm>
+          <a:off x="0" y="0"/>
+          <a:ext cx="0" cy="0"/>
+          <a:chOff x="0" y="0"/>
+          <a:chExt cx="0" cy="0"/>
+        </a:xfrm>
+      </p:grpSpPr>
+      <p:sp>
+        <p:nvSpPr>
+          <p:cNvPr id="2" name="Title 1">
+            <a:extLst>
+              <a:ext uri="{FF2B5EF4-FFF2-40B4-BE49-F238E27FC236}">
+                <a16:creationId xmlns:a16="http://schemas.microsoft.com/office/drawing/2014/main" id="{E2F8D61A-151A-41D4-ACD1-C7ACE57DA0FE}"/>
+              </a:ext>
+            </a:extLst>
+          </p:cNvPr>
+          <p:cNvSpPr>
+            <a:spLocks noGrp="1"/>
+          </p:cNvSpPr>
+          <p:nvPr>
+            <p:ph type="title"/>
+          </p:nvPr>
+        </p:nvSpPr>
+        <p:spPr/>
+        <p:txBody>
+          <a:bodyPr/>
+          <a:lstStyle/>
+          <a:p>
+            <a:r>
+              <a:rPr lang="en-US" dirty="0"/>
+              <a:t>Database</a:t>
+            </a:r>
+          </a:p>
+        </p:txBody>
+      </p:sp>
+      <p:sp>
+        <p:nvSpPr>
+          <p:cNvPr id="3" name="Content Placeholder 2">
+            <a:extLst>
+              <a:ext uri="{FF2B5EF4-FFF2-40B4-BE49-F238E27FC236}">
+                <a16:creationId xmlns:a16="http://schemas.microsoft.com/office/drawing/2014/main" id="{471E5327-8ED1-4525-8025-0617F94784D2}"/>
+              </a:ext>
+            </a:extLst>
+          </p:cNvPr>
+          <p:cNvSpPr>
+            <a:spLocks noGrp="1"/>
+          </p:cNvSpPr>
+          <p:nvPr>
+            <p:ph idx="1"/>
+          </p:nvPr>
+        </p:nvSpPr>
+        <p:spPr>
+          <a:xfrm>
+            <a:off x="838200" y="1359281"/>
+            <a:ext cx="10515600" cy="3706495"/>
+          </a:xfrm>
+        </p:spPr>
+        <p:txBody>
+          <a:bodyPr numCol="2">
+            <a:normAutofit fontScale="92500" lnSpcReduction="10000"/>
+          </a:bodyPr>
+          <a:lstStyle/>
+          <a:p>
+            <a:r>
+              <a:rPr lang="en-US" sz="1000" dirty="0"/>
+              <a:t>User table</a:t>
+            </a:r>
+          </a:p>
+          <a:p>
+            <a:pPr lvl="1"/>
+            <a:r>
+              <a:rPr lang="en-US" sz="900" dirty="0"/>
+              <a:t>Username</a:t>
+            </a:r>
+          </a:p>
+          <a:p>
+            <a:pPr lvl="1"/>
+            <a:r>
+              <a:rPr lang="en-US" sz="900" dirty="0"/>
+              <a:t>Email</a:t>
+            </a:r>
+          </a:p>
+          <a:p>
+            <a:pPr lvl="1"/>
+            <a:r>
+              <a:rPr lang="en-US" sz="900" dirty="0"/>
+              <a:t>Password</a:t>
+            </a:r>
+          </a:p>
+          <a:p>
+            <a:pPr lvl="1"/>
+            <a:r>
+              <a:rPr lang="en-US" sz="900" dirty="0"/>
+              <a:t>Permission (view nick’s data?)</a:t>
+            </a:r>
+          </a:p>
+          <a:p>
+            <a:pPr lvl="1"/>
+            <a:r>
+              <a:rPr lang="en-US" sz="900" dirty="0"/>
+              <a:t>Profile image</a:t>
+            </a:r>
+          </a:p>
+          <a:p>
+            <a:pPr lvl="1"/>
+            <a:r>
+              <a:rPr lang="en-US" sz="900" dirty="0"/>
+              <a:t>Time stamp registered</a:t>
+            </a:r>
+          </a:p>
+          <a:p>
+            <a:pPr lvl="1"/>
+            <a:r>
+              <a:rPr lang="en-US" sz="900" dirty="0"/>
+              <a:t>User </a:t>
+            </a:r>
+            <a:r>
+              <a:rPr lang="en-US" sz="900" dirty="0" err="1"/>
+              <a:t>timezone</a:t>
+            </a:r>
+            <a:endParaRPr lang="en-US" sz="900" dirty="0"/>
+          </a:p>
+          <a:p>
+            <a:r>
+              <a:rPr lang="en-US" sz="1000" dirty="0">
+                <a:solidFill>
+                  <a:schemeClr val="bg1">
+                    <a:lumMod val="65000"/>
+                  </a:schemeClr>
+                </a:solidFill>
+              </a:rPr>
+              <a:t>Report table</a:t>
+            </a:r>
+          </a:p>
+          <a:p>
+            <a:pPr lvl="1"/>
+            <a:r>
+              <a:rPr lang="en-US" sz="900" dirty="0">
+                <a:solidFill>
+                  <a:schemeClr val="bg1">
+                    <a:lumMod val="65000"/>
+                  </a:schemeClr>
+                </a:solidFill>
+              </a:rPr>
+              <a:t>username</a:t>
+            </a:r>
+          </a:p>
+          <a:p>
+            <a:pPr lvl="1"/>
+            <a:r>
+              <a:rPr lang="en-US" sz="900" dirty="0">
+                <a:solidFill>
+                  <a:schemeClr val="bg1">
+                    <a:lumMod val="65000"/>
+                  </a:schemeClr>
+                </a:solidFill>
+              </a:rPr>
+              <a:t>Date, hour, minutes, seconds</a:t>
+            </a:r>
+          </a:p>
+          <a:p>
+            <a:pPr lvl="1"/>
+            <a:r>
+              <a:rPr lang="en-US" sz="900" dirty="0">
+                <a:solidFill>
+                  <a:schemeClr val="bg1">
+                    <a:lumMod val="65000"/>
+                  </a:schemeClr>
+                </a:solidFill>
+              </a:rPr>
+              <a:t>All vars of interest</a:t>
+            </a:r>
+          </a:p>
+          <a:p>
+            <a:pPr lvl="1"/>
+            <a:r>
+              <a:rPr lang="en-US" sz="900" dirty="0">
+                <a:solidFill>
+                  <a:schemeClr val="bg1">
+                    <a:lumMod val="65000"/>
+                  </a:schemeClr>
+                </a:solidFill>
+              </a:rPr>
+              <a:t>Mint converted</a:t>
+            </a:r>
+          </a:p>
+          <a:p>
+            <a:pPr lvl="1"/>
+            <a:r>
+              <a:rPr lang="en-US" sz="900" dirty="0">
+                <a:solidFill>
+                  <a:schemeClr val="bg1">
+                    <a:lumMod val="65000"/>
+                  </a:schemeClr>
+                </a:solidFill>
+              </a:rPr>
+              <a:t>Heart rate (instance) converted</a:t>
+            </a:r>
+          </a:p>
+          <a:p>
+            <a:pPr lvl="1"/>
+            <a:r>
+              <a:rPr lang="en-US" sz="900" dirty="0">
+                <a:solidFill>
+                  <a:schemeClr val="bg1">
+                    <a:lumMod val="65000"/>
+                  </a:schemeClr>
+                </a:solidFill>
+              </a:rPr>
+              <a:t>All other independent variables converted</a:t>
+            </a:r>
+          </a:p>
+          <a:p>
+            <a:r>
+              <a:rPr lang="en-US" sz="1000" dirty="0"/>
+              <a:t>Variable Table</a:t>
+            </a:r>
+          </a:p>
+          <a:p>
+            <a:pPr lvl="1"/>
+            <a:r>
+              <a:rPr lang="en-US" sz="900" dirty="0"/>
+              <a:t>Username</a:t>
+            </a:r>
+          </a:p>
+          <a:p>
+            <a:pPr lvl="1"/>
+            <a:r>
+              <a:rPr lang="en-US" sz="900" dirty="0"/>
+              <a:t>Var activity (walking, running, empty is okay for something like mood)</a:t>
+            </a:r>
+          </a:p>
+          <a:p>
+            <a:pPr lvl="1"/>
+            <a:r>
+              <a:rPr lang="en-US" sz="900" dirty="0" err="1"/>
+              <a:t>var_type</a:t>
+            </a:r>
+            <a:r>
+              <a:rPr lang="en-US" sz="900" dirty="0"/>
+              <a:t>(mood, weight, heart rate (instance), etc.,) – LB standardized</a:t>
+            </a:r>
+          </a:p>
+          <a:p>
+            <a:pPr lvl="1"/>
+            <a:r>
+              <a:rPr lang="en-US" sz="900" dirty="0" err="1"/>
+              <a:t>var_datetime_utc</a:t>
+            </a:r>
+            <a:r>
+              <a:rPr lang="en-US" sz="900" dirty="0"/>
+              <a:t> (Date, hour, min, sec converted to </a:t>
+            </a:r>
+            <a:r>
+              <a:rPr lang="en-US" sz="900" dirty="0" err="1"/>
+              <a:t>utc</a:t>
+            </a:r>
+            <a:r>
+              <a:rPr lang="en-US" sz="900" dirty="0"/>
+              <a:t>)</a:t>
+            </a:r>
+          </a:p>
+          <a:p>
+            <a:pPr lvl="1"/>
+            <a:r>
+              <a:rPr lang="en-US" sz="900" dirty="0" err="1"/>
+              <a:t>Var_value</a:t>
+            </a:r>
+            <a:r>
+              <a:rPr lang="en-US" sz="900" dirty="0"/>
+              <a:t> [measurement]</a:t>
+            </a:r>
+          </a:p>
+          <a:p>
+            <a:pPr lvl="1"/>
+            <a:r>
+              <a:rPr lang="en-US" sz="900" dirty="0"/>
+              <a:t>Units of variable – LB standardized</a:t>
+            </a:r>
+          </a:p>
+          <a:p>
+            <a:pPr lvl="1"/>
+            <a:r>
+              <a:rPr lang="en-US" sz="900" dirty="0"/>
+              <a:t>Time stamp of entry </a:t>
+            </a:r>
+          </a:p>
+          <a:p>
+            <a:pPr lvl="1"/>
+            <a:endParaRPr lang="en-US" sz="900" dirty="0"/>
+          </a:p>
+          <a:p>
+            <a:r>
+              <a:rPr lang="en-US" sz="1000" dirty="0">
+                <a:solidFill>
+                  <a:schemeClr val="bg1">
+                    <a:lumMod val="65000"/>
+                  </a:schemeClr>
+                </a:solidFill>
+              </a:rPr>
+              <a:t>Activity Table</a:t>
+            </a:r>
+          </a:p>
+          <a:p>
+            <a:pPr lvl="1"/>
+            <a:r>
+              <a:rPr lang="en-US" sz="900" dirty="0">
+                <a:solidFill>
+                  <a:schemeClr val="bg1">
+                    <a:lumMod val="65000"/>
+                  </a:schemeClr>
+                </a:solidFill>
+              </a:rPr>
+              <a:t>Username</a:t>
+            </a:r>
+          </a:p>
+          <a:p>
+            <a:pPr lvl="1"/>
+            <a:r>
+              <a:rPr lang="en-US" sz="900" dirty="0">
+                <a:solidFill>
+                  <a:schemeClr val="bg1">
+                    <a:lumMod val="65000"/>
+                  </a:schemeClr>
+                </a:solidFill>
+              </a:rPr>
+              <a:t>Date, hour, min, sec</a:t>
+            </a:r>
+          </a:p>
+          <a:p>
+            <a:pPr lvl="1"/>
+            <a:r>
+              <a:rPr lang="en-US" sz="900" dirty="0">
+                <a:solidFill>
+                  <a:schemeClr val="bg1">
+                    <a:lumMod val="65000"/>
+                  </a:schemeClr>
+                </a:solidFill>
+              </a:rPr>
+              <a:t>Note on mood, other var of interest, </a:t>
+            </a:r>
+            <a:r>
+              <a:rPr lang="en-US" sz="900" dirty="0" err="1">
+                <a:solidFill>
+                  <a:schemeClr val="bg1">
+                    <a:lumMod val="65000"/>
+                  </a:schemeClr>
+                </a:solidFill>
+              </a:rPr>
+              <a:t>etc</a:t>
+            </a:r>
+            <a:r>
+              <a:rPr lang="en-US" sz="900" dirty="0">
+                <a:solidFill>
+                  <a:schemeClr val="bg1">
+                    <a:lumMod val="65000"/>
+                  </a:schemeClr>
+                </a:solidFill>
+              </a:rPr>
+              <a:t>,.</a:t>
+            </a:r>
+          </a:p>
+          <a:p>
+            <a:r>
+              <a:rPr lang="en-US" sz="1000" dirty="0">
+                <a:solidFill>
+                  <a:schemeClr val="bg1">
+                    <a:lumMod val="65000"/>
+                  </a:schemeClr>
+                </a:solidFill>
+              </a:rPr>
+              <a:t>Data recorded by date table (Mint or other financial data)</a:t>
+            </a:r>
+          </a:p>
+          <a:p>
+            <a:pPr lvl="1"/>
+            <a:r>
+              <a:rPr lang="en-US" sz="900" dirty="0">
+                <a:solidFill>
+                  <a:schemeClr val="bg1">
+                    <a:lumMod val="65000"/>
+                  </a:schemeClr>
+                </a:solidFill>
+              </a:rPr>
+              <a:t>Username</a:t>
+            </a:r>
+          </a:p>
+          <a:p>
+            <a:pPr lvl="1"/>
+            <a:r>
+              <a:rPr lang="en-US" sz="900" dirty="0">
+                <a:solidFill>
+                  <a:schemeClr val="bg1">
+                    <a:lumMod val="65000"/>
+                  </a:schemeClr>
+                </a:solidFill>
+              </a:rPr>
+              <a:t>Name of data item</a:t>
+            </a:r>
+          </a:p>
+          <a:p>
+            <a:pPr lvl="1"/>
+            <a:r>
+              <a:rPr lang="en-US" sz="900" dirty="0">
+                <a:solidFill>
+                  <a:schemeClr val="bg1">
+                    <a:lumMod val="65000"/>
+                  </a:schemeClr>
+                </a:solidFill>
+              </a:rPr>
+              <a:t>Date</a:t>
+            </a:r>
+          </a:p>
+          <a:p>
+            <a:pPr lvl="1"/>
+            <a:r>
+              <a:rPr lang="en-US" sz="900" dirty="0">
+                <a:solidFill>
+                  <a:schemeClr val="bg1">
+                    <a:lumMod val="65000"/>
+                  </a:schemeClr>
+                </a:solidFill>
+              </a:rPr>
+              <a:t>Variable</a:t>
+            </a:r>
+          </a:p>
+          <a:p>
+            <a:pPr lvl="1"/>
+            <a:r>
+              <a:rPr lang="en-US" sz="900" dirty="0">
+                <a:solidFill>
+                  <a:schemeClr val="bg1">
+                    <a:lumMod val="65000"/>
+                  </a:schemeClr>
+                </a:solidFill>
+              </a:rPr>
+              <a:t>Units</a:t>
+            </a:r>
+            <a:endParaRPr lang="en-US" sz="900" dirty="0"/>
+          </a:p>
+          <a:p>
+            <a:r>
+              <a:rPr lang="en-US" sz="1000" dirty="0">
+                <a:solidFill>
+                  <a:schemeClr val="bg1">
+                    <a:lumMod val="65000"/>
+                  </a:schemeClr>
+                </a:solidFill>
+              </a:rPr>
+              <a:t>Data recorded by seconds and minutes table (Polar)</a:t>
+            </a:r>
+          </a:p>
+          <a:p>
+            <a:pPr lvl="1"/>
+            <a:r>
+              <a:rPr lang="en-US" sz="900" dirty="0">
+                <a:solidFill>
+                  <a:schemeClr val="bg1">
+                    <a:lumMod val="65000"/>
+                  </a:schemeClr>
+                </a:solidFill>
+              </a:rPr>
+              <a:t>Username</a:t>
+            </a:r>
+          </a:p>
+          <a:p>
+            <a:pPr lvl="1"/>
+            <a:r>
+              <a:rPr lang="en-US" sz="900" dirty="0" err="1">
+                <a:solidFill>
+                  <a:schemeClr val="bg1">
+                    <a:lumMod val="65000"/>
+                  </a:schemeClr>
+                </a:solidFill>
+              </a:rPr>
+              <a:t>Indep</a:t>
+            </a:r>
+            <a:r>
+              <a:rPr lang="en-US" sz="900" dirty="0">
+                <a:solidFill>
+                  <a:schemeClr val="bg1">
+                    <a:lumMod val="65000"/>
+                  </a:schemeClr>
+                </a:solidFill>
+              </a:rPr>
+              <a:t> var type</a:t>
+            </a:r>
+          </a:p>
+          <a:p>
+            <a:pPr lvl="1"/>
+            <a:r>
+              <a:rPr lang="en-US" sz="900" dirty="0">
+                <a:solidFill>
+                  <a:schemeClr val="bg1">
+                    <a:lumMod val="65000"/>
+                  </a:schemeClr>
+                </a:solidFill>
+              </a:rPr>
+              <a:t>Date, hour, min, sec</a:t>
+            </a:r>
+          </a:p>
+          <a:p>
+            <a:pPr lvl="1"/>
+            <a:r>
+              <a:rPr lang="en-US" sz="900" dirty="0">
+                <a:solidFill>
+                  <a:schemeClr val="bg1">
+                    <a:lumMod val="65000"/>
+                  </a:schemeClr>
+                </a:solidFill>
+              </a:rPr>
+              <a:t>Heart rate</a:t>
+            </a:r>
+          </a:p>
+          <a:p>
+            <a:r>
+              <a:rPr lang="en-US" sz="1000" dirty="0"/>
+              <a:t>Posts Table</a:t>
+            </a:r>
+          </a:p>
+          <a:p>
+            <a:pPr lvl="1"/>
+            <a:endParaRPr lang="en-US" sz="900" dirty="0"/>
+          </a:p>
+        </p:txBody>
+      </p:sp>
+      <p:sp>
+        <p:nvSpPr>
+          <p:cNvPr id="4" name="TextBox 3">
+            <a:extLst>
+              <a:ext uri="{FF2B5EF4-FFF2-40B4-BE49-F238E27FC236}">
+                <a16:creationId xmlns:a16="http://schemas.microsoft.com/office/drawing/2014/main" id="{16AC410D-4FDE-4ECD-8104-91DD87EC4AB5}"/>
+              </a:ext>
+            </a:extLst>
+          </p:cNvPr>
+          <p:cNvSpPr txBox="1"/>
+          <p:nvPr/>
+        </p:nvSpPr>
+        <p:spPr>
+          <a:xfrm>
+            <a:off x="335280" y="5292546"/>
+            <a:ext cx="5590032" cy="1200329"/>
+          </a:xfrm>
+          <a:prstGeom prst="rect">
+            <a:avLst/>
+          </a:prstGeom>
+          <a:noFill/>
+        </p:spPr>
+        <p:txBody>
+          <a:bodyPr wrap="square" rtlCol="0">
+            <a:spAutoFit/>
+          </a:bodyPr>
+          <a:lstStyle/>
+          <a:p>
+            <a:r>
+              <a:rPr lang="en-US" dirty="0"/>
+              <a:t>Data upload processing steps:</a:t>
+            </a:r>
+          </a:p>
+          <a:p>
+            <a:pPr marL="342900" indent="-342900">
+              <a:buFont typeface="+mj-lt"/>
+              <a:buAutoNum type="arabicPeriod"/>
+            </a:pPr>
+            <a:r>
+              <a:rPr lang="en-US" dirty="0"/>
+              <a:t>Data gets uploaded through web or phone app. </a:t>
+            </a:r>
+          </a:p>
+          <a:p>
+            <a:pPr marL="342900" indent="-342900">
+              <a:buFont typeface="+mj-lt"/>
+              <a:buAutoNum type="arabicPeriod"/>
+            </a:pPr>
+            <a:r>
+              <a:rPr lang="en-US" dirty="0"/>
+              <a:t>Backend converts the input data to fit in Variable table via pandas </a:t>
+            </a:r>
+            <a:r>
+              <a:rPr lang="en-US" dirty="0" err="1"/>
+              <a:t>dataframe</a:t>
+            </a:r>
+            <a:r>
+              <a:rPr lang="en-US" dirty="0"/>
+              <a:t>. </a:t>
+            </a:r>
+          </a:p>
+        </p:txBody>
+      </p:sp>
+      <p:sp>
+        <p:nvSpPr>
+          <p:cNvPr id="5" name="TextBox 4">
+            <a:extLst>
+              <a:ext uri="{FF2B5EF4-FFF2-40B4-BE49-F238E27FC236}">
+                <a16:creationId xmlns:a16="http://schemas.microsoft.com/office/drawing/2014/main" id="{E2302978-4299-4BE6-87E5-0A396DEBDAD0}"/>
+              </a:ext>
+            </a:extLst>
+          </p:cNvPr>
+          <p:cNvSpPr txBox="1"/>
+          <p:nvPr/>
+        </p:nvSpPr>
+        <p:spPr>
+          <a:xfrm>
+            <a:off x="6275832" y="5310834"/>
+            <a:ext cx="5580888" cy="1200329"/>
+          </a:xfrm>
+          <a:prstGeom prst="rect">
+            <a:avLst/>
+          </a:prstGeom>
+          <a:noFill/>
+        </p:spPr>
+        <p:txBody>
+          <a:bodyPr wrap="square" rtlCol="0">
+            <a:spAutoFit/>
+          </a:bodyPr>
+          <a:lstStyle/>
+          <a:p>
+            <a:r>
+              <a:rPr lang="en-US" dirty="0"/>
+              <a:t>Data report processing steps:</a:t>
+            </a:r>
+          </a:p>
+          <a:p>
+            <a:pPr marL="342900" indent="-342900">
+              <a:buFont typeface="+mj-lt"/>
+              <a:buAutoNum type="arabicPeriod"/>
+            </a:pPr>
+            <a:r>
+              <a:rPr lang="en-US" dirty="0"/>
+              <a:t>Collect data from database into </a:t>
+            </a:r>
+            <a:r>
+              <a:rPr lang="en-US" dirty="0" err="1"/>
+              <a:t>dataframe</a:t>
+            </a:r>
+            <a:r>
+              <a:rPr lang="en-US" dirty="0"/>
+              <a:t>.</a:t>
+            </a:r>
+          </a:p>
+          <a:p>
+            <a:pPr marL="342900" indent="-342900">
+              <a:buFont typeface="+mj-lt"/>
+              <a:buAutoNum type="arabicPeriod"/>
+            </a:pPr>
+            <a:r>
+              <a:rPr lang="en-US" dirty="0"/>
+              <a:t>Convert </a:t>
+            </a:r>
+            <a:r>
+              <a:rPr lang="en-US" dirty="0" err="1"/>
+              <a:t>dataframe</a:t>
+            </a:r>
+            <a:r>
+              <a:rPr lang="en-US" dirty="0"/>
+              <a:t> to format for chart, table or </a:t>
+            </a:r>
+            <a:r>
+              <a:rPr lang="en-US" dirty="0" err="1"/>
+              <a:t>excelt</a:t>
+            </a:r>
+            <a:r>
+              <a:rPr lang="en-US" dirty="0"/>
+              <a:t> </a:t>
+            </a:r>
+            <a:r>
+              <a:rPr lang="en-US"/>
+              <a:t>report.</a:t>
+            </a:r>
+            <a:endParaRPr lang="en-US" dirty="0"/>
+          </a:p>
+        </p:txBody>
+      </p:sp>
+    </p:spTree>
+    <p:extLst>
+      <p:ext uri="{BB962C8B-B14F-4D97-AF65-F5344CB8AC3E}">
+        <p14:creationId xmlns:p14="http://schemas.microsoft.com/office/powerpoint/2010/main" val="34843305"/>
+      </p:ext>
+    </p:extLst>
+  </p:cSld>
+  <p:clrMapOvr>
+    <a:masterClrMapping/>
+  </p:clrMapOvr>
+</p:sld>
+</file>
+
+<file path=ppt/slides/slide8.xml><?xml version="1.0" encoding="utf-8"?>
+<p:sld xmlns:a="http://schemas.openxmlformats.org/drawingml/2006/main" xmlns:r="http://schemas.openxmlformats.org/officeDocument/2006/relationships" xmlns:p="http://schemas.openxmlformats.org/presentationml/2006/main">
+  <p:cSld>
+    <p:spTree>
+      <p:nvGrpSpPr>
+        <p:cNvPr id="1" name=""/>
+        <p:cNvGrpSpPr/>
+        <p:nvPr/>
+      </p:nvGrpSpPr>
+      <p:grpSpPr>
+        <a:xfrm>
+          <a:off x="0" y="0"/>
+          <a:ext cx="0" cy="0"/>
+          <a:chOff x="0" y="0"/>
+          <a:chExt cx="0" cy="0"/>
+        </a:xfrm>
+      </p:grpSpPr>
+      <p:sp>
+        <p:nvSpPr>
+          <p:cNvPr id="2" name="Title 1">
+            <a:extLst>
+              <a:ext uri="{FF2B5EF4-FFF2-40B4-BE49-F238E27FC236}">
+                <a16:creationId xmlns:a16="http://schemas.microsoft.com/office/drawing/2014/main" id="{E2F8D61A-151A-41D4-ACD1-C7ACE57DA0FE}"/>
+              </a:ext>
+            </a:extLst>
+          </p:cNvPr>
+          <p:cNvSpPr>
+            <a:spLocks noGrp="1"/>
+          </p:cNvSpPr>
+          <p:nvPr>
+            <p:ph type="title"/>
+          </p:nvPr>
+        </p:nvSpPr>
+        <p:spPr/>
+        <p:txBody>
+          <a:bodyPr/>
+          <a:lstStyle/>
+          <a:p>
+            <a:r>
+              <a:rPr lang="en-US" dirty="0"/>
+              <a:t>Database v2 </a:t>
+            </a:r>
+            <a:r>
+              <a:rPr lang="en-US" sz="2400" dirty="0"/>
+              <a:t>(8/1/2021)</a:t>
+            </a:r>
+            <a:endParaRPr lang="en-US" dirty="0"/>
+          </a:p>
+        </p:txBody>
+      </p:sp>
+      <p:sp>
+        <p:nvSpPr>
+          <p:cNvPr id="3" name="Content Placeholder 2">
+            <a:extLst>
+              <a:ext uri="{FF2B5EF4-FFF2-40B4-BE49-F238E27FC236}">
+                <a16:creationId xmlns:a16="http://schemas.microsoft.com/office/drawing/2014/main" id="{471E5327-8ED1-4525-8025-0617F94784D2}"/>
+              </a:ext>
+            </a:extLst>
+          </p:cNvPr>
+          <p:cNvSpPr>
+            <a:spLocks noGrp="1"/>
+          </p:cNvSpPr>
+          <p:nvPr>
+            <p:ph idx="1"/>
+          </p:nvPr>
+        </p:nvSpPr>
+        <p:spPr>
+          <a:xfrm>
+            <a:off x="838200" y="1359281"/>
+            <a:ext cx="10515600" cy="3933265"/>
+          </a:xfrm>
+        </p:spPr>
+        <p:txBody>
+          <a:bodyPr numCol="2">
+            <a:normAutofit/>
+          </a:bodyPr>
+          <a:lstStyle/>
+          <a:p>
+            <a:r>
+              <a:rPr lang="en-US" sz="1000" dirty="0"/>
+              <a:t>User table</a:t>
+            </a:r>
+          </a:p>
+          <a:p>
+            <a:pPr lvl="1"/>
+            <a:r>
+              <a:rPr lang="en-US" sz="900" dirty="0"/>
+              <a:t>Username</a:t>
+            </a:r>
+          </a:p>
+          <a:p>
+            <a:pPr lvl="1"/>
+            <a:r>
+              <a:rPr lang="en-US" sz="900" dirty="0"/>
+              <a:t>Email</a:t>
+            </a:r>
+          </a:p>
+          <a:p>
+            <a:pPr lvl="1"/>
+            <a:r>
+              <a:rPr lang="en-US" sz="900" dirty="0"/>
+              <a:t>Password</a:t>
+            </a:r>
+          </a:p>
+          <a:p>
+            <a:pPr lvl="1"/>
+            <a:r>
+              <a:rPr lang="en-US" sz="900" dirty="0"/>
+              <a:t>Permission (view nick’s data?)</a:t>
+            </a:r>
+          </a:p>
+          <a:p>
+            <a:pPr lvl="1"/>
+            <a:r>
+              <a:rPr lang="en-US" sz="900" dirty="0"/>
+              <a:t>Profile image</a:t>
+            </a:r>
+          </a:p>
+          <a:p>
+            <a:pPr lvl="1"/>
+            <a:r>
+              <a:rPr lang="en-US" sz="900" dirty="0"/>
+              <a:t>Time stamp registered</a:t>
+            </a:r>
+          </a:p>
+          <a:p>
+            <a:pPr lvl="1"/>
+            <a:r>
+              <a:rPr lang="en-US" sz="900" dirty="0"/>
+              <a:t>User </a:t>
+            </a:r>
+            <a:r>
+              <a:rPr lang="en-US" sz="900" dirty="0" err="1"/>
+              <a:t>timezone</a:t>
+            </a:r>
+            <a:endParaRPr lang="en-US" sz="900" dirty="0"/>
+          </a:p>
+          <a:p>
+            <a:r>
+              <a:rPr lang="en-US" sz="1000" dirty="0"/>
+              <a:t>Variable Table</a:t>
+            </a:r>
+          </a:p>
+          <a:p>
+            <a:pPr lvl="1"/>
+            <a:r>
+              <a:rPr lang="en-US" sz="900" dirty="0"/>
+              <a:t>Id</a:t>
+            </a:r>
+          </a:p>
+          <a:p>
+            <a:pPr lvl="1"/>
+            <a:r>
+              <a:rPr lang="en-US" sz="900" dirty="0" err="1"/>
+              <a:t>User_id</a:t>
+            </a:r>
+            <a:r>
+              <a:rPr lang="en-US" sz="900" dirty="0"/>
+              <a:t> (foreign key)</a:t>
+            </a:r>
+          </a:p>
+          <a:p>
+            <a:pPr lvl="1"/>
+            <a:r>
+              <a:rPr lang="en-US" sz="900" dirty="0"/>
+              <a:t>Var activity (walking, running, empty is okay for something like mood)</a:t>
+            </a:r>
+          </a:p>
+          <a:p>
+            <a:pPr lvl="1"/>
+            <a:r>
+              <a:rPr lang="en-US" sz="900" dirty="0" err="1"/>
+              <a:t>var_type</a:t>
+            </a:r>
+            <a:r>
+              <a:rPr lang="en-US" sz="900" dirty="0"/>
+              <a:t> (mood, weight, heart rate (instance), etc.,) – LB standardized</a:t>
+            </a:r>
+          </a:p>
+          <a:p>
+            <a:pPr lvl="1"/>
+            <a:r>
+              <a:rPr lang="en-US" sz="900" dirty="0" err="1"/>
+              <a:t>var_datetime_utc</a:t>
+            </a:r>
+            <a:r>
+              <a:rPr lang="en-US" sz="900" dirty="0"/>
+              <a:t>  (Date, hour, min, sec converted to </a:t>
+            </a:r>
+            <a:r>
+              <a:rPr lang="en-US" sz="900" dirty="0" err="1"/>
+              <a:t>utc</a:t>
+            </a:r>
+            <a:r>
+              <a:rPr lang="en-US" sz="900" dirty="0"/>
+              <a:t>)</a:t>
+            </a:r>
+          </a:p>
+          <a:p>
+            <a:pPr lvl="1"/>
+            <a:r>
+              <a:rPr lang="en-US" sz="900" dirty="0" err="1"/>
+              <a:t>Var_periodicity</a:t>
+            </a:r>
+            <a:r>
+              <a:rPr lang="en-US" sz="900" dirty="0"/>
+              <a:t> – days, seconds (</a:t>
+            </a:r>
+            <a:r>
+              <a:rPr lang="en-US" sz="900" dirty="0" err="1"/>
+              <a:t>i.e</a:t>
+            </a:r>
+            <a:r>
+              <a:rPr lang="en-US" sz="900" dirty="0"/>
+              <a:t> what are the measurements in – maybe redundant to </a:t>
+            </a:r>
+            <a:r>
+              <a:rPr lang="en-US" sz="900" dirty="0" err="1"/>
+              <a:t>var_unit</a:t>
+            </a:r>
+            <a:r>
+              <a:rPr lang="en-US" sz="900" dirty="0"/>
+              <a:t>?)</a:t>
+            </a:r>
+          </a:p>
+          <a:p>
+            <a:pPr lvl="1"/>
+            <a:r>
+              <a:rPr lang="en-US" sz="900" dirty="0" err="1"/>
+              <a:t>Var_value</a:t>
+            </a:r>
+            <a:r>
+              <a:rPr lang="en-US" sz="900" dirty="0"/>
+              <a:t> [measurement]</a:t>
+            </a:r>
+          </a:p>
+          <a:p>
+            <a:pPr lvl="1"/>
+            <a:r>
+              <a:rPr lang="en-US" sz="900" dirty="0" err="1"/>
+              <a:t>var_unit</a:t>
+            </a:r>
+            <a:r>
+              <a:rPr lang="en-US" sz="900" dirty="0"/>
+              <a:t>– LB will standardize across data sets</a:t>
+            </a:r>
+          </a:p>
+          <a:p>
+            <a:pPr lvl="1"/>
+            <a:r>
+              <a:rPr lang="en-US" sz="900" dirty="0" err="1"/>
+              <a:t>var_timezone_utc_delta_in_mins</a:t>
+            </a:r>
+            <a:r>
+              <a:rPr lang="en-US" sz="900" dirty="0"/>
+              <a:t> = </a:t>
+            </a:r>
+            <a:r>
+              <a:rPr lang="en-US" sz="900" dirty="0" err="1"/>
+              <a:t>db.Column</a:t>
+            </a:r>
+            <a:r>
+              <a:rPr lang="en-US" sz="900" dirty="0"/>
+              <a:t>(</a:t>
+            </a:r>
+            <a:r>
+              <a:rPr lang="en-US" sz="900" dirty="0" err="1"/>
+              <a:t>db.Float</a:t>
+            </a:r>
+            <a:r>
+              <a:rPr lang="en-US" sz="900" dirty="0"/>
+              <a:t>) #difference </a:t>
+            </a:r>
+            <a:r>
+              <a:rPr lang="en-US" sz="900" dirty="0" err="1"/>
+              <a:t>bewteen</a:t>
+            </a:r>
+            <a:r>
+              <a:rPr lang="en-US" sz="900" dirty="0"/>
+              <a:t> </a:t>
+            </a:r>
+            <a:r>
+              <a:rPr lang="en-US" sz="900" dirty="0" err="1"/>
+              <a:t>utc</a:t>
+            </a:r>
+            <a:r>
+              <a:rPr lang="en-US" sz="900" dirty="0"/>
+              <a:t> and </a:t>
+            </a:r>
+            <a:r>
+              <a:rPr lang="en-US" sz="900" dirty="0" err="1"/>
+              <a:t>timezone</a:t>
+            </a:r>
+            <a:r>
+              <a:rPr lang="en-US" sz="900" dirty="0"/>
+              <a:t> of exercise</a:t>
+            </a:r>
+          </a:p>
+          <a:p>
+            <a:pPr lvl="1"/>
+            <a:r>
+              <a:rPr lang="en-US" sz="900" dirty="0" err="1"/>
+              <a:t>time_stamp_utc</a:t>
+            </a:r>
+            <a:r>
+              <a:rPr lang="en-US" sz="900" dirty="0"/>
+              <a:t> – time stamp of entry </a:t>
+            </a:r>
+          </a:p>
+          <a:p>
+            <a:pPr lvl="1"/>
+            <a:endParaRPr lang="en-US" sz="900" dirty="0"/>
+          </a:p>
+          <a:p>
+            <a:r>
+              <a:rPr lang="en-US" sz="1000" dirty="0"/>
+              <a:t>Posts Table</a:t>
+            </a:r>
+          </a:p>
+          <a:p>
+            <a:pPr lvl="1"/>
+            <a:endParaRPr lang="en-US" sz="900" dirty="0"/>
+          </a:p>
+        </p:txBody>
+      </p:sp>
+      <p:sp>
+        <p:nvSpPr>
+          <p:cNvPr id="4" name="TextBox 3">
+            <a:extLst>
+              <a:ext uri="{FF2B5EF4-FFF2-40B4-BE49-F238E27FC236}">
+                <a16:creationId xmlns:a16="http://schemas.microsoft.com/office/drawing/2014/main" id="{16AC410D-4FDE-4ECD-8104-91DD87EC4AB5}"/>
+              </a:ext>
+            </a:extLst>
+          </p:cNvPr>
+          <p:cNvSpPr txBox="1"/>
+          <p:nvPr/>
+        </p:nvSpPr>
+        <p:spPr>
+          <a:xfrm>
+            <a:off x="335280" y="5292546"/>
+            <a:ext cx="5590032" cy="1200329"/>
+          </a:xfrm>
+          <a:prstGeom prst="rect">
+            <a:avLst/>
+          </a:prstGeom>
+          <a:noFill/>
+        </p:spPr>
+        <p:txBody>
+          <a:bodyPr wrap="square" rtlCol="0">
+            <a:spAutoFit/>
+          </a:bodyPr>
+          <a:lstStyle/>
+          <a:p>
+            <a:r>
+              <a:rPr lang="en-US" dirty="0"/>
+              <a:t>Data upload processing steps:</a:t>
+            </a:r>
+          </a:p>
+          <a:p>
+            <a:pPr marL="342900" indent="-342900">
+              <a:buFont typeface="+mj-lt"/>
+              <a:buAutoNum type="arabicPeriod"/>
+            </a:pPr>
+            <a:r>
+              <a:rPr lang="en-US" dirty="0"/>
+              <a:t>Data gets uploaded through web or phone app. </a:t>
+            </a:r>
+          </a:p>
+          <a:p>
+            <a:pPr marL="342900" indent="-342900">
+              <a:buFont typeface="+mj-lt"/>
+              <a:buAutoNum type="arabicPeriod"/>
+            </a:pPr>
+            <a:r>
+              <a:rPr lang="en-US" dirty="0"/>
+              <a:t>Backend converts the input data to fit in Variable table via pandas </a:t>
+            </a:r>
+            <a:r>
+              <a:rPr lang="en-US" dirty="0" err="1"/>
+              <a:t>dataframe</a:t>
+            </a:r>
+            <a:r>
+              <a:rPr lang="en-US" dirty="0"/>
+              <a:t>. </a:t>
+            </a:r>
+          </a:p>
+        </p:txBody>
+      </p:sp>
+      <p:sp>
+        <p:nvSpPr>
+          <p:cNvPr id="5" name="TextBox 4">
+            <a:extLst>
+              <a:ext uri="{FF2B5EF4-FFF2-40B4-BE49-F238E27FC236}">
+                <a16:creationId xmlns:a16="http://schemas.microsoft.com/office/drawing/2014/main" id="{E2302978-4299-4BE6-87E5-0A396DEBDAD0}"/>
+              </a:ext>
+            </a:extLst>
+          </p:cNvPr>
+          <p:cNvSpPr txBox="1"/>
+          <p:nvPr/>
+        </p:nvSpPr>
+        <p:spPr>
+          <a:xfrm>
+            <a:off x="6275832" y="5310834"/>
+            <a:ext cx="5580888" cy="1200329"/>
+          </a:xfrm>
+          <a:prstGeom prst="rect">
+            <a:avLst/>
+          </a:prstGeom>
+          <a:noFill/>
+        </p:spPr>
+        <p:txBody>
+          <a:bodyPr wrap="square" rtlCol="0">
+            <a:spAutoFit/>
+          </a:bodyPr>
+          <a:lstStyle/>
+          <a:p>
+            <a:r>
+              <a:rPr lang="en-US" dirty="0"/>
+              <a:t>Data report processing steps:</a:t>
+            </a:r>
+          </a:p>
+          <a:p>
+            <a:pPr marL="342900" indent="-342900">
+              <a:buFont typeface="+mj-lt"/>
+              <a:buAutoNum type="arabicPeriod"/>
+            </a:pPr>
+            <a:r>
+              <a:rPr lang="en-US" dirty="0"/>
+              <a:t>Collect data from database into </a:t>
+            </a:r>
+            <a:r>
+              <a:rPr lang="en-US" dirty="0" err="1"/>
+              <a:t>dataframe</a:t>
+            </a:r>
+            <a:r>
+              <a:rPr lang="en-US" dirty="0"/>
+              <a:t>.</a:t>
+            </a:r>
+          </a:p>
+          <a:p>
+            <a:pPr marL="342900" indent="-342900">
+              <a:buFont typeface="+mj-lt"/>
+              <a:buAutoNum type="arabicPeriod"/>
+            </a:pPr>
+            <a:r>
+              <a:rPr lang="en-US" dirty="0"/>
+              <a:t>Convert </a:t>
+            </a:r>
+            <a:r>
+              <a:rPr lang="en-US" dirty="0" err="1"/>
+              <a:t>dataframe</a:t>
+            </a:r>
+            <a:r>
+              <a:rPr lang="en-US" dirty="0"/>
+              <a:t> to format for chart, table or </a:t>
+            </a:r>
+            <a:r>
+              <a:rPr lang="en-US" dirty="0" err="1"/>
+              <a:t>excelt</a:t>
+            </a:r>
+            <a:r>
+              <a:rPr lang="en-US" dirty="0"/>
+              <a:t> </a:t>
+            </a:r>
+            <a:r>
+              <a:rPr lang="en-US"/>
+              <a:t>report.</a:t>
+            </a:r>
+            <a:endParaRPr lang="en-US" dirty="0"/>
+          </a:p>
+        </p:txBody>
+      </p:sp>
+    </p:spTree>
+    <p:extLst>
+      <p:ext uri="{BB962C8B-B14F-4D97-AF65-F5344CB8AC3E}">
+        <p14:creationId xmlns:p14="http://schemas.microsoft.com/office/powerpoint/2010/main" val="182378689"/>
+      </p:ext>
+    </p:extLst>
+  </p:cSld>
+  <p:clrMapOvr>
+    <a:masterClrMapping/>
+  </p:clrMapOvr>
+</p:sld>
+</file>
+
+<file path=ppt/slides/slide9.xml><?xml version="1.0" encoding="utf-8"?>
+<p:sld xmlns:a="http://schemas.openxmlformats.org/drawingml/2006/main" xmlns:r="http://schemas.openxmlformats.org/officeDocument/2006/relationships" xmlns:p="http://schemas.openxmlformats.org/presentationml/2006/main">
+  <p:cSld>
+    <p:bg>
+      <p:bgPr>
+        <a:solidFill>
+          <a:schemeClr val="bg1">
+            <a:lumMod val="85000"/>
+          </a:schemeClr>
+        </a:solidFill>
+        <a:effectLst/>
+      </p:bgPr>
+    </p:bg>
+    <p:spTree>
+      <p:nvGrpSpPr>
+        <p:cNvPr id="1" name=""/>
+        <p:cNvGrpSpPr/>
+        <p:nvPr/>
+      </p:nvGrpSpPr>
+      <p:grpSpPr>
+        <a:xfrm>
+          <a:off x="0" y="0"/>
+          <a:ext cx="0" cy="0"/>
+          <a:chOff x="0" y="0"/>
+          <a:chExt cx="0" cy="0"/>
+        </a:xfrm>
+      </p:grpSpPr>
+      <p:sp>
+        <p:nvSpPr>
+          <p:cNvPr id="2" name="Title 1">
+            <a:extLst>
+              <a:ext uri="{FF2B5EF4-FFF2-40B4-BE49-F238E27FC236}">
+                <a16:creationId xmlns:a16="http://schemas.microsoft.com/office/drawing/2014/main" id="{E2F8D61A-151A-41D4-ACD1-C7ACE57DA0FE}"/>
+              </a:ext>
+            </a:extLst>
+          </p:cNvPr>
+          <p:cNvSpPr>
+            <a:spLocks noGrp="1"/>
+          </p:cNvSpPr>
+          <p:nvPr>
+            <p:ph type="title"/>
+          </p:nvPr>
+        </p:nvSpPr>
+        <p:spPr/>
+        <p:txBody>
+          <a:bodyPr/>
+          <a:lstStyle/>
+          <a:p>
+            <a:r>
+              <a:rPr lang="en-US" dirty="0"/>
+              <a:t>Database v3 </a:t>
+            </a:r>
+            <a:r>
+              <a:rPr lang="en-US" sz="2400" dirty="0"/>
+              <a:t>(8/6/2021)</a:t>
+            </a:r>
+            <a:endParaRPr lang="en-US" dirty="0"/>
+          </a:p>
+        </p:txBody>
+      </p:sp>
+      <p:sp>
+        <p:nvSpPr>
+          <p:cNvPr id="3" name="Content Placeholder 2">
+            <a:extLst>
+              <a:ext uri="{FF2B5EF4-FFF2-40B4-BE49-F238E27FC236}">
+                <a16:creationId xmlns:a16="http://schemas.microsoft.com/office/drawing/2014/main" id="{471E5327-8ED1-4525-8025-0617F94784D2}"/>
+              </a:ext>
+            </a:extLst>
+          </p:cNvPr>
+          <p:cNvSpPr>
+            <a:spLocks noGrp="1"/>
+          </p:cNvSpPr>
+          <p:nvPr>
+            <p:ph idx="1"/>
+          </p:nvPr>
+        </p:nvSpPr>
+        <p:spPr>
+          <a:xfrm>
+            <a:off x="838200" y="1359281"/>
+            <a:ext cx="10515600" cy="3933265"/>
+          </a:xfrm>
+        </p:spPr>
+        <p:txBody>
+          <a:bodyPr numCol="2">
+            <a:normAutofit/>
+          </a:bodyPr>
+          <a:lstStyle/>
+          <a:p>
+            <a:r>
+              <a:rPr lang="en-US" sz="1000" dirty="0"/>
+              <a:t>User table</a:t>
+            </a:r>
+          </a:p>
+          <a:p>
+            <a:pPr lvl="1"/>
+            <a:r>
+              <a:rPr lang="en-US" sz="900" dirty="0"/>
+              <a:t>Username</a:t>
+            </a:r>
+          </a:p>
+          <a:p>
+            <a:pPr lvl="1"/>
+            <a:r>
+              <a:rPr lang="en-US" sz="900" dirty="0"/>
+              <a:t>Email</a:t>
+            </a:r>
+          </a:p>
+          <a:p>
+            <a:pPr lvl="1"/>
+            <a:r>
+              <a:rPr lang="en-US" sz="900" dirty="0"/>
+              <a:t>Password</a:t>
+            </a:r>
+          </a:p>
+          <a:p>
+            <a:pPr lvl="1"/>
+            <a:r>
+              <a:rPr lang="en-US" sz="900" dirty="0"/>
+              <a:t>Permission (view nick’s data?)</a:t>
+            </a:r>
+          </a:p>
+          <a:p>
+            <a:pPr lvl="1"/>
+            <a:r>
+              <a:rPr lang="en-US" sz="900" dirty="0"/>
+              <a:t>Profile image</a:t>
+            </a:r>
+          </a:p>
+          <a:p>
+            <a:pPr lvl="1"/>
+            <a:r>
+              <a:rPr lang="en-US" sz="900" dirty="0"/>
+              <a:t>Time stamp registered</a:t>
+            </a:r>
+          </a:p>
+          <a:p>
+            <a:pPr lvl="1"/>
+            <a:r>
+              <a:rPr lang="en-US" sz="900" dirty="0"/>
+              <a:t>User </a:t>
+            </a:r>
+            <a:r>
+              <a:rPr lang="en-US" sz="900" dirty="0" err="1"/>
+              <a:t>timezone</a:t>
+            </a:r>
+            <a:endParaRPr lang="en-US" sz="900" dirty="0"/>
+          </a:p>
+          <a:p>
+            <a:r>
+              <a:rPr lang="en-US" sz="1000" dirty="0"/>
+              <a:t>Posts Table</a:t>
+            </a:r>
+          </a:p>
+          <a:p>
+            <a:r>
+              <a:rPr lang="en-US" sz="1000" dirty="0" err="1"/>
+              <a:t>Health_description</a:t>
+            </a:r>
+            <a:endParaRPr lang="en-US" sz="1000" dirty="0"/>
+          </a:p>
+          <a:p>
+            <a:pPr lvl="1"/>
+            <a:r>
+              <a:rPr lang="en-US" sz="900" dirty="0"/>
+              <a:t>Id</a:t>
+            </a:r>
+          </a:p>
+          <a:p>
+            <a:pPr lvl="1"/>
+            <a:r>
+              <a:rPr lang="en-US" sz="900" dirty="0" err="1"/>
+              <a:t>User_id</a:t>
+            </a:r>
+            <a:r>
+              <a:rPr lang="en-US" sz="900" dirty="0"/>
+              <a:t>(foreign key)</a:t>
+            </a:r>
+          </a:p>
+          <a:p>
+            <a:pPr lvl="1"/>
+            <a:r>
+              <a:rPr lang="en-US" sz="900" dirty="0"/>
+              <a:t>Var activity (walking, running, empty is okay for something like mood)</a:t>
+            </a:r>
+          </a:p>
+          <a:p>
+            <a:pPr lvl="1"/>
+            <a:r>
+              <a:rPr lang="en-US" sz="900" dirty="0" err="1"/>
+              <a:t>var_type</a:t>
+            </a:r>
+            <a:r>
+              <a:rPr lang="en-US" sz="900" dirty="0"/>
+              <a:t> (mood, weight, heart rate (instance), etc.,) – LB standardized</a:t>
+            </a:r>
+          </a:p>
+          <a:p>
+            <a:pPr lvl="1"/>
+            <a:r>
+              <a:rPr lang="en-US" sz="900" dirty="0" err="1"/>
+              <a:t>Var_periodicity</a:t>
+            </a:r>
+            <a:r>
+              <a:rPr lang="en-US" sz="900" dirty="0"/>
+              <a:t> – days, seconds (</a:t>
+            </a:r>
+            <a:r>
+              <a:rPr lang="en-US" sz="900" dirty="0" err="1"/>
+              <a:t>i.e</a:t>
+            </a:r>
+            <a:r>
+              <a:rPr lang="en-US" sz="900" dirty="0"/>
+              <a:t> what are the measurements in – maybe redundant to </a:t>
+            </a:r>
+            <a:r>
+              <a:rPr lang="en-US" sz="900" dirty="0" err="1"/>
+              <a:t>var_unit</a:t>
+            </a:r>
+            <a:r>
+              <a:rPr lang="en-US" sz="900" dirty="0"/>
+              <a:t>?)</a:t>
+            </a:r>
+          </a:p>
+          <a:p>
+            <a:pPr lvl="1"/>
+            <a:r>
+              <a:rPr lang="en-US" sz="900" dirty="0" err="1"/>
+              <a:t>var_unit</a:t>
+            </a:r>
+            <a:r>
+              <a:rPr lang="en-US" sz="900" dirty="0"/>
+              <a:t>– LB will standardize across data sets</a:t>
+            </a:r>
+          </a:p>
+          <a:p>
+            <a:pPr lvl="1"/>
+            <a:r>
+              <a:rPr lang="en-US" sz="900" dirty="0" err="1"/>
+              <a:t>var_timezone_utc_delta_in_mins</a:t>
+            </a:r>
+            <a:r>
+              <a:rPr lang="en-US" sz="900" dirty="0"/>
+              <a:t> = </a:t>
+            </a:r>
+            <a:r>
+              <a:rPr lang="en-US" sz="900" dirty="0" err="1"/>
+              <a:t>db.Column</a:t>
+            </a:r>
+            <a:r>
+              <a:rPr lang="en-US" sz="900" dirty="0"/>
+              <a:t>(</a:t>
+            </a:r>
+            <a:r>
+              <a:rPr lang="en-US" sz="900" dirty="0" err="1"/>
+              <a:t>db.Float</a:t>
+            </a:r>
+            <a:r>
+              <a:rPr lang="en-US" sz="900" dirty="0"/>
+              <a:t>) #difference </a:t>
+            </a:r>
+            <a:r>
+              <a:rPr lang="en-US" sz="900" dirty="0" err="1"/>
+              <a:t>bewteen</a:t>
+            </a:r>
+            <a:r>
+              <a:rPr lang="en-US" sz="900" dirty="0"/>
+              <a:t> </a:t>
+            </a:r>
+            <a:r>
+              <a:rPr lang="en-US" sz="900" dirty="0" err="1"/>
+              <a:t>utc</a:t>
+            </a:r>
+            <a:r>
+              <a:rPr lang="en-US" sz="900" dirty="0"/>
+              <a:t> and </a:t>
+            </a:r>
+            <a:r>
+              <a:rPr lang="en-US" sz="900" dirty="0" err="1"/>
+              <a:t>timezone</a:t>
+            </a:r>
+            <a:r>
+              <a:rPr lang="en-US" sz="900" dirty="0"/>
+              <a:t> of exercise</a:t>
+            </a:r>
+          </a:p>
+          <a:p>
+            <a:pPr lvl="1"/>
+            <a:r>
+              <a:rPr lang="en-US" sz="900" dirty="0" err="1"/>
+              <a:t>time_stamp_utc</a:t>
+            </a:r>
+            <a:r>
+              <a:rPr lang="en-US" sz="900" dirty="0"/>
+              <a:t> – time stamp of entry </a:t>
+            </a:r>
+          </a:p>
+          <a:p>
+            <a:pPr lvl="1"/>
+            <a:endParaRPr lang="en-US" sz="900" dirty="0"/>
+          </a:p>
+          <a:p>
+            <a:endParaRPr lang="en-US" sz="1000" dirty="0"/>
+          </a:p>
+          <a:p>
+            <a:r>
+              <a:rPr lang="en-US" sz="1000" dirty="0" err="1"/>
+              <a:t>Health_measure</a:t>
+            </a:r>
+            <a:endParaRPr lang="en-US" sz="1000" dirty="0"/>
+          </a:p>
+          <a:p>
+            <a:pPr lvl="1"/>
+            <a:r>
+              <a:rPr lang="en-US" sz="900" dirty="0"/>
+              <a:t>Id</a:t>
+            </a:r>
+          </a:p>
+          <a:p>
+            <a:pPr lvl="1"/>
+            <a:r>
+              <a:rPr lang="en-US" sz="900"/>
+              <a:t>description_</a:t>
+            </a:r>
+            <a:r>
+              <a:rPr lang="en-US" sz="900" dirty="0" err="1"/>
+              <a:t>id</a:t>
+            </a:r>
+            <a:r>
+              <a:rPr lang="en-US" sz="900" dirty="0"/>
+              <a:t> (foreign key)</a:t>
+            </a:r>
+          </a:p>
+          <a:p>
+            <a:pPr lvl="1"/>
+            <a:r>
+              <a:rPr lang="en-US" sz="900" dirty="0" err="1"/>
+              <a:t>var_datetime_utc</a:t>
+            </a:r>
+            <a:r>
+              <a:rPr lang="en-US" sz="900" dirty="0"/>
+              <a:t>  (Date, hour, min, sec converted to </a:t>
+            </a:r>
+            <a:r>
+              <a:rPr lang="en-US" sz="900" dirty="0" err="1"/>
+              <a:t>utc</a:t>
+            </a:r>
+            <a:r>
+              <a:rPr lang="en-US" sz="900" dirty="0"/>
+              <a:t>)</a:t>
+            </a:r>
+          </a:p>
+          <a:p>
+            <a:pPr lvl="1"/>
+            <a:r>
+              <a:rPr lang="en-US" sz="900" dirty="0" err="1"/>
+              <a:t>Var_value</a:t>
+            </a:r>
+            <a:r>
+              <a:rPr lang="en-US" sz="900" dirty="0"/>
+              <a:t> [measurement]</a:t>
+            </a:r>
+          </a:p>
+          <a:p>
+            <a:pPr lvl="1"/>
+            <a:endParaRPr lang="en-US" sz="900" dirty="0"/>
+          </a:p>
+        </p:txBody>
+      </p:sp>
+      <p:sp>
+        <p:nvSpPr>
+          <p:cNvPr id="4" name="TextBox 3">
+            <a:extLst>
+              <a:ext uri="{FF2B5EF4-FFF2-40B4-BE49-F238E27FC236}">
+                <a16:creationId xmlns:a16="http://schemas.microsoft.com/office/drawing/2014/main" id="{16AC410D-4FDE-4ECD-8104-91DD87EC4AB5}"/>
+              </a:ext>
+            </a:extLst>
+          </p:cNvPr>
+          <p:cNvSpPr txBox="1"/>
+          <p:nvPr/>
+        </p:nvSpPr>
+        <p:spPr>
+          <a:xfrm>
+            <a:off x="335280" y="5292546"/>
+            <a:ext cx="5590032" cy="1200329"/>
+          </a:xfrm>
+          <a:prstGeom prst="rect">
+            <a:avLst/>
+          </a:prstGeom>
+          <a:noFill/>
+        </p:spPr>
+        <p:txBody>
+          <a:bodyPr wrap="square" rtlCol="0">
+            <a:spAutoFit/>
+          </a:bodyPr>
+          <a:lstStyle/>
+          <a:p>
+            <a:r>
+              <a:rPr lang="en-US" dirty="0"/>
+              <a:t>Data upload processing steps:</a:t>
+            </a:r>
+          </a:p>
+          <a:p>
+            <a:pPr marL="342900" indent="-342900">
+              <a:buFont typeface="+mj-lt"/>
+              <a:buAutoNum type="arabicPeriod"/>
+            </a:pPr>
+            <a:r>
+              <a:rPr lang="en-US" dirty="0"/>
+              <a:t>Data gets uploaded through web or phone app. </a:t>
+            </a:r>
+          </a:p>
+          <a:p>
+            <a:pPr marL="342900" indent="-342900">
+              <a:buFont typeface="+mj-lt"/>
+              <a:buAutoNum type="arabicPeriod"/>
+            </a:pPr>
+            <a:r>
+              <a:rPr lang="en-US" dirty="0"/>
+              <a:t>Backend converts the input data to fit in Variable table via pandas </a:t>
+            </a:r>
+            <a:r>
+              <a:rPr lang="en-US" dirty="0" err="1"/>
+              <a:t>dataframe</a:t>
+            </a:r>
+            <a:r>
+              <a:rPr lang="en-US" dirty="0"/>
+              <a:t>. </a:t>
+            </a:r>
+          </a:p>
+        </p:txBody>
+      </p:sp>
+      <p:sp>
+        <p:nvSpPr>
+          <p:cNvPr id="5" name="TextBox 4">
+            <a:extLst>
+              <a:ext uri="{FF2B5EF4-FFF2-40B4-BE49-F238E27FC236}">
+                <a16:creationId xmlns:a16="http://schemas.microsoft.com/office/drawing/2014/main" id="{E2302978-4299-4BE6-87E5-0A396DEBDAD0}"/>
+              </a:ext>
+            </a:extLst>
+          </p:cNvPr>
+          <p:cNvSpPr txBox="1"/>
+          <p:nvPr/>
+        </p:nvSpPr>
+        <p:spPr>
+          <a:xfrm>
+            <a:off x="6275832" y="5310834"/>
+            <a:ext cx="5580888" cy="1200329"/>
+          </a:xfrm>
+          <a:prstGeom prst="rect">
+            <a:avLst/>
+          </a:prstGeom>
+          <a:noFill/>
+        </p:spPr>
+        <p:txBody>
+          <a:bodyPr wrap="square" rtlCol="0">
+            <a:spAutoFit/>
+          </a:bodyPr>
+          <a:lstStyle/>
+          <a:p>
+            <a:r>
+              <a:rPr lang="en-US" dirty="0"/>
+              <a:t>Data report processing steps:</a:t>
+            </a:r>
+          </a:p>
+          <a:p>
+            <a:pPr marL="342900" indent="-342900">
+              <a:buFont typeface="+mj-lt"/>
+              <a:buAutoNum type="arabicPeriod"/>
+            </a:pPr>
+            <a:r>
+              <a:rPr lang="en-US" dirty="0"/>
+              <a:t>Collect data from database into </a:t>
+            </a:r>
+            <a:r>
+              <a:rPr lang="en-US" dirty="0" err="1"/>
+              <a:t>dataframe</a:t>
+            </a:r>
+            <a:r>
+              <a:rPr lang="en-US" dirty="0"/>
+              <a:t>.</a:t>
+            </a:r>
+          </a:p>
+          <a:p>
+            <a:pPr marL="342900" indent="-342900">
+              <a:buFont typeface="+mj-lt"/>
+              <a:buAutoNum type="arabicPeriod"/>
+            </a:pPr>
+            <a:r>
+              <a:rPr lang="en-US" dirty="0"/>
+              <a:t>Convert </a:t>
+            </a:r>
+            <a:r>
+              <a:rPr lang="en-US" dirty="0" err="1"/>
+              <a:t>dataframe</a:t>
+            </a:r>
+            <a:r>
+              <a:rPr lang="en-US" dirty="0"/>
+              <a:t> to format for chart, table or </a:t>
+            </a:r>
+            <a:r>
+              <a:rPr lang="en-US" dirty="0" err="1"/>
+              <a:t>excelt</a:t>
+            </a:r>
+            <a:r>
+              <a:rPr lang="en-US" dirty="0"/>
+              <a:t> </a:t>
+            </a:r>
+            <a:r>
+              <a:rPr lang="en-US"/>
+              <a:t>report.</a:t>
+            </a:r>
+            <a:endParaRPr lang="en-US" dirty="0"/>
+          </a:p>
+        </p:txBody>
+      </p:sp>
+    </p:spTree>
+    <p:extLst>
+      <p:ext uri="{BB962C8B-B14F-4D97-AF65-F5344CB8AC3E}">
+        <p14:creationId xmlns:p14="http://schemas.microsoft.com/office/powerpoint/2010/main" val="1489088610"/>
       </p:ext>
     </p:extLst>
   </p:cSld>

--- a/misc/Life Buddy Web App.pptx
+++ b/misc/Life Buddy Web App.pptx
@@ -14,7 +14,9 @@
     <p:sldId id="261" r:id="rId8"/>
     <p:sldId id="262" r:id="rId9"/>
     <p:sldId id="264" r:id="rId10"/>
-    <p:sldId id="263" r:id="rId11"/>
+    <p:sldId id="266" r:id="rId11"/>
+    <p:sldId id="263" r:id="rId12"/>
+    <p:sldId id="267" r:id="rId13"/>
   </p:sldIdLst>
   <p:sldSz cx="12192000" cy="6858000"/>
   <p:notesSz cx="6858000" cy="9144000"/>
@@ -124,13 +126,115 @@
 <file path=ppt/revisionInfo.xml><?xml version="1.0" encoding="utf-8"?>
 <p1510:revInfo xmlns:a="http://schemas.openxmlformats.org/drawingml/2006/main" xmlns:r="http://schemas.openxmlformats.org/officeDocument/2006/relationships" xmlns:p1510="http://schemas.microsoft.com/office/powerpoint/2015/10/main">
   <p1510:revLst>
-    <p1510:client id="{E396DAB5-DBA8-4C3B-B27B-31FB2DF75A1E}" v="240" dt="2021-08-09T07:03:35.083"/>
+    <p1510:client id="{61D0E4F8-35B2-4445-9C68-7A7BC5B8BD76}" v="11" dt="2021-08-18T05:40:50.039"/>
   </p1510:revLst>
 </p1510:revInfo>
 </file>
 
 <file path=ppt/changesInfos/changesInfo1.xml><?xml version="1.0" encoding="utf-8"?>
 <pc:chgInfo xmlns:a="http://schemas.openxmlformats.org/drawingml/2006/main" xmlns:r="http://schemas.openxmlformats.org/officeDocument/2006/relationships" xmlns:ac="http://schemas.microsoft.com/office/drawing/2013/main/command" xmlns:pc="http://schemas.microsoft.com/office/powerpoint/2013/main/command">
+  <pc:docChgLst>
+    <pc:chgData name="Nick Rodriguez" userId="60df6d5feed7ac60" providerId="LiveId" clId="{61D0E4F8-35B2-4445-9C68-7A7BC5B8BD76}"/>
+    <pc:docChg chg="undo custSel addSld modSld">
+      <pc:chgData name="Nick Rodriguez" userId="60df6d5feed7ac60" providerId="LiveId" clId="{61D0E4F8-35B2-4445-9C68-7A7BC5B8BD76}" dt="2021-08-18T05:49:09.541" v="456" actId="20577"/>
+      <pc:docMkLst>
+        <pc:docMk/>
+      </pc:docMkLst>
+      <pc:sldChg chg="addSp delSp mod">
+        <pc:chgData name="Nick Rodriguez" userId="60df6d5feed7ac60" providerId="LiveId" clId="{61D0E4F8-35B2-4445-9C68-7A7BC5B8BD76}" dt="2021-08-17T11:22:07.385" v="249" actId="22"/>
+        <pc:sldMkLst>
+          <pc:docMk/>
+          <pc:sldMk cId="4080612181" sldId="263"/>
+        </pc:sldMkLst>
+        <pc:spChg chg="add del">
+          <ac:chgData name="Nick Rodriguez" userId="60df6d5feed7ac60" providerId="LiveId" clId="{61D0E4F8-35B2-4445-9C68-7A7BC5B8BD76}" dt="2021-08-17T11:22:07.385" v="249" actId="22"/>
+          <ac:spMkLst>
+            <pc:docMk/>
+            <pc:sldMk cId="4080612181" sldId="263"/>
+            <ac:spMk id="7" creationId="{5F4787B6-93BF-43C5-BA38-C167CEB9B7AC}"/>
+          </ac:spMkLst>
+        </pc:spChg>
+      </pc:sldChg>
+      <pc:sldChg chg="modSp add mod setBg">
+        <pc:chgData name="Nick Rodriguez" userId="60df6d5feed7ac60" providerId="LiveId" clId="{61D0E4F8-35B2-4445-9C68-7A7BC5B8BD76}" dt="2021-08-18T05:49:09.541" v="456" actId="20577"/>
+        <pc:sldMkLst>
+          <pc:docMk/>
+          <pc:sldMk cId="2460427629" sldId="266"/>
+        </pc:sldMkLst>
+        <pc:spChg chg="mod">
+          <ac:chgData name="Nick Rodriguez" userId="60df6d5feed7ac60" providerId="LiveId" clId="{61D0E4F8-35B2-4445-9C68-7A7BC5B8BD76}" dt="2021-08-17T03:32:52.999" v="3" actId="20577"/>
+          <ac:spMkLst>
+            <pc:docMk/>
+            <pc:sldMk cId="2460427629" sldId="266"/>
+            <ac:spMk id="2" creationId="{E2F8D61A-151A-41D4-ACD1-C7ACE57DA0FE}"/>
+          </ac:spMkLst>
+        </pc:spChg>
+        <pc:spChg chg="mod">
+          <ac:chgData name="Nick Rodriguez" userId="60df6d5feed7ac60" providerId="LiveId" clId="{61D0E4F8-35B2-4445-9C68-7A7BC5B8BD76}" dt="2021-08-18T05:49:09.541" v="456" actId="20577"/>
+          <ac:spMkLst>
+            <pc:docMk/>
+            <pc:sldMk cId="2460427629" sldId="266"/>
+            <ac:spMk id="3" creationId="{471E5327-8ED1-4525-8025-0617F94784D2}"/>
+          </ac:spMkLst>
+        </pc:spChg>
+      </pc:sldChg>
+      <pc:sldChg chg="addSp delSp modSp add mod">
+        <pc:chgData name="Nick Rodriguez" userId="60df6d5feed7ac60" providerId="LiveId" clId="{61D0E4F8-35B2-4445-9C68-7A7BC5B8BD76}" dt="2021-08-17T14:40:02.188" v="323" actId="20577"/>
+        <pc:sldMkLst>
+          <pc:docMk/>
+          <pc:sldMk cId="2267054047" sldId="267"/>
+        </pc:sldMkLst>
+        <pc:spChg chg="mod">
+          <ac:chgData name="Nick Rodriguez" userId="60df6d5feed7ac60" providerId="LiveId" clId="{61D0E4F8-35B2-4445-9C68-7A7BC5B8BD76}" dt="2021-08-17T11:22:58.845" v="295" actId="20577"/>
+          <ac:spMkLst>
+            <pc:docMk/>
+            <pc:sldMk cId="2267054047" sldId="267"/>
+            <ac:spMk id="2" creationId="{9732167D-70E6-492E-8CD4-228276C98778}"/>
+          </ac:spMkLst>
+        </pc:spChg>
+        <pc:spChg chg="mod">
+          <ac:chgData name="Nick Rodriguez" userId="60df6d5feed7ac60" providerId="LiveId" clId="{61D0E4F8-35B2-4445-9C68-7A7BC5B8BD76}" dt="2021-08-17T14:39:30.732" v="306" actId="1076"/>
+          <ac:spMkLst>
+            <pc:docMk/>
+            <pc:sldMk cId="2267054047" sldId="267"/>
+            <ac:spMk id="3" creationId="{AC3D23B7-A69F-4034-971F-9EFCD31B22C3}"/>
+          </ac:spMkLst>
+        </pc:spChg>
+        <pc:spChg chg="add mod">
+          <ac:chgData name="Nick Rodriguez" userId="60df6d5feed7ac60" providerId="LiveId" clId="{61D0E4F8-35B2-4445-9C68-7A7BC5B8BD76}" dt="2021-08-17T14:40:02.188" v="323" actId="20577"/>
+          <ac:spMkLst>
+            <pc:docMk/>
+            <pc:sldMk cId="2267054047" sldId="267"/>
+            <ac:spMk id="4" creationId="{16A92D4A-C192-498A-9AF5-165CBA52D7AF}"/>
+          </ac:spMkLst>
+        </pc:spChg>
+        <pc:spChg chg="del">
+          <ac:chgData name="Nick Rodriguez" userId="60df6d5feed7ac60" providerId="LiveId" clId="{61D0E4F8-35B2-4445-9C68-7A7BC5B8BD76}" dt="2021-08-17T14:39:28.311" v="305" actId="478"/>
+          <ac:spMkLst>
+            <pc:docMk/>
+            <pc:sldMk cId="2267054047" sldId="267"/>
+            <ac:spMk id="5" creationId="{B29E550D-906A-4336-BA71-9E8F021BF747}"/>
+          </ac:spMkLst>
+        </pc:spChg>
+        <pc:spChg chg="del">
+          <ac:chgData name="Nick Rodriguez" userId="60df6d5feed7ac60" providerId="LiveId" clId="{61D0E4F8-35B2-4445-9C68-7A7BC5B8BD76}" dt="2021-08-17T14:39:26.636" v="304" actId="478"/>
+          <ac:spMkLst>
+            <pc:docMk/>
+            <pc:sldMk cId="2267054047" sldId="267"/>
+            <ac:spMk id="6" creationId="{1757093B-8DCF-43B2-9BC3-3028B6254A99}"/>
+          </ac:spMkLst>
+        </pc:spChg>
+        <pc:picChg chg="add del">
+          <ac:chgData name="Nick Rodriguez" userId="60df6d5feed7ac60" providerId="LiveId" clId="{61D0E4F8-35B2-4445-9C68-7A7BC5B8BD76}" dt="2021-08-17T14:39:11.757" v="302"/>
+          <ac:picMkLst>
+            <pc:docMk/>
+            <pc:sldMk cId="2267054047" sldId="267"/>
+            <ac:picMk id="1026" creationId="{CDCC746C-8476-4392-AAC2-3AB007B38B9E}"/>
+          </ac:picMkLst>
+        </pc:picChg>
+      </pc:sldChg>
+    </pc:docChg>
+  </pc:docChgLst>
   <pc:docChgLst>
     <pc:chgData name="Nick Rodriguez" userId="60df6d5feed7ac60" providerId="LiveId" clId="{E396DAB5-DBA8-4C3B-B27B-31FB2DF75A1E}"/>
     <pc:docChg chg="undo custSel addSld modSld">
@@ -707,7 +811,7 @@
           <a:p>
             <a:fld id="{D57D165D-784C-428F-B501-6E9E9CABBFA2}" type="datetimeFigureOut">
               <a:rPr lang="en-US" smtClean="0"/>
-              <a:t>8/9/2021</a:t>
+              <a:t>8/17/2021</a:t>
             </a:fld>
             <a:endParaRPr lang="en-US"/>
           </a:p>
@@ -905,7 +1009,7 @@
           <a:p>
             <a:fld id="{D57D165D-784C-428F-B501-6E9E9CABBFA2}" type="datetimeFigureOut">
               <a:rPr lang="en-US" smtClean="0"/>
-              <a:t>8/9/2021</a:t>
+              <a:t>8/17/2021</a:t>
             </a:fld>
             <a:endParaRPr lang="en-US"/>
           </a:p>
@@ -1113,7 +1217,7 @@
           <a:p>
             <a:fld id="{D57D165D-784C-428F-B501-6E9E9CABBFA2}" type="datetimeFigureOut">
               <a:rPr lang="en-US" smtClean="0"/>
-              <a:t>8/9/2021</a:t>
+              <a:t>8/17/2021</a:t>
             </a:fld>
             <a:endParaRPr lang="en-US"/>
           </a:p>
@@ -1311,7 +1415,7 @@
           <a:p>
             <a:fld id="{D57D165D-784C-428F-B501-6E9E9CABBFA2}" type="datetimeFigureOut">
               <a:rPr lang="en-US" smtClean="0"/>
-              <a:t>8/9/2021</a:t>
+              <a:t>8/17/2021</a:t>
             </a:fld>
             <a:endParaRPr lang="en-US"/>
           </a:p>
@@ -1586,7 +1690,7 @@
           <a:p>
             <a:fld id="{D57D165D-784C-428F-B501-6E9E9CABBFA2}" type="datetimeFigureOut">
               <a:rPr lang="en-US" smtClean="0"/>
-              <a:t>8/9/2021</a:t>
+              <a:t>8/17/2021</a:t>
             </a:fld>
             <a:endParaRPr lang="en-US"/>
           </a:p>
@@ -1851,7 +1955,7 @@
           <a:p>
             <a:fld id="{D57D165D-784C-428F-B501-6E9E9CABBFA2}" type="datetimeFigureOut">
               <a:rPr lang="en-US" smtClean="0"/>
-              <a:t>8/9/2021</a:t>
+              <a:t>8/17/2021</a:t>
             </a:fld>
             <a:endParaRPr lang="en-US"/>
           </a:p>
@@ -2263,7 +2367,7 @@
           <a:p>
             <a:fld id="{D57D165D-784C-428F-B501-6E9E9CABBFA2}" type="datetimeFigureOut">
               <a:rPr lang="en-US" smtClean="0"/>
-              <a:t>8/9/2021</a:t>
+              <a:t>8/17/2021</a:t>
             </a:fld>
             <a:endParaRPr lang="en-US"/>
           </a:p>
@@ -2404,7 +2508,7 @@
           <a:p>
             <a:fld id="{D57D165D-784C-428F-B501-6E9E9CABBFA2}" type="datetimeFigureOut">
               <a:rPr lang="en-US" smtClean="0"/>
-              <a:t>8/9/2021</a:t>
+              <a:t>8/17/2021</a:t>
             </a:fld>
             <a:endParaRPr lang="en-US"/>
           </a:p>
@@ -2517,7 +2621,7 @@
           <a:p>
             <a:fld id="{D57D165D-784C-428F-B501-6E9E9CABBFA2}" type="datetimeFigureOut">
               <a:rPr lang="en-US" smtClean="0"/>
-              <a:t>8/9/2021</a:t>
+              <a:t>8/17/2021</a:t>
             </a:fld>
             <a:endParaRPr lang="en-US"/>
           </a:p>
@@ -2828,7 +2932,7 @@
           <a:p>
             <a:fld id="{D57D165D-784C-428F-B501-6E9E9CABBFA2}" type="datetimeFigureOut">
               <a:rPr lang="en-US" smtClean="0"/>
-              <a:t>8/9/2021</a:t>
+              <a:t>8/17/2021</a:t>
             </a:fld>
             <a:endParaRPr lang="en-US"/>
           </a:p>
@@ -3116,7 +3220,7 @@
           <a:p>
             <a:fld id="{D57D165D-784C-428F-B501-6E9E9CABBFA2}" type="datetimeFigureOut">
               <a:rPr lang="en-US" smtClean="0"/>
-              <a:t>8/9/2021</a:t>
+              <a:t>8/17/2021</a:t>
             </a:fld>
             <a:endParaRPr lang="en-US"/>
           </a:p>
@@ -3357,7 +3461,7 @@
           <a:p>
             <a:fld id="{D57D165D-784C-428F-B501-6E9E9CABBFA2}" type="datetimeFigureOut">
               <a:rPr lang="en-US" smtClean="0"/>
-              <a:t>8/9/2021</a:t>
+              <a:t>8/17/2021</a:t>
             </a:fld>
             <a:endParaRPr lang="en-US"/>
           </a:p>
@@ -3850,6 +3954,623 @@
 </file>
 
 <file path=ppt/slides/slide10.xml><?xml version="1.0" encoding="utf-8"?>
+<p:sld xmlns:a="http://schemas.openxmlformats.org/drawingml/2006/main" xmlns:r="http://schemas.openxmlformats.org/officeDocument/2006/relationships" xmlns:p="http://schemas.openxmlformats.org/presentationml/2006/main">
+  <p:cSld>
+    <p:bg>
+      <p:bgPr>
+        <a:solidFill>
+          <a:schemeClr val="bg1">
+            <a:lumMod val="85000"/>
+          </a:schemeClr>
+        </a:solidFill>
+        <a:effectLst/>
+      </p:bgPr>
+    </p:bg>
+    <p:spTree>
+      <p:nvGrpSpPr>
+        <p:cNvPr id="1" name=""/>
+        <p:cNvGrpSpPr/>
+        <p:nvPr/>
+      </p:nvGrpSpPr>
+      <p:grpSpPr>
+        <a:xfrm>
+          <a:off x="0" y="0"/>
+          <a:ext cx="0" cy="0"/>
+          <a:chOff x="0" y="0"/>
+          <a:chExt cx="0" cy="0"/>
+        </a:xfrm>
+      </p:grpSpPr>
+      <p:sp>
+        <p:nvSpPr>
+          <p:cNvPr id="2" name="Title 1">
+            <a:extLst>
+              <a:ext uri="{FF2B5EF4-FFF2-40B4-BE49-F238E27FC236}">
+                <a16:creationId xmlns:a16="http://schemas.microsoft.com/office/drawing/2014/main" id="{E2F8D61A-151A-41D4-ACD1-C7ACE57DA0FE}"/>
+              </a:ext>
+            </a:extLst>
+          </p:cNvPr>
+          <p:cNvSpPr>
+            <a:spLocks noGrp="1"/>
+          </p:cNvSpPr>
+          <p:nvPr>
+            <p:ph type="title"/>
+          </p:nvPr>
+        </p:nvSpPr>
+        <p:spPr/>
+        <p:txBody>
+          <a:bodyPr/>
+          <a:lstStyle/>
+          <a:p>
+            <a:r>
+              <a:rPr lang="en-US" dirty="0"/>
+              <a:t>Database v3 </a:t>
+            </a:r>
+            <a:r>
+              <a:rPr lang="en-US" sz="2400" dirty="0"/>
+              <a:t>(8/17/2021)</a:t>
+            </a:r>
+            <a:endParaRPr lang="en-US" dirty="0"/>
+          </a:p>
+        </p:txBody>
+      </p:sp>
+      <p:sp>
+        <p:nvSpPr>
+          <p:cNvPr id="3" name="Content Placeholder 2">
+            <a:extLst>
+              <a:ext uri="{FF2B5EF4-FFF2-40B4-BE49-F238E27FC236}">
+                <a16:creationId xmlns:a16="http://schemas.microsoft.com/office/drawing/2014/main" id="{471E5327-8ED1-4525-8025-0617F94784D2}"/>
+              </a:ext>
+            </a:extLst>
+          </p:cNvPr>
+          <p:cNvSpPr>
+            <a:spLocks noGrp="1"/>
+          </p:cNvSpPr>
+          <p:nvPr>
+            <p:ph idx="1"/>
+          </p:nvPr>
+        </p:nvSpPr>
+        <p:spPr>
+          <a:xfrm>
+            <a:off x="838200" y="1359281"/>
+            <a:ext cx="10515600" cy="3933265"/>
+          </a:xfrm>
+        </p:spPr>
+        <p:txBody>
+          <a:bodyPr numCol="2">
+            <a:normAutofit/>
+          </a:bodyPr>
+          <a:lstStyle/>
+          <a:p>
+            <a:r>
+              <a:rPr lang="en-US" sz="1000" dirty="0"/>
+              <a:t>User table</a:t>
+            </a:r>
+          </a:p>
+          <a:p>
+            <a:pPr lvl="1"/>
+            <a:r>
+              <a:rPr lang="en-US" sz="900" dirty="0"/>
+              <a:t>Username</a:t>
+            </a:r>
+          </a:p>
+          <a:p>
+            <a:pPr lvl="1"/>
+            <a:r>
+              <a:rPr lang="en-US" sz="900" dirty="0"/>
+              <a:t>Email</a:t>
+            </a:r>
+          </a:p>
+          <a:p>
+            <a:pPr lvl="1"/>
+            <a:r>
+              <a:rPr lang="en-US" sz="900" dirty="0"/>
+              <a:t>Password</a:t>
+            </a:r>
+          </a:p>
+          <a:p>
+            <a:pPr lvl="1"/>
+            <a:r>
+              <a:rPr lang="en-US" sz="900" dirty="0"/>
+              <a:t>Permission (view nick’s data?)</a:t>
+            </a:r>
+          </a:p>
+          <a:p>
+            <a:pPr lvl="1"/>
+            <a:r>
+              <a:rPr lang="en-US" sz="900" dirty="0"/>
+              <a:t>Profile image</a:t>
+            </a:r>
+          </a:p>
+          <a:p>
+            <a:pPr lvl="1"/>
+            <a:r>
+              <a:rPr lang="en-US" sz="900" dirty="0"/>
+              <a:t>Time stamp registered</a:t>
+            </a:r>
+          </a:p>
+          <a:p>
+            <a:pPr lvl="1"/>
+            <a:r>
+              <a:rPr lang="en-US" sz="900" dirty="0"/>
+              <a:t>User </a:t>
+            </a:r>
+            <a:r>
+              <a:rPr lang="en-US" sz="900" dirty="0" err="1"/>
+              <a:t>timezone</a:t>
+            </a:r>
+            <a:endParaRPr lang="en-US" sz="900" dirty="0"/>
+          </a:p>
+          <a:p>
+            <a:r>
+              <a:rPr lang="en-US" sz="1000" dirty="0"/>
+              <a:t>Posts Table</a:t>
+            </a:r>
+          </a:p>
+          <a:p>
+            <a:r>
+              <a:rPr lang="en-US" sz="1000" dirty="0" err="1"/>
+              <a:t>Health_description</a:t>
+            </a:r>
+            <a:endParaRPr lang="en-US" sz="1000" dirty="0"/>
+          </a:p>
+          <a:p>
+            <a:pPr lvl="1"/>
+            <a:r>
+              <a:rPr lang="en-US" sz="900" dirty="0"/>
+              <a:t>Id</a:t>
+            </a:r>
+          </a:p>
+          <a:p>
+            <a:pPr lvl="1"/>
+            <a:r>
+              <a:rPr lang="en-US" sz="900" dirty="0" err="1"/>
+              <a:t>User_id</a:t>
+            </a:r>
+            <a:r>
+              <a:rPr lang="en-US" sz="900" dirty="0"/>
+              <a:t>(foreign key)</a:t>
+            </a:r>
+          </a:p>
+          <a:p>
+            <a:pPr lvl="1"/>
+            <a:r>
+              <a:rPr lang="en-US" sz="900" dirty="0"/>
+              <a:t>Var activity (walking, running, empty is okay for something like mood)</a:t>
+            </a:r>
+          </a:p>
+          <a:p>
+            <a:pPr lvl="1"/>
+            <a:r>
+              <a:rPr lang="en-US" sz="900" dirty="0" err="1"/>
+              <a:t>var_type</a:t>
+            </a:r>
+            <a:r>
+              <a:rPr lang="en-US" sz="900" dirty="0"/>
+              <a:t> (mood, weight, heart rate (instance), etc.,) – LB standardized</a:t>
+            </a:r>
+          </a:p>
+          <a:p>
+            <a:pPr lvl="1"/>
+            <a:r>
+              <a:rPr lang="en-US" sz="900" dirty="0" err="1"/>
+              <a:t>Var_periodicity</a:t>
+            </a:r>
+            <a:r>
+              <a:rPr lang="en-US" sz="900" dirty="0"/>
+              <a:t> – days, seconds (</a:t>
+            </a:r>
+            <a:r>
+              <a:rPr lang="en-US" sz="900" dirty="0" err="1"/>
+              <a:t>i.e</a:t>
+            </a:r>
+            <a:r>
+              <a:rPr lang="en-US" sz="900" dirty="0"/>
+              <a:t> what are the measurements in – maybe redundant to </a:t>
+            </a:r>
+            <a:r>
+              <a:rPr lang="en-US" sz="900" dirty="0" err="1"/>
+              <a:t>var_unit</a:t>
+            </a:r>
+            <a:r>
+              <a:rPr lang="en-US" sz="900" dirty="0"/>
+              <a:t>?)</a:t>
+            </a:r>
+          </a:p>
+          <a:p>
+            <a:pPr lvl="1"/>
+            <a:r>
+              <a:rPr lang="en-US" sz="900" dirty="0" err="1"/>
+              <a:t>var_unit</a:t>
+            </a:r>
+            <a:r>
+              <a:rPr lang="en-US" sz="900" dirty="0"/>
+              <a:t>– LB will standardize across data sets</a:t>
+            </a:r>
+          </a:p>
+          <a:p>
+            <a:pPr lvl="1"/>
+            <a:r>
+              <a:rPr lang="en-US" sz="900" dirty="0" err="1"/>
+              <a:t>var_timezone_utc_delta_in_mins</a:t>
+            </a:r>
+            <a:r>
+              <a:rPr lang="en-US" sz="900" dirty="0"/>
+              <a:t> = </a:t>
+            </a:r>
+            <a:r>
+              <a:rPr lang="en-US" sz="900" dirty="0" err="1"/>
+              <a:t>db.Column</a:t>
+            </a:r>
+            <a:r>
+              <a:rPr lang="en-US" sz="900" dirty="0"/>
+              <a:t>(</a:t>
+            </a:r>
+            <a:r>
+              <a:rPr lang="en-US" sz="900" dirty="0" err="1"/>
+              <a:t>db.Float</a:t>
+            </a:r>
+            <a:r>
+              <a:rPr lang="en-US" sz="900" dirty="0"/>
+              <a:t>) #difference </a:t>
+            </a:r>
+            <a:r>
+              <a:rPr lang="en-US" sz="900" dirty="0" err="1"/>
+              <a:t>bewteen</a:t>
+            </a:r>
+            <a:r>
+              <a:rPr lang="en-US" sz="900" dirty="0"/>
+              <a:t> </a:t>
+            </a:r>
+            <a:r>
+              <a:rPr lang="en-US" sz="900" dirty="0" err="1"/>
+              <a:t>utc</a:t>
+            </a:r>
+            <a:r>
+              <a:rPr lang="en-US" sz="900" dirty="0"/>
+              <a:t> and </a:t>
+            </a:r>
+            <a:r>
+              <a:rPr lang="en-US" sz="900" dirty="0" err="1"/>
+              <a:t>timezone</a:t>
+            </a:r>
+            <a:r>
+              <a:rPr lang="en-US" sz="900" dirty="0"/>
+              <a:t> of exercise</a:t>
+            </a:r>
+          </a:p>
+          <a:p>
+            <a:pPr lvl="1"/>
+            <a:r>
+              <a:rPr lang="en-US" sz="900" dirty="0" err="1"/>
+              <a:t>time_stamp_utc</a:t>
+            </a:r>
+            <a:r>
+              <a:rPr lang="en-US" sz="900" dirty="0"/>
+              <a:t> – time stamp of entry </a:t>
+            </a:r>
+          </a:p>
+          <a:p>
+            <a:pPr lvl="1"/>
+            <a:r>
+              <a:rPr lang="en-US" sz="900" dirty="0">
+                <a:highlight>
+                  <a:srgbClr val="FFFF00"/>
+                </a:highlight>
+              </a:rPr>
+              <a:t>Duration of workout (in seconds )</a:t>
+            </a:r>
+          </a:p>
+          <a:p>
+            <a:pPr lvl="1"/>
+            <a:r>
+              <a:rPr lang="en-US" sz="900" dirty="0"/>
+              <a:t>Metric1_cardio</a:t>
+            </a:r>
+          </a:p>
+          <a:p>
+            <a:pPr lvl="1"/>
+            <a:r>
+              <a:rPr lang="en-US" sz="900" dirty="0"/>
+              <a:t>Metric2</a:t>
+            </a:r>
+          </a:p>
+          <a:p>
+            <a:pPr lvl="1"/>
+            <a:r>
+              <a:rPr lang="en-US" sz="900" dirty="0"/>
+              <a:t>Metric3</a:t>
+            </a:r>
+          </a:p>
+          <a:p>
+            <a:pPr lvl="1"/>
+            <a:r>
+              <a:rPr lang="en-US" sz="900" dirty="0"/>
+              <a:t>Metric4</a:t>
+            </a:r>
+          </a:p>
+          <a:p>
+            <a:pPr lvl="1"/>
+            <a:r>
+              <a:rPr lang="en-US" sz="900" dirty="0"/>
+              <a:t>metric5</a:t>
+            </a:r>
+          </a:p>
+          <a:p>
+            <a:endParaRPr lang="en-US" sz="1000" dirty="0"/>
+          </a:p>
+          <a:p>
+            <a:r>
+              <a:rPr lang="en-US" sz="1000" dirty="0" err="1"/>
+              <a:t>Health_measure</a:t>
+            </a:r>
+            <a:endParaRPr lang="en-US" sz="1000" dirty="0"/>
+          </a:p>
+          <a:p>
+            <a:pPr lvl="1"/>
+            <a:r>
+              <a:rPr lang="en-US" sz="900" dirty="0"/>
+              <a:t>Id</a:t>
+            </a:r>
+          </a:p>
+          <a:p>
+            <a:pPr lvl="1"/>
+            <a:r>
+              <a:rPr lang="en-US" sz="900" dirty="0" err="1"/>
+              <a:t>description_id</a:t>
+            </a:r>
+            <a:r>
+              <a:rPr lang="en-US" sz="900" dirty="0"/>
+              <a:t> (foreign key)</a:t>
+            </a:r>
+          </a:p>
+          <a:p>
+            <a:pPr lvl="1"/>
+            <a:r>
+              <a:rPr lang="en-US" sz="900" dirty="0" err="1"/>
+              <a:t>var_datetime_utc</a:t>
+            </a:r>
+            <a:r>
+              <a:rPr lang="en-US" sz="900" dirty="0"/>
+              <a:t>  (Date, hour, min, sec converted to </a:t>
+            </a:r>
+            <a:r>
+              <a:rPr lang="en-US" sz="900" dirty="0" err="1"/>
+              <a:t>utc</a:t>
+            </a:r>
+            <a:r>
+              <a:rPr lang="en-US" sz="900" dirty="0"/>
+              <a:t>)</a:t>
+            </a:r>
+          </a:p>
+          <a:p>
+            <a:pPr lvl="1"/>
+            <a:r>
+              <a:rPr lang="en-US" sz="900" dirty="0" err="1"/>
+              <a:t>Var_value</a:t>
+            </a:r>
+            <a:r>
+              <a:rPr lang="en-US" sz="900" dirty="0"/>
+              <a:t> [measurement]</a:t>
+            </a:r>
+          </a:p>
+          <a:p>
+            <a:pPr lvl="1"/>
+            <a:r>
+              <a:rPr lang="en-US" sz="900" dirty="0" err="1">
+                <a:highlight>
+                  <a:srgbClr val="FFFF00"/>
+                </a:highlight>
+              </a:rPr>
+              <a:t>Var_unit</a:t>
+            </a:r>
+            <a:endParaRPr lang="en-US" sz="900" dirty="0">
+              <a:highlight>
+                <a:srgbClr val="FFFF00"/>
+              </a:highlight>
+            </a:endParaRPr>
+          </a:p>
+          <a:p>
+            <a:pPr lvl="1"/>
+            <a:r>
+              <a:rPr lang="en-US" sz="900" dirty="0" err="1">
+                <a:highlight>
+                  <a:srgbClr val="FFFF00"/>
+                </a:highlight>
+              </a:rPr>
+              <a:t>Var_type</a:t>
+            </a:r>
+            <a:r>
+              <a:rPr lang="en-US" sz="900">
+                <a:highlight>
+                  <a:srgbClr val="FFFF00"/>
+                </a:highlight>
+              </a:rPr>
+              <a:t> - Type </a:t>
+            </a:r>
+            <a:r>
+              <a:rPr lang="en-US" sz="900" dirty="0">
+                <a:highlight>
+                  <a:srgbClr val="FFFF00"/>
+                </a:highlight>
+              </a:rPr>
+              <a:t>of measure (heart rate, time, speed, etc.)</a:t>
+            </a:r>
+          </a:p>
+          <a:p>
+            <a:pPr lvl="1"/>
+            <a:endParaRPr lang="en-US" sz="900" dirty="0">
+              <a:highlight>
+                <a:srgbClr val="FFFF00"/>
+              </a:highlight>
+            </a:endParaRPr>
+          </a:p>
+          <a:p>
+            <a:pPr lvl="1"/>
+            <a:endParaRPr lang="en-US" sz="900" dirty="0"/>
+          </a:p>
+        </p:txBody>
+      </p:sp>
+      <p:sp>
+        <p:nvSpPr>
+          <p:cNvPr id="4" name="TextBox 3">
+            <a:extLst>
+              <a:ext uri="{FF2B5EF4-FFF2-40B4-BE49-F238E27FC236}">
+                <a16:creationId xmlns:a16="http://schemas.microsoft.com/office/drawing/2014/main" id="{16AC410D-4FDE-4ECD-8104-91DD87EC4AB5}"/>
+              </a:ext>
+            </a:extLst>
+          </p:cNvPr>
+          <p:cNvSpPr txBox="1"/>
+          <p:nvPr/>
+        </p:nvSpPr>
+        <p:spPr>
+          <a:xfrm>
+            <a:off x="335280" y="5292546"/>
+            <a:ext cx="5590032" cy="1200329"/>
+          </a:xfrm>
+          <a:prstGeom prst="rect">
+            <a:avLst/>
+          </a:prstGeom>
+          <a:noFill/>
+        </p:spPr>
+        <p:txBody>
+          <a:bodyPr wrap="square" rtlCol="0">
+            <a:spAutoFit/>
+          </a:bodyPr>
+          <a:lstStyle/>
+          <a:p>
+            <a:r>
+              <a:rPr lang="en-US" dirty="0"/>
+              <a:t>Data upload processing steps:</a:t>
+            </a:r>
+          </a:p>
+          <a:p>
+            <a:pPr marL="342900" indent="-342900">
+              <a:buFont typeface="+mj-lt"/>
+              <a:buAutoNum type="arabicPeriod"/>
+            </a:pPr>
+            <a:r>
+              <a:rPr lang="en-US" dirty="0"/>
+              <a:t>Data gets uploaded through web or phone app. </a:t>
+            </a:r>
+          </a:p>
+          <a:p>
+            <a:pPr marL="342900" indent="-342900">
+              <a:buFont typeface="+mj-lt"/>
+              <a:buAutoNum type="arabicPeriod"/>
+            </a:pPr>
+            <a:r>
+              <a:rPr lang="en-US" dirty="0"/>
+              <a:t>Backend converts the input data to fit in Variable table via pandas </a:t>
+            </a:r>
+            <a:r>
+              <a:rPr lang="en-US" dirty="0" err="1"/>
+              <a:t>dataframe</a:t>
+            </a:r>
+            <a:r>
+              <a:rPr lang="en-US" dirty="0"/>
+              <a:t>. </a:t>
+            </a:r>
+          </a:p>
+        </p:txBody>
+      </p:sp>
+      <p:sp>
+        <p:nvSpPr>
+          <p:cNvPr id="5" name="TextBox 4">
+            <a:extLst>
+              <a:ext uri="{FF2B5EF4-FFF2-40B4-BE49-F238E27FC236}">
+                <a16:creationId xmlns:a16="http://schemas.microsoft.com/office/drawing/2014/main" id="{E2302978-4299-4BE6-87E5-0A396DEBDAD0}"/>
+              </a:ext>
+            </a:extLst>
+          </p:cNvPr>
+          <p:cNvSpPr txBox="1"/>
+          <p:nvPr/>
+        </p:nvSpPr>
+        <p:spPr>
+          <a:xfrm>
+            <a:off x="6275832" y="5310834"/>
+            <a:ext cx="5580888" cy="1200329"/>
+          </a:xfrm>
+          <a:prstGeom prst="rect">
+            <a:avLst/>
+          </a:prstGeom>
+          <a:noFill/>
+        </p:spPr>
+        <p:txBody>
+          <a:bodyPr wrap="square" rtlCol="0">
+            <a:spAutoFit/>
+          </a:bodyPr>
+          <a:lstStyle/>
+          <a:p>
+            <a:r>
+              <a:rPr lang="en-US" dirty="0"/>
+              <a:t>Data report processing steps:</a:t>
+            </a:r>
+          </a:p>
+          <a:p>
+            <a:pPr marL="342900" indent="-342900">
+              <a:buFont typeface="+mj-lt"/>
+              <a:buAutoNum type="arabicPeriod"/>
+            </a:pPr>
+            <a:r>
+              <a:rPr lang="en-US" dirty="0"/>
+              <a:t>Collect data from database into </a:t>
+            </a:r>
+            <a:r>
+              <a:rPr lang="en-US" dirty="0" err="1"/>
+              <a:t>dataframe</a:t>
+            </a:r>
+            <a:r>
+              <a:rPr lang="en-US" dirty="0"/>
+              <a:t>.</a:t>
+            </a:r>
+          </a:p>
+          <a:p>
+            <a:pPr marL="342900" indent="-342900">
+              <a:buFont typeface="+mj-lt"/>
+              <a:buAutoNum type="arabicPeriod"/>
+            </a:pPr>
+            <a:r>
+              <a:rPr lang="en-US" dirty="0"/>
+              <a:t>Convert </a:t>
+            </a:r>
+            <a:r>
+              <a:rPr lang="en-US" dirty="0" err="1"/>
+              <a:t>dataframe</a:t>
+            </a:r>
+            <a:r>
+              <a:rPr lang="en-US" dirty="0"/>
+              <a:t> to format for chart, table or </a:t>
+            </a:r>
+            <a:r>
+              <a:rPr lang="en-US" dirty="0" err="1"/>
+              <a:t>excelt</a:t>
+            </a:r>
+            <a:r>
+              <a:rPr lang="en-US" dirty="0"/>
+              <a:t> </a:t>
+            </a:r>
+            <a:r>
+              <a:rPr lang="en-US"/>
+              <a:t>report.</a:t>
+            </a:r>
+            <a:endParaRPr lang="en-US" dirty="0"/>
+          </a:p>
+        </p:txBody>
+      </p:sp>
+    </p:spTree>
+    <p:extLst>
+      <p:ext uri="{BB962C8B-B14F-4D97-AF65-F5344CB8AC3E}">
+        <p14:creationId xmlns:p14="http://schemas.microsoft.com/office/powerpoint/2010/main" val="2460427629"/>
+      </p:ext>
+    </p:extLst>
+  </p:cSld>
+  <p:clrMapOvr>
+    <a:masterClrMapping/>
+  </p:clrMapOvr>
+</p:sld>
+</file>
+
+<file path=ppt/slides/slide11.xml><?xml version="1.0" encoding="utf-8"?>
 <p:sld xmlns:a="http://schemas.openxmlformats.org/drawingml/2006/main" xmlns:r="http://schemas.openxmlformats.org/officeDocument/2006/relationships" xmlns:p="http://schemas.openxmlformats.org/presentationml/2006/main">
   <p:cSld>
     <p:spTree>
@@ -5011,6 +5732,302 @@
 </p:sld>
 </file>
 
+<file path=ppt/slides/slide12.xml><?xml version="1.0" encoding="utf-8"?>
+<p:sld xmlns:a="http://schemas.openxmlformats.org/drawingml/2006/main" xmlns:r="http://schemas.openxmlformats.org/officeDocument/2006/relationships" xmlns:p="http://schemas.openxmlformats.org/presentationml/2006/main">
+  <p:cSld>
+    <p:spTree>
+      <p:nvGrpSpPr>
+        <p:cNvPr id="1" name=""/>
+        <p:cNvGrpSpPr/>
+        <p:nvPr/>
+      </p:nvGrpSpPr>
+      <p:grpSpPr>
+        <a:xfrm>
+          <a:off x="0" y="0"/>
+          <a:ext cx="0" cy="0"/>
+          <a:chOff x="0" y="0"/>
+          <a:chExt cx="0" cy="0"/>
+        </a:xfrm>
+      </p:grpSpPr>
+      <p:sp>
+        <p:nvSpPr>
+          <p:cNvPr id="2" name="Title 1">
+            <a:extLst>
+              <a:ext uri="{FF2B5EF4-FFF2-40B4-BE49-F238E27FC236}">
+                <a16:creationId xmlns:a16="http://schemas.microsoft.com/office/drawing/2014/main" id="{9732167D-70E6-492E-8CD4-228276C98778}"/>
+              </a:ext>
+            </a:extLst>
+          </p:cNvPr>
+          <p:cNvSpPr>
+            <a:spLocks noGrp="1"/>
+          </p:cNvSpPr>
+          <p:nvPr>
+            <p:ph type="title"/>
+          </p:nvPr>
+        </p:nvSpPr>
+        <p:spPr/>
+        <p:txBody>
+          <a:bodyPr/>
+          <a:lstStyle/>
+          <a:p>
+            <a:r>
+              <a:rPr lang="en-US" dirty="0"/>
+              <a:t>Heart Rate Model 8/17/2021</a:t>
+            </a:r>
+            <a:br>
+              <a:rPr lang="en-US" dirty="0"/>
+            </a:br>
+            <a:r>
+              <a:rPr lang="en-US" dirty="0"/>
+              <a:t>Michaelis-M Equation</a:t>
+            </a:r>
+          </a:p>
+        </p:txBody>
+      </p:sp>
+      <mc:AlternateContent xmlns:mc="http://schemas.openxmlformats.org/markup-compatibility/2006">
+        <mc:Choice xmlns:a14="http://schemas.microsoft.com/office/drawing/2010/main" Requires="a14">
+          <p:sp>
+            <p:nvSpPr>
+              <p:cNvPr id="3" name="Content Placeholder 2">
+                <a:extLst>
+                  <a:ext uri="{FF2B5EF4-FFF2-40B4-BE49-F238E27FC236}">
+                    <a16:creationId xmlns:a16="http://schemas.microsoft.com/office/drawing/2014/main" id="{AC3D23B7-A69F-4034-971F-9EFCD31B22C3}"/>
+                  </a:ext>
+                </a:extLst>
+              </p:cNvPr>
+              <p:cNvSpPr>
+                <a:spLocks noGrp="1"/>
+              </p:cNvSpPr>
+              <p:nvPr>
+                <p:ph idx="1"/>
+              </p:nvPr>
+            </p:nvSpPr>
+            <p:spPr>
+              <a:xfrm>
+                <a:off x="3251200" y="2625725"/>
+                <a:ext cx="4089400" cy="984687"/>
+              </a:xfrm>
+            </p:spPr>
+            <p:txBody>
+              <a:bodyPr>
+                <a:normAutofit/>
+              </a:bodyPr>
+              <a:lstStyle/>
+              <a:p>
+                <a:pPr marL="0" indent="0">
+                  <a:buNone/>
+                </a:pPr>
+                <a14:m>
+                  <m:oMathPara xmlns:m="http://schemas.openxmlformats.org/officeDocument/2006/math">
+                    <m:oMathParaPr>
+                      <m:jc m:val="centerGroup"/>
+                    </m:oMathParaPr>
+                    <m:oMath xmlns:m="http://schemas.openxmlformats.org/officeDocument/2006/math">
+                      <m:f>
+                        <m:fPr>
+                          <m:ctrlPr>
+                            <a:rPr lang="en-US" i="1"/>
+                          </m:ctrlPr>
+                        </m:fPr>
+                        <m:num>
+                          <m:r>
+                            <a:rPr lang="en-US" i="1"/>
+                            <m:t>𝑎𝑋</m:t>
+                          </m:r>
+                        </m:num>
+                        <m:den>
+                          <m:r>
+                            <a:rPr lang="en-US" i="1"/>
+                            <m:t>𝑏</m:t>
+                          </m:r>
+                          <m:r>
+                            <a:rPr lang="en-US" i="1"/>
+                            <m:t>+</m:t>
+                          </m:r>
+                          <m:r>
+                            <a:rPr lang="en-US" i="1"/>
+                            <m:t>𝑋</m:t>
+                          </m:r>
+                        </m:den>
+                      </m:f>
+                    </m:oMath>
+                  </m:oMathPara>
+                </a14:m>
+                <a:endParaRPr lang="en-US" dirty="0"/>
+              </a:p>
+            </p:txBody>
+          </p:sp>
+        </mc:Choice>
+        <mc:Fallback>
+          <p:sp>
+            <p:nvSpPr>
+              <p:cNvPr id="3" name="Content Placeholder 2">
+                <a:extLst>
+                  <a:ext uri="{FF2B5EF4-FFF2-40B4-BE49-F238E27FC236}">
+                    <a16:creationId xmlns:a16="http://schemas.microsoft.com/office/drawing/2014/main" id="{AC3D23B7-A69F-4034-971F-9EFCD31B22C3}"/>
+                  </a:ext>
+                </a:extLst>
+              </p:cNvPr>
+              <p:cNvSpPr>
+                <a:spLocks noGrp="1" noRot="1" noChangeAspect="1" noMove="1" noResize="1" noEditPoints="1" noAdjustHandles="1" noChangeArrowheads="1" noChangeShapeType="1" noTextEdit="1"/>
+              </p:cNvSpPr>
+              <p:nvPr>
+                <p:ph idx="1"/>
+              </p:nvPr>
+            </p:nvSpPr>
+            <p:spPr>
+              <a:xfrm>
+                <a:off x="3251200" y="2625725"/>
+                <a:ext cx="4089400" cy="984687"/>
+              </a:xfrm>
+              <a:blipFill>
+                <a:blip r:embed="rId2"/>
+                <a:stretch>
+                  <a:fillRect/>
+                </a:stretch>
+              </a:blipFill>
+            </p:spPr>
+            <p:txBody>
+              <a:bodyPr/>
+              <a:lstStyle/>
+              <a:p>
+                <a:r>
+                  <a:rPr lang="en-US">
+                    <a:noFill/>
+                  </a:rPr>
+                  <a:t> </a:t>
+                </a:r>
+              </a:p>
+            </p:txBody>
+          </p:sp>
+        </mc:Fallback>
+      </mc:AlternateContent>
+      <p:sp>
+        <p:nvSpPr>
+          <p:cNvPr id="4" name="TextBox 3">
+            <a:extLst>
+              <a:ext uri="{FF2B5EF4-FFF2-40B4-BE49-F238E27FC236}">
+                <a16:creationId xmlns:a16="http://schemas.microsoft.com/office/drawing/2014/main" id="{16A92D4A-C192-498A-9AF5-165CBA52D7AF}"/>
+              </a:ext>
+            </a:extLst>
+          </p:cNvPr>
+          <p:cNvSpPr txBox="1"/>
+          <p:nvPr/>
+        </p:nvSpPr>
+        <p:spPr>
+          <a:xfrm>
+            <a:off x="1231900" y="4572000"/>
+            <a:ext cx="6299200" cy="1477328"/>
+          </a:xfrm>
+          <a:prstGeom prst="rect">
+            <a:avLst/>
+          </a:prstGeom>
+          <a:noFill/>
+        </p:spPr>
+        <p:txBody>
+          <a:bodyPr wrap="square" rtlCol="0">
+            <a:spAutoFit/>
+          </a:bodyPr>
+          <a:lstStyle/>
+          <a:p>
+            <a:pPr marL="0" marR="0">
+              <a:spcBef>
+                <a:spcPts val="0"/>
+              </a:spcBef>
+              <a:spcAft>
+                <a:spcPts val="0"/>
+              </a:spcAft>
+            </a:pPr>
+            <a:r>
+              <a:rPr lang="en-US" sz="1800" dirty="0">
+                <a:effectLst/>
+                <a:latin typeface="Calibri" panose="020F0502020204030204" pitchFamily="34" charset="0"/>
+                <a:ea typeface="Calibri" panose="020F0502020204030204" pitchFamily="34" charset="0"/>
+                <a:cs typeface="Times New Roman" panose="02020603050405020304" pitchFamily="18" charset="0"/>
+              </a:rPr>
+              <a:t>Where,</a:t>
+            </a:r>
+          </a:p>
+          <a:p>
+            <a:pPr marL="0" marR="0">
+              <a:spcBef>
+                <a:spcPts val="0"/>
+              </a:spcBef>
+              <a:spcAft>
+                <a:spcPts val="0"/>
+              </a:spcAft>
+            </a:pPr>
+            <a:r>
+              <a:rPr lang="en-US" sz="1800" dirty="0">
+                <a:effectLst/>
+                <a:latin typeface="Calibri" panose="020F0502020204030204" pitchFamily="34" charset="0"/>
+                <a:ea typeface="Calibri" panose="020F0502020204030204" pitchFamily="34" charset="0"/>
+                <a:cs typeface="Times New Roman" panose="02020603050405020304" pitchFamily="18" charset="0"/>
+              </a:rPr>
+              <a:t>	a= is the maximum heart rate</a:t>
+            </a:r>
+          </a:p>
+          <a:p>
+            <a:pPr marL="0" marR="0">
+              <a:spcBef>
+                <a:spcPts val="0"/>
+              </a:spcBef>
+              <a:spcAft>
+                <a:spcPts val="0"/>
+              </a:spcAft>
+            </a:pPr>
+            <a:r>
+              <a:rPr lang="en-US" sz="1800" dirty="0">
+                <a:effectLst/>
+                <a:latin typeface="Calibri" panose="020F0502020204030204" pitchFamily="34" charset="0"/>
+                <a:ea typeface="Calibri" panose="020F0502020204030204" pitchFamily="34" charset="0"/>
+                <a:cs typeface="Times New Roman" panose="02020603050405020304" pitchFamily="18" charset="0"/>
+              </a:rPr>
+              <a:t>	b=shape parameter of the training session</a:t>
+            </a:r>
+          </a:p>
+          <a:p>
+            <a:pPr marL="0" marR="0">
+              <a:spcBef>
+                <a:spcPts val="0"/>
+              </a:spcBef>
+              <a:spcAft>
+                <a:spcPts val="0"/>
+              </a:spcAft>
+            </a:pPr>
+            <a:r>
+              <a:rPr lang="en-US" dirty="0">
+                <a:latin typeface="Calibri" panose="020F0502020204030204" pitchFamily="34" charset="0"/>
+                <a:ea typeface="Calibri" panose="020F0502020204030204" pitchFamily="34" charset="0"/>
+                <a:cs typeface="Times New Roman" panose="02020603050405020304" pitchFamily="18" charset="0"/>
+              </a:rPr>
+              <a:t>	X=Heart Rate</a:t>
+            </a:r>
+            <a:endParaRPr lang="en-US" sz="1800" dirty="0">
+              <a:effectLst/>
+              <a:latin typeface="Calibri" panose="020F0502020204030204" pitchFamily="34" charset="0"/>
+              <a:ea typeface="Calibri" panose="020F0502020204030204" pitchFamily="34" charset="0"/>
+              <a:cs typeface="Times New Roman" panose="02020603050405020304" pitchFamily="18" charset="0"/>
+            </a:endParaRPr>
+          </a:p>
+          <a:p>
+            <a:endParaRPr lang="en-US" dirty="0"/>
+          </a:p>
+        </p:txBody>
+      </p:sp>
+    </p:spTree>
+    <p:extLst>
+      <p:ext uri="{BB962C8B-B14F-4D97-AF65-F5344CB8AC3E}">
+        <p14:creationId xmlns:p14="http://schemas.microsoft.com/office/powerpoint/2010/main" val="2267054047"/>
+      </p:ext>
+    </p:extLst>
+  </p:cSld>
+  <p:clrMapOvr>
+    <a:masterClrMapping/>
+  </p:clrMapOvr>
+</p:sld>
+</file>
+
 <file path=ppt/slides/slide2.xml><?xml version="1.0" encoding="utf-8"?>
 <p:sld xmlns:a="http://schemas.openxmlformats.org/drawingml/2006/main" xmlns:r="http://schemas.openxmlformats.org/officeDocument/2006/relationships" xmlns:p="http://schemas.openxmlformats.org/presentationml/2006/main">
   <p:cSld>
